--- a/intro-to-go.pptx
+++ b/intro-to-go.pptx
@@ -9,30 +9,29 @@
     <p:sldId id="257" r:id="rId3"/>
     <p:sldId id="262" r:id="rId4"/>
     <p:sldId id="258" r:id="rId5"/>
-    <p:sldId id="269" r:id="rId6"/>
-    <p:sldId id="290" r:id="rId7"/>
-    <p:sldId id="270" r:id="rId8"/>
-    <p:sldId id="271" r:id="rId9"/>
-    <p:sldId id="272" r:id="rId10"/>
-    <p:sldId id="268" r:id="rId11"/>
-    <p:sldId id="259" r:id="rId12"/>
-    <p:sldId id="274" r:id="rId13"/>
-    <p:sldId id="273" r:id="rId14"/>
-    <p:sldId id="287" r:id="rId15"/>
-    <p:sldId id="264" r:id="rId16"/>
-    <p:sldId id="285" r:id="rId17"/>
-    <p:sldId id="288" r:id="rId18"/>
-    <p:sldId id="260" r:id="rId19"/>
-    <p:sldId id="279" r:id="rId20"/>
-    <p:sldId id="282" r:id="rId21"/>
-    <p:sldId id="284" r:id="rId22"/>
-    <p:sldId id="289" r:id="rId23"/>
-    <p:sldId id="265" r:id="rId24"/>
-    <p:sldId id="277" r:id="rId25"/>
-    <p:sldId id="275" r:id="rId26"/>
-    <p:sldId id="276" r:id="rId27"/>
-    <p:sldId id="267" r:id="rId28"/>
-    <p:sldId id="281" r:id="rId29"/>
+    <p:sldId id="290" r:id="rId6"/>
+    <p:sldId id="270" r:id="rId7"/>
+    <p:sldId id="271" r:id="rId8"/>
+    <p:sldId id="272" r:id="rId9"/>
+    <p:sldId id="268" r:id="rId10"/>
+    <p:sldId id="259" r:id="rId11"/>
+    <p:sldId id="274" r:id="rId12"/>
+    <p:sldId id="273" r:id="rId13"/>
+    <p:sldId id="287" r:id="rId14"/>
+    <p:sldId id="264" r:id="rId15"/>
+    <p:sldId id="285" r:id="rId16"/>
+    <p:sldId id="288" r:id="rId17"/>
+    <p:sldId id="260" r:id="rId18"/>
+    <p:sldId id="279" r:id="rId19"/>
+    <p:sldId id="282" r:id="rId20"/>
+    <p:sldId id="284" r:id="rId21"/>
+    <p:sldId id="289" r:id="rId22"/>
+    <p:sldId id="265" r:id="rId23"/>
+    <p:sldId id="277" r:id="rId24"/>
+    <p:sldId id="275" r:id="rId25"/>
+    <p:sldId id="276" r:id="rId26"/>
+    <p:sldId id="267" r:id="rId27"/>
+    <p:sldId id="281" r:id="rId28"/>
   </p:sldIdLst>
   <p:sldSz cx="9144000" cy="6858000" type="screen4x3"/>
   <p:notesSz cx="6858000" cy="9144000"/>
@@ -3307,7 +3306,7 @@
       </p:grpSpPr>
       <p:sp>
         <p:nvSpPr>
-          <p:cNvPr id="4" name="Titel 3"/>
+          <p:cNvPr id="2" name="Titel 1"/>
           <p:cNvSpPr>
             <a:spLocks noGrp="1"/>
           </p:cNvSpPr>
@@ -3321,48 +3320,462 @@
           <a:lstStyle/>
           <a:p>
             <a:r>
-              <a:rPr lang="de-DE" smtClean="0"/>
+              <a:rPr lang="de-DE" dirty="0" smtClean="0"/>
               <a:t>2. Einführung in die Sprache</a:t>
             </a:r>
-            <a:endParaRPr lang="de-DE"/>
-          </a:p>
-        </p:txBody>
-      </p:sp>
-      <p:pic>
-        <p:nvPicPr>
-          <p:cNvPr id="6" name="Bild 5" descr="gopher-tagging.jpg"/>
-          <p:cNvPicPr>
-            <a:picLocks noChangeAspect="1"/>
-          </p:cNvPicPr>
-          <p:nvPr/>
-        </p:nvPicPr>
-        <p:blipFill>
-          <a:blip r:embed="rId2">
-            <a:alphaModFix amt="50000"/>
-            <a:extLst>
-              <a:ext uri="{28A0092B-C50C-407E-A947-70E740481C1C}">
-                <a14:useLocalDpi xmlns:a14="http://schemas.microsoft.com/office/drawing/2010/main" val="0"/>
-              </a:ext>
-            </a:extLst>
-          </a:blip>
-          <a:stretch>
-            <a:fillRect/>
-          </a:stretch>
-        </p:blipFill>
-        <p:spPr>
-          <a:xfrm>
-            <a:off x="0" y="1020762"/>
-            <a:ext cx="9144000" cy="4748213"/>
-          </a:xfrm>
-          <a:prstGeom prst="rect">
-            <a:avLst/>
-          </a:prstGeom>
-        </p:spPr>
-      </p:pic>
+            <a:endParaRPr lang="de-DE" dirty="0"/>
+          </a:p>
+        </p:txBody>
+      </p:sp>
+      <p:sp>
+        <p:nvSpPr>
+          <p:cNvPr id="3" name="Inhaltsplatzhalter 2"/>
+          <p:cNvSpPr>
+            <a:spLocks noGrp="1"/>
+          </p:cNvSpPr>
+          <p:nvPr>
+            <p:ph sz="half" idx="1"/>
+          </p:nvPr>
+        </p:nvSpPr>
+        <p:spPr/>
+        <p:txBody>
+          <a:bodyPr>
+            <a:normAutofit fontScale="92500" lnSpcReduction="20000"/>
+          </a:bodyPr>
+          <a:lstStyle/>
+          <a:p>
+            <a:r>
+              <a:rPr lang="de-DE" dirty="0" smtClean="0"/>
+              <a:t>Properties</a:t>
+            </a:r>
+          </a:p>
+          <a:p>
+            <a:pPr lvl="1"/>
+            <a:r>
+              <a:rPr lang="de-DE" dirty="0" err="1" smtClean="0"/>
+              <a:t>statically-typed</a:t>
+            </a:r>
+            <a:endParaRPr lang="de-DE" dirty="0" smtClean="0"/>
+          </a:p>
+          <a:p>
+            <a:pPr lvl="1"/>
+            <a:r>
+              <a:rPr lang="de-DE" dirty="0" err="1" smtClean="0"/>
+              <a:t>garbage-collected</a:t>
+            </a:r>
+            <a:endParaRPr lang="de-DE" dirty="0"/>
+          </a:p>
+          <a:p>
+            <a:pPr lvl="1"/>
+            <a:r>
+              <a:rPr lang="de-DE" dirty="0" err="1" smtClean="0"/>
+              <a:t>structs</a:t>
+            </a:r>
+            <a:endParaRPr lang="de-DE" dirty="0" smtClean="0"/>
+          </a:p>
+          <a:p>
+            <a:pPr lvl="1"/>
+            <a:r>
+              <a:rPr lang="de-DE" dirty="0" smtClean="0"/>
+              <a:t>variable </a:t>
+            </a:r>
+            <a:r>
+              <a:rPr lang="de-DE" dirty="0" err="1" smtClean="0"/>
+              <a:t>length</a:t>
+            </a:r>
+            <a:r>
+              <a:rPr lang="de-DE" dirty="0" smtClean="0"/>
+              <a:t> </a:t>
+            </a:r>
+            <a:r>
+              <a:rPr lang="de-DE" dirty="0" err="1" smtClean="0"/>
+              <a:t>arrays</a:t>
+            </a:r>
+            <a:r>
+              <a:rPr lang="de-DE" dirty="0" smtClean="0"/>
+              <a:t> ("</a:t>
+            </a:r>
+            <a:r>
+              <a:rPr lang="de-DE" dirty="0" err="1" smtClean="0"/>
+              <a:t>slices</a:t>
+            </a:r>
+            <a:r>
+              <a:rPr lang="de-DE" dirty="0" smtClean="0"/>
+              <a:t>“)</a:t>
+            </a:r>
+          </a:p>
+          <a:p>
+            <a:pPr lvl="1"/>
+            <a:r>
+              <a:rPr lang="de-DE" dirty="0" err="1" smtClean="0"/>
+              <a:t>key-value</a:t>
+            </a:r>
+            <a:r>
+              <a:rPr lang="de-DE" dirty="0" smtClean="0"/>
+              <a:t> </a:t>
+            </a:r>
+            <a:r>
+              <a:rPr lang="de-DE" dirty="0" err="1" smtClean="0"/>
+              <a:t>maps</a:t>
+            </a:r>
+            <a:endParaRPr lang="de-DE" dirty="0" smtClean="0"/>
+          </a:p>
+          <a:p>
+            <a:pPr lvl="1"/>
+            <a:r>
+              <a:rPr lang="de-DE" dirty="0" err="1" smtClean="0"/>
+              <a:t>awesome</a:t>
+            </a:r>
+            <a:r>
+              <a:rPr lang="de-DE" dirty="0" smtClean="0"/>
+              <a:t> </a:t>
+            </a:r>
+            <a:r>
+              <a:rPr lang="de-DE" dirty="0" err="1" smtClean="0"/>
+              <a:t>concurrency</a:t>
+            </a:r>
+            <a:r>
+              <a:rPr lang="de-DE" dirty="0" smtClean="0"/>
+              <a:t> </a:t>
+            </a:r>
+            <a:r>
+              <a:rPr lang="de-DE" dirty="0" err="1" smtClean="0"/>
+              <a:t>features</a:t>
+            </a:r>
+            <a:endParaRPr lang="de-DE" dirty="0" smtClean="0"/>
+          </a:p>
+          <a:p>
+            <a:pPr lvl="1"/>
+            <a:r>
+              <a:rPr lang="de-DE" dirty="0" smtClean="0"/>
+              <a:t>type </a:t>
+            </a:r>
+            <a:r>
+              <a:rPr lang="de-DE" dirty="0" err="1" smtClean="0"/>
+              <a:t>inference</a:t>
+            </a:r>
+            <a:endParaRPr lang="de-DE" dirty="0" smtClean="0"/>
+          </a:p>
+          <a:p>
+            <a:pPr lvl="1"/>
+            <a:r>
+              <a:rPr lang="de-DE" dirty="0" err="1" smtClean="0"/>
+              <a:t>methods</a:t>
+            </a:r>
+            <a:r>
+              <a:rPr lang="de-DE" dirty="0" smtClean="0"/>
+              <a:t> on </a:t>
+            </a:r>
+            <a:r>
+              <a:rPr lang="de-DE" dirty="0" err="1" smtClean="0"/>
+              <a:t>types</a:t>
+            </a:r>
+            <a:r>
+              <a:rPr lang="de-DE" dirty="0"/>
+              <a:t/>
+            </a:r>
+            <a:br>
+              <a:rPr lang="de-DE" dirty="0"/>
+            </a:br>
+            <a:r>
+              <a:rPr lang="de-DE" dirty="0" smtClean="0"/>
+              <a:t>(</a:t>
+            </a:r>
+            <a:r>
+              <a:rPr lang="de-DE" dirty="0" err="1" smtClean="0"/>
+              <a:t>no</a:t>
+            </a:r>
+            <a:r>
+              <a:rPr lang="de-DE" dirty="0" smtClean="0"/>
+              <a:t> </a:t>
+            </a:r>
+            <a:r>
+              <a:rPr lang="de-DE" dirty="0" err="1" smtClean="0"/>
+              <a:t>classes</a:t>
+            </a:r>
+            <a:r>
+              <a:rPr lang="de-DE" dirty="0" smtClean="0"/>
+              <a:t>!)</a:t>
+            </a:r>
+          </a:p>
+          <a:p>
+            <a:pPr lvl="1"/>
+            <a:r>
+              <a:rPr lang="de-DE" dirty="0" err="1" smtClean="0"/>
+              <a:t>pointers</a:t>
+            </a:r>
+            <a:endParaRPr lang="de-DE" dirty="0" smtClean="0"/>
+          </a:p>
+          <a:p>
+            <a:endParaRPr lang="de-DE" dirty="0" smtClean="0"/>
+          </a:p>
+        </p:txBody>
+      </p:sp>
+      <p:sp>
+        <p:nvSpPr>
+          <p:cNvPr id="4" name="Inhaltsplatzhalter 3"/>
+          <p:cNvSpPr>
+            <a:spLocks noGrp="1"/>
+          </p:cNvSpPr>
+          <p:nvPr>
+            <p:ph sz="half" idx="2"/>
+          </p:nvPr>
+        </p:nvSpPr>
+        <p:spPr/>
+        <p:txBody>
+          <a:bodyPr>
+            <a:normAutofit fontScale="92500" lnSpcReduction="20000"/>
+          </a:bodyPr>
+          <a:lstStyle/>
+          <a:p>
+            <a:r>
+              <a:rPr lang="de-DE" dirty="0" smtClean="0"/>
+              <a:t>Simple </a:t>
+            </a:r>
+            <a:r>
+              <a:rPr lang="de-DE" dirty="0" err="1" smtClean="0"/>
+              <a:t>language</a:t>
+            </a:r>
+            <a:r>
+              <a:rPr lang="de-DE" dirty="0" smtClean="0"/>
+              <a:t> </a:t>
+            </a:r>
+            <a:r>
+              <a:rPr lang="de-DE" dirty="0" err="1" smtClean="0"/>
+              <a:t>Specification</a:t>
+            </a:r>
+            <a:endParaRPr lang="de-DE" dirty="0" smtClean="0"/>
+          </a:p>
+          <a:p>
+            <a:pPr lvl="1"/>
+            <a:r>
+              <a:rPr lang="de-DE" dirty="0" err="1" smtClean="0"/>
+              <a:t>no</a:t>
+            </a:r>
+            <a:r>
+              <a:rPr lang="de-DE" dirty="0" smtClean="0"/>
+              <a:t> type </a:t>
+            </a:r>
+            <a:r>
+              <a:rPr lang="de-DE" dirty="0" err="1" smtClean="0"/>
+              <a:t>inheritance</a:t>
+            </a:r>
+            <a:endParaRPr lang="de-DE" dirty="0" smtClean="0"/>
+          </a:p>
+          <a:p>
+            <a:pPr lvl="1"/>
+            <a:r>
+              <a:rPr lang="de-DE" dirty="0" err="1" smtClean="0"/>
+              <a:t>no</a:t>
+            </a:r>
+            <a:r>
+              <a:rPr lang="de-DE" dirty="0" smtClean="0"/>
+              <a:t> </a:t>
+            </a:r>
+            <a:r>
+              <a:rPr lang="de-DE" dirty="0" err="1" smtClean="0"/>
+              <a:t>method</a:t>
+            </a:r>
+            <a:r>
+              <a:rPr lang="de-DE" dirty="0" smtClean="0"/>
+              <a:t> </a:t>
+            </a:r>
+            <a:r>
+              <a:rPr lang="de-DE" dirty="0" err="1" smtClean="0"/>
+              <a:t>or</a:t>
+            </a:r>
+            <a:r>
+              <a:rPr lang="de-DE" dirty="0" smtClean="0"/>
+              <a:t> </a:t>
+            </a:r>
+            <a:r>
+              <a:rPr lang="de-DE" dirty="0" err="1" smtClean="0"/>
+              <a:t>operator</a:t>
+            </a:r>
+            <a:r>
+              <a:rPr lang="de-DE" dirty="0" smtClean="0"/>
+              <a:t> </a:t>
+            </a:r>
+            <a:r>
+              <a:rPr lang="de-DE" dirty="0" err="1" smtClean="0"/>
+              <a:t>overloading</a:t>
+            </a:r>
+            <a:endParaRPr lang="de-DE" dirty="0" smtClean="0"/>
+          </a:p>
+          <a:p>
+            <a:pPr lvl="1"/>
+            <a:r>
+              <a:rPr lang="de-DE" dirty="0" err="1" smtClean="0"/>
+              <a:t>no</a:t>
+            </a:r>
+            <a:r>
+              <a:rPr lang="de-DE" dirty="0" smtClean="0"/>
+              <a:t> </a:t>
+            </a:r>
+            <a:r>
+              <a:rPr lang="de-DE" dirty="0" err="1" smtClean="0"/>
+              <a:t>circular</a:t>
+            </a:r>
+            <a:r>
+              <a:rPr lang="de-DE" dirty="0" smtClean="0"/>
+              <a:t> </a:t>
+            </a:r>
+            <a:r>
+              <a:rPr lang="de-DE" dirty="0" err="1" smtClean="0"/>
+              <a:t>dependencies</a:t>
+            </a:r>
+            <a:r>
+              <a:rPr lang="de-DE" dirty="0" smtClean="0"/>
+              <a:t> </a:t>
+            </a:r>
+            <a:r>
+              <a:rPr lang="de-DE" dirty="0" err="1" smtClean="0"/>
+              <a:t>among</a:t>
+            </a:r>
+            <a:r>
+              <a:rPr lang="de-DE" dirty="0" smtClean="0"/>
+              <a:t> </a:t>
+            </a:r>
+            <a:r>
+              <a:rPr lang="de-DE" dirty="0" err="1" smtClean="0"/>
+              <a:t>packages</a:t>
+            </a:r>
+            <a:endParaRPr lang="de-DE" dirty="0" smtClean="0"/>
+          </a:p>
+          <a:p>
+            <a:pPr lvl="1"/>
+            <a:r>
+              <a:rPr lang="de-DE" dirty="0" err="1" smtClean="0"/>
+              <a:t>no</a:t>
+            </a:r>
+            <a:r>
+              <a:rPr lang="de-DE" dirty="0" smtClean="0"/>
+              <a:t> </a:t>
+            </a:r>
+            <a:r>
+              <a:rPr lang="de-DE" dirty="0" err="1" smtClean="0"/>
+              <a:t>pointer</a:t>
+            </a:r>
+            <a:r>
+              <a:rPr lang="de-DE" dirty="0" smtClean="0"/>
+              <a:t> </a:t>
+            </a:r>
+            <a:r>
+              <a:rPr lang="de-DE" dirty="0" err="1" smtClean="0"/>
+              <a:t>arithmetic</a:t>
+            </a:r>
+            <a:endParaRPr lang="de-DE" dirty="0" smtClean="0"/>
+          </a:p>
+          <a:p>
+            <a:pPr lvl="1"/>
+            <a:r>
+              <a:rPr lang="de-DE" dirty="0" err="1" smtClean="0"/>
+              <a:t>no</a:t>
+            </a:r>
+            <a:r>
+              <a:rPr lang="de-DE" dirty="0" smtClean="0"/>
+              <a:t> </a:t>
+            </a:r>
+            <a:r>
+              <a:rPr lang="de-DE" dirty="0" err="1" smtClean="0"/>
+              <a:t>assertions</a:t>
+            </a:r>
+            <a:endParaRPr lang="de-DE" dirty="0" smtClean="0"/>
+          </a:p>
+          <a:p>
+            <a:pPr lvl="1"/>
+            <a:r>
+              <a:rPr lang="de-DE" dirty="0" err="1" smtClean="0"/>
+              <a:t>no</a:t>
+            </a:r>
+            <a:r>
+              <a:rPr lang="de-DE" dirty="0" smtClean="0"/>
+              <a:t> </a:t>
+            </a:r>
+            <a:r>
+              <a:rPr lang="de-DE" dirty="0" err="1" smtClean="0"/>
+              <a:t>generic</a:t>
+            </a:r>
+            <a:r>
+              <a:rPr lang="de-DE" dirty="0" smtClean="0"/>
+              <a:t> </a:t>
+            </a:r>
+            <a:r>
+              <a:rPr lang="de-DE" dirty="0" err="1" smtClean="0"/>
+              <a:t>programming</a:t>
+            </a:r>
+            <a:endParaRPr lang="de-DE" dirty="0" smtClean="0"/>
+          </a:p>
+          <a:p>
+            <a:pPr lvl="1"/>
+            <a:r>
+              <a:rPr lang="de-DE" dirty="0" err="1" smtClean="0"/>
+              <a:t>no</a:t>
+            </a:r>
+            <a:r>
+              <a:rPr lang="de-DE" dirty="0" smtClean="0"/>
+              <a:t> </a:t>
+            </a:r>
+            <a:r>
+              <a:rPr lang="de-DE" dirty="0" err="1" smtClean="0"/>
+              <a:t>implicit</a:t>
+            </a:r>
+            <a:r>
+              <a:rPr lang="de-DE" dirty="0" smtClean="0"/>
+              <a:t> type </a:t>
+            </a:r>
+            <a:r>
+              <a:rPr lang="de-DE" dirty="0" err="1" smtClean="0"/>
+              <a:t>conversions</a:t>
+            </a:r>
+            <a:endParaRPr lang="de-DE" dirty="0" smtClean="0"/>
+          </a:p>
+          <a:p>
+            <a:pPr lvl="1"/>
+            <a:r>
+              <a:rPr lang="de-DE" dirty="0" err="1" smtClean="0"/>
+              <a:t>no</a:t>
+            </a:r>
+            <a:r>
+              <a:rPr lang="de-DE" dirty="0" smtClean="0"/>
+              <a:t> </a:t>
+            </a:r>
+            <a:r>
+              <a:rPr lang="de-DE" dirty="0" err="1" smtClean="0"/>
+              <a:t>public</a:t>
+            </a:r>
+            <a:r>
+              <a:rPr lang="de-DE" dirty="0" smtClean="0"/>
+              <a:t> / </a:t>
+            </a:r>
+            <a:r>
+              <a:rPr lang="de-DE" dirty="0" err="1" smtClean="0"/>
+              <a:t>protected</a:t>
+            </a:r>
+            <a:r>
+              <a:rPr lang="de-DE" dirty="0" smtClean="0"/>
+              <a:t> /</a:t>
+            </a:r>
+            <a:r>
+              <a:rPr lang="de-DE" dirty="0"/>
+              <a:t> </a:t>
+            </a:r>
+            <a:r>
+              <a:rPr lang="de-DE" dirty="0" smtClean="0"/>
+              <a:t>private </a:t>
+            </a:r>
+            <a:r>
+              <a:rPr lang="de-DE" i="1" dirty="0" err="1" smtClean="0"/>
+              <a:t>keywords</a:t>
+            </a:r>
+            <a:endParaRPr lang="en-GB" i="1" dirty="0"/>
+          </a:p>
+        </p:txBody>
+      </p:sp>
     </p:spTree>
     <p:extLst>
       <p:ext uri="{BB962C8B-B14F-4D97-AF65-F5344CB8AC3E}">
-        <p14:creationId xmlns:p14="http://schemas.microsoft.com/office/powerpoint/2010/main" val="231368875"/>
+        <p14:creationId xmlns:p14="http://schemas.microsoft.com/office/powerpoint/2010/main" val="3150543901"/>
       </p:ext>
     </p:extLst>
   </p:cSld>
@@ -3415,7 +3828,7 @@
               <a:rPr lang="de-DE" dirty="0" smtClean="0"/>
               <a:t>2. Einführung in die Sprache</a:t>
             </a:r>
-            <a:endParaRPr lang="de-DE" dirty="0"/>
+            <a:endParaRPr lang="en-GB" dirty="0"/>
           </a:p>
         </p:txBody>
       </p:sp>
@@ -3426,448 +3839,100 @@
             <a:spLocks noGrp="1"/>
           </p:cNvSpPr>
           <p:nvPr>
-            <p:ph sz="half" idx="1"/>
+            <p:ph idx="1"/>
           </p:nvPr>
         </p:nvSpPr>
         <p:spPr/>
         <p:txBody>
-          <a:bodyPr>
-            <a:normAutofit fontScale="92500" lnSpcReduction="20000"/>
-          </a:bodyPr>
-          <a:lstStyle/>
-          <a:p>
-            <a:r>
-              <a:rPr lang="de-DE" dirty="0" smtClean="0"/>
-              <a:t>Properties</a:t>
-            </a:r>
+          <a:bodyPr/>
+          <a:lstStyle/>
+          <a:p>
+            <a:r>
+              <a:rPr lang="en-GB" dirty="0" err="1" smtClean="0"/>
+              <a:t>Variablen</a:t>
+            </a:r>
+            <a:r>
+              <a:rPr lang="en-GB" dirty="0" smtClean="0"/>
+              <a:t> und </a:t>
+            </a:r>
+            <a:r>
+              <a:rPr lang="en-GB" dirty="0" err="1" smtClean="0"/>
+              <a:t>Typen</a:t>
+            </a:r>
+            <a:endParaRPr lang="en-GB" dirty="0"/>
           </a:p>
           <a:p>
             <a:pPr lvl="1"/>
             <a:r>
-              <a:rPr lang="de-DE" dirty="0" err="1" smtClean="0"/>
-              <a:t>statically-typed</a:t>
-            </a:r>
-            <a:endParaRPr lang="de-DE" dirty="0" smtClean="0"/>
+              <a:rPr lang="en-GB" dirty="0" smtClean="0"/>
+              <a:t>intro1: Hello, World</a:t>
+            </a:r>
           </a:p>
           <a:p>
             <a:pPr lvl="1"/>
             <a:r>
-              <a:rPr lang="de-DE" dirty="0" err="1" smtClean="0"/>
-              <a:t>garbage-collected</a:t>
-            </a:r>
-            <a:endParaRPr lang="de-DE" dirty="0"/>
+              <a:rPr lang="en-GB" dirty="0" smtClean="0"/>
+              <a:t>intro2: </a:t>
+            </a:r>
+            <a:r>
+              <a:rPr lang="en-GB" dirty="0" err="1" smtClean="0"/>
+              <a:t>Variablen</a:t>
+            </a:r>
+            <a:r>
+              <a:rPr lang="en-GB" dirty="0" smtClean="0"/>
+              <a:t> und primitive </a:t>
+            </a:r>
+            <a:r>
+              <a:rPr lang="en-GB" dirty="0" err="1" smtClean="0"/>
+              <a:t>Typen</a:t>
+            </a:r>
+            <a:endParaRPr lang="en-GB" dirty="0"/>
           </a:p>
           <a:p>
             <a:pPr lvl="1"/>
-            <a:r>
-              <a:rPr lang="de-DE" dirty="0" err="1" smtClean="0"/>
-              <a:t>structs</a:t>
-            </a:r>
-            <a:endParaRPr lang="de-DE" dirty="0" smtClean="0"/>
+            <a:endParaRPr lang="en-GB" dirty="0" smtClean="0"/>
+          </a:p>
+          <a:p>
+            <a:r>
+              <a:rPr lang="en-GB" dirty="0" err="1" smtClean="0"/>
+              <a:t>Flußkontrolle</a:t>
+            </a:r>
+            <a:endParaRPr lang="en-GB" dirty="0"/>
           </a:p>
           <a:p>
             <a:pPr lvl="1"/>
             <a:r>
-              <a:rPr lang="de-DE" dirty="0" smtClean="0"/>
-              <a:t>variable </a:t>
-            </a:r>
-            <a:r>
-              <a:rPr lang="de-DE" dirty="0" err="1" smtClean="0"/>
-              <a:t>length</a:t>
-            </a:r>
-            <a:r>
-              <a:rPr lang="de-DE" dirty="0" smtClean="0"/>
-              <a:t> </a:t>
-            </a:r>
-            <a:r>
-              <a:rPr lang="de-DE" dirty="0" err="1" smtClean="0"/>
-              <a:t>arrays</a:t>
-            </a:r>
-            <a:r>
-              <a:rPr lang="de-DE" dirty="0" smtClean="0"/>
-              <a:t> ("</a:t>
-            </a:r>
-            <a:r>
-              <a:rPr lang="de-DE" dirty="0" err="1" smtClean="0"/>
-              <a:t>slices</a:t>
-            </a:r>
-            <a:r>
-              <a:rPr lang="de-DE" dirty="0" smtClean="0"/>
-              <a:t>“)</a:t>
+              <a:rPr lang="en-GB" dirty="0" smtClean="0"/>
+              <a:t>flow1: for, switch</a:t>
             </a:r>
           </a:p>
           <a:p>
             <a:pPr lvl="1"/>
             <a:r>
-              <a:rPr lang="de-DE" dirty="0" err="1" smtClean="0"/>
-              <a:t>key-value</a:t>
-            </a:r>
-            <a:r>
-              <a:rPr lang="de-DE" dirty="0" smtClean="0"/>
-              <a:t> </a:t>
-            </a:r>
-            <a:r>
-              <a:rPr lang="de-DE" dirty="0" err="1" smtClean="0"/>
-              <a:t>maps</a:t>
-            </a:r>
-            <a:endParaRPr lang="de-DE" dirty="0" smtClean="0"/>
+              <a:rPr lang="en-GB" dirty="0" smtClean="0"/>
+              <a:t>flow2: defer</a:t>
+            </a:r>
           </a:p>
           <a:p>
             <a:pPr lvl="1"/>
             <a:r>
-              <a:rPr lang="de-DE" dirty="0" err="1" smtClean="0"/>
-              <a:t>awesome</a:t>
-            </a:r>
-            <a:r>
-              <a:rPr lang="de-DE" dirty="0" smtClean="0"/>
-              <a:t> </a:t>
-            </a:r>
-            <a:r>
-              <a:rPr lang="de-DE" dirty="0" err="1" smtClean="0"/>
-              <a:t>concurrency</a:t>
-            </a:r>
-            <a:r>
-              <a:rPr lang="de-DE" dirty="0" smtClean="0"/>
-              <a:t> </a:t>
-            </a:r>
-            <a:r>
-              <a:rPr lang="de-DE" dirty="0" err="1" smtClean="0"/>
-              <a:t>features</a:t>
-            </a:r>
-            <a:endParaRPr lang="de-DE" dirty="0" smtClean="0"/>
+              <a:rPr lang="en-GB" dirty="0" smtClean="0"/>
+              <a:t>flow3: panic</a:t>
+            </a:r>
           </a:p>
           <a:p>
             <a:pPr lvl="1"/>
             <a:r>
-              <a:rPr lang="de-DE" dirty="0" smtClean="0"/>
-              <a:t>type </a:t>
-            </a:r>
-            <a:r>
-              <a:rPr lang="de-DE" dirty="0" err="1" smtClean="0"/>
-              <a:t>inference</a:t>
-            </a:r>
-            <a:endParaRPr lang="de-DE" dirty="0" smtClean="0"/>
-          </a:p>
-          <a:p>
-            <a:pPr lvl="1"/>
-            <a:r>
-              <a:rPr lang="de-DE" dirty="0" err="1" smtClean="0"/>
-              <a:t>methods</a:t>
-            </a:r>
-            <a:r>
-              <a:rPr lang="de-DE" dirty="0" smtClean="0"/>
-              <a:t> on </a:t>
-            </a:r>
-            <a:r>
-              <a:rPr lang="de-DE" dirty="0" err="1" smtClean="0"/>
-              <a:t>types</a:t>
-            </a:r>
-            <a:r>
-              <a:rPr lang="de-DE" dirty="0"/>
-              <a:t/>
-            </a:r>
-            <a:br>
-              <a:rPr lang="de-DE" dirty="0"/>
-            </a:br>
-            <a:r>
-              <a:rPr lang="de-DE" dirty="0" smtClean="0"/>
-              <a:t>(</a:t>
-            </a:r>
-            <a:r>
-              <a:rPr lang="de-DE" dirty="0" err="1" smtClean="0"/>
-              <a:t>no</a:t>
-            </a:r>
-            <a:r>
-              <a:rPr lang="de-DE" dirty="0" smtClean="0"/>
-              <a:t> </a:t>
-            </a:r>
-            <a:r>
-              <a:rPr lang="de-DE" dirty="0" err="1" smtClean="0"/>
-              <a:t>classes</a:t>
-            </a:r>
-            <a:r>
-              <a:rPr lang="de-DE" dirty="0" smtClean="0"/>
-              <a:t>!)</a:t>
-            </a:r>
-          </a:p>
-          <a:p>
-            <a:pPr lvl="1"/>
-            <a:r>
-              <a:rPr lang="de-DE" dirty="0" err="1" smtClean="0"/>
-              <a:t>pointers</a:t>
-            </a:r>
-            <a:endParaRPr lang="de-DE" dirty="0" smtClean="0"/>
-          </a:p>
-          <a:p>
-            <a:endParaRPr lang="de-DE" dirty="0" smtClean="0"/>
-          </a:p>
-        </p:txBody>
-      </p:sp>
-      <p:sp>
-        <p:nvSpPr>
-          <p:cNvPr id="4" name="Inhaltsplatzhalter 3"/>
-          <p:cNvSpPr>
-            <a:spLocks noGrp="1"/>
-          </p:cNvSpPr>
-          <p:nvPr>
-            <p:ph sz="half" idx="2"/>
-          </p:nvPr>
-        </p:nvSpPr>
-        <p:spPr/>
-        <p:txBody>
-          <a:bodyPr>
-            <a:normAutofit fontScale="92500" lnSpcReduction="20000"/>
-          </a:bodyPr>
-          <a:lstStyle/>
-          <a:p>
-            <a:r>
-              <a:rPr lang="de-DE" dirty="0" smtClean="0"/>
-              <a:t>Simple </a:t>
-            </a:r>
-            <a:r>
-              <a:rPr lang="de-DE" dirty="0" err="1" smtClean="0"/>
-              <a:t>language</a:t>
-            </a:r>
-            <a:r>
-              <a:rPr lang="de-DE" dirty="0" smtClean="0"/>
-              <a:t> </a:t>
-            </a:r>
-            <a:r>
-              <a:rPr lang="de-DE" dirty="0" err="1" smtClean="0"/>
-              <a:t>Specification</a:t>
-            </a:r>
-            <a:endParaRPr lang="de-DE" dirty="0" smtClean="0"/>
-          </a:p>
-          <a:p>
-            <a:pPr lvl="1"/>
-            <a:r>
-              <a:rPr lang="de-DE" dirty="0" err="1" smtClean="0"/>
-              <a:t>no</a:t>
-            </a:r>
-            <a:r>
-              <a:rPr lang="de-DE" dirty="0" smtClean="0"/>
-              <a:t> type </a:t>
-            </a:r>
-            <a:r>
-              <a:rPr lang="de-DE" dirty="0" err="1" smtClean="0"/>
-              <a:t>inheritance</a:t>
-            </a:r>
-            <a:endParaRPr lang="de-DE" dirty="0" smtClean="0"/>
-          </a:p>
-          <a:p>
-            <a:pPr lvl="1"/>
-            <a:r>
-              <a:rPr lang="de-DE" dirty="0" err="1" smtClean="0"/>
-              <a:t>no</a:t>
-            </a:r>
-            <a:r>
-              <a:rPr lang="de-DE" dirty="0" smtClean="0"/>
-              <a:t> </a:t>
-            </a:r>
-            <a:r>
-              <a:rPr lang="de-DE" dirty="0" err="1" smtClean="0"/>
-              <a:t>method</a:t>
-            </a:r>
-            <a:r>
-              <a:rPr lang="de-DE" dirty="0" smtClean="0"/>
-              <a:t> </a:t>
-            </a:r>
-            <a:r>
-              <a:rPr lang="de-DE" dirty="0" err="1" smtClean="0"/>
-              <a:t>or</a:t>
-            </a:r>
-            <a:r>
-              <a:rPr lang="de-DE" dirty="0" smtClean="0"/>
-              <a:t> </a:t>
-            </a:r>
-            <a:r>
-              <a:rPr lang="de-DE" dirty="0" err="1" smtClean="0"/>
-              <a:t>operator</a:t>
-            </a:r>
-            <a:r>
-              <a:rPr lang="de-DE" dirty="0" smtClean="0"/>
-              <a:t> </a:t>
-            </a:r>
-            <a:r>
-              <a:rPr lang="de-DE" dirty="0" err="1" smtClean="0"/>
-              <a:t>overloading</a:t>
-            </a:r>
-            <a:endParaRPr lang="de-DE" dirty="0" smtClean="0"/>
-          </a:p>
-          <a:p>
-            <a:pPr lvl="1"/>
-            <a:r>
-              <a:rPr lang="de-DE" dirty="0" err="1" smtClean="0"/>
-              <a:t>no</a:t>
-            </a:r>
-            <a:r>
-              <a:rPr lang="de-DE" dirty="0" smtClean="0"/>
-              <a:t> </a:t>
-            </a:r>
-            <a:r>
-              <a:rPr lang="de-DE" dirty="0" err="1" smtClean="0"/>
-              <a:t>circular</a:t>
-            </a:r>
-            <a:r>
-              <a:rPr lang="de-DE" dirty="0" smtClean="0"/>
-              <a:t> </a:t>
-            </a:r>
-            <a:r>
-              <a:rPr lang="de-DE" dirty="0" err="1" smtClean="0"/>
-              <a:t>dependencies</a:t>
-            </a:r>
-            <a:r>
-              <a:rPr lang="de-DE" dirty="0" smtClean="0"/>
-              <a:t> </a:t>
-            </a:r>
-            <a:r>
-              <a:rPr lang="de-DE" dirty="0" err="1" smtClean="0"/>
-              <a:t>among</a:t>
-            </a:r>
-            <a:r>
-              <a:rPr lang="de-DE" dirty="0" smtClean="0"/>
-              <a:t> </a:t>
-            </a:r>
-            <a:r>
-              <a:rPr lang="de-DE" dirty="0" err="1" smtClean="0"/>
-              <a:t>packages</a:t>
-            </a:r>
-            <a:endParaRPr lang="de-DE" dirty="0" smtClean="0"/>
-          </a:p>
-          <a:p>
-            <a:pPr lvl="1"/>
-            <a:r>
-              <a:rPr lang="de-DE" dirty="0" err="1" smtClean="0"/>
-              <a:t>no</a:t>
-            </a:r>
-            <a:r>
-              <a:rPr lang="de-DE" dirty="0" smtClean="0"/>
-              <a:t> </a:t>
-            </a:r>
-            <a:r>
-              <a:rPr lang="de-DE" dirty="0" err="1" smtClean="0"/>
-              <a:t>pointer</a:t>
-            </a:r>
-            <a:r>
-              <a:rPr lang="de-DE" dirty="0" smtClean="0"/>
-              <a:t> </a:t>
-            </a:r>
-            <a:r>
-              <a:rPr lang="de-DE" dirty="0" err="1" smtClean="0"/>
-              <a:t>arithmetic</a:t>
-            </a:r>
-            <a:endParaRPr lang="de-DE" dirty="0" smtClean="0"/>
-          </a:p>
-          <a:p>
-            <a:pPr lvl="1"/>
-            <a:r>
-              <a:rPr lang="de-DE" dirty="0" err="1" smtClean="0"/>
-              <a:t>no</a:t>
-            </a:r>
-            <a:r>
-              <a:rPr lang="de-DE" dirty="0" smtClean="0"/>
-              <a:t> </a:t>
-            </a:r>
-            <a:r>
-              <a:rPr lang="de-DE" dirty="0" err="1" smtClean="0"/>
-              <a:t>assertions</a:t>
-            </a:r>
-            <a:endParaRPr lang="de-DE" dirty="0" smtClean="0"/>
-          </a:p>
-          <a:p>
-            <a:pPr lvl="1"/>
-            <a:r>
-              <a:rPr lang="de-DE" dirty="0" err="1" smtClean="0"/>
-              <a:t>no</a:t>
-            </a:r>
-            <a:r>
-              <a:rPr lang="de-DE" dirty="0" smtClean="0"/>
-              <a:t> </a:t>
-            </a:r>
-            <a:r>
-              <a:rPr lang="de-DE" dirty="0" err="1" smtClean="0"/>
-              <a:t>generic</a:t>
-            </a:r>
-            <a:r>
-              <a:rPr lang="de-DE" dirty="0" smtClean="0"/>
-              <a:t> </a:t>
-            </a:r>
-            <a:r>
-              <a:rPr lang="de-DE" dirty="0" err="1" smtClean="0"/>
-              <a:t>programming</a:t>
-            </a:r>
-            <a:endParaRPr lang="de-DE" dirty="0" smtClean="0"/>
-          </a:p>
-          <a:p>
-            <a:pPr lvl="1"/>
-            <a:r>
-              <a:rPr lang="de-DE" dirty="0" err="1" smtClean="0"/>
-              <a:t>no</a:t>
-            </a:r>
-            <a:r>
-              <a:rPr lang="de-DE" dirty="0" smtClean="0"/>
-              <a:t> </a:t>
-            </a:r>
-            <a:r>
-              <a:rPr lang="de-DE" dirty="0" err="1" smtClean="0"/>
-              <a:t>implicit</a:t>
-            </a:r>
-            <a:r>
-              <a:rPr lang="de-DE" dirty="0" smtClean="0"/>
-              <a:t> type </a:t>
-            </a:r>
-            <a:r>
-              <a:rPr lang="de-DE" dirty="0" err="1" smtClean="0"/>
-              <a:t>conversions</a:t>
-            </a:r>
-            <a:endParaRPr lang="de-DE" dirty="0" smtClean="0"/>
-          </a:p>
-          <a:p>
-            <a:pPr lvl="1"/>
-            <a:r>
-              <a:rPr lang="de-DE" dirty="0" err="1" smtClean="0"/>
-              <a:t>no</a:t>
-            </a:r>
-            <a:r>
-              <a:rPr lang="de-DE" dirty="0" smtClean="0"/>
-              <a:t> </a:t>
-            </a:r>
-            <a:r>
-              <a:rPr lang="de-DE" dirty="0" err="1" smtClean="0"/>
-              <a:t>public</a:t>
-            </a:r>
-            <a:r>
-              <a:rPr lang="de-DE" dirty="0" smtClean="0"/>
-              <a:t> / </a:t>
-            </a:r>
-            <a:r>
-              <a:rPr lang="de-DE" dirty="0" err="1" smtClean="0"/>
-              <a:t>protected</a:t>
-            </a:r>
-            <a:r>
-              <a:rPr lang="de-DE" dirty="0" smtClean="0"/>
-              <a:t> /</a:t>
-            </a:r>
-            <a:r>
-              <a:rPr lang="de-DE" dirty="0"/>
-              <a:t> </a:t>
-            </a:r>
-            <a:r>
-              <a:rPr lang="de-DE" dirty="0" smtClean="0"/>
-              <a:t>private </a:t>
-            </a:r>
-            <a:r>
-              <a:rPr lang="de-DE" i="1" dirty="0" err="1" smtClean="0"/>
-              <a:t>keywords</a:t>
-            </a:r>
-            <a:endParaRPr lang="en-GB" i="1" dirty="0"/>
+              <a:rPr lang="en-GB" dirty="0" smtClean="0"/>
+              <a:t>flow4: recover</a:t>
+            </a:r>
           </a:p>
         </p:txBody>
       </p:sp>
     </p:spTree>
     <p:extLst>
       <p:ext uri="{BB962C8B-B14F-4D97-AF65-F5344CB8AC3E}">
-        <p14:creationId xmlns:p14="http://schemas.microsoft.com/office/powerpoint/2010/main" val="3150543901"/>
+        <p14:creationId xmlns:p14="http://schemas.microsoft.com/office/powerpoint/2010/main" val="1409207099"/>
       </p:ext>
     </p:extLst>
   </p:cSld>
@@ -3936,87 +4001,99 @@
         </p:nvSpPr>
         <p:spPr/>
         <p:txBody>
-          <a:bodyPr/>
+          <a:bodyPr>
+            <a:normAutofit fontScale="92500" lnSpcReduction="20000"/>
+          </a:bodyPr>
           <a:lstStyle/>
           <a:p>
             <a:r>
               <a:rPr lang="en-GB" dirty="0" err="1" smtClean="0"/>
-              <a:t>Variablen</a:t>
-            </a:r>
+              <a:t>Funktionen</a:t>
+            </a:r>
+            <a:endParaRPr lang="en-GB" dirty="0"/>
+          </a:p>
+          <a:p>
+            <a:pPr lvl="1"/>
             <a:r>
               <a:rPr lang="en-GB" dirty="0" smtClean="0"/>
-              <a:t> und </a:t>
-            </a:r>
+              <a:t>func1: </a:t>
+            </a:r>
+            <a:r>
+              <a:rPr lang="en-GB" dirty="0" err="1" smtClean="0"/>
+              <a:t>Deklarationstypen</a:t>
+            </a:r>
+            <a:endParaRPr lang="en-GB" dirty="0" smtClean="0"/>
+          </a:p>
+          <a:p>
+            <a:pPr lvl="1"/>
+            <a:r>
+              <a:rPr lang="en-GB" dirty="0" smtClean="0"/>
+              <a:t>func2: Functions as values</a:t>
+            </a:r>
+          </a:p>
+          <a:p>
+            <a:pPr lvl="1"/>
+            <a:r>
+              <a:rPr lang="en-GB" dirty="0" smtClean="0"/>
+              <a:t>func3: Closures</a:t>
+            </a:r>
+          </a:p>
+          <a:p>
+            <a:pPr lvl="1"/>
+            <a:endParaRPr lang="en-GB" dirty="0"/>
+          </a:p>
+          <a:p>
             <a:r>
               <a:rPr lang="en-GB" dirty="0" err="1" smtClean="0"/>
               <a:t>Typen</a:t>
             </a:r>
-            <a:endParaRPr lang="en-GB" dirty="0"/>
+            <a:endParaRPr lang="en-GB" dirty="0" smtClean="0"/>
           </a:p>
           <a:p>
             <a:pPr lvl="1"/>
             <a:r>
               <a:rPr lang="en-GB" dirty="0" smtClean="0"/>
-              <a:t>intro1: Hello, World</a:t>
-            </a:r>
+              <a:t>types1: </a:t>
+            </a:r>
+            <a:r>
+              <a:rPr lang="en-GB" dirty="0" err="1" smtClean="0"/>
+              <a:t>structs</a:t>
+            </a:r>
+            <a:endParaRPr lang="en-GB" dirty="0" smtClean="0"/>
           </a:p>
           <a:p>
             <a:pPr lvl="1"/>
             <a:r>
               <a:rPr lang="en-GB" dirty="0" smtClean="0"/>
-              <a:t>intro2: </a:t>
-            </a:r>
-            <a:r>
-              <a:rPr lang="en-GB" dirty="0" err="1" smtClean="0"/>
-              <a:t>Variablen</a:t>
-            </a:r>
+              <a:t>types2: slices</a:t>
+            </a:r>
+          </a:p>
+          <a:p>
+            <a:pPr lvl="1"/>
             <a:r>
               <a:rPr lang="en-GB" dirty="0" smtClean="0"/>
-              <a:t> und primitive </a:t>
-            </a:r>
-            <a:r>
-              <a:rPr lang="en-GB" dirty="0" err="1" smtClean="0"/>
-              <a:t>Typen</a:t>
-            </a:r>
-            <a:endParaRPr lang="en-GB" dirty="0"/>
+              <a:t>types3: maps</a:t>
+            </a:r>
           </a:p>
           <a:p>
             <a:pPr lvl="1"/>
-            <a:endParaRPr lang="en-GB" dirty="0" smtClean="0"/>
-          </a:p>
-          <a:p>
-            <a:r>
-              <a:rPr lang="en-GB" dirty="0" err="1" smtClean="0"/>
-              <a:t>Flußkontrolle</a:t>
-            </a:r>
-            <a:endParaRPr lang="en-GB" dirty="0"/>
+            <a:r>
+              <a:rPr lang="en-GB" dirty="0" smtClean="0"/>
+              <a:t>types4: methods for custom types</a:t>
+            </a:r>
           </a:p>
           <a:p>
             <a:pPr lvl="1"/>
             <a:r>
               <a:rPr lang="en-GB" dirty="0" smtClean="0"/>
-              <a:t>flow1: for, switch</a:t>
+              <a:t>types5: methods for existing types</a:t>
             </a:r>
           </a:p>
           <a:p>
             <a:pPr lvl="1"/>
             <a:r>
               <a:rPr lang="en-GB" dirty="0" smtClean="0"/>
-              <a:t>flow2: defer</a:t>
-            </a:r>
-          </a:p>
-          <a:p>
-            <a:pPr lvl="1"/>
-            <a:r>
-              <a:rPr lang="en-GB" dirty="0" smtClean="0"/>
-              <a:t>flow3: panic</a:t>
-            </a:r>
-          </a:p>
-          <a:p>
-            <a:pPr lvl="1"/>
-            <a:r>
-              <a:rPr lang="en-GB" dirty="0" smtClean="0"/>
-              <a:t>flow4: recover</a:t>
+              <a:t>types6: interfaces</a:t>
             </a:r>
           </a:p>
         </p:txBody>
@@ -4024,7 +4101,7 @@
     </p:spTree>
     <p:extLst>
       <p:ext uri="{BB962C8B-B14F-4D97-AF65-F5344CB8AC3E}">
-        <p14:creationId xmlns:p14="http://schemas.microsoft.com/office/powerpoint/2010/main" val="1409207099"/>
+        <p14:creationId xmlns:p14="http://schemas.microsoft.com/office/powerpoint/2010/main" val="2903212428"/>
       </p:ext>
     </p:extLst>
   </p:cSld>
@@ -4077,175 +4154,6 @@
               <a:rPr lang="de-DE" dirty="0" smtClean="0"/>
               <a:t>2. Einführung in die Sprache</a:t>
             </a:r>
-            <a:endParaRPr lang="en-GB" dirty="0"/>
-          </a:p>
-        </p:txBody>
-      </p:sp>
-      <p:sp>
-        <p:nvSpPr>
-          <p:cNvPr id="3" name="Inhaltsplatzhalter 2"/>
-          <p:cNvSpPr>
-            <a:spLocks noGrp="1"/>
-          </p:cNvSpPr>
-          <p:nvPr>
-            <p:ph idx="1"/>
-          </p:nvPr>
-        </p:nvSpPr>
-        <p:spPr/>
-        <p:txBody>
-          <a:bodyPr>
-            <a:normAutofit fontScale="92500" lnSpcReduction="20000"/>
-          </a:bodyPr>
-          <a:lstStyle/>
-          <a:p>
-            <a:r>
-              <a:rPr lang="en-GB" dirty="0" err="1" smtClean="0"/>
-              <a:t>Funktionen</a:t>
-            </a:r>
-            <a:endParaRPr lang="en-GB" dirty="0"/>
-          </a:p>
-          <a:p>
-            <a:pPr lvl="1"/>
-            <a:r>
-              <a:rPr lang="en-GB" dirty="0" smtClean="0"/>
-              <a:t>func1: </a:t>
-            </a:r>
-            <a:r>
-              <a:rPr lang="en-GB" dirty="0" err="1" smtClean="0"/>
-              <a:t>Deklarationstypen</a:t>
-            </a:r>
-            <a:endParaRPr lang="en-GB" dirty="0" smtClean="0"/>
-          </a:p>
-          <a:p>
-            <a:pPr lvl="1"/>
-            <a:r>
-              <a:rPr lang="en-GB" dirty="0" smtClean="0"/>
-              <a:t>func2: Functions as values</a:t>
-            </a:r>
-          </a:p>
-          <a:p>
-            <a:pPr lvl="1"/>
-            <a:r>
-              <a:rPr lang="en-GB" dirty="0" smtClean="0"/>
-              <a:t>func3: Closures</a:t>
-            </a:r>
-          </a:p>
-          <a:p>
-            <a:pPr lvl="1"/>
-            <a:endParaRPr lang="en-GB" dirty="0"/>
-          </a:p>
-          <a:p>
-            <a:r>
-              <a:rPr lang="en-GB" dirty="0" err="1" smtClean="0"/>
-              <a:t>Typen</a:t>
-            </a:r>
-            <a:endParaRPr lang="en-GB" dirty="0" smtClean="0"/>
-          </a:p>
-          <a:p>
-            <a:pPr lvl="1"/>
-            <a:r>
-              <a:rPr lang="en-GB" dirty="0" smtClean="0"/>
-              <a:t>types1: </a:t>
-            </a:r>
-            <a:r>
-              <a:rPr lang="en-GB" dirty="0" err="1" smtClean="0"/>
-              <a:t>structs</a:t>
-            </a:r>
-            <a:endParaRPr lang="en-GB" dirty="0" smtClean="0"/>
-          </a:p>
-          <a:p>
-            <a:pPr lvl="1"/>
-            <a:r>
-              <a:rPr lang="en-GB" dirty="0" smtClean="0"/>
-              <a:t>types2: slices</a:t>
-            </a:r>
-          </a:p>
-          <a:p>
-            <a:pPr lvl="1"/>
-            <a:r>
-              <a:rPr lang="en-GB" dirty="0" smtClean="0"/>
-              <a:t>types3: maps</a:t>
-            </a:r>
-          </a:p>
-          <a:p>
-            <a:pPr lvl="1"/>
-            <a:r>
-              <a:rPr lang="en-GB" dirty="0" smtClean="0"/>
-              <a:t>types4: methods for custom types</a:t>
-            </a:r>
-          </a:p>
-          <a:p>
-            <a:pPr lvl="1"/>
-            <a:r>
-              <a:rPr lang="en-GB" dirty="0" smtClean="0"/>
-              <a:t>types5: methods for existing types</a:t>
-            </a:r>
-          </a:p>
-          <a:p>
-            <a:pPr lvl="1"/>
-            <a:r>
-              <a:rPr lang="en-GB" dirty="0" smtClean="0"/>
-              <a:t>types6: interfaces</a:t>
-            </a:r>
-          </a:p>
-        </p:txBody>
-      </p:sp>
-    </p:spTree>
-    <p:extLst>
-      <p:ext uri="{BB962C8B-B14F-4D97-AF65-F5344CB8AC3E}">
-        <p14:creationId xmlns:p14="http://schemas.microsoft.com/office/powerpoint/2010/main" val="2903212428"/>
-      </p:ext>
-    </p:extLst>
-  </p:cSld>
-  <p:clrMapOvr>
-    <a:masterClrMapping/>
-  </p:clrMapOvr>
-  <p:timing>
-    <p:tnLst>
-      <p:par>
-        <p:cTn xmlns:p14="http://schemas.microsoft.com/office/powerpoint/2010/main" id="1" dur="indefinite" restart="never" nodeType="tmRoot"/>
-      </p:par>
-    </p:tnLst>
-  </p:timing>
-</p:sld>
-</file>
-
-<file path=ppt/slides/slide14.xml><?xml version="1.0" encoding="utf-8"?>
-<p:sld xmlns:a="http://schemas.openxmlformats.org/drawingml/2006/main" xmlns:r="http://schemas.openxmlformats.org/officeDocument/2006/relationships" xmlns:p="http://schemas.openxmlformats.org/presentationml/2006/main">
-  <p:cSld>
-    <p:spTree>
-      <p:nvGrpSpPr>
-        <p:cNvPr id="1" name=""/>
-        <p:cNvGrpSpPr/>
-        <p:nvPr/>
-      </p:nvGrpSpPr>
-      <p:grpSpPr>
-        <a:xfrm>
-          <a:off x="0" y="0"/>
-          <a:ext cx="0" cy="0"/>
-          <a:chOff x="0" y="0"/>
-          <a:chExt cx="0" cy="0"/>
-        </a:xfrm>
-      </p:grpSpPr>
-      <p:sp>
-        <p:nvSpPr>
-          <p:cNvPr id="2" name="Titel 1"/>
-          <p:cNvSpPr>
-            <a:spLocks noGrp="1"/>
-          </p:cNvSpPr>
-          <p:nvPr>
-            <p:ph type="title"/>
-          </p:nvPr>
-        </p:nvSpPr>
-        <p:spPr/>
-        <p:txBody>
-          <a:bodyPr/>
-          <a:lstStyle/>
-          <a:p>
-            <a:r>
-              <a:rPr lang="de-DE" dirty="0" smtClean="0"/>
-              <a:t>2. Einführung in die Sprache</a:t>
-            </a:r>
             <a:endParaRPr lang="de-DE" dirty="0"/>
           </a:p>
         </p:txBody>
@@ -4320,7 +4228,7 @@
 </p:sld>
 </file>
 
-<file path=ppt/slides/slide15.xml><?xml version="1.0" encoding="utf-8"?>
+<file path=ppt/slides/slide14.xml><?xml version="1.0" encoding="utf-8"?>
 <p:sld xmlns:a="http://schemas.openxmlformats.org/drawingml/2006/main" xmlns:r="http://schemas.openxmlformats.org/officeDocument/2006/relationships" xmlns:p="http://schemas.openxmlformats.org/presentationml/2006/main">
   <p:cSld>
     <p:spTree>
@@ -4385,7 +4293,7 @@
           <a:p>
             <a:r>
               <a:rPr lang="en-GB" dirty="0" smtClean="0"/>
-              <a:t>4. </a:t>
+              <a:t>3. </a:t>
             </a:r>
             <a:r>
               <a:rPr lang="en-GB" dirty="0" err="1" smtClean="0"/>
@@ -4497,6 +4405,240 @@
 </p:sld>
 </file>
 
+<file path=ppt/slides/slide15.xml><?xml version="1.0" encoding="utf-8"?>
+<p:sld xmlns:a="http://schemas.openxmlformats.org/drawingml/2006/main" xmlns:r="http://schemas.openxmlformats.org/officeDocument/2006/relationships" xmlns:p="http://schemas.openxmlformats.org/presentationml/2006/main">
+  <p:cSld>
+    <p:spTree>
+      <p:nvGrpSpPr>
+        <p:cNvPr id="1" name=""/>
+        <p:cNvGrpSpPr/>
+        <p:nvPr/>
+      </p:nvGrpSpPr>
+      <p:grpSpPr>
+        <a:xfrm>
+          <a:off x="0" y="0"/>
+          <a:ext cx="0" cy="0"/>
+          <a:chOff x="0" y="0"/>
+          <a:chExt cx="0" cy="0"/>
+        </a:xfrm>
+      </p:grpSpPr>
+      <p:sp>
+        <p:nvSpPr>
+          <p:cNvPr id="2" name="Titel 1"/>
+          <p:cNvSpPr>
+            <a:spLocks noGrp="1"/>
+          </p:cNvSpPr>
+          <p:nvPr>
+            <p:ph type="title"/>
+          </p:nvPr>
+        </p:nvSpPr>
+        <p:spPr/>
+        <p:txBody>
+          <a:bodyPr/>
+          <a:lstStyle/>
+          <a:p>
+            <a:r>
+              <a:rPr lang="en-GB" dirty="0" smtClean="0"/>
+              <a:t>3. </a:t>
+            </a:r>
+            <a:r>
+              <a:rPr lang="en-GB" dirty="0" err="1" smtClean="0"/>
+              <a:t>Goroutines</a:t>
+            </a:r>
+            <a:r>
+              <a:rPr lang="en-GB" dirty="0" smtClean="0"/>
+              <a:t> and Channels</a:t>
+            </a:r>
+            <a:endParaRPr lang="en-GB" dirty="0"/>
+          </a:p>
+        </p:txBody>
+      </p:sp>
+      <p:sp>
+        <p:nvSpPr>
+          <p:cNvPr id="3" name="Inhaltsplatzhalter 2"/>
+          <p:cNvSpPr>
+            <a:spLocks noGrp="1"/>
+          </p:cNvSpPr>
+          <p:nvPr>
+            <p:ph idx="1"/>
+          </p:nvPr>
+        </p:nvSpPr>
+        <p:spPr/>
+        <p:txBody>
+          <a:bodyPr>
+            <a:normAutofit fontScale="92500" lnSpcReduction="10000"/>
+          </a:bodyPr>
+          <a:lstStyle/>
+          <a:p>
+            <a:r>
+              <a:rPr lang="de-DE" dirty="0" err="1" smtClean="0"/>
+              <a:t>Concurrency</a:t>
+            </a:r>
+            <a:r>
+              <a:rPr lang="de-DE" dirty="0" smtClean="0"/>
+              <a:t> primitives in Go</a:t>
+            </a:r>
+          </a:p>
+          <a:p>
+            <a:pPr lvl="1"/>
+            <a:r>
+              <a:rPr lang="de-DE" dirty="0" err="1" smtClean="0"/>
+              <a:t>Concurrent</a:t>
+            </a:r>
+            <a:r>
+              <a:rPr lang="de-DE" dirty="0" smtClean="0"/>
+              <a:t> </a:t>
+            </a:r>
+            <a:r>
+              <a:rPr lang="de-DE" dirty="0" err="1" smtClean="0"/>
+              <a:t>execution</a:t>
+            </a:r>
+            <a:r>
+              <a:rPr lang="de-DE" dirty="0" smtClean="0"/>
+              <a:t> (</a:t>
+            </a:r>
+            <a:r>
+              <a:rPr lang="de-DE" dirty="0" err="1" smtClean="0"/>
+              <a:t>goroutines</a:t>
+            </a:r>
+            <a:r>
+              <a:rPr lang="de-DE" dirty="0" smtClean="0"/>
+              <a:t>)</a:t>
+            </a:r>
+          </a:p>
+          <a:p>
+            <a:pPr lvl="1"/>
+            <a:r>
+              <a:rPr lang="de-DE" dirty="0" smtClean="0"/>
+              <a:t>Synchronisation </a:t>
+            </a:r>
+            <a:r>
+              <a:rPr lang="de-DE" dirty="0" err="1" smtClean="0"/>
+              <a:t>and</a:t>
+            </a:r>
+            <a:r>
+              <a:rPr lang="de-DE" dirty="0" smtClean="0"/>
+              <a:t> </a:t>
+            </a:r>
+            <a:r>
+              <a:rPr lang="de-DE" dirty="0" err="1" smtClean="0"/>
+              <a:t>messages</a:t>
+            </a:r>
+            <a:r>
+              <a:rPr lang="de-DE" dirty="0" smtClean="0"/>
+              <a:t> (</a:t>
+            </a:r>
+            <a:r>
+              <a:rPr lang="de-DE" dirty="0" err="1" smtClean="0"/>
+              <a:t>channels</a:t>
+            </a:r>
+            <a:r>
+              <a:rPr lang="de-DE" dirty="0" smtClean="0"/>
+              <a:t>)</a:t>
+            </a:r>
+          </a:p>
+          <a:p>
+            <a:pPr lvl="1"/>
+            <a:r>
+              <a:rPr lang="de-DE" dirty="0" smtClean="0"/>
+              <a:t>Multi-</a:t>
+            </a:r>
+            <a:r>
+              <a:rPr lang="de-DE" dirty="0" err="1" smtClean="0"/>
+              <a:t>way</a:t>
+            </a:r>
+            <a:r>
+              <a:rPr lang="de-DE" dirty="0" smtClean="0"/>
+              <a:t> </a:t>
+            </a:r>
+            <a:r>
+              <a:rPr lang="de-DE" dirty="0" err="1" smtClean="0"/>
+              <a:t>concurrent</a:t>
+            </a:r>
+            <a:r>
+              <a:rPr lang="de-DE" dirty="0" smtClean="0"/>
+              <a:t> </a:t>
+            </a:r>
+            <a:r>
+              <a:rPr lang="de-DE" dirty="0" err="1" smtClean="0"/>
+              <a:t>control</a:t>
+            </a:r>
+            <a:r>
+              <a:rPr lang="de-DE" dirty="0" smtClean="0"/>
+              <a:t> (</a:t>
+            </a:r>
+            <a:r>
+              <a:rPr lang="de-DE" dirty="0" err="1" smtClean="0"/>
+              <a:t>select</a:t>
+            </a:r>
+            <a:r>
+              <a:rPr lang="de-DE" dirty="0" smtClean="0"/>
+              <a:t>)</a:t>
+            </a:r>
+            <a:endParaRPr lang="de-DE" dirty="0" smtClean="0">
+              <a:hlinkClick r:id="rId2"/>
+            </a:endParaRPr>
+          </a:p>
+          <a:p>
+            <a:endParaRPr lang="en-GB" dirty="0" smtClean="0"/>
+          </a:p>
+          <a:p>
+            <a:r>
+              <a:rPr lang="en-GB" dirty="0" smtClean="0"/>
+              <a:t>Code</a:t>
+            </a:r>
+          </a:p>
+          <a:p>
+            <a:pPr lvl="1"/>
+            <a:r>
+              <a:rPr lang="en-GB" dirty="0" smtClean="0"/>
+              <a:t>goroutines1: synchronous channel communication</a:t>
+            </a:r>
+          </a:p>
+          <a:p>
+            <a:pPr lvl="1"/>
+            <a:r>
+              <a:rPr lang="en-GB" dirty="0" smtClean="0"/>
+              <a:t>goroutines2: sync. + flag channel</a:t>
+            </a:r>
+          </a:p>
+          <a:p>
+            <a:pPr lvl="1"/>
+            <a:r>
+              <a:rPr lang="en-GB" dirty="0" smtClean="0"/>
+              <a:t>goroutines3: buffered channels</a:t>
+            </a:r>
+          </a:p>
+          <a:p>
+            <a:pPr lvl="1"/>
+            <a:r>
+              <a:rPr lang="en-GB" dirty="0" smtClean="0"/>
+              <a:t>goroutines4: timeout concurrent operations</a:t>
+            </a:r>
+          </a:p>
+          <a:p>
+            <a:pPr lvl="1"/>
+            <a:r>
+              <a:rPr lang="en-GB" dirty="0" smtClean="0"/>
+              <a:t>goroutines5: query replicated service</a:t>
+            </a:r>
+            <a:endParaRPr lang="en-GB" dirty="0"/>
+          </a:p>
+        </p:txBody>
+      </p:sp>
+    </p:spTree>
+    <p:extLst>
+      <p:ext uri="{BB962C8B-B14F-4D97-AF65-F5344CB8AC3E}">
+        <p14:creationId xmlns:p14="http://schemas.microsoft.com/office/powerpoint/2010/main" val="1290651671"/>
+      </p:ext>
+    </p:extLst>
+  </p:cSld>
+  <p:clrMapOvr>
+    <a:masterClrMapping/>
+  </p:clrMapOvr>
+</p:sld>
+</file>
+
 <file path=ppt/slides/slide16.xml><?xml version="1.0" encoding="utf-8"?>
 <p:sld xmlns:a="http://schemas.openxmlformats.org/drawingml/2006/main" xmlns:r="http://schemas.openxmlformats.org/officeDocument/2006/relationships" xmlns:p="http://schemas.openxmlformats.org/presentationml/2006/main">
   <p:cSld>
@@ -4531,7 +4673,7 @@
           <a:p>
             <a:r>
               <a:rPr lang="en-GB" dirty="0" smtClean="0"/>
-              <a:t>4. </a:t>
+              <a:t>3. </a:t>
             </a:r>
             <a:r>
               <a:rPr lang="en-GB" dirty="0" err="1" smtClean="0"/>
@@ -4557,162 +4699,33 @@
         </p:nvSpPr>
         <p:spPr/>
         <p:txBody>
-          <a:bodyPr>
-            <a:normAutofit fontScale="92500" lnSpcReduction="10000"/>
-          </a:bodyPr>
-          <a:lstStyle/>
-          <a:p>
-            <a:r>
-              <a:rPr lang="de-DE" dirty="0" err="1" smtClean="0"/>
-              <a:t>Concurrency</a:t>
-            </a:r>
-            <a:r>
-              <a:rPr lang="de-DE" dirty="0" smtClean="0"/>
-              <a:t> primitives in Go</a:t>
-            </a:r>
-          </a:p>
-          <a:p>
-            <a:pPr lvl="1"/>
-            <a:r>
-              <a:rPr lang="de-DE" dirty="0" err="1" smtClean="0"/>
-              <a:t>Concurrent</a:t>
-            </a:r>
-            <a:r>
-              <a:rPr lang="de-DE" dirty="0" smtClean="0"/>
-              <a:t> </a:t>
-            </a:r>
-            <a:r>
-              <a:rPr lang="de-DE" dirty="0" err="1" smtClean="0"/>
-              <a:t>execution</a:t>
-            </a:r>
-            <a:r>
-              <a:rPr lang="de-DE" dirty="0" smtClean="0"/>
-              <a:t> (</a:t>
-            </a:r>
-            <a:r>
-              <a:rPr lang="de-DE" dirty="0" err="1" smtClean="0"/>
-              <a:t>goroutines</a:t>
-            </a:r>
-            <a:r>
-              <a:rPr lang="de-DE" dirty="0" smtClean="0"/>
-              <a:t>)</a:t>
-            </a:r>
-          </a:p>
-          <a:p>
-            <a:pPr lvl="1"/>
-            <a:r>
-              <a:rPr lang="de-DE" dirty="0" smtClean="0"/>
-              <a:t>Synchronisation </a:t>
-            </a:r>
-            <a:r>
-              <a:rPr lang="de-DE" dirty="0" err="1" smtClean="0"/>
-              <a:t>and</a:t>
-            </a:r>
-            <a:r>
-              <a:rPr lang="de-DE" dirty="0" smtClean="0"/>
-              <a:t> </a:t>
-            </a:r>
-            <a:r>
-              <a:rPr lang="de-DE" dirty="0" err="1" smtClean="0"/>
-              <a:t>messages</a:t>
-            </a:r>
-            <a:r>
-              <a:rPr lang="de-DE" dirty="0" smtClean="0"/>
-              <a:t> (</a:t>
-            </a:r>
-            <a:r>
-              <a:rPr lang="de-DE" dirty="0" err="1" smtClean="0"/>
-              <a:t>channels</a:t>
-            </a:r>
-            <a:r>
-              <a:rPr lang="de-DE" dirty="0" smtClean="0"/>
-              <a:t>)</a:t>
-            </a:r>
-          </a:p>
-          <a:p>
-            <a:pPr lvl="1"/>
-            <a:r>
-              <a:rPr lang="de-DE" dirty="0" smtClean="0"/>
-              <a:t>Multi-</a:t>
-            </a:r>
-            <a:r>
-              <a:rPr lang="de-DE" dirty="0" err="1" smtClean="0"/>
-              <a:t>way</a:t>
-            </a:r>
-            <a:r>
-              <a:rPr lang="de-DE" dirty="0" smtClean="0"/>
-              <a:t> </a:t>
-            </a:r>
-            <a:r>
-              <a:rPr lang="de-DE" dirty="0" err="1" smtClean="0"/>
-              <a:t>concurrent</a:t>
-            </a:r>
-            <a:r>
-              <a:rPr lang="de-DE" dirty="0" smtClean="0"/>
-              <a:t> </a:t>
-            </a:r>
-            <a:r>
-              <a:rPr lang="de-DE" dirty="0" err="1" smtClean="0"/>
-              <a:t>control</a:t>
-            </a:r>
-            <a:r>
-              <a:rPr lang="de-DE" dirty="0" smtClean="0"/>
-              <a:t> (</a:t>
-            </a:r>
-            <a:r>
-              <a:rPr lang="de-DE" dirty="0" err="1" smtClean="0"/>
-              <a:t>select</a:t>
-            </a:r>
-            <a:r>
-              <a:rPr lang="de-DE" dirty="0" smtClean="0"/>
-              <a:t>)</a:t>
-            </a:r>
-            <a:endParaRPr lang="de-DE" dirty="0" smtClean="0">
-              <a:hlinkClick r:id="rId2"/>
-            </a:endParaRPr>
-          </a:p>
-          <a:p>
-            <a:endParaRPr lang="en-GB" dirty="0" smtClean="0"/>
-          </a:p>
+          <a:bodyPr/>
+          <a:lstStyle/>
           <a:p>
             <a:r>
               <a:rPr lang="en-GB" dirty="0" smtClean="0"/>
-              <a:t>Code</a:t>
-            </a:r>
-          </a:p>
-          <a:p>
-            <a:pPr lvl="1"/>
+              <a:t>Most APIs are blocking, sequential code</a:t>
+            </a:r>
+            <a:endParaRPr lang="en-GB" dirty="0"/>
+          </a:p>
+          <a:p>
             <a:r>
               <a:rPr lang="en-GB" dirty="0" smtClean="0"/>
-              <a:t>goroutines1: synchronous channel communication</a:t>
-            </a:r>
-          </a:p>
-          <a:p>
-            <a:pPr lvl="1"/>
+              <a:t>The </a:t>
+            </a:r>
+            <a:r>
+              <a:rPr lang="en-GB" i="1" dirty="0" smtClean="0"/>
+              <a:t>go</a:t>
+            </a:r>
             <a:r>
               <a:rPr lang="en-GB" dirty="0" smtClean="0"/>
-              <a:t>goroutines2: sync. + flag channel</a:t>
-            </a:r>
-          </a:p>
-          <a:p>
-            <a:pPr lvl="1"/>
+              <a:t> keyword makes it easy to execute concurrently</a:t>
+            </a:r>
+          </a:p>
+          <a:p>
             <a:r>
               <a:rPr lang="en-GB" dirty="0" smtClean="0"/>
-              <a:t>goroutines3: buffered channels</a:t>
-            </a:r>
-          </a:p>
-          <a:p>
-            <a:pPr lvl="1"/>
-            <a:r>
-              <a:rPr lang="en-GB" dirty="0" smtClean="0"/>
-              <a:t>goroutines4: timeout concurrent operations</a:t>
-            </a:r>
-          </a:p>
-          <a:p>
-            <a:pPr lvl="1"/>
-            <a:r>
-              <a:rPr lang="en-GB" dirty="0" smtClean="0"/>
-              <a:t>goroutines5: query replicated service</a:t>
+              <a:t>Synchronisation is the harder part</a:t>
             </a:r>
             <a:endParaRPr lang="en-GB" dirty="0"/>
           </a:p>
@@ -4721,7 +4734,7 @@
     </p:spTree>
     <p:extLst>
       <p:ext uri="{BB962C8B-B14F-4D97-AF65-F5344CB8AC3E}">
-        <p14:creationId xmlns:p14="http://schemas.microsoft.com/office/powerpoint/2010/main" val="1290651671"/>
+        <p14:creationId xmlns:p14="http://schemas.microsoft.com/office/powerpoint/2010/main" val="533033733"/>
       </p:ext>
     </p:extLst>
   </p:cSld>
@@ -4764,18 +4777,22 @@
           <a:lstStyle/>
           <a:p>
             <a:r>
-              <a:rPr lang="en-GB" dirty="0" smtClean="0"/>
-              <a:t>4. </a:t>
-            </a:r>
-            <a:r>
-              <a:rPr lang="en-GB" dirty="0" err="1" smtClean="0"/>
-              <a:t>Goroutines</a:t>
-            </a:r>
-            <a:r>
-              <a:rPr lang="en-GB" dirty="0" smtClean="0"/>
-              <a:t> and Channels</a:t>
-            </a:r>
-            <a:endParaRPr lang="en-GB" dirty="0"/>
+              <a:rPr lang="de-DE" dirty="0" smtClean="0"/>
+              <a:t>3. </a:t>
+            </a:r>
+            <a:r>
+              <a:rPr lang="de-DE" dirty="0" err="1" smtClean="0"/>
+              <a:t>Concurrency</a:t>
+            </a:r>
+            <a:r>
+              <a:rPr lang="de-DE" dirty="0" smtClean="0"/>
+              <a:t> vs. </a:t>
+            </a:r>
+            <a:r>
+              <a:rPr lang="de-DE" dirty="0" err="1" smtClean="0"/>
+              <a:t>Parallelism</a:t>
+            </a:r>
+            <a:endParaRPr lang="de-DE" dirty="0"/>
           </a:p>
         </p:txBody>
       </p:sp>
@@ -4791,48 +4808,421 @@
         </p:nvSpPr>
         <p:spPr/>
         <p:txBody>
-          <a:bodyPr/>
-          <a:lstStyle/>
-          <a:p>
-            <a:r>
-              <a:rPr lang="en-GB" dirty="0" smtClean="0"/>
-              <a:t>Most APIs are blocking, sequential code</a:t>
-            </a:r>
-            <a:endParaRPr lang="en-GB" dirty="0"/>
-          </a:p>
-          <a:p>
-            <a:r>
-              <a:rPr lang="en-GB" dirty="0" smtClean="0"/>
-              <a:t>The </a:t>
-            </a:r>
-            <a:r>
-              <a:rPr lang="en-GB" i="1" dirty="0" smtClean="0"/>
-              <a:t>go</a:t>
-            </a:r>
-            <a:r>
-              <a:rPr lang="en-GB" dirty="0" smtClean="0"/>
-              <a:t> keyword makes it easy to execute concurrently</a:t>
-            </a:r>
-          </a:p>
-          <a:p>
-            <a:r>
-              <a:rPr lang="en-GB" dirty="0" smtClean="0"/>
-              <a:t>Synchronisation is the harder part</a:t>
-            </a:r>
-            <a:endParaRPr lang="en-GB" dirty="0"/>
+          <a:bodyPr>
+            <a:normAutofit fontScale="92500" lnSpcReduction="20000"/>
+          </a:bodyPr>
+          <a:lstStyle/>
+          <a:p>
+            <a:r>
+              <a:rPr lang="de-DE" dirty="0" err="1" smtClean="0"/>
+              <a:t>Concurrency</a:t>
+            </a:r>
+            <a:r>
+              <a:rPr lang="de-DE" dirty="0" smtClean="0"/>
+              <a:t>: „</a:t>
+            </a:r>
+            <a:r>
+              <a:rPr lang="de-DE" dirty="0" err="1" smtClean="0"/>
+              <a:t>Programming</a:t>
+            </a:r>
+            <a:r>
+              <a:rPr lang="de-DE" dirty="0" smtClean="0"/>
+              <a:t> </a:t>
+            </a:r>
+            <a:r>
+              <a:rPr lang="de-DE" dirty="0" err="1" smtClean="0"/>
+              <a:t>as</a:t>
+            </a:r>
+            <a:r>
+              <a:rPr lang="de-DE" dirty="0" smtClean="0"/>
+              <a:t> </a:t>
+            </a:r>
+            <a:r>
+              <a:rPr lang="de-DE" dirty="0" err="1" smtClean="0"/>
+              <a:t>the</a:t>
+            </a:r>
+            <a:r>
+              <a:rPr lang="de-DE" dirty="0" smtClean="0"/>
+              <a:t> </a:t>
+            </a:r>
+            <a:r>
+              <a:rPr lang="de-DE" dirty="0" err="1" smtClean="0"/>
+              <a:t>composition</a:t>
+            </a:r>
+            <a:r>
+              <a:rPr lang="de-DE" dirty="0" smtClean="0"/>
+              <a:t> </a:t>
+            </a:r>
+            <a:r>
+              <a:rPr lang="de-DE" dirty="0" err="1" smtClean="0"/>
+              <a:t>of</a:t>
+            </a:r>
+            <a:r>
+              <a:rPr lang="de-DE" dirty="0" smtClean="0"/>
+              <a:t> </a:t>
+            </a:r>
+            <a:r>
+              <a:rPr lang="de-DE" dirty="0" err="1" smtClean="0"/>
+              <a:t>independently</a:t>
+            </a:r>
+            <a:r>
+              <a:rPr lang="de-DE" dirty="0" smtClean="0"/>
+              <a:t> </a:t>
+            </a:r>
+            <a:r>
+              <a:rPr lang="de-DE" dirty="0" err="1" smtClean="0"/>
+              <a:t>executing</a:t>
+            </a:r>
+            <a:r>
+              <a:rPr lang="de-DE" dirty="0" smtClean="0"/>
+              <a:t> </a:t>
+            </a:r>
+            <a:r>
+              <a:rPr lang="de-DE" dirty="0" err="1" smtClean="0"/>
+              <a:t>processes</a:t>
+            </a:r>
+            <a:r>
+              <a:rPr lang="de-DE" dirty="0" smtClean="0"/>
+              <a:t>“</a:t>
+            </a:r>
+            <a:r>
+              <a:rPr lang="de-DE" sz="1900" dirty="0" smtClean="0">
+                <a:solidFill>
+                  <a:srgbClr val="BFBFBF"/>
+                </a:solidFill>
+              </a:rPr>
+              <a:t> (!= OS </a:t>
+            </a:r>
+            <a:r>
+              <a:rPr lang="de-DE" sz="1900" dirty="0" err="1" smtClean="0">
+                <a:solidFill>
+                  <a:srgbClr val="BFBFBF"/>
+                </a:solidFill>
+              </a:rPr>
+              <a:t>process</a:t>
+            </a:r>
+            <a:r>
+              <a:rPr lang="de-DE" sz="1900" dirty="0" smtClean="0">
+                <a:solidFill>
+                  <a:srgbClr val="BFBFBF"/>
+                </a:solidFill>
+              </a:rPr>
+              <a:t>)</a:t>
+            </a:r>
+            <a:endParaRPr lang="de-DE" dirty="0" smtClean="0">
+              <a:solidFill>
+                <a:srgbClr val="BFBFBF"/>
+              </a:solidFill>
+            </a:endParaRPr>
+          </a:p>
+          <a:p>
+            <a:pPr lvl="1"/>
+            <a:endParaRPr lang="de-DE" dirty="0" smtClean="0"/>
+          </a:p>
+          <a:p>
+            <a:r>
+              <a:rPr lang="de-DE" dirty="0" err="1" smtClean="0"/>
+              <a:t>Parallelism</a:t>
+            </a:r>
+            <a:r>
+              <a:rPr lang="de-DE" dirty="0" smtClean="0"/>
+              <a:t>: „</a:t>
+            </a:r>
+            <a:r>
+              <a:rPr lang="de-DE" dirty="0" err="1" smtClean="0"/>
+              <a:t>Programming</a:t>
+            </a:r>
+            <a:r>
+              <a:rPr lang="de-DE" dirty="0" smtClean="0"/>
+              <a:t> </a:t>
+            </a:r>
+            <a:r>
+              <a:rPr lang="de-DE" dirty="0" err="1" smtClean="0"/>
+              <a:t>as</a:t>
+            </a:r>
+            <a:r>
+              <a:rPr lang="de-DE" dirty="0" smtClean="0"/>
+              <a:t> </a:t>
+            </a:r>
+            <a:r>
+              <a:rPr lang="de-DE" dirty="0" err="1" smtClean="0"/>
+              <a:t>simultaneous</a:t>
+            </a:r>
+            <a:r>
+              <a:rPr lang="de-DE" dirty="0" smtClean="0"/>
+              <a:t> </a:t>
+            </a:r>
+            <a:r>
+              <a:rPr lang="de-DE" dirty="0" err="1" smtClean="0"/>
+              <a:t>execution</a:t>
+            </a:r>
+            <a:r>
+              <a:rPr lang="de-DE" dirty="0" smtClean="0"/>
+              <a:t> </a:t>
+            </a:r>
+            <a:r>
+              <a:rPr lang="de-DE" dirty="0" err="1" smtClean="0"/>
+              <a:t>of</a:t>
+            </a:r>
+            <a:r>
+              <a:rPr lang="de-DE" dirty="0" smtClean="0"/>
+              <a:t> (</a:t>
+            </a:r>
+            <a:r>
+              <a:rPr lang="de-DE" dirty="0" err="1" smtClean="0"/>
+              <a:t>possibly</a:t>
+            </a:r>
+            <a:r>
+              <a:rPr lang="de-DE" dirty="0" smtClean="0"/>
+              <a:t>) </a:t>
+            </a:r>
+            <a:r>
+              <a:rPr lang="de-DE" dirty="0" err="1" smtClean="0"/>
+              <a:t>related</a:t>
+            </a:r>
+            <a:r>
+              <a:rPr lang="de-DE" dirty="0" smtClean="0"/>
+              <a:t> </a:t>
+            </a:r>
+            <a:r>
+              <a:rPr lang="de-DE" dirty="0" err="1" smtClean="0"/>
+              <a:t>computations</a:t>
+            </a:r>
+            <a:r>
+              <a:rPr lang="de-DE" dirty="0" smtClean="0"/>
+              <a:t>“</a:t>
+            </a:r>
+            <a:br>
+              <a:rPr lang="de-DE" dirty="0" smtClean="0"/>
+            </a:br>
+            <a:endParaRPr lang="de-DE" dirty="0" smtClean="0"/>
+          </a:p>
+          <a:p>
+            <a:r>
+              <a:rPr lang="de-DE" dirty="0" smtClean="0"/>
+              <a:t>„</a:t>
+            </a:r>
+            <a:r>
+              <a:rPr lang="de-DE" dirty="0" err="1" smtClean="0"/>
+              <a:t>Concurrency</a:t>
+            </a:r>
+            <a:r>
+              <a:rPr lang="de-DE" dirty="0" smtClean="0"/>
+              <a:t> </a:t>
+            </a:r>
+            <a:r>
+              <a:rPr lang="de-DE" dirty="0" err="1" smtClean="0"/>
+              <a:t>provides</a:t>
+            </a:r>
+            <a:r>
+              <a:rPr lang="de-DE" dirty="0" smtClean="0"/>
+              <a:t> a </a:t>
+            </a:r>
+            <a:r>
+              <a:rPr lang="de-DE" dirty="0" err="1" smtClean="0"/>
+              <a:t>way</a:t>
+            </a:r>
+            <a:r>
+              <a:rPr lang="de-DE" dirty="0" smtClean="0"/>
+              <a:t> </a:t>
+            </a:r>
+            <a:r>
+              <a:rPr lang="de-DE" dirty="0" err="1" smtClean="0"/>
+              <a:t>to</a:t>
+            </a:r>
+            <a:r>
+              <a:rPr lang="de-DE" dirty="0" smtClean="0"/>
+              <a:t> </a:t>
+            </a:r>
+            <a:r>
+              <a:rPr lang="de-DE" dirty="0" err="1" smtClean="0"/>
+              <a:t>structure</a:t>
+            </a:r>
+            <a:r>
+              <a:rPr lang="de-DE" dirty="0" smtClean="0"/>
+              <a:t> a </a:t>
+            </a:r>
+            <a:r>
+              <a:rPr lang="de-DE" dirty="0" err="1" smtClean="0"/>
+              <a:t>solution</a:t>
+            </a:r>
+            <a:r>
+              <a:rPr lang="de-DE" dirty="0" smtClean="0"/>
+              <a:t> </a:t>
+            </a:r>
+            <a:r>
+              <a:rPr lang="de-DE" dirty="0" err="1" smtClean="0"/>
+              <a:t>to</a:t>
+            </a:r>
+            <a:r>
+              <a:rPr lang="de-DE" dirty="0" smtClean="0"/>
+              <a:t> </a:t>
+            </a:r>
+            <a:r>
+              <a:rPr lang="de-DE" dirty="0" err="1" smtClean="0"/>
+              <a:t>solve</a:t>
+            </a:r>
+            <a:r>
+              <a:rPr lang="de-DE" dirty="0" smtClean="0"/>
+              <a:t> a </a:t>
+            </a:r>
+            <a:r>
+              <a:rPr lang="de-DE" dirty="0" err="1" smtClean="0"/>
+              <a:t>problem</a:t>
+            </a:r>
+            <a:r>
+              <a:rPr lang="de-DE" dirty="0" smtClean="0"/>
+              <a:t> </a:t>
+            </a:r>
+            <a:r>
+              <a:rPr lang="de-DE" dirty="0" err="1" smtClean="0"/>
+              <a:t>that</a:t>
+            </a:r>
+            <a:r>
+              <a:rPr lang="de-DE" dirty="0" smtClean="0"/>
+              <a:t> </a:t>
+            </a:r>
+            <a:r>
+              <a:rPr lang="de-DE" dirty="0" err="1" smtClean="0"/>
+              <a:t>may</a:t>
+            </a:r>
+            <a:r>
+              <a:rPr lang="de-DE" dirty="0" smtClean="0"/>
+              <a:t> (but not </a:t>
+            </a:r>
+            <a:r>
+              <a:rPr lang="de-DE" dirty="0" err="1" smtClean="0"/>
+              <a:t>necessarily</a:t>
+            </a:r>
+            <a:r>
+              <a:rPr lang="de-DE" dirty="0" smtClean="0"/>
+              <a:t>) </a:t>
+            </a:r>
+            <a:r>
+              <a:rPr lang="de-DE" dirty="0" err="1" smtClean="0"/>
+              <a:t>be</a:t>
+            </a:r>
+            <a:r>
+              <a:rPr lang="de-DE" dirty="0" smtClean="0"/>
+              <a:t> </a:t>
+            </a:r>
+            <a:r>
+              <a:rPr lang="de-DE" dirty="0" err="1" smtClean="0"/>
+              <a:t>parallelizable</a:t>
+            </a:r>
+            <a:r>
+              <a:rPr lang="de-DE" dirty="0" smtClean="0"/>
+              <a:t>“</a:t>
+            </a:r>
+          </a:p>
+          <a:p>
+            <a:r>
+              <a:rPr lang="de-DE" dirty="0" smtClean="0"/>
+              <a:t>„</a:t>
+            </a:r>
+            <a:r>
+              <a:rPr lang="de-DE" dirty="0" err="1" smtClean="0"/>
+              <a:t>Concurrency</a:t>
+            </a:r>
+            <a:r>
+              <a:rPr lang="de-DE" dirty="0" smtClean="0"/>
+              <a:t> </a:t>
+            </a:r>
+            <a:r>
+              <a:rPr lang="de-DE" dirty="0" err="1" smtClean="0"/>
+              <a:t>is</a:t>
+            </a:r>
+            <a:r>
+              <a:rPr lang="de-DE" dirty="0" smtClean="0"/>
+              <a:t> </a:t>
+            </a:r>
+            <a:r>
+              <a:rPr lang="de-DE" dirty="0" err="1" smtClean="0"/>
+              <a:t>about</a:t>
+            </a:r>
+            <a:r>
+              <a:rPr lang="de-DE" dirty="0" smtClean="0"/>
+              <a:t> </a:t>
+            </a:r>
+            <a:r>
+              <a:rPr lang="de-DE" dirty="0" err="1" smtClean="0"/>
+              <a:t>structure</a:t>
+            </a:r>
+            <a:r>
+              <a:rPr lang="de-DE" dirty="0" smtClean="0"/>
+              <a:t>, </a:t>
+            </a:r>
+            <a:r>
+              <a:rPr lang="de-DE" dirty="0" err="1" smtClean="0"/>
+              <a:t>parallelism</a:t>
+            </a:r>
+            <a:r>
+              <a:rPr lang="de-DE" dirty="0" smtClean="0"/>
+              <a:t> </a:t>
+            </a:r>
+            <a:r>
+              <a:rPr lang="de-DE" dirty="0" err="1" smtClean="0"/>
+              <a:t>is</a:t>
+            </a:r>
+            <a:r>
+              <a:rPr lang="de-DE" dirty="0" smtClean="0"/>
+              <a:t> </a:t>
+            </a:r>
+            <a:r>
+              <a:rPr lang="de-DE" dirty="0" err="1" smtClean="0"/>
+              <a:t>about</a:t>
+            </a:r>
+            <a:r>
+              <a:rPr lang="de-DE" dirty="0" smtClean="0"/>
+              <a:t> </a:t>
+            </a:r>
+            <a:r>
+              <a:rPr lang="de-DE" dirty="0" err="1" smtClean="0"/>
+              <a:t>execution</a:t>
+            </a:r>
+            <a:r>
+              <a:rPr lang="de-DE" dirty="0" smtClean="0"/>
+              <a:t>“</a:t>
+            </a:r>
+          </a:p>
+          <a:p>
+            <a:endParaRPr lang="de-DE" dirty="0" smtClean="0"/>
+          </a:p>
+          <a:p>
+            <a:pPr marL="342900" lvl="1" indent="-342900">
+              <a:buFont typeface="Arial"/>
+              <a:buChar char="•"/>
+            </a:pPr>
+            <a:r>
+              <a:rPr lang="de-DE" dirty="0" smtClean="0">
+                <a:hlinkClick r:id="rId2"/>
+              </a:rPr>
+              <a:t>https://talks.golang.org/2012/waza.slide#8</a:t>
+            </a:r>
+            <a:endParaRPr lang="de-DE" dirty="0" smtClean="0"/>
+          </a:p>
+          <a:p>
+            <a:endParaRPr lang="de-DE" dirty="0"/>
           </a:p>
         </p:txBody>
       </p:sp>
     </p:spTree>
     <p:extLst>
       <p:ext uri="{BB962C8B-B14F-4D97-AF65-F5344CB8AC3E}">
-        <p14:creationId xmlns:p14="http://schemas.microsoft.com/office/powerpoint/2010/main" val="533033733"/>
+        <p14:creationId xmlns:p14="http://schemas.microsoft.com/office/powerpoint/2010/main" val="1859137257"/>
       </p:ext>
     </p:extLst>
   </p:cSld>
   <p:clrMapOvr>
     <a:masterClrMapping/>
   </p:clrMapOvr>
+  <p:timing>
+    <p:tnLst>
+      <p:par>
+        <p:cTn xmlns:p14="http://schemas.microsoft.com/office/powerpoint/2010/main" id="1" dur="indefinite" restart="never" nodeType="tmRoot"/>
+      </p:par>
+    </p:tnLst>
+  </p:timing>
 </p:sld>
 </file>
 
@@ -4869,22 +5259,18 @@
           <a:lstStyle/>
           <a:p>
             <a:r>
-              <a:rPr lang="de-DE" dirty="0" smtClean="0"/>
-              <a:t>4. </a:t>
-            </a:r>
-            <a:r>
-              <a:rPr lang="de-DE" dirty="0" err="1" smtClean="0"/>
-              <a:t>Concurrency</a:t>
-            </a:r>
-            <a:r>
-              <a:rPr lang="de-DE" dirty="0" smtClean="0"/>
-              <a:t> vs. </a:t>
-            </a:r>
-            <a:r>
-              <a:rPr lang="de-DE" dirty="0" err="1" smtClean="0"/>
-              <a:t>Parallelism</a:t>
-            </a:r>
-            <a:endParaRPr lang="de-DE" dirty="0"/>
+              <a:rPr lang="en-GB" dirty="0" smtClean="0"/>
+              <a:t>3. </a:t>
+            </a:r>
+            <a:r>
+              <a:rPr lang="en-GB" dirty="0" err="1" smtClean="0"/>
+              <a:t>Goroutines</a:t>
+            </a:r>
+            <a:r>
+              <a:rPr lang="en-GB" dirty="0" smtClean="0"/>
+              <a:t> and Channels</a:t>
+            </a:r>
+            <a:endParaRPr lang="en-GB" dirty="0"/>
           </a:p>
         </p:txBody>
       </p:sp>
@@ -4901,420 +5287,48 @@
         <p:spPr/>
         <p:txBody>
           <a:bodyPr>
-            <a:normAutofit fontScale="92500" lnSpcReduction="20000"/>
+            <a:normAutofit/>
           </a:bodyPr>
           <a:lstStyle/>
           <a:p>
             <a:r>
-              <a:rPr lang="de-DE" dirty="0" err="1" smtClean="0"/>
-              <a:t>Concurrency</a:t>
-            </a:r>
-            <a:r>
-              <a:rPr lang="de-DE" dirty="0" smtClean="0"/>
-              <a:t>: „</a:t>
-            </a:r>
-            <a:r>
-              <a:rPr lang="de-DE" dirty="0" err="1" smtClean="0"/>
-              <a:t>Programming</a:t>
-            </a:r>
-            <a:r>
-              <a:rPr lang="de-DE" dirty="0" smtClean="0"/>
-              <a:t> </a:t>
-            </a:r>
-            <a:r>
-              <a:rPr lang="de-DE" dirty="0" err="1" smtClean="0"/>
-              <a:t>as</a:t>
-            </a:r>
-            <a:r>
-              <a:rPr lang="de-DE" dirty="0" smtClean="0"/>
-              <a:t> </a:t>
-            </a:r>
-            <a:r>
-              <a:rPr lang="de-DE" dirty="0" err="1" smtClean="0"/>
-              <a:t>the</a:t>
-            </a:r>
-            <a:r>
-              <a:rPr lang="de-DE" dirty="0" smtClean="0"/>
-              <a:t> </a:t>
-            </a:r>
-            <a:r>
-              <a:rPr lang="de-DE" dirty="0" err="1" smtClean="0"/>
-              <a:t>composition</a:t>
-            </a:r>
-            <a:r>
-              <a:rPr lang="de-DE" dirty="0" smtClean="0"/>
-              <a:t> </a:t>
-            </a:r>
-            <a:r>
-              <a:rPr lang="de-DE" dirty="0" err="1" smtClean="0"/>
-              <a:t>of</a:t>
-            </a:r>
-            <a:r>
-              <a:rPr lang="de-DE" dirty="0" smtClean="0"/>
-              <a:t> </a:t>
-            </a:r>
-            <a:r>
-              <a:rPr lang="de-DE" dirty="0" err="1" smtClean="0"/>
-              <a:t>independently</a:t>
-            </a:r>
-            <a:r>
-              <a:rPr lang="de-DE" dirty="0" smtClean="0"/>
-              <a:t> </a:t>
-            </a:r>
-            <a:r>
-              <a:rPr lang="de-DE" dirty="0" err="1" smtClean="0"/>
-              <a:t>executing</a:t>
-            </a:r>
-            <a:r>
-              <a:rPr lang="de-DE" dirty="0" smtClean="0"/>
-              <a:t> </a:t>
-            </a:r>
-            <a:r>
-              <a:rPr lang="de-DE" dirty="0" err="1" smtClean="0"/>
-              <a:t>processes</a:t>
-            </a:r>
-            <a:r>
-              <a:rPr lang="de-DE" dirty="0" smtClean="0"/>
-              <a:t>“</a:t>
-            </a:r>
-            <a:r>
-              <a:rPr lang="de-DE" sz="1900" dirty="0" smtClean="0">
-                <a:solidFill>
-                  <a:srgbClr val="BFBFBF"/>
-                </a:solidFill>
-              </a:rPr>
-              <a:t> (!= OS </a:t>
-            </a:r>
-            <a:r>
-              <a:rPr lang="de-DE" sz="1900" dirty="0" err="1" smtClean="0">
-                <a:solidFill>
-                  <a:srgbClr val="BFBFBF"/>
-                </a:solidFill>
-              </a:rPr>
-              <a:t>process</a:t>
-            </a:r>
-            <a:r>
-              <a:rPr lang="de-DE" sz="1900" dirty="0" smtClean="0">
-                <a:solidFill>
-                  <a:srgbClr val="BFBFBF"/>
-                </a:solidFill>
-              </a:rPr>
-              <a:t>)</a:t>
-            </a:r>
-            <a:endParaRPr lang="de-DE" dirty="0" smtClean="0">
-              <a:solidFill>
-                <a:srgbClr val="BFBFBF"/>
-              </a:solidFill>
-            </a:endParaRPr>
-          </a:p>
-          <a:p>
-            <a:pPr lvl="1"/>
-            <a:endParaRPr lang="de-DE" dirty="0" smtClean="0"/>
-          </a:p>
-          <a:p>
-            <a:r>
-              <a:rPr lang="de-DE" dirty="0" err="1" smtClean="0"/>
-              <a:t>Parallelism</a:t>
-            </a:r>
-            <a:r>
-              <a:rPr lang="de-DE" dirty="0" smtClean="0"/>
-              <a:t>: „</a:t>
-            </a:r>
-            <a:r>
-              <a:rPr lang="de-DE" dirty="0" err="1" smtClean="0"/>
-              <a:t>Programming</a:t>
-            </a:r>
-            <a:r>
-              <a:rPr lang="de-DE" dirty="0" smtClean="0"/>
-              <a:t> </a:t>
-            </a:r>
-            <a:r>
-              <a:rPr lang="de-DE" dirty="0" err="1" smtClean="0"/>
-              <a:t>as</a:t>
-            </a:r>
-            <a:r>
-              <a:rPr lang="de-DE" dirty="0" smtClean="0"/>
-              <a:t> </a:t>
-            </a:r>
-            <a:r>
-              <a:rPr lang="de-DE" dirty="0" err="1" smtClean="0"/>
-              <a:t>simultaneous</a:t>
-            </a:r>
-            <a:r>
-              <a:rPr lang="de-DE" dirty="0" smtClean="0"/>
-              <a:t> </a:t>
-            </a:r>
-            <a:r>
-              <a:rPr lang="de-DE" dirty="0" err="1" smtClean="0"/>
-              <a:t>execution</a:t>
-            </a:r>
-            <a:r>
-              <a:rPr lang="de-DE" dirty="0" smtClean="0"/>
-              <a:t> </a:t>
-            </a:r>
-            <a:r>
-              <a:rPr lang="de-DE" dirty="0" err="1" smtClean="0"/>
-              <a:t>of</a:t>
-            </a:r>
-            <a:r>
-              <a:rPr lang="de-DE" dirty="0" smtClean="0"/>
-              <a:t> (</a:t>
-            </a:r>
-            <a:r>
-              <a:rPr lang="de-DE" dirty="0" err="1" smtClean="0"/>
-              <a:t>possibly</a:t>
-            </a:r>
-            <a:r>
-              <a:rPr lang="de-DE" dirty="0" smtClean="0"/>
-              <a:t>) </a:t>
-            </a:r>
-            <a:r>
-              <a:rPr lang="de-DE" dirty="0" err="1" smtClean="0"/>
-              <a:t>related</a:t>
-            </a:r>
-            <a:r>
-              <a:rPr lang="de-DE" dirty="0" smtClean="0"/>
-              <a:t> </a:t>
-            </a:r>
-            <a:r>
-              <a:rPr lang="de-DE" dirty="0" err="1" smtClean="0"/>
-              <a:t>computations</a:t>
-            </a:r>
-            <a:r>
-              <a:rPr lang="de-DE" dirty="0" smtClean="0"/>
-              <a:t>“</a:t>
-            </a:r>
-            <a:br>
-              <a:rPr lang="de-DE" dirty="0" smtClean="0"/>
-            </a:br>
-            <a:endParaRPr lang="de-DE" dirty="0" smtClean="0"/>
-          </a:p>
-          <a:p>
-            <a:r>
-              <a:rPr lang="de-DE" dirty="0" smtClean="0"/>
-              <a:t>„</a:t>
-            </a:r>
-            <a:r>
-              <a:rPr lang="de-DE" dirty="0" err="1" smtClean="0"/>
-              <a:t>Concurrency</a:t>
-            </a:r>
-            <a:r>
-              <a:rPr lang="de-DE" dirty="0" smtClean="0"/>
-              <a:t> </a:t>
-            </a:r>
-            <a:r>
-              <a:rPr lang="de-DE" dirty="0" err="1" smtClean="0"/>
-              <a:t>provides</a:t>
-            </a:r>
-            <a:r>
-              <a:rPr lang="de-DE" dirty="0" smtClean="0"/>
-              <a:t> a </a:t>
-            </a:r>
-            <a:r>
-              <a:rPr lang="de-DE" dirty="0" err="1" smtClean="0"/>
-              <a:t>way</a:t>
-            </a:r>
-            <a:r>
-              <a:rPr lang="de-DE" dirty="0" smtClean="0"/>
-              <a:t> </a:t>
-            </a:r>
-            <a:r>
-              <a:rPr lang="de-DE" dirty="0" err="1" smtClean="0"/>
-              <a:t>to</a:t>
-            </a:r>
-            <a:r>
-              <a:rPr lang="de-DE" dirty="0" smtClean="0"/>
-              <a:t> </a:t>
-            </a:r>
-            <a:r>
-              <a:rPr lang="de-DE" dirty="0" err="1" smtClean="0"/>
-              <a:t>structure</a:t>
-            </a:r>
-            <a:r>
-              <a:rPr lang="de-DE" dirty="0" smtClean="0"/>
-              <a:t> a </a:t>
-            </a:r>
-            <a:r>
-              <a:rPr lang="de-DE" dirty="0" err="1" smtClean="0"/>
-              <a:t>solution</a:t>
-            </a:r>
-            <a:r>
-              <a:rPr lang="de-DE" dirty="0" smtClean="0"/>
-              <a:t> </a:t>
-            </a:r>
-            <a:r>
-              <a:rPr lang="de-DE" dirty="0" err="1" smtClean="0"/>
-              <a:t>to</a:t>
-            </a:r>
-            <a:r>
-              <a:rPr lang="de-DE" dirty="0" smtClean="0"/>
-              <a:t> </a:t>
-            </a:r>
-            <a:r>
-              <a:rPr lang="de-DE" dirty="0" err="1" smtClean="0"/>
-              <a:t>solve</a:t>
-            </a:r>
-            <a:r>
-              <a:rPr lang="de-DE" dirty="0" smtClean="0"/>
-              <a:t> a </a:t>
-            </a:r>
-            <a:r>
-              <a:rPr lang="de-DE" dirty="0" err="1" smtClean="0"/>
-              <a:t>problem</a:t>
-            </a:r>
-            <a:r>
-              <a:rPr lang="de-DE" dirty="0" smtClean="0"/>
-              <a:t> </a:t>
-            </a:r>
-            <a:r>
-              <a:rPr lang="de-DE" dirty="0" err="1" smtClean="0"/>
-              <a:t>that</a:t>
-            </a:r>
-            <a:r>
-              <a:rPr lang="de-DE" dirty="0" smtClean="0"/>
-              <a:t> </a:t>
-            </a:r>
-            <a:r>
-              <a:rPr lang="de-DE" dirty="0" err="1" smtClean="0"/>
-              <a:t>may</a:t>
-            </a:r>
-            <a:r>
-              <a:rPr lang="de-DE" dirty="0" smtClean="0"/>
-              <a:t> (but not </a:t>
-            </a:r>
-            <a:r>
-              <a:rPr lang="de-DE" dirty="0" err="1" smtClean="0"/>
-              <a:t>necessarily</a:t>
-            </a:r>
-            <a:r>
-              <a:rPr lang="de-DE" dirty="0" smtClean="0"/>
-              <a:t>) </a:t>
-            </a:r>
-            <a:r>
-              <a:rPr lang="de-DE" dirty="0" err="1" smtClean="0"/>
-              <a:t>be</a:t>
-            </a:r>
-            <a:r>
-              <a:rPr lang="de-DE" dirty="0" smtClean="0"/>
-              <a:t> </a:t>
-            </a:r>
-            <a:r>
-              <a:rPr lang="de-DE" dirty="0" err="1" smtClean="0"/>
-              <a:t>parallelizable</a:t>
-            </a:r>
-            <a:r>
-              <a:rPr lang="de-DE" dirty="0" smtClean="0"/>
-              <a:t>“</a:t>
-            </a:r>
-          </a:p>
-          <a:p>
-            <a:r>
-              <a:rPr lang="de-DE" dirty="0" smtClean="0"/>
-              <a:t>„</a:t>
-            </a:r>
-            <a:r>
-              <a:rPr lang="de-DE" dirty="0" err="1" smtClean="0"/>
-              <a:t>Concurrency</a:t>
-            </a:r>
-            <a:r>
-              <a:rPr lang="de-DE" dirty="0" smtClean="0"/>
-              <a:t> </a:t>
-            </a:r>
-            <a:r>
-              <a:rPr lang="de-DE" dirty="0" err="1" smtClean="0"/>
-              <a:t>is</a:t>
-            </a:r>
-            <a:r>
-              <a:rPr lang="de-DE" dirty="0" smtClean="0"/>
-              <a:t> </a:t>
-            </a:r>
-            <a:r>
-              <a:rPr lang="de-DE" dirty="0" err="1" smtClean="0"/>
-              <a:t>about</a:t>
-            </a:r>
-            <a:r>
-              <a:rPr lang="de-DE" dirty="0" smtClean="0"/>
-              <a:t> </a:t>
-            </a:r>
-            <a:r>
-              <a:rPr lang="de-DE" dirty="0" err="1" smtClean="0"/>
-              <a:t>structure</a:t>
-            </a:r>
-            <a:r>
-              <a:rPr lang="de-DE" dirty="0" smtClean="0"/>
-              <a:t>, </a:t>
-            </a:r>
-            <a:r>
-              <a:rPr lang="de-DE" dirty="0" err="1" smtClean="0"/>
-              <a:t>parallelism</a:t>
-            </a:r>
-            <a:r>
-              <a:rPr lang="de-DE" dirty="0" smtClean="0"/>
-              <a:t> </a:t>
-            </a:r>
-            <a:r>
-              <a:rPr lang="de-DE" dirty="0" err="1" smtClean="0"/>
-              <a:t>is</a:t>
-            </a:r>
-            <a:r>
-              <a:rPr lang="de-DE" dirty="0" smtClean="0"/>
-              <a:t> </a:t>
-            </a:r>
-            <a:r>
-              <a:rPr lang="de-DE" dirty="0" err="1" smtClean="0"/>
-              <a:t>about</a:t>
-            </a:r>
-            <a:r>
-              <a:rPr lang="de-DE" dirty="0" smtClean="0"/>
-              <a:t> </a:t>
-            </a:r>
-            <a:r>
-              <a:rPr lang="de-DE" dirty="0" err="1" smtClean="0"/>
-              <a:t>execution</a:t>
-            </a:r>
-            <a:r>
-              <a:rPr lang="de-DE" dirty="0" smtClean="0"/>
-              <a:t>“</a:t>
-            </a:r>
-          </a:p>
-          <a:p>
-            <a:endParaRPr lang="de-DE" dirty="0" smtClean="0"/>
-          </a:p>
-          <a:p>
-            <a:pPr marL="342900" lvl="1" indent="-342900">
-              <a:buFont typeface="Arial"/>
-              <a:buChar char="•"/>
-            </a:pPr>
-            <a:r>
-              <a:rPr lang="de-DE" dirty="0" smtClean="0">
-                <a:hlinkClick r:id="rId2"/>
-              </a:rPr>
-              <a:t>https://talks.golang.org/2012/waza.slide#8</a:t>
-            </a:r>
-            <a:endParaRPr lang="de-DE" dirty="0" smtClean="0"/>
-          </a:p>
-          <a:p>
-            <a:endParaRPr lang="de-DE" dirty="0"/>
+              <a:rPr lang="en-GB" dirty="0" smtClean="0"/>
+              <a:t>“Concurrency is a way to structure a program by breaking it into pieces that can be executed independently.”</a:t>
+            </a:r>
+          </a:p>
+          <a:p>
+            <a:r>
+              <a:rPr lang="en-GB" dirty="0" smtClean="0"/>
+              <a:t>“Communication is the means to coordinate independent executions”</a:t>
+            </a:r>
+            <a:endParaRPr lang="en-GB" dirty="0"/>
+          </a:p>
+          <a:p>
+            <a:endParaRPr lang="en-GB" dirty="0" smtClean="0"/>
+          </a:p>
+          <a:p>
+            <a:r>
+              <a:rPr lang="en-GB" dirty="0" err="1" smtClean="0"/>
+              <a:t>Basiert</a:t>
+            </a:r>
+            <a:r>
+              <a:rPr lang="en-GB" dirty="0" smtClean="0"/>
+              <a:t> auf “Communication Sequential Processes” (CSP, 1978) von C.A.R Hoare</a:t>
+            </a:r>
+            <a:endParaRPr lang="en-GB" dirty="0"/>
           </a:p>
         </p:txBody>
       </p:sp>
     </p:spTree>
     <p:extLst>
       <p:ext uri="{BB962C8B-B14F-4D97-AF65-F5344CB8AC3E}">
-        <p14:creationId xmlns:p14="http://schemas.microsoft.com/office/powerpoint/2010/main" val="1859137257"/>
+        <p14:creationId xmlns:p14="http://schemas.microsoft.com/office/powerpoint/2010/main" val="2140307500"/>
       </p:ext>
     </p:extLst>
   </p:cSld>
   <p:clrMapOvr>
     <a:masterClrMapping/>
   </p:clrMapOvr>
-  <p:timing>
-    <p:tnLst>
-      <p:par>
-        <p:cTn xmlns:p14="http://schemas.microsoft.com/office/powerpoint/2010/main" id="1" dur="indefinite" restart="never" nodeType="tmRoot"/>
-      </p:par>
-    </p:tnLst>
-  </p:timing>
 </p:sld>
 </file>
 
@@ -5352,275 +5366,7 @@
           <a:p>
             <a:r>
               <a:rPr lang="en-GB" dirty="0" smtClean="0"/>
-              <a:t>4. </a:t>
-            </a:r>
-            <a:r>
-              <a:rPr lang="en-GB" dirty="0" err="1" smtClean="0"/>
-              <a:t>Goroutines</a:t>
-            </a:r>
-            <a:r>
-              <a:rPr lang="en-GB" dirty="0" smtClean="0"/>
-              <a:t> and Channels</a:t>
-            </a:r>
-            <a:endParaRPr lang="en-GB" dirty="0"/>
-          </a:p>
-        </p:txBody>
-      </p:sp>
-      <p:sp>
-        <p:nvSpPr>
-          <p:cNvPr id="3" name="Inhaltsplatzhalter 2"/>
-          <p:cNvSpPr>
-            <a:spLocks noGrp="1"/>
-          </p:cNvSpPr>
-          <p:nvPr>
-            <p:ph idx="1"/>
-          </p:nvPr>
-        </p:nvSpPr>
-        <p:spPr/>
-        <p:txBody>
-          <a:bodyPr>
-            <a:normAutofit/>
-          </a:bodyPr>
-          <a:lstStyle/>
-          <a:p>
-            <a:r>
-              <a:rPr lang="en-GB" dirty="0" smtClean="0"/>
-              <a:t>“Concurrency is a way to structure a program by breaking it into pieces that can be executed independently.”</a:t>
-            </a:r>
-          </a:p>
-          <a:p>
-            <a:r>
-              <a:rPr lang="en-GB" dirty="0" smtClean="0"/>
-              <a:t>“Communication is the means to coordinate independent executions”</a:t>
-            </a:r>
-            <a:endParaRPr lang="en-GB" dirty="0"/>
-          </a:p>
-          <a:p>
-            <a:endParaRPr lang="en-GB" dirty="0" smtClean="0"/>
-          </a:p>
-          <a:p>
-            <a:r>
-              <a:rPr lang="en-GB" dirty="0" err="1" smtClean="0"/>
-              <a:t>Basiert</a:t>
-            </a:r>
-            <a:r>
-              <a:rPr lang="en-GB" dirty="0" smtClean="0"/>
-              <a:t> auf “Communication Sequential Processes” (CSP, 1978) von C.A.R Hoare</a:t>
-            </a:r>
-            <a:endParaRPr lang="en-GB" dirty="0"/>
-          </a:p>
-        </p:txBody>
-      </p:sp>
-    </p:spTree>
-    <p:extLst>
-      <p:ext uri="{BB962C8B-B14F-4D97-AF65-F5344CB8AC3E}">
-        <p14:creationId xmlns:p14="http://schemas.microsoft.com/office/powerpoint/2010/main" val="2140307500"/>
-      </p:ext>
-    </p:extLst>
-  </p:cSld>
-  <p:clrMapOvr>
-    <a:masterClrMapping/>
-  </p:clrMapOvr>
-</p:sld>
-</file>
-
-<file path=ppt/slides/slide2.xml><?xml version="1.0" encoding="utf-8"?>
-<p:sld xmlns:a="http://schemas.openxmlformats.org/drawingml/2006/main" xmlns:r="http://schemas.openxmlformats.org/officeDocument/2006/relationships" xmlns:p="http://schemas.openxmlformats.org/presentationml/2006/main">
-  <p:cSld>
-    <p:spTree>
-      <p:nvGrpSpPr>
-        <p:cNvPr id="1" name=""/>
-        <p:cNvGrpSpPr/>
-        <p:nvPr/>
-      </p:nvGrpSpPr>
-      <p:grpSpPr>
-        <a:xfrm>
-          <a:off x="0" y="0"/>
-          <a:ext cx="0" cy="0"/>
-          <a:chOff x="0" y="0"/>
-          <a:chExt cx="0" cy="0"/>
-        </a:xfrm>
-      </p:grpSpPr>
-      <p:sp>
-        <p:nvSpPr>
-          <p:cNvPr id="2" name="Titel 1"/>
-          <p:cNvSpPr>
-            <a:spLocks noGrp="1"/>
-          </p:cNvSpPr>
-          <p:nvPr>
-            <p:ph type="title"/>
-          </p:nvPr>
-        </p:nvSpPr>
-        <p:spPr/>
-        <p:txBody>
-          <a:bodyPr/>
-          <a:lstStyle/>
-          <a:p>
-            <a:r>
-              <a:rPr lang="de-DE" dirty="0" smtClean="0"/>
-              <a:t>Inhalt</a:t>
-            </a:r>
-            <a:endParaRPr lang="de-DE" dirty="0"/>
-          </a:p>
-        </p:txBody>
-      </p:sp>
-      <p:sp>
-        <p:nvSpPr>
-          <p:cNvPr id="3" name="Inhaltsplatzhalter 2"/>
-          <p:cNvSpPr>
-            <a:spLocks noGrp="1"/>
-          </p:cNvSpPr>
-          <p:nvPr>
-            <p:ph idx="1"/>
-          </p:nvPr>
-        </p:nvSpPr>
-        <p:spPr/>
-        <p:txBody>
-          <a:bodyPr/>
-          <a:lstStyle/>
-          <a:p>
-            <a:pPr marL="514350" indent="-514350">
-              <a:buFont typeface="+mj-lt"/>
-              <a:buAutoNum type="arabicPeriod"/>
-            </a:pPr>
-            <a:r>
-              <a:rPr lang="de-DE" dirty="0" smtClean="0"/>
-              <a:t>Motivation</a:t>
-            </a:r>
-          </a:p>
-          <a:p>
-            <a:pPr marL="514350" indent="-514350">
-              <a:buFont typeface="+mj-lt"/>
-              <a:buAutoNum type="arabicPeriod"/>
-            </a:pPr>
-            <a:r>
-              <a:rPr lang="de-DE" dirty="0" smtClean="0"/>
-              <a:t>Einführung in die Sprache</a:t>
-            </a:r>
-          </a:p>
-          <a:p>
-            <a:pPr marL="514350" indent="-514350">
-              <a:buFont typeface="+mj-lt"/>
-              <a:buAutoNum type="arabicPeriod"/>
-            </a:pPr>
-            <a:r>
-              <a:rPr lang="de-DE" dirty="0" smtClean="0"/>
-              <a:t>Packages, Exports &amp; Imports</a:t>
-            </a:r>
-          </a:p>
-          <a:p>
-            <a:pPr marL="514350" indent="-514350">
-              <a:buFont typeface="+mj-lt"/>
-              <a:buAutoNum type="arabicPeriod"/>
-            </a:pPr>
-            <a:r>
-              <a:rPr lang="en-GB" dirty="0" err="1" smtClean="0"/>
-              <a:t>Goroutines</a:t>
-            </a:r>
-            <a:r>
-              <a:rPr lang="en-GB" dirty="0" smtClean="0"/>
-              <a:t> and Channels</a:t>
-            </a:r>
-            <a:endParaRPr lang="de-DE" dirty="0" smtClean="0"/>
-          </a:p>
-          <a:p>
-            <a:pPr marL="514350" indent="-514350">
-              <a:buFont typeface="+mj-lt"/>
-              <a:buAutoNum type="arabicPeriod"/>
-            </a:pPr>
-            <a:r>
-              <a:rPr lang="de-DE" dirty="0" smtClean="0"/>
-              <a:t>Unit </a:t>
-            </a:r>
-            <a:r>
-              <a:rPr lang="de-DE" dirty="0" err="1" smtClean="0"/>
-              <a:t>Testing</a:t>
-            </a:r>
-            <a:r>
-              <a:rPr lang="de-DE" dirty="0" smtClean="0"/>
-              <a:t> und Benchmarking</a:t>
-            </a:r>
-          </a:p>
-          <a:p>
-            <a:pPr marL="514350" indent="-514350">
-              <a:buFont typeface="+mj-lt"/>
-              <a:buAutoNum type="arabicPeriod"/>
-            </a:pPr>
-            <a:r>
-              <a:rPr lang="de-DE" dirty="0" smtClean="0"/>
-              <a:t>Web-Entwicklung</a:t>
-            </a:r>
-          </a:p>
-          <a:p>
-            <a:pPr marL="514350" indent="-514350">
-              <a:buFont typeface="+mj-lt"/>
-              <a:buAutoNum type="arabicPeriod"/>
-            </a:pPr>
-            <a:r>
-              <a:rPr lang="de-DE" dirty="0" smtClean="0"/>
-              <a:t>Ausblick</a:t>
-            </a:r>
-          </a:p>
-          <a:p>
-            <a:endParaRPr lang="de-DE" dirty="0"/>
-          </a:p>
-        </p:txBody>
-      </p:sp>
-    </p:spTree>
-    <p:extLst>
-      <p:ext uri="{BB962C8B-B14F-4D97-AF65-F5344CB8AC3E}">
-        <p14:creationId xmlns:p14="http://schemas.microsoft.com/office/powerpoint/2010/main" val="2643089572"/>
-      </p:ext>
-    </p:extLst>
-  </p:cSld>
-  <p:clrMapOvr>
-    <a:masterClrMapping/>
-  </p:clrMapOvr>
-  <p:timing>
-    <p:tnLst>
-      <p:par>
-        <p:cTn xmlns:p14="http://schemas.microsoft.com/office/powerpoint/2010/main" id="1" dur="indefinite" restart="never" nodeType="tmRoot"/>
-      </p:par>
-    </p:tnLst>
-  </p:timing>
-</p:sld>
-</file>
-
-<file path=ppt/slides/slide20.xml><?xml version="1.0" encoding="utf-8"?>
-<p:sld xmlns:a="http://schemas.openxmlformats.org/drawingml/2006/main" xmlns:r="http://schemas.openxmlformats.org/officeDocument/2006/relationships" xmlns:p="http://schemas.openxmlformats.org/presentationml/2006/main">
-  <p:cSld>
-    <p:spTree>
-      <p:nvGrpSpPr>
-        <p:cNvPr id="1" name=""/>
-        <p:cNvGrpSpPr/>
-        <p:nvPr/>
-      </p:nvGrpSpPr>
-      <p:grpSpPr>
-        <a:xfrm>
-          <a:off x="0" y="0"/>
-          <a:ext cx="0" cy="0"/>
-          <a:chOff x="0" y="0"/>
-          <a:chExt cx="0" cy="0"/>
-        </a:xfrm>
-      </p:grpSpPr>
-      <p:sp>
-        <p:nvSpPr>
-          <p:cNvPr id="2" name="Titel 1"/>
-          <p:cNvSpPr>
-            <a:spLocks noGrp="1"/>
-          </p:cNvSpPr>
-          <p:nvPr>
-            <p:ph type="title"/>
-          </p:nvPr>
-        </p:nvSpPr>
-        <p:spPr/>
-        <p:txBody>
-          <a:bodyPr/>
-          <a:lstStyle/>
-          <a:p>
-            <a:r>
-              <a:rPr lang="en-GB" dirty="0" smtClean="0"/>
-              <a:t>4. </a:t>
+              <a:t>3. </a:t>
             </a:r>
             <a:r>
               <a:rPr lang="en-GB" dirty="0" err="1" smtClean="0"/>
@@ -5787,7 +5533,7 @@
 </p:sld>
 </file>
 
-<file path=ppt/slides/slide21.xml><?xml version="1.0" encoding="utf-8"?>
+<file path=ppt/slides/slide2.xml><?xml version="1.0" encoding="utf-8"?>
 <p:sld xmlns:a="http://schemas.openxmlformats.org/drawingml/2006/main" xmlns:r="http://schemas.openxmlformats.org/officeDocument/2006/relationships" xmlns:p="http://schemas.openxmlformats.org/presentationml/2006/main">
   <p:cSld>
     <p:spTree>
@@ -5821,7 +5567,163 @@
           <a:p>
             <a:r>
               <a:rPr lang="de-DE" dirty="0" smtClean="0"/>
-              <a:t>4. </a:t>
+              <a:t>Inhalt</a:t>
+            </a:r>
+            <a:endParaRPr lang="de-DE" dirty="0"/>
+          </a:p>
+        </p:txBody>
+      </p:sp>
+      <p:sp>
+        <p:nvSpPr>
+          <p:cNvPr id="3" name="Inhaltsplatzhalter 2"/>
+          <p:cNvSpPr>
+            <a:spLocks noGrp="1"/>
+          </p:cNvSpPr>
+          <p:nvPr>
+            <p:ph idx="1"/>
+          </p:nvPr>
+        </p:nvSpPr>
+        <p:spPr/>
+        <p:txBody>
+          <a:bodyPr/>
+          <a:lstStyle/>
+          <a:p>
+            <a:pPr marL="514350" indent="-514350">
+              <a:buFont typeface="+mj-lt"/>
+              <a:buAutoNum type="arabicPeriod"/>
+            </a:pPr>
+            <a:r>
+              <a:rPr lang="de-DE" dirty="0" smtClean="0"/>
+              <a:t>Motivation</a:t>
+            </a:r>
+          </a:p>
+          <a:p>
+            <a:pPr marL="514350" indent="-514350">
+              <a:buFont typeface="+mj-lt"/>
+              <a:buAutoNum type="arabicPeriod"/>
+            </a:pPr>
+            <a:r>
+              <a:rPr lang="de-DE" dirty="0" smtClean="0"/>
+              <a:t>Einführung in die Sprache</a:t>
+            </a:r>
+          </a:p>
+          <a:p>
+            <a:pPr marL="514350" indent="-514350">
+              <a:buFont typeface="+mj-lt"/>
+              <a:buAutoNum type="arabicPeriod"/>
+            </a:pPr>
+            <a:r>
+              <a:rPr lang="en-GB" dirty="0" err="1" smtClean="0"/>
+              <a:t>Goroutines</a:t>
+            </a:r>
+            <a:r>
+              <a:rPr lang="en-GB" dirty="0" smtClean="0"/>
+              <a:t> </a:t>
+            </a:r>
+            <a:r>
+              <a:rPr lang="en-GB" dirty="0" smtClean="0"/>
+              <a:t>and Channels</a:t>
+            </a:r>
+            <a:endParaRPr lang="de-DE" dirty="0" smtClean="0"/>
+          </a:p>
+          <a:p>
+            <a:pPr marL="514350" indent="-514350">
+              <a:buFont typeface="+mj-lt"/>
+              <a:buAutoNum type="arabicPeriod"/>
+            </a:pPr>
+            <a:r>
+              <a:rPr lang="de-DE" dirty="0" smtClean="0"/>
+              <a:t>Unit </a:t>
+            </a:r>
+            <a:r>
+              <a:rPr lang="de-DE" dirty="0" err="1" smtClean="0"/>
+              <a:t>Testing</a:t>
+            </a:r>
+            <a:r>
+              <a:rPr lang="de-DE" dirty="0" smtClean="0"/>
+              <a:t> und Benchmarking</a:t>
+            </a:r>
+          </a:p>
+          <a:p>
+            <a:pPr marL="514350" indent="-514350">
+              <a:buFont typeface="+mj-lt"/>
+              <a:buAutoNum type="arabicPeriod"/>
+            </a:pPr>
+            <a:r>
+              <a:rPr lang="de-DE" dirty="0" smtClean="0"/>
+              <a:t>Web-Entwicklung</a:t>
+            </a:r>
+          </a:p>
+          <a:p>
+            <a:pPr marL="514350" indent="-514350">
+              <a:buFont typeface="+mj-lt"/>
+              <a:buAutoNum type="arabicPeriod"/>
+            </a:pPr>
+            <a:r>
+              <a:rPr lang="de-DE" dirty="0" smtClean="0"/>
+              <a:t>Ausblick</a:t>
+            </a:r>
+          </a:p>
+          <a:p>
+            <a:endParaRPr lang="de-DE" dirty="0"/>
+          </a:p>
+        </p:txBody>
+      </p:sp>
+    </p:spTree>
+    <p:extLst>
+      <p:ext uri="{BB962C8B-B14F-4D97-AF65-F5344CB8AC3E}">
+        <p14:creationId xmlns:p14="http://schemas.microsoft.com/office/powerpoint/2010/main" val="2643089572"/>
+      </p:ext>
+    </p:extLst>
+  </p:cSld>
+  <p:clrMapOvr>
+    <a:masterClrMapping/>
+  </p:clrMapOvr>
+  <p:timing>
+    <p:tnLst>
+      <p:par>
+        <p:cTn xmlns:p14="http://schemas.microsoft.com/office/powerpoint/2010/main" id="1" dur="indefinite" restart="never" nodeType="tmRoot"/>
+      </p:par>
+    </p:tnLst>
+  </p:timing>
+</p:sld>
+</file>
+
+<file path=ppt/slides/slide20.xml><?xml version="1.0" encoding="utf-8"?>
+<p:sld xmlns:a="http://schemas.openxmlformats.org/drawingml/2006/main" xmlns:r="http://schemas.openxmlformats.org/officeDocument/2006/relationships" xmlns:p="http://schemas.openxmlformats.org/presentationml/2006/main">
+  <p:cSld>
+    <p:spTree>
+      <p:nvGrpSpPr>
+        <p:cNvPr id="1" name=""/>
+        <p:cNvGrpSpPr/>
+        <p:nvPr/>
+      </p:nvGrpSpPr>
+      <p:grpSpPr>
+        <a:xfrm>
+          <a:off x="0" y="0"/>
+          <a:ext cx="0" cy="0"/>
+          <a:chOff x="0" y="0"/>
+          <a:chExt cx="0" cy="0"/>
+        </a:xfrm>
+      </p:grpSpPr>
+      <p:sp>
+        <p:nvSpPr>
+          <p:cNvPr id="2" name="Titel 1"/>
+          <p:cNvSpPr>
+            <a:spLocks noGrp="1"/>
+          </p:cNvSpPr>
+          <p:nvPr>
+            <p:ph type="title"/>
+          </p:nvPr>
+        </p:nvSpPr>
+        <p:spPr/>
+        <p:txBody>
+          <a:bodyPr/>
+          <a:lstStyle/>
+          <a:p>
+            <a:r>
+              <a:rPr lang="de-DE" dirty="0" smtClean="0"/>
+              <a:t>3. </a:t>
             </a:r>
             <a:r>
               <a:rPr lang="de-DE" dirty="0" err="1" smtClean="0"/>
@@ -5952,7 +5854,7 @@
 </p:sld>
 </file>
 
-<file path=ppt/slides/slide22.xml><?xml version="1.0" encoding="utf-8"?>
+<file path=ppt/slides/slide21.xml><?xml version="1.0" encoding="utf-8"?>
 <p:sld xmlns:a="http://schemas.openxmlformats.org/drawingml/2006/main" xmlns:r="http://schemas.openxmlformats.org/officeDocument/2006/relationships" xmlns:p="http://schemas.openxmlformats.org/presentationml/2006/main">
   <p:cSld>
     <p:spTree>
@@ -5986,7 +5888,7 @@
           <a:p>
             <a:r>
               <a:rPr lang="de-DE" dirty="0" smtClean="0"/>
-              <a:t>4. </a:t>
+              <a:t>3. </a:t>
             </a:r>
             <a:r>
               <a:rPr lang="de-DE" dirty="0" err="1" smtClean="0"/>
@@ -6350,7 +6252,7 @@
 </p:sld>
 </file>
 
-<file path=ppt/slides/slide23.xml><?xml version="1.0" encoding="utf-8"?>
+<file path=ppt/slides/slide22.xml><?xml version="1.0" encoding="utf-8"?>
 <p:sld xmlns:a="http://schemas.openxmlformats.org/drawingml/2006/main" xmlns:r="http://schemas.openxmlformats.org/officeDocument/2006/relationships" xmlns:p="http://schemas.openxmlformats.org/presentationml/2006/main">
   <p:cSld>
     <p:spTree>
@@ -6384,7 +6286,11 @@
           <a:p>
             <a:r>
               <a:rPr lang="en-GB" dirty="0" smtClean="0"/>
-              <a:t>5. Unit Testing und Benchmarking</a:t>
+              <a:t>4. </a:t>
+            </a:r>
+            <a:r>
+              <a:rPr lang="en-GB" dirty="0" smtClean="0"/>
+              <a:t>Unit Testing und Benchmarking</a:t>
             </a:r>
             <a:endParaRPr lang="en-GB" dirty="0"/>
           </a:p>
@@ -6410,6 +6316,605 @@
 </p:sld>
 </file>
 
+<file path=ppt/slides/slide23.xml><?xml version="1.0" encoding="utf-8"?>
+<p:sld xmlns:a="http://schemas.openxmlformats.org/drawingml/2006/main" xmlns:r="http://schemas.openxmlformats.org/officeDocument/2006/relationships" xmlns:p="http://schemas.openxmlformats.org/presentationml/2006/main">
+  <p:cSld>
+    <p:spTree>
+      <p:nvGrpSpPr>
+        <p:cNvPr id="1" name=""/>
+        <p:cNvGrpSpPr/>
+        <p:nvPr/>
+      </p:nvGrpSpPr>
+      <p:grpSpPr>
+        <a:xfrm>
+          <a:off x="0" y="0"/>
+          <a:ext cx="0" cy="0"/>
+          <a:chOff x="0" y="0"/>
+          <a:chExt cx="0" cy="0"/>
+        </a:xfrm>
+      </p:grpSpPr>
+      <p:sp>
+        <p:nvSpPr>
+          <p:cNvPr id="4" name="Titel 3"/>
+          <p:cNvSpPr>
+            <a:spLocks noGrp="1"/>
+          </p:cNvSpPr>
+          <p:nvPr>
+            <p:ph type="title"/>
+          </p:nvPr>
+        </p:nvSpPr>
+        <p:spPr/>
+        <p:txBody>
+          <a:bodyPr/>
+          <a:lstStyle/>
+          <a:p>
+            <a:r>
+              <a:rPr lang="en-GB" dirty="0" smtClean="0"/>
+              <a:t>4. </a:t>
+            </a:r>
+            <a:r>
+              <a:rPr lang="en-GB" dirty="0" smtClean="0"/>
+              <a:t>Unit Testing</a:t>
+            </a:r>
+            <a:endParaRPr lang="en-GB" dirty="0"/>
+          </a:p>
+        </p:txBody>
+      </p:sp>
+      <p:sp>
+        <p:nvSpPr>
+          <p:cNvPr id="5" name="Inhaltsplatzhalter 4"/>
+          <p:cNvSpPr>
+            <a:spLocks noGrp="1"/>
+          </p:cNvSpPr>
+          <p:nvPr>
+            <p:ph idx="1"/>
+          </p:nvPr>
+        </p:nvSpPr>
+        <p:spPr/>
+        <p:txBody>
+          <a:bodyPr>
+            <a:normAutofit fontScale="62500" lnSpcReduction="20000"/>
+          </a:bodyPr>
+          <a:lstStyle/>
+          <a:p>
+            <a:r>
+              <a:rPr lang="en-GB" dirty="0"/>
+              <a:t>Unit </a:t>
+            </a:r>
+            <a:r>
+              <a:rPr lang="en-GB" dirty="0" smtClean="0"/>
+              <a:t>Testing</a:t>
+            </a:r>
+          </a:p>
+          <a:p>
+            <a:pPr lvl="1"/>
+            <a:r>
+              <a:rPr lang="pl-PL" dirty="0" smtClean="0"/>
+              <a:t>Run </a:t>
+            </a:r>
+            <a:r>
+              <a:rPr lang="pl-PL" dirty="0" err="1" smtClean="0"/>
+              <a:t>tests</a:t>
+            </a:r>
+            <a:r>
+              <a:rPr lang="pl-PL" dirty="0" smtClean="0"/>
+              <a:t>:				go </a:t>
+            </a:r>
+            <a:r>
+              <a:rPr lang="pl-PL" dirty="0"/>
+              <a:t>test</a:t>
+            </a:r>
+          </a:p>
+          <a:p>
+            <a:endParaRPr lang="pl-PL" dirty="0"/>
+          </a:p>
+          <a:p>
+            <a:r>
+              <a:rPr lang="pl-PL" dirty="0" err="1"/>
+              <a:t>Code</a:t>
+            </a:r>
+            <a:r>
+              <a:rPr lang="pl-PL" dirty="0"/>
+              <a:t> </a:t>
+            </a:r>
+            <a:r>
+              <a:rPr lang="pl-PL" dirty="0" err="1" smtClean="0"/>
+              <a:t>Coverage</a:t>
+            </a:r>
+            <a:endParaRPr lang="pl-PL" dirty="0" smtClean="0"/>
+          </a:p>
+          <a:p>
+            <a:pPr lvl="1"/>
+            <a:r>
+              <a:rPr lang="pl-PL" dirty="0" err="1" smtClean="0"/>
+              <a:t>Install</a:t>
+            </a:r>
+            <a:r>
+              <a:rPr lang="pl-PL" dirty="0" smtClean="0"/>
+              <a:t> </a:t>
+            </a:r>
+            <a:r>
+              <a:rPr lang="pl-PL" dirty="0" err="1"/>
+              <a:t>cover</a:t>
+            </a:r>
+            <a:r>
+              <a:rPr lang="pl-PL" dirty="0"/>
+              <a:t> </a:t>
+            </a:r>
+            <a:r>
+              <a:rPr lang="pl-PL" dirty="0" err="1" smtClean="0"/>
+              <a:t>tool</a:t>
+            </a:r>
+            <a:r>
+              <a:rPr lang="pl-PL" dirty="0" smtClean="0"/>
+              <a:t>:		go </a:t>
+            </a:r>
+            <a:r>
+              <a:rPr lang="pl-PL" dirty="0" err="1"/>
+              <a:t>get</a:t>
+            </a:r>
+            <a:r>
+              <a:rPr lang="pl-PL" dirty="0"/>
+              <a:t> </a:t>
+            </a:r>
+            <a:r>
+              <a:rPr lang="pl-PL" dirty="0" err="1"/>
+              <a:t>golang.org</a:t>
+            </a:r>
+            <a:r>
+              <a:rPr lang="pl-PL" dirty="0"/>
+              <a:t>/x/</a:t>
+            </a:r>
+            <a:r>
+              <a:rPr lang="pl-PL" dirty="0" err="1"/>
+              <a:t>tools</a:t>
+            </a:r>
+            <a:r>
+              <a:rPr lang="pl-PL" dirty="0"/>
+              <a:t>/</a:t>
+            </a:r>
+            <a:r>
+              <a:rPr lang="pl-PL" dirty="0" err="1"/>
+              <a:t>cmd</a:t>
+            </a:r>
+            <a:r>
+              <a:rPr lang="pl-PL" dirty="0"/>
+              <a:t>/</a:t>
+            </a:r>
+            <a:r>
+              <a:rPr lang="pl-PL" dirty="0" err="1" smtClean="0"/>
+              <a:t>cover</a:t>
+            </a:r>
+            <a:endParaRPr lang="pl-PL" dirty="0" smtClean="0"/>
+          </a:p>
+          <a:p>
+            <a:pPr lvl="1"/>
+            <a:r>
+              <a:rPr lang="pl-PL" dirty="0" smtClean="0"/>
+              <a:t>Run </a:t>
+            </a:r>
+            <a:r>
+              <a:rPr lang="pl-PL" dirty="0" err="1"/>
+              <a:t>coverate</a:t>
+            </a:r>
+            <a:r>
+              <a:rPr lang="pl-PL" dirty="0"/>
+              <a:t> </a:t>
+            </a:r>
+            <a:r>
+              <a:rPr lang="pl-PL" dirty="0" smtClean="0"/>
+              <a:t>test:		go </a:t>
+            </a:r>
+            <a:r>
+              <a:rPr lang="pl-PL" dirty="0"/>
+              <a:t>test </a:t>
+            </a:r>
+            <a:r>
+              <a:rPr lang="pl-PL" dirty="0" smtClean="0"/>
+              <a:t>–</a:t>
+            </a:r>
+            <a:r>
+              <a:rPr lang="pl-PL" dirty="0" err="1" smtClean="0"/>
+              <a:t>cover</a:t>
+            </a:r>
+            <a:endParaRPr lang="pl-PL" dirty="0" smtClean="0"/>
+          </a:p>
+          <a:p>
+            <a:pPr lvl="1"/>
+            <a:r>
+              <a:rPr lang="pl-PL" dirty="0" err="1" smtClean="0"/>
+              <a:t>Generate</a:t>
+            </a:r>
+            <a:r>
+              <a:rPr lang="pl-PL" dirty="0" smtClean="0"/>
+              <a:t> </a:t>
+            </a:r>
+            <a:r>
+              <a:rPr lang="pl-PL" dirty="0" err="1" smtClean="0"/>
+              <a:t>outfile</a:t>
+            </a:r>
+            <a:r>
+              <a:rPr lang="pl-PL" dirty="0" smtClean="0"/>
+              <a:t>:		go </a:t>
+            </a:r>
+            <a:r>
+              <a:rPr lang="pl-PL" dirty="0"/>
+              <a:t>test -</a:t>
+            </a:r>
+            <a:r>
+              <a:rPr lang="pl-PL" dirty="0" err="1"/>
+              <a:t>coverprofile</a:t>
+            </a:r>
+            <a:r>
+              <a:rPr lang="pl-PL" dirty="0"/>
+              <a:t>=</a:t>
+            </a:r>
+            <a:r>
+              <a:rPr lang="pl-PL" dirty="0" err="1" smtClean="0"/>
+              <a:t>coverage.out</a:t>
+            </a:r>
+            <a:endParaRPr lang="pl-PL" dirty="0" smtClean="0"/>
+          </a:p>
+          <a:p>
+            <a:pPr lvl="1"/>
+            <a:r>
+              <a:rPr lang="pl-PL" dirty="0" err="1" smtClean="0"/>
+              <a:t>Function</a:t>
+            </a:r>
+            <a:r>
+              <a:rPr lang="pl-PL" dirty="0" smtClean="0"/>
+              <a:t> </a:t>
+            </a:r>
+            <a:r>
+              <a:rPr lang="pl-PL" dirty="0" err="1" smtClean="0"/>
+              <a:t>breakdown</a:t>
+            </a:r>
+            <a:r>
+              <a:rPr lang="pl-PL" dirty="0" smtClean="0"/>
+              <a:t>:		go </a:t>
+            </a:r>
+            <a:r>
+              <a:rPr lang="pl-PL" dirty="0" err="1"/>
+              <a:t>tool</a:t>
+            </a:r>
+            <a:r>
+              <a:rPr lang="pl-PL" dirty="0"/>
+              <a:t> </a:t>
+            </a:r>
+            <a:r>
+              <a:rPr lang="pl-PL" dirty="0" err="1"/>
+              <a:t>cover</a:t>
+            </a:r>
+            <a:r>
+              <a:rPr lang="pl-PL" dirty="0"/>
+              <a:t> -</a:t>
+            </a:r>
+            <a:r>
+              <a:rPr lang="pl-PL" dirty="0" err="1"/>
+              <a:t>func</a:t>
+            </a:r>
+            <a:r>
+              <a:rPr lang="pl-PL" dirty="0"/>
+              <a:t>=</a:t>
+            </a:r>
+            <a:r>
+              <a:rPr lang="pl-PL" dirty="0" err="1" smtClean="0"/>
+              <a:t>coverage.out</a:t>
+            </a:r>
+            <a:endParaRPr lang="pl-PL" dirty="0" smtClean="0"/>
+          </a:p>
+          <a:p>
+            <a:pPr lvl="1"/>
+            <a:r>
+              <a:rPr lang="pl-PL" dirty="0" smtClean="0"/>
+              <a:t>HTML </a:t>
+            </a:r>
+            <a:r>
+              <a:rPr lang="pl-PL" dirty="0" err="1" smtClean="0"/>
+              <a:t>view</a:t>
+            </a:r>
+            <a:r>
+              <a:rPr lang="pl-PL" dirty="0" smtClean="0"/>
+              <a:t>:			go </a:t>
+            </a:r>
+            <a:r>
+              <a:rPr lang="pl-PL" dirty="0" err="1"/>
+              <a:t>tool</a:t>
+            </a:r>
+            <a:r>
+              <a:rPr lang="pl-PL" dirty="0"/>
+              <a:t> </a:t>
+            </a:r>
+            <a:r>
+              <a:rPr lang="pl-PL" dirty="0" err="1"/>
+              <a:t>cover</a:t>
+            </a:r>
+            <a:r>
+              <a:rPr lang="pl-PL" dirty="0"/>
+              <a:t> -</a:t>
+            </a:r>
+            <a:r>
+              <a:rPr lang="pl-PL" dirty="0" err="1"/>
+              <a:t>html</a:t>
+            </a:r>
+            <a:r>
+              <a:rPr lang="pl-PL" dirty="0"/>
+              <a:t>=</a:t>
+            </a:r>
+            <a:r>
+              <a:rPr lang="pl-PL" dirty="0" err="1" smtClean="0"/>
+              <a:t>coverage.out</a:t>
+            </a:r>
+            <a:endParaRPr lang="pl-PL" dirty="0" smtClean="0"/>
+          </a:p>
+          <a:p>
+            <a:pPr lvl="1"/>
+            <a:r>
+              <a:rPr lang="pl-PL" dirty="0" err="1" smtClean="0"/>
+              <a:t>Counting</a:t>
+            </a:r>
+            <a:r>
+              <a:rPr lang="pl-PL" dirty="0" smtClean="0"/>
+              <a:t> </a:t>
+            </a:r>
+            <a:r>
+              <a:rPr lang="pl-PL" dirty="0" err="1"/>
+              <a:t>mode</a:t>
+            </a:r>
+            <a:r>
+              <a:rPr lang="pl-PL" dirty="0"/>
+              <a:t> (</a:t>
+            </a:r>
+            <a:r>
+              <a:rPr lang="pl-PL" dirty="0" err="1"/>
+              <a:t>outfile</a:t>
+            </a:r>
+            <a:r>
+              <a:rPr lang="pl-PL" dirty="0"/>
+              <a:t>): </a:t>
+            </a:r>
+            <a:r>
+              <a:rPr lang="pl-PL" dirty="0" smtClean="0"/>
+              <a:t>	go </a:t>
+            </a:r>
+            <a:r>
+              <a:rPr lang="pl-PL" dirty="0"/>
+              <a:t>test -</a:t>
+            </a:r>
+            <a:r>
+              <a:rPr lang="pl-PL" dirty="0" err="1"/>
+              <a:t>covermode</a:t>
+            </a:r>
+            <a:r>
+              <a:rPr lang="pl-PL" dirty="0"/>
+              <a:t>=</a:t>
+            </a:r>
+            <a:r>
+              <a:rPr lang="pl-PL" dirty="0" err="1"/>
+              <a:t>count</a:t>
+            </a:r>
+            <a:r>
+              <a:rPr lang="pl-PL" dirty="0"/>
+              <a:t> -</a:t>
+            </a:r>
+            <a:r>
+              <a:rPr lang="pl-PL" dirty="0" err="1"/>
+              <a:t>coverprofile</a:t>
+            </a:r>
+            <a:r>
+              <a:rPr lang="pl-PL" dirty="0"/>
+              <a:t>=</a:t>
+            </a:r>
+            <a:r>
+              <a:rPr lang="pl-PL" dirty="0" err="1" smtClean="0"/>
+              <a:t>count.out</a:t>
+            </a:r>
+            <a:endParaRPr lang="pl-PL" dirty="0" smtClean="0"/>
+          </a:p>
+          <a:p>
+            <a:pPr lvl="1"/>
+            <a:r>
+              <a:rPr lang="pl-PL" dirty="0" err="1" smtClean="0"/>
+              <a:t>Print</a:t>
+            </a:r>
+            <a:r>
+              <a:rPr lang="pl-PL" dirty="0" smtClean="0"/>
+              <a:t> </a:t>
+            </a:r>
+            <a:r>
+              <a:rPr lang="pl-PL" dirty="0" err="1"/>
+              <a:t>counting</a:t>
+            </a:r>
+            <a:r>
+              <a:rPr lang="pl-PL" dirty="0"/>
+              <a:t> </a:t>
+            </a:r>
+            <a:r>
+              <a:rPr lang="pl-PL" dirty="0" err="1" smtClean="0"/>
+              <a:t>results</a:t>
+            </a:r>
+            <a:r>
+              <a:rPr lang="pl-PL" dirty="0" smtClean="0"/>
+              <a:t>:	go </a:t>
+            </a:r>
+            <a:r>
+              <a:rPr lang="pl-PL" dirty="0" err="1"/>
+              <a:t>tool</a:t>
+            </a:r>
+            <a:r>
+              <a:rPr lang="pl-PL" dirty="0"/>
+              <a:t> </a:t>
+            </a:r>
+            <a:r>
+              <a:rPr lang="pl-PL" dirty="0" err="1"/>
+              <a:t>cover</a:t>
+            </a:r>
+            <a:r>
+              <a:rPr lang="pl-PL" dirty="0"/>
+              <a:t> -</a:t>
+            </a:r>
+            <a:r>
+              <a:rPr lang="pl-PL" dirty="0" err="1"/>
+              <a:t>func</a:t>
+            </a:r>
+            <a:r>
+              <a:rPr lang="pl-PL" dirty="0"/>
+              <a:t>=</a:t>
+            </a:r>
+            <a:r>
+              <a:rPr lang="pl-PL" dirty="0" err="1" smtClean="0"/>
+              <a:t>count.out</a:t>
+            </a:r>
+            <a:endParaRPr lang="pl-PL" dirty="0" smtClean="0"/>
+          </a:p>
+          <a:p>
+            <a:pPr lvl="1"/>
+            <a:r>
+              <a:rPr lang="pl-PL" dirty="0" smtClean="0"/>
+              <a:t>HTML </a:t>
+            </a:r>
+            <a:r>
+              <a:rPr lang="pl-PL" dirty="0" err="1"/>
+              <a:t>counting</a:t>
+            </a:r>
+            <a:r>
+              <a:rPr lang="pl-PL" dirty="0"/>
+              <a:t> </a:t>
+            </a:r>
+            <a:r>
+              <a:rPr lang="pl-PL" dirty="0" err="1" smtClean="0"/>
+              <a:t>view</a:t>
+            </a:r>
+            <a:r>
+              <a:rPr lang="pl-PL" dirty="0" smtClean="0"/>
+              <a:t>:		go </a:t>
+            </a:r>
+            <a:r>
+              <a:rPr lang="pl-PL" dirty="0" err="1"/>
+              <a:t>tool</a:t>
+            </a:r>
+            <a:r>
+              <a:rPr lang="pl-PL" dirty="0"/>
+              <a:t> </a:t>
+            </a:r>
+            <a:r>
+              <a:rPr lang="pl-PL" dirty="0" err="1"/>
+              <a:t>cover</a:t>
+            </a:r>
+            <a:r>
+              <a:rPr lang="pl-PL" dirty="0"/>
+              <a:t> -</a:t>
+            </a:r>
+            <a:r>
+              <a:rPr lang="pl-PL" dirty="0" err="1"/>
+              <a:t>html</a:t>
+            </a:r>
+            <a:r>
+              <a:rPr lang="pl-PL" dirty="0"/>
+              <a:t>=</a:t>
+            </a:r>
+            <a:r>
+              <a:rPr lang="pl-PL" dirty="0" err="1"/>
+              <a:t>count.out</a:t>
+            </a:r>
+            <a:endParaRPr lang="pl-PL" dirty="0"/>
+          </a:p>
+          <a:p>
+            <a:endParaRPr lang="pl-PL" dirty="0"/>
+          </a:p>
+          <a:p>
+            <a:r>
+              <a:rPr lang="pl-PL" dirty="0" err="1" smtClean="0"/>
+              <a:t>Benchmarking</a:t>
+            </a:r>
+            <a:endParaRPr lang="pl-PL" dirty="0" smtClean="0"/>
+          </a:p>
+          <a:p>
+            <a:pPr lvl="1"/>
+            <a:r>
+              <a:rPr lang="pl-PL" dirty="0" smtClean="0"/>
+              <a:t>Run benchmark:			go </a:t>
+            </a:r>
+            <a:r>
+              <a:rPr lang="pl-PL" dirty="0"/>
+              <a:t>test -</a:t>
+            </a:r>
+            <a:r>
+              <a:rPr lang="pl-PL" dirty="0" err="1"/>
+              <a:t>bench</a:t>
+            </a:r>
+            <a:r>
+              <a:rPr lang="pl-PL" dirty="0"/>
+              <a:t> </a:t>
+            </a:r>
+            <a:r>
+              <a:rPr lang="pl-PL" dirty="0" smtClean="0"/>
+              <a:t>.</a:t>
+            </a:r>
+          </a:p>
+          <a:p>
+            <a:pPr lvl="1"/>
+            <a:r>
+              <a:rPr lang="pl-PL" dirty="0" err="1" smtClean="0"/>
+              <a:t>Print</a:t>
+            </a:r>
+            <a:r>
+              <a:rPr lang="pl-PL" dirty="0" smtClean="0"/>
+              <a:t> </a:t>
+            </a:r>
+            <a:r>
+              <a:rPr lang="pl-PL" dirty="0" err="1"/>
+              <a:t>mem</a:t>
+            </a:r>
+            <a:r>
+              <a:rPr lang="pl-PL" dirty="0"/>
+              <a:t> </a:t>
+            </a:r>
+            <a:r>
+              <a:rPr lang="pl-PL" dirty="0" err="1" smtClean="0"/>
+              <a:t>stats</a:t>
+            </a:r>
+            <a:r>
+              <a:rPr lang="pl-PL" dirty="0" smtClean="0"/>
+              <a:t>:			go </a:t>
+            </a:r>
+            <a:r>
+              <a:rPr lang="pl-PL" dirty="0"/>
+              <a:t>test -</a:t>
+            </a:r>
+            <a:r>
+              <a:rPr lang="pl-PL" dirty="0" err="1"/>
+              <a:t>bench</a:t>
+            </a:r>
+            <a:r>
+              <a:rPr lang="pl-PL" dirty="0"/>
+              <a:t> . -</a:t>
+            </a:r>
+            <a:r>
+              <a:rPr lang="pl-PL" dirty="0" err="1"/>
+              <a:t>benchmem</a:t>
+            </a:r>
+            <a:endParaRPr lang="en-GB" dirty="0" smtClean="0">
+              <a:solidFill>
+                <a:srgbClr val="000000"/>
+              </a:solidFill>
+            </a:endParaRPr>
+          </a:p>
+        </p:txBody>
+      </p:sp>
+    </p:spTree>
+    <p:extLst>
+      <p:ext uri="{BB962C8B-B14F-4D97-AF65-F5344CB8AC3E}">
+        <p14:creationId xmlns:p14="http://schemas.microsoft.com/office/powerpoint/2010/main" val="3302269564"/>
+      </p:ext>
+    </p:extLst>
+  </p:cSld>
+  <p:clrMapOvr>
+    <a:masterClrMapping/>
+  </p:clrMapOvr>
+</p:sld>
+</file>
+
 <file path=ppt/slides/slide24.xml><?xml version="1.0" encoding="utf-8"?>
 <p:sld xmlns:a="http://schemas.openxmlformats.org/drawingml/2006/main" xmlns:r="http://schemas.openxmlformats.org/officeDocument/2006/relationships" xmlns:p="http://schemas.openxmlformats.org/presentationml/2006/main">
   <p:cSld>
@@ -6444,564 +6949,37 @@
           <a:p>
             <a:r>
               <a:rPr lang="en-GB" dirty="0" smtClean="0"/>
-              <a:t>5. Unit Testing</a:t>
+              <a:t>5. </a:t>
+            </a:r>
+            <a:r>
+              <a:rPr lang="en-GB" dirty="0" smtClean="0"/>
+              <a:t>Web-</a:t>
+            </a:r>
+            <a:r>
+              <a:rPr lang="en-GB" dirty="0" err="1" smtClean="0"/>
+              <a:t>Entwicklung</a:t>
             </a:r>
             <a:endParaRPr lang="en-GB" dirty="0"/>
-          </a:p>
-        </p:txBody>
-      </p:sp>
-      <p:sp>
-        <p:nvSpPr>
-          <p:cNvPr id="5" name="Inhaltsplatzhalter 4"/>
-          <p:cNvSpPr>
-            <a:spLocks noGrp="1"/>
-          </p:cNvSpPr>
-          <p:nvPr>
-            <p:ph idx="1"/>
-          </p:nvPr>
-        </p:nvSpPr>
-        <p:spPr/>
-        <p:txBody>
-          <a:bodyPr>
-            <a:normAutofit fontScale="62500" lnSpcReduction="20000"/>
-          </a:bodyPr>
-          <a:lstStyle/>
-          <a:p>
-            <a:r>
-              <a:rPr lang="en-GB" dirty="0"/>
-              <a:t>Unit </a:t>
-            </a:r>
-            <a:r>
-              <a:rPr lang="en-GB" dirty="0" smtClean="0"/>
-              <a:t>Testing</a:t>
-            </a:r>
-          </a:p>
-          <a:p>
-            <a:pPr lvl="1"/>
-            <a:r>
-              <a:rPr lang="pl-PL" dirty="0" smtClean="0"/>
-              <a:t>Run </a:t>
-            </a:r>
-            <a:r>
-              <a:rPr lang="pl-PL" dirty="0" err="1" smtClean="0"/>
-              <a:t>tests</a:t>
-            </a:r>
-            <a:r>
-              <a:rPr lang="pl-PL" dirty="0" smtClean="0"/>
-              <a:t>:				go </a:t>
-            </a:r>
-            <a:r>
-              <a:rPr lang="pl-PL" dirty="0"/>
-              <a:t>test</a:t>
-            </a:r>
-          </a:p>
-          <a:p>
-            <a:endParaRPr lang="pl-PL" dirty="0"/>
-          </a:p>
-          <a:p>
-            <a:r>
-              <a:rPr lang="pl-PL" dirty="0" err="1"/>
-              <a:t>Code</a:t>
-            </a:r>
-            <a:r>
-              <a:rPr lang="pl-PL" dirty="0"/>
-              <a:t> </a:t>
-            </a:r>
-            <a:r>
-              <a:rPr lang="pl-PL" dirty="0" err="1" smtClean="0"/>
-              <a:t>Coverage</a:t>
-            </a:r>
-            <a:endParaRPr lang="pl-PL" dirty="0" smtClean="0"/>
-          </a:p>
-          <a:p>
-            <a:pPr lvl="1"/>
-            <a:r>
-              <a:rPr lang="pl-PL" dirty="0" err="1" smtClean="0"/>
-              <a:t>Install</a:t>
-            </a:r>
-            <a:r>
-              <a:rPr lang="pl-PL" dirty="0" smtClean="0"/>
-              <a:t> </a:t>
-            </a:r>
-            <a:r>
-              <a:rPr lang="pl-PL" dirty="0" err="1"/>
-              <a:t>cover</a:t>
-            </a:r>
-            <a:r>
-              <a:rPr lang="pl-PL" dirty="0"/>
-              <a:t> </a:t>
-            </a:r>
-            <a:r>
-              <a:rPr lang="pl-PL" dirty="0" err="1" smtClean="0"/>
-              <a:t>tool</a:t>
-            </a:r>
-            <a:r>
-              <a:rPr lang="pl-PL" dirty="0" smtClean="0"/>
-              <a:t>:		go </a:t>
-            </a:r>
-            <a:r>
-              <a:rPr lang="pl-PL" dirty="0" err="1"/>
-              <a:t>get</a:t>
-            </a:r>
-            <a:r>
-              <a:rPr lang="pl-PL" dirty="0"/>
-              <a:t> </a:t>
-            </a:r>
-            <a:r>
-              <a:rPr lang="pl-PL" dirty="0" err="1"/>
-              <a:t>golang.org</a:t>
-            </a:r>
-            <a:r>
-              <a:rPr lang="pl-PL" dirty="0"/>
-              <a:t>/x/</a:t>
-            </a:r>
-            <a:r>
-              <a:rPr lang="pl-PL" dirty="0" err="1"/>
-              <a:t>tools</a:t>
-            </a:r>
-            <a:r>
-              <a:rPr lang="pl-PL" dirty="0"/>
-              <a:t>/</a:t>
-            </a:r>
-            <a:r>
-              <a:rPr lang="pl-PL" dirty="0" err="1"/>
-              <a:t>cmd</a:t>
-            </a:r>
-            <a:r>
-              <a:rPr lang="pl-PL" dirty="0"/>
-              <a:t>/</a:t>
-            </a:r>
-            <a:r>
-              <a:rPr lang="pl-PL" dirty="0" err="1" smtClean="0"/>
-              <a:t>cover</a:t>
-            </a:r>
-            <a:endParaRPr lang="pl-PL" dirty="0" smtClean="0"/>
-          </a:p>
-          <a:p>
-            <a:pPr lvl="1"/>
-            <a:r>
-              <a:rPr lang="pl-PL" dirty="0" smtClean="0"/>
-              <a:t>Run </a:t>
-            </a:r>
-            <a:r>
-              <a:rPr lang="pl-PL" dirty="0" err="1"/>
-              <a:t>coverate</a:t>
-            </a:r>
-            <a:r>
-              <a:rPr lang="pl-PL" dirty="0"/>
-              <a:t> </a:t>
-            </a:r>
-            <a:r>
-              <a:rPr lang="pl-PL" dirty="0" smtClean="0"/>
-              <a:t>test:		go </a:t>
-            </a:r>
-            <a:r>
-              <a:rPr lang="pl-PL" dirty="0"/>
-              <a:t>test </a:t>
-            </a:r>
-            <a:r>
-              <a:rPr lang="pl-PL" dirty="0" smtClean="0"/>
-              <a:t>–</a:t>
-            </a:r>
-            <a:r>
-              <a:rPr lang="pl-PL" dirty="0" err="1" smtClean="0"/>
-              <a:t>cover</a:t>
-            </a:r>
-            <a:endParaRPr lang="pl-PL" dirty="0" smtClean="0"/>
-          </a:p>
-          <a:p>
-            <a:pPr lvl="1"/>
-            <a:r>
-              <a:rPr lang="pl-PL" dirty="0" err="1" smtClean="0"/>
-              <a:t>Generate</a:t>
-            </a:r>
-            <a:r>
-              <a:rPr lang="pl-PL" dirty="0" smtClean="0"/>
-              <a:t> </a:t>
-            </a:r>
-            <a:r>
-              <a:rPr lang="pl-PL" dirty="0" err="1" smtClean="0"/>
-              <a:t>outfile</a:t>
-            </a:r>
-            <a:r>
-              <a:rPr lang="pl-PL" dirty="0" smtClean="0"/>
-              <a:t>:		go </a:t>
-            </a:r>
-            <a:r>
-              <a:rPr lang="pl-PL" dirty="0"/>
-              <a:t>test -</a:t>
-            </a:r>
-            <a:r>
-              <a:rPr lang="pl-PL" dirty="0" err="1"/>
-              <a:t>coverprofile</a:t>
-            </a:r>
-            <a:r>
-              <a:rPr lang="pl-PL" dirty="0"/>
-              <a:t>=</a:t>
-            </a:r>
-            <a:r>
-              <a:rPr lang="pl-PL" dirty="0" err="1" smtClean="0"/>
-              <a:t>coverage.out</a:t>
-            </a:r>
-            <a:endParaRPr lang="pl-PL" dirty="0" smtClean="0"/>
-          </a:p>
-          <a:p>
-            <a:pPr lvl="1"/>
-            <a:r>
-              <a:rPr lang="pl-PL" dirty="0" err="1" smtClean="0"/>
-              <a:t>Function</a:t>
-            </a:r>
-            <a:r>
-              <a:rPr lang="pl-PL" dirty="0" smtClean="0"/>
-              <a:t> </a:t>
-            </a:r>
-            <a:r>
-              <a:rPr lang="pl-PL" dirty="0" err="1" smtClean="0"/>
-              <a:t>breakdown</a:t>
-            </a:r>
-            <a:r>
-              <a:rPr lang="pl-PL" dirty="0" smtClean="0"/>
-              <a:t>:		go </a:t>
-            </a:r>
-            <a:r>
-              <a:rPr lang="pl-PL" dirty="0" err="1"/>
-              <a:t>tool</a:t>
-            </a:r>
-            <a:r>
-              <a:rPr lang="pl-PL" dirty="0"/>
-              <a:t> </a:t>
-            </a:r>
-            <a:r>
-              <a:rPr lang="pl-PL" dirty="0" err="1"/>
-              <a:t>cover</a:t>
-            </a:r>
-            <a:r>
-              <a:rPr lang="pl-PL" dirty="0"/>
-              <a:t> -</a:t>
-            </a:r>
-            <a:r>
-              <a:rPr lang="pl-PL" dirty="0" err="1"/>
-              <a:t>func</a:t>
-            </a:r>
-            <a:r>
-              <a:rPr lang="pl-PL" dirty="0"/>
-              <a:t>=</a:t>
-            </a:r>
-            <a:r>
-              <a:rPr lang="pl-PL" dirty="0" err="1" smtClean="0"/>
-              <a:t>coverage.out</a:t>
-            </a:r>
-            <a:endParaRPr lang="pl-PL" dirty="0" smtClean="0"/>
-          </a:p>
-          <a:p>
-            <a:pPr lvl="1"/>
-            <a:r>
-              <a:rPr lang="pl-PL" dirty="0" smtClean="0"/>
-              <a:t>HTML </a:t>
-            </a:r>
-            <a:r>
-              <a:rPr lang="pl-PL" dirty="0" err="1" smtClean="0"/>
-              <a:t>view</a:t>
-            </a:r>
-            <a:r>
-              <a:rPr lang="pl-PL" dirty="0" smtClean="0"/>
-              <a:t>:			go </a:t>
-            </a:r>
-            <a:r>
-              <a:rPr lang="pl-PL" dirty="0" err="1"/>
-              <a:t>tool</a:t>
-            </a:r>
-            <a:r>
-              <a:rPr lang="pl-PL" dirty="0"/>
-              <a:t> </a:t>
-            </a:r>
-            <a:r>
-              <a:rPr lang="pl-PL" dirty="0" err="1"/>
-              <a:t>cover</a:t>
-            </a:r>
-            <a:r>
-              <a:rPr lang="pl-PL" dirty="0"/>
-              <a:t> -</a:t>
-            </a:r>
-            <a:r>
-              <a:rPr lang="pl-PL" dirty="0" err="1"/>
-              <a:t>html</a:t>
-            </a:r>
-            <a:r>
-              <a:rPr lang="pl-PL" dirty="0"/>
-              <a:t>=</a:t>
-            </a:r>
-            <a:r>
-              <a:rPr lang="pl-PL" dirty="0" err="1" smtClean="0"/>
-              <a:t>coverage.out</a:t>
-            </a:r>
-            <a:endParaRPr lang="pl-PL" dirty="0" smtClean="0"/>
-          </a:p>
-          <a:p>
-            <a:pPr lvl="1"/>
-            <a:r>
-              <a:rPr lang="pl-PL" dirty="0" err="1" smtClean="0"/>
-              <a:t>Counting</a:t>
-            </a:r>
-            <a:r>
-              <a:rPr lang="pl-PL" dirty="0" smtClean="0"/>
-              <a:t> </a:t>
-            </a:r>
-            <a:r>
-              <a:rPr lang="pl-PL" dirty="0" err="1"/>
-              <a:t>mode</a:t>
-            </a:r>
-            <a:r>
-              <a:rPr lang="pl-PL" dirty="0"/>
-              <a:t> (</a:t>
-            </a:r>
-            <a:r>
-              <a:rPr lang="pl-PL" dirty="0" err="1"/>
-              <a:t>outfile</a:t>
-            </a:r>
-            <a:r>
-              <a:rPr lang="pl-PL" dirty="0"/>
-              <a:t>): </a:t>
-            </a:r>
-            <a:r>
-              <a:rPr lang="pl-PL" dirty="0" smtClean="0"/>
-              <a:t>	go </a:t>
-            </a:r>
-            <a:r>
-              <a:rPr lang="pl-PL" dirty="0"/>
-              <a:t>test -</a:t>
-            </a:r>
-            <a:r>
-              <a:rPr lang="pl-PL" dirty="0" err="1"/>
-              <a:t>covermode</a:t>
-            </a:r>
-            <a:r>
-              <a:rPr lang="pl-PL" dirty="0"/>
-              <a:t>=</a:t>
-            </a:r>
-            <a:r>
-              <a:rPr lang="pl-PL" dirty="0" err="1"/>
-              <a:t>count</a:t>
-            </a:r>
-            <a:r>
-              <a:rPr lang="pl-PL" dirty="0"/>
-              <a:t> -</a:t>
-            </a:r>
-            <a:r>
-              <a:rPr lang="pl-PL" dirty="0" err="1"/>
-              <a:t>coverprofile</a:t>
-            </a:r>
-            <a:r>
-              <a:rPr lang="pl-PL" dirty="0"/>
-              <a:t>=</a:t>
-            </a:r>
-            <a:r>
-              <a:rPr lang="pl-PL" dirty="0" err="1" smtClean="0"/>
-              <a:t>count.out</a:t>
-            </a:r>
-            <a:endParaRPr lang="pl-PL" dirty="0" smtClean="0"/>
-          </a:p>
-          <a:p>
-            <a:pPr lvl="1"/>
-            <a:r>
-              <a:rPr lang="pl-PL" dirty="0" err="1" smtClean="0"/>
-              <a:t>Print</a:t>
-            </a:r>
-            <a:r>
-              <a:rPr lang="pl-PL" dirty="0" smtClean="0"/>
-              <a:t> </a:t>
-            </a:r>
-            <a:r>
-              <a:rPr lang="pl-PL" dirty="0" err="1"/>
-              <a:t>counting</a:t>
-            </a:r>
-            <a:r>
-              <a:rPr lang="pl-PL" dirty="0"/>
-              <a:t> </a:t>
-            </a:r>
-            <a:r>
-              <a:rPr lang="pl-PL" dirty="0" err="1" smtClean="0"/>
-              <a:t>results</a:t>
-            </a:r>
-            <a:r>
-              <a:rPr lang="pl-PL" dirty="0" smtClean="0"/>
-              <a:t>:	go </a:t>
-            </a:r>
-            <a:r>
-              <a:rPr lang="pl-PL" dirty="0" err="1"/>
-              <a:t>tool</a:t>
-            </a:r>
-            <a:r>
-              <a:rPr lang="pl-PL" dirty="0"/>
-              <a:t> </a:t>
-            </a:r>
-            <a:r>
-              <a:rPr lang="pl-PL" dirty="0" err="1"/>
-              <a:t>cover</a:t>
-            </a:r>
-            <a:r>
-              <a:rPr lang="pl-PL" dirty="0"/>
-              <a:t> -</a:t>
-            </a:r>
-            <a:r>
-              <a:rPr lang="pl-PL" dirty="0" err="1"/>
-              <a:t>func</a:t>
-            </a:r>
-            <a:r>
-              <a:rPr lang="pl-PL" dirty="0"/>
-              <a:t>=</a:t>
-            </a:r>
-            <a:r>
-              <a:rPr lang="pl-PL" dirty="0" err="1" smtClean="0"/>
-              <a:t>count.out</a:t>
-            </a:r>
-            <a:endParaRPr lang="pl-PL" dirty="0" smtClean="0"/>
-          </a:p>
-          <a:p>
-            <a:pPr lvl="1"/>
-            <a:r>
-              <a:rPr lang="pl-PL" dirty="0" smtClean="0"/>
-              <a:t>HTML </a:t>
-            </a:r>
-            <a:r>
-              <a:rPr lang="pl-PL" dirty="0" err="1"/>
-              <a:t>counting</a:t>
-            </a:r>
-            <a:r>
-              <a:rPr lang="pl-PL" dirty="0"/>
-              <a:t> </a:t>
-            </a:r>
-            <a:r>
-              <a:rPr lang="pl-PL" dirty="0" err="1" smtClean="0"/>
-              <a:t>view</a:t>
-            </a:r>
-            <a:r>
-              <a:rPr lang="pl-PL" dirty="0" smtClean="0"/>
-              <a:t>:		go </a:t>
-            </a:r>
-            <a:r>
-              <a:rPr lang="pl-PL" dirty="0" err="1"/>
-              <a:t>tool</a:t>
-            </a:r>
-            <a:r>
-              <a:rPr lang="pl-PL" dirty="0"/>
-              <a:t> </a:t>
-            </a:r>
-            <a:r>
-              <a:rPr lang="pl-PL" dirty="0" err="1"/>
-              <a:t>cover</a:t>
-            </a:r>
-            <a:r>
-              <a:rPr lang="pl-PL" dirty="0"/>
-              <a:t> -</a:t>
-            </a:r>
-            <a:r>
-              <a:rPr lang="pl-PL" dirty="0" err="1"/>
-              <a:t>html</a:t>
-            </a:r>
-            <a:r>
-              <a:rPr lang="pl-PL" dirty="0"/>
-              <a:t>=</a:t>
-            </a:r>
-            <a:r>
-              <a:rPr lang="pl-PL" dirty="0" err="1"/>
-              <a:t>count.out</a:t>
-            </a:r>
-            <a:endParaRPr lang="pl-PL" dirty="0"/>
-          </a:p>
-          <a:p>
-            <a:endParaRPr lang="pl-PL" dirty="0"/>
-          </a:p>
-          <a:p>
-            <a:r>
-              <a:rPr lang="pl-PL" dirty="0" err="1" smtClean="0"/>
-              <a:t>Benchmarking</a:t>
-            </a:r>
-            <a:endParaRPr lang="pl-PL" dirty="0" smtClean="0"/>
-          </a:p>
-          <a:p>
-            <a:pPr lvl="1"/>
-            <a:r>
-              <a:rPr lang="pl-PL" dirty="0" smtClean="0"/>
-              <a:t>Run benchmark:			go </a:t>
-            </a:r>
-            <a:r>
-              <a:rPr lang="pl-PL" dirty="0"/>
-              <a:t>test -</a:t>
-            </a:r>
-            <a:r>
-              <a:rPr lang="pl-PL" dirty="0" err="1"/>
-              <a:t>bench</a:t>
-            </a:r>
-            <a:r>
-              <a:rPr lang="pl-PL" dirty="0"/>
-              <a:t> </a:t>
-            </a:r>
-            <a:r>
-              <a:rPr lang="pl-PL" dirty="0" smtClean="0"/>
-              <a:t>.</a:t>
-            </a:r>
-          </a:p>
-          <a:p>
-            <a:pPr lvl="1"/>
-            <a:r>
-              <a:rPr lang="pl-PL" dirty="0" err="1" smtClean="0"/>
-              <a:t>Print</a:t>
-            </a:r>
-            <a:r>
-              <a:rPr lang="pl-PL" dirty="0" smtClean="0"/>
-              <a:t> </a:t>
-            </a:r>
-            <a:r>
-              <a:rPr lang="pl-PL" dirty="0" err="1"/>
-              <a:t>mem</a:t>
-            </a:r>
-            <a:r>
-              <a:rPr lang="pl-PL" dirty="0"/>
-              <a:t> </a:t>
-            </a:r>
-            <a:r>
-              <a:rPr lang="pl-PL" dirty="0" err="1" smtClean="0"/>
-              <a:t>stats</a:t>
-            </a:r>
-            <a:r>
-              <a:rPr lang="pl-PL" dirty="0" smtClean="0"/>
-              <a:t>:			go </a:t>
-            </a:r>
-            <a:r>
-              <a:rPr lang="pl-PL" dirty="0"/>
-              <a:t>test -</a:t>
-            </a:r>
-            <a:r>
-              <a:rPr lang="pl-PL" dirty="0" err="1"/>
-              <a:t>bench</a:t>
-            </a:r>
-            <a:r>
-              <a:rPr lang="pl-PL" dirty="0"/>
-              <a:t> . -</a:t>
-            </a:r>
-            <a:r>
-              <a:rPr lang="pl-PL" dirty="0" err="1"/>
-              <a:t>benchmem</a:t>
-            </a:r>
-            <a:endParaRPr lang="en-GB" dirty="0" smtClean="0">
-              <a:solidFill>
-                <a:srgbClr val="000000"/>
-              </a:solidFill>
-            </a:endParaRPr>
           </a:p>
         </p:txBody>
       </p:sp>
     </p:spTree>
     <p:extLst>
       <p:ext uri="{BB962C8B-B14F-4D97-AF65-F5344CB8AC3E}">
-        <p14:creationId xmlns:p14="http://schemas.microsoft.com/office/powerpoint/2010/main" val="3302269564"/>
+        <p14:creationId xmlns:p14="http://schemas.microsoft.com/office/powerpoint/2010/main" val="2301045571"/>
       </p:ext>
     </p:extLst>
   </p:cSld>
   <p:clrMapOvr>
     <a:masterClrMapping/>
   </p:clrMapOvr>
+  <p:timing>
+    <p:tnLst>
+      <p:par>
+        <p:cTn xmlns:p14="http://schemas.microsoft.com/office/powerpoint/2010/main" id="1" dur="indefinite" restart="never" nodeType="tmRoot"/>
+      </p:par>
+    </p:tnLst>
+  </p:timing>
 </p:sld>
 </file>
 
@@ -7039,33 +7017,89 @@
           <a:p>
             <a:r>
               <a:rPr lang="en-GB" dirty="0" smtClean="0"/>
-              <a:t>6. Web-</a:t>
+              <a:t>5. </a:t>
+            </a:r>
+            <a:r>
+              <a:rPr lang="en-GB" dirty="0" smtClean="0"/>
+              <a:t>Web-</a:t>
             </a:r>
             <a:r>
               <a:rPr lang="en-GB" dirty="0" err="1" smtClean="0"/>
               <a:t>Entwicklung</a:t>
             </a:r>
             <a:endParaRPr lang="en-GB" dirty="0"/>
+          </a:p>
+        </p:txBody>
+      </p:sp>
+      <p:sp>
+        <p:nvSpPr>
+          <p:cNvPr id="5" name="Inhaltsplatzhalter 4"/>
+          <p:cNvSpPr>
+            <a:spLocks noGrp="1"/>
+          </p:cNvSpPr>
+          <p:nvPr>
+            <p:ph idx="1"/>
+          </p:nvPr>
+        </p:nvSpPr>
+        <p:spPr/>
+        <p:txBody>
+          <a:bodyPr/>
+          <a:lstStyle/>
+          <a:p>
+            <a:r>
+              <a:rPr lang="en-GB" dirty="0" smtClean="0"/>
+              <a:t>web1: Hello World Web-</a:t>
+            </a:r>
+            <a:r>
+              <a:rPr lang="en-GB" dirty="0" smtClean="0"/>
+              <a:t>Server</a:t>
+            </a:r>
+          </a:p>
+          <a:p>
+            <a:r>
+              <a:rPr lang="en-GB" dirty="0" smtClean="0"/>
+              <a:t>web2: </a:t>
+            </a:r>
+            <a:r>
+              <a:rPr lang="en-GB" dirty="0" err="1" smtClean="0"/>
+              <a:t>Einfacher</a:t>
+            </a:r>
+            <a:r>
+              <a:rPr lang="en-GB" dirty="0" smtClean="0"/>
+              <a:t> File-Server</a:t>
+            </a:r>
+          </a:p>
+          <a:p>
+            <a:r>
+              <a:rPr lang="en-GB" dirty="0" smtClean="0"/>
+              <a:t>web3: Templates </a:t>
+            </a:r>
+            <a:r>
+              <a:rPr lang="en-GB" dirty="0" err="1" smtClean="0"/>
+              <a:t>mit</a:t>
+            </a:r>
+            <a:r>
+              <a:rPr lang="en-GB" dirty="0" smtClean="0"/>
+              <a:t> html/</a:t>
+            </a:r>
+            <a:r>
+              <a:rPr lang="en-GB" dirty="0" smtClean="0"/>
+              <a:t>template</a:t>
+            </a:r>
+            <a:endParaRPr lang="en-GB" dirty="0" smtClean="0"/>
           </a:p>
         </p:txBody>
       </p:sp>
     </p:spTree>
     <p:extLst>
       <p:ext uri="{BB962C8B-B14F-4D97-AF65-F5344CB8AC3E}">
-        <p14:creationId xmlns:p14="http://schemas.microsoft.com/office/powerpoint/2010/main" val="2301045571"/>
+        <p14:creationId xmlns:p14="http://schemas.microsoft.com/office/powerpoint/2010/main" val="1945672616"/>
       </p:ext>
     </p:extLst>
   </p:cSld>
   <p:clrMapOvr>
     <a:masterClrMapping/>
   </p:clrMapOvr>
-  <p:timing>
-    <p:tnLst>
-      <p:par>
-        <p:cTn xmlns:p14="http://schemas.microsoft.com/office/powerpoint/2010/main" id="1" dur="indefinite" restart="never" nodeType="tmRoot"/>
-      </p:par>
-    </p:tnLst>
-  </p:timing>
 </p:sld>
 </file>
 
@@ -7103,88 +7137,33 @@
           <a:p>
             <a:r>
               <a:rPr lang="en-GB" dirty="0" smtClean="0"/>
-              <a:t>6. Web-</a:t>
+              <a:t>6. </a:t>
             </a:r>
             <a:r>
               <a:rPr lang="en-GB" dirty="0" err="1" smtClean="0"/>
-              <a:t>Entwicklung</a:t>
+              <a:t>Ausblick</a:t>
             </a:r>
             <a:endParaRPr lang="en-GB" dirty="0"/>
-          </a:p>
-        </p:txBody>
-      </p:sp>
-      <p:sp>
-        <p:nvSpPr>
-          <p:cNvPr id="5" name="Inhaltsplatzhalter 4"/>
-          <p:cNvSpPr>
-            <a:spLocks noGrp="1"/>
-          </p:cNvSpPr>
-          <p:nvPr>
-            <p:ph idx="1"/>
-          </p:nvPr>
-        </p:nvSpPr>
-        <p:spPr/>
-        <p:txBody>
-          <a:bodyPr/>
-          <a:lstStyle/>
-          <a:p>
-            <a:r>
-              <a:rPr lang="en-GB" dirty="0" smtClean="0">
-                <a:solidFill>
-                  <a:srgbClr val="C0504D"/>
-                </a:solidFill>
-              </a:rPr>
-              <a:t>Hello World-Server</a:t>
-            </a:r>
-          </a:p>
-          <a:p>
-            <a:r>
-              <a:rPr lang="en-GB" dirty="0" smtClean="0">
-                <a:solidFill>
-                  <a:srgbClr val="C0504D"/>
-                </a:solidFill>
-              </a:rPr>
-              <a:t>Templates </a:t>
-            </a:r>
-            <a:r>
-              <a:rPr lang="en-GB" dirty="0" err="1" smtClean="0">
-                <a:solidFill>
-                  <a:srgbClr val="C0504D"/>
-                </a:solidFill>
-              </a:rPr>
-              <a:t>mit</a:t>
-            </a:r>
-            <a:r>
-              <a:rPr lang="en-GB" dirty="0" smtClean="0">
-                <a:solidFill>
-                  <a:srgbClr val="C0504D"/>
-                </a:solidFill>
-              </a:rPr>
-              <a:t> html/template</a:t>
-            </a:r>
-          </a:p>
-          <a:p>
-            <a:r>
-              <a:rPr lang="en-GB" dirty="0" smtClean="0">
-                <a:solidFill>
-                  <a:srgbClr val="C0504D"/>
-                </a:solidFill>
-              </a:rPr>
-              <a:t>JSON support</a:t>
-            </a:r>
           </a:p>
         </p:txBody>
       </p:sp>
     </p:spTree>
     <p:extLst>
       <p:ext uri="{BB962C8B-B14F-4D97-AF65-F5344CB8AC3E}">
-        <p14:creationId xmlns:p14="http://schemas.microsoft.com/office/powerpoint/2010/main" val="1945672616"/>
+        <p14:creationId xmlns:p14="http://schemas.microsoft.com/office/powerpoint/2010/main" val="272318565"/>
       </p:ext>
     </p:extLst>
   </p:cSld>
   <p:clrMapOvr>
     <a:masterClrMapping/>
   </p:clrMapOvr>
+  <p:timing>
+    <p:tnLst>
+      <p:par>
+        <p:cTn xmlns:p14="http://schemas.microsoft.com/office/powerpoint/2010/main" id="1" dur="indefinite" restart="never" nodeType="tmRoot"/>
+      </p:par>
+    </p:tnLst>
+  </p:timing>
 </p:sld>
 </file>
 
@@ -7222,71 +7201,7 @@
           <a:p>
             <a:r>
               <a:rPr lang="en-GB" dirty="0" smtClean="0"/>
-              <a:t>7. </a:t>
-            </a:r>
-            <a:r>
-              <a:rPr lang="en-GB" dirty="0" err="1" smtClean="0"/>
-              <a:t>Ausblick</a:t>
-            </a:r>
-            <a:endParaRPr lang="en-GB" dirty="0"/>
-          </a:p>
-        </p:txBody>
-      </p:sp>
-    </p:spTree>
-    <p:extLst>
-      <p:ext uri="{BB962C8B-B14F-4D97-AF65-F5344CB8AC3E}">
-        <p14:creationId xmlns:p14="http://schemas.microsoft.com/office/powerpoint/2010/main" val="272318565"/>
-      </p:ext>
-    </p:extLst>
-  </p:cSld>
-  <p:clrMapOvr>
-    <a:masterClrMapping/>
-  </p:clrMapOvr>
-  <p:timing>
-    <p:tnLst>
-      <p:par>
-        <p:cTn xmlns:p14="http://schemas.microsoft.com/office/powerpoint/2010/main" id="1" dur="indefinite" restart="never" nodeType="tmRoot"/>
-      </p:par>
-    </p:tnLst>
-  </p:timing>
-</p:sld>
-</file>
-
-<file path=ppt/slides/slide28.xml><?xml version="1.0" encoding="utf-8"?>
-<p:sld xmlns:a="http://schemas.openxmlformats.org/drawingml/2006/main" xmlns:r="http://schemas.openxmlformats.org/officeDocument/2006/relationships" xmlns:p="http://schemas.openxmlformats.org/presentationml/2006/main">
-  <p:cSld>
-    <p:spTree>
-      <p:nvGrpSpPr>
-        <p:cNvPr id="1" name=""/>
-        <p:cNvGrpSpPr/>
-        <p:nvPr/>
-      </p:nvGrpSpPr>
-      <p:grpSpPr>
-        <a:xfrm>
-          <a:off x="0" y="0"/>
-          <a:ext cx="0" cy="0"/>
-          <a:chOff x="0" y="0"/>
-          <a:chExt cx="0" cy="0"/>
-        </a:xfrm>
-      </p:grpSpPr>
-      <p:sp>
-        <p:nvSpPr>
-          <p:cNvPr id="4" name="Titel 3"/>
-          <p:cNvSpPr>
-            <a:spLocks noGrp="1"/>
-          </p:cNvSpPr>
-          <p:nvPr>
-            <p:ph type="title"/>
-          </p:nvPr>
-        </p:nvSpPr>
-        <p:spPr/>
-        <p:txBody>
-          <a:bodyPr/>
-          <a:lstStyle/>
-          <a:p>
-            <a:r>
-              <a:rPr lang="en-GB" dirty="0" smtClean="0"/>
-              <a:t>7. </a:t>
+              <a:t>6. </a:t>
             </a:r>
             <a:r>
               <a:rPr lang="en-GB" dirty="0" err="1" smtClean="0"/>
@@ -7764,101 +7679,10 @@
           <a:lstStyle/>
           <a:p>
             <a:r>
-              <a:rPr lang="de-DE" smtClean="0"/>
-              <a:t>Und warum?</a:t>
-            </a:r>
-            <a:endParaRPr lang="de-DE"/>
-          </a:p>
-        </p:txBody>
-      </p:sp>
-      <p:sp>
-        <p:nvSpPr>
-          <p:cNvPr id="3" name="Inhaltsplatzhalter 2"/>
-          <p:cNvSpPr>
-            <a:spLocks noGrp="1"/>
-          </p:cNvSpPr>
-          <p:nvPr>
-            <p:ph idx="1"/>
-          </p:nvPr>
-        </p:nvSpPr>
-        <p:spPr/>
-        <p:txBody>
-          <a:bodyPr/>
-          <a:lstStyle/>
-          <a:p>
-            <a:r>
-              <a:rPr lang="de-DE" smtClean="0">
-                <a:solidFill>
-                  <a:srgbClr val="FF0000"/>
-                </a:solidFill>
-              </a:rPr>
-              <a:t>TODO Origins</a:t>
-            </a:r>
-            <a:endParaRPr lang="de-DE">
-              <a:solidFill>
-                <a:srgbClr val="FF0000"/>
-              </a:solidFill>
-            </a:endParaRPr>
-          </a:p>
-        </p:txBody>
-      </p:sp>
-    </p:spTree>
-    <p:extLst>
-      <p:ext uri="{BB962C8B-B14F-4D97-AF65-F5344CB8AC3E}">
-        <p14:creationId xmlns:p14="http://schemas.microsoft.com/office/powerpoint/2010/main" val="100658529"/>
-      </p:ext>
-    </p:extLst>
-  </p:cSld>
-  <p:clrMapOvr>
-    <a:masterClrMapping/>
-  </p:clrMapOvr>
-  <p:timing>
-    <p:tnLst>
-      <p:par>
-        <p:cTn xmlns:p14="http://schemas.microsoft.com/office/powerpoint/2010/main" id="1" dur="indefinite" restart="never" nodeType="tmRoot"/>
-      </p:par>
-    </p:tnLst>
-  </p:timing>
-</p:sld>
-</file>
-
-<file path=ppt/slides/slide6.xml><?xml version="1.0" encoding="utf-8"?>
-<p:sld xmlns:a="http://schemas.openxmlformats.org/drawingml/2006/main" xmlns:r="http://schemas.openxmlformats.org/officeDocument/2006/relationships" xmlns:p="http://schemas.openxmlformats.org/presentationml/2006/main">
-  <p:cSld>
-    <p:spTree>
-      <p:nvGrpSpPr>
-        <p:cNvPr id="1" name=""/>
-        <p:cNvGrpSpPr/>
-        <p:nvPr/>
-      </p:nvGrpSpPr>
-      <p:grpSpPr>
-        <a:xfrm>
-          <a:off x="0" y="0"/>
-          <a:ext cx="0" cy="0"/>
-          <a:chOff x="0" y="0"/>
-          <a:chExt cx="0" cy="0"/>
-        </a:xfrm>
-      </p:grpSpPr>
-      <p:sp>
-        <p:nvSpPr>
-          <p:cNvPr id="2" name="Titel 1"/>
-          <p:cNvSpPr>
-            <a:spLocks noGrp="1"/>
-          </p:cNvSpPr>
-          <p:nvPr>
-            <p:ph type="title"/>
-          </p:nvPr>
-        </p:nvSpPr>
-        <p:spPr/>
-        <p:txBody>
-          <a:bodyPr/>
-          <a:lstStyle/>
-          <a:p>
-            <a:r>
-              <a:rPr lang="en-GB" smtClean="0"/>
-              <a:t>Great Stuff</a:t>
-            </a:r>
-            <a:endParaRPr lang="en-GB"/>
+              <a:rPr lang="en-GB" dirty="0" smtClean="0"/>
+              <a:t>Nice properties of Go</a:t>
+            </a:r>
+            <a:endParaRPr lang="en-GB" dirty="0"/>
           </a:p>
         </p:txBody>
       </p:sp>
@@ -7880,22 +7704,71 @@
         </p:spPr>
         <p:txBody>
           <a:bodyPr>
-            <a:normAutofit fontScale="85000" lnSpcReduction="20000"/>
+            <a:normAutofit fontScale="77500" lnSpcReduction="20000"/>
           </a:bodyPr>
           <a:lstStyle/>
           <a:p>
             <a:r>
-              <a:rPr lang="en-GB" smtClean="0">
+              <a:rPr lang="en-GB" dirty="0" smtClean="0">
                 <a:solidFill>
                   <a:srgbClr val="000000"/>
                 </a:solidFill>
               </a:rPr>
-              <a:t>Compiles incredibly fast (no time to wander off in thoughts)</a:t>
-            </a:r>
-          </a:p>
-          <a:p>
-            <a:r>
-              <a:rPr lang="en-GB" smtClean="0">
+              <a:t>Fast (theoretically between C++ / Java, easy to program concurrently)</a:t>
+            </a:r>
+          </a:p>
+          <a:p>
+            <a:r>
+              <a:rPr lang="en-GB" dirty="0" smtClean="0">
+                <a:solidFill>
+                  <a:srgbClr val="000000"/>
+                </a:solidFill>
+              </a:rPr>
+              <a:t>Compiles </a:t>
+            </a:r>
+            <a:r>
+              <a:rPr lang="en-GB" dirty="0" smtClean="0">
+                <a:solidFill>
+                  <a:srgbClr val="000000"/>
+                </a:solidFill>
+              </a:rPr>
+              <a:t>incredibly </a:t>
+            </a:r>
+            <a:r>
+              <a:rPr lang="en-GB" dirty="0" smtClean="0">
+                <a:solidFill>
+                  <a:srgbClr val="000000"/>
+                </a:solidFill>
+              </a:rPr>
+              <a:t>fast</a:t>
+            </a:r>
+            <a:br>
+              <a:rPr lang="en-GB" dirty="0" smtClean="0">
+                <a:solidFill>
+                  <a:srgbClr val="000000"/>
+                </a:solidFill>
+              </a:rPr>
+            </a:br>
+            <a:r>
+              <a:rPr lang="en-GB" dirty="0" smtClean="0">
+                <a:solidFill>
+                  <a:srgbClr val="000000"/>
+                </a:solidFill>
+              </a:rPr>
+              <a:t>(</a:t>
+            </a:r>
+            <a:r>
+              <a:rPr lang="en-GB" dirty="0" smtClean="0">
+                <a:solidFill>
+                  <a:srgbClr val="000000"/>
+                </a:solidFill>
+              </a:rPr>
+              <a:t>no time to wander off in thoughts)</a:t>
+            </a:r>
+          </a:p>
+          <a:p>
+            <a:r>
+              <a:rPr lang="en-GB" dirty="0" smtClean="0">
                 <a:solidFill>
                   <a:srgbClr val="000000"/>
                 </a:solidFill>
@@ -7903,14 +7776,14 @@
               <a:t>Native compiles, self-containing binaries</a:t>
             </a:r>
             <a:br>
-              <a:rPr lang="en-GB" smtClean="0">
+              <a:rPr lang="en-GB" dirty="0" smtClean="0">
                 <a:solidFill>
                   <a:srgbClr val="000000"/>
                 </a:solidFill>
               </a:rPr>
             </a:br>
             <a:r>
-              <a:rPr lang="en-GB" smtClean="0">
+              <a:rPr lang="en-GB" dirty="0" smtClean="0">
                 <a:solidFill>
                   <a:srgbClr val="000000"/>
                 </a:solidFill>
@@ -7920,7 +7793,7 @@
           </a:p>
           <a:p>
             <a:r>
-              <a:rPr lang="en-GB" smtClean="0">
+              <a:rPr lang="en-GB" dirty="0" smtClean="0">
                 <a:solidFill>
                   <a:srgbClr val="000000"/>
                 </a:solidFill>
@@ -7928,14 +7801,14 @@
               <a:t>Compiler-Errors for (almost) everything</a:t>
             </a:r>
             <a:br>
-              <a:rPr lang="en-GB" smtClean="0">
+              <a:rPr lang="en-GB" dirty="0" smtClean="0">
                 <a:solidFill>
                   <a:srgbClr val="000000"/>
                 </a:solidFill>
               </a:rPr>
             </a:br>
             <a:r>
-              <a:rPr lang="en-GB" smtClean="0">
+              <a:rPr lang="en-GB" dirty="0" smtClean="0">
                 <a:solidFill>
                   <a:srgbClr val="000000"/>
                 </a:solidFill>
@@ -7945,7 +7818,7 @@
           </a:p>
           <a:p>
             <a:r>
-              <a:rPr lang="en-GB" smtClean="0">
+              <a:rPr lang="en-GB" dirty="0" smtClean="0">
                 <a:solidFill>
                   <a:srgbClr val="000000"/>
                 </a:solidFill>
@@ -7955,7 +7828,7 @@
           </a:p>
           <a:p>
             <a:r>
-              <a:rPr lang="en-GB" i="1" smtClean="0">
+              <a:rPr lang="en-GB" i="1" dirty="0" smtClean="0">
                 <a:solidFill>
                   <a:srgbClr val="000000"/>
                 </a:solidFill>
@@ -7963,7 +7836,7 @@
               <a:t>go</a:t>
             </a:r>
             <a:r>
-              <a:rPr lang="en-GB" smtClean="0">
+              <a:rPr lang="en-GB" dirty="0" smtClean="0">
                 <a:solidFill>
                   <a:srgbClr val="000000"/>
                 </a:solidFill>
@@ -7974,7 +7847,7 @@
           <a:p>
             <a:pPr lvl="1"/>
             <a:r>
-              <a:rPr lang="en-GB" smtClean="0">
+              <a:rPr lang="en-GB" dirty="0" smtClean="0">
                 <a:solidFill>
                   <a:srgbClr val="000000"/>
                 </a:solidFill>
@@ -7985,47 +7858,116 @@
           <a:p>
             <a:pPr lvl="1"/>
             <a:r>
-              <a:rPr lang="en-GB" smtClean="0">
+              <a:rPr lang="en-GB" dirty="0" err="1" smtClean="0">
                 <a:solidFill>
                   <a:srgbClr val="000000"/>
                 </a:solidFill>
               </a:rPr>
-              <a:t>gofmt, automatic standardized code formatting</a:t>
-            </a:r>
-          </a:p>
-          <a:p>
-            <a:pPr lvl="1"/>
-            <a:r>
-              <a:rPr lang="en-GB" smtClean="0">
+              <a:t>gofmt</a:t>
+            </a:r>
+            <a:r>
+              <a:rPr lang="en-GB" dirty="0" smtClean="0">
                 <a:solidFill>
                   <a:srgbClr val="000000"/>
                 </a:solidFill>
               </a:rPr>
-              <a:t>godoc, analog zu JavaDoc</a:t>
+              <a:t>, automatic standardized code formatting</a:t>
             </a:r>
           </a:p>
           <a:p>
             <a:pPr lvl="1"/>
             <a:r>
-              <a:rPr lang="en-GB" smtClean="0">
+              <a:rPr lang="en-GB" dirty="0" err="1" smtClean="0">
                 <a:solidFill>
                   <a:srgbClr val="000000"/>
                 </a:solidFill>
               </a:rPr>
-              <a:t>gofix, automates the rewriting of code to use new language features or updated libraries</a:t>
-            </a:r>
+              <a:t>godoc</a:t>
+            </a:r>
+            <a:r>
+              <a:rPr lang="en-GB" dirty="0" smtClean="0">
+                <a:solidFill>
+                  <a:srgbClr val="000000"/>
+                </a:solidFill>
+              </a:rPr>
+              <a:t>, </a:t>
+            </a:r>
+            <a:r>
+              <a:rPr lang="en-GB" dirty="0" err="1" smtClean="0">
+                <a:solidFill>
+                  <a:srgbClr val="000000"/>
+                </a:solidFill>
+              </a:rPr>
+              <a:t>analog</a:t>
+            </a:r>
+            <a:r>
+              <a:rPr lang="en-GB" dirty="0" smtClean="0">
+                <a:solidFill>
+                  <a:srgbClr val="000000"/>
+                </a:solidFill>
+              </a:rPr>
+              <a:t> </a:t>
+            </a:r>
+            <a:r>
+              <a:rPr lang="en-GB" dirty="0" err="1" smtClean="0">
+                <a:solidFill>
+                  <a:srgbClr val="000000"/>
+                </a:solidFill>
+              </a:rPr>
+              <a:t>zu</a:t>
+            </a:r>
+            <a:r>
+              <a:rPr lang="en-GB" dirty="0" smtClean="0">
+                <a:solidFill>
+                  <a:srgbClr val="000000"/>
+                </a:solidFill>
+              </a:rPr>
+              <a:t> </a:t>
+            </a:r>
+            <a:r>
+              <a:rPr lang="en-GB" dirty="0" err="1" smtClean="0">
+                <a:solidFill>
+                  <a:srgbClr val="000000"/>
+                </a:solidFill>
+              </a:rPr>
+              <a:t>JavaDoc</a:t>
+            </a:r>
+            <a:endParaRPr lang="en-GB" dirty="0" smtClean="0">
+              <a:solidFill>
+                <a:srgbClr val="000000"/>
+              </a:solidFill>
+            </a:endParaRPr>
           </a:p>
           <a:p>
             <a:pPr lvl="1"/>
             <a:r>
-              <a:rPr lang="en-GB" smtClean="0">
+              <a:rPr lang="en-GB" dirty="0" err="1" smtClean="0">
+                <a:solidFill>
+                  <a:srgbClr val="000000"/>
+                </a:solidFill>
+              </a:rPr>
+              <a:t>gofix</a:t>
+            </a:r>
+            <a:r>
+              <a:rPr lang="en-GB" dirty="0" smtClean="0">
+                <a:solidFill>
+                  <a:srgbClr val="000000"/>
+                </a:solidFill>
+              </a:rPr>
+              <a:t>, automates the rewriting of code to use new language features or updated libraries</a:t>
+            </a:r>
+          </a:p>
+          <a:p>
+            <a:pPr lvl="1"/>
+            <a:r>
+              <a:rPr lang="en-GB" dirty="0" smtClean="0">
                 <a:solidFill>
                   <a:srgbClr val="000000"/>
                 </a:solidFill>
               </a:rPr>
               <a:t>Go get, built-in package manager (git, mercurial)</a:t>
             </a:r>
-            <a:endParaRPr lang="en-GB">
+            <a:endParaRPr lang="en-GB" dirty="0">
               <a:solidFill>
                 <a:srgbClr val="000000"/>
               </a:solidFill>
@@ -8053,7 +7995,7 @@
 </p:sld>
 </file>
 
-<file path=ppt/slides/slide7.xml><?xml version="1.0" encoding="utf-8"?>
+<file path=ppt/slides/slide6.xml><?xml version="1.0" encoding="utf-8"?>
 <p:sld xmlns:a="http://schemas.openxmlformats.org/drawingml/2006/main" xmlns:r="http://schemas.openxmlformats.org/officeDocument/2006/relationships" xmlns:p="http://schemas.openxmlformats.org/presentationml/2006/main">
   <p:cSld>
     <p:spTree>
@@ -8206,7 +8148,7 @@
 </p:sld>
 </file>
 
-<file path=ppt/slides/slide8.xml><?xml version="1.0" encoding="utf-8"?>
+<file path=ppt/slides/slide7.xml><?xml version="1.0" encoding="utf-8"?>
 <p:sld xmlns:a="http://schemas.openxmlformats.org/drawingml/2006/main" xmlns:r="http://schemas.openxmlformats.org/officeDocument/2006/relationships" xmlns:p="http://schemas.openxmlformats.org/presentationml/2006/main">
   <p:cSld>
     <p:spTree>
@@ -8379,7 +8321,7 @@
 </p:sld>
 </file>
 
-<file path=ppt/slides/slide9.xml><?xml version="1.0" encoding="utf-8"?>
+<file path=ppt/slides/slide8.xml><?xml version="1.0" encoding="utf-8"?>
 <p:sld xmlns:a="http://schemas.openxmlformats.org/drawingml/2006/main" xmlns:r="http://schemas.openxmlformats.org/officeDocument/2006/relationships" xmlns:p="http://schemas.openxmlformats.org/presentationml/2006/main">
   <p:cSld>
     <p:spTree>
@@ -8516,6 +8458,97 @@
     <p:extLst>
       <p:ext uri="{BB962C8B-B14F-4D97-AF65-F5344CB8AC3E}">
         <p14:creationId xmlns:p14="http://schemas.microsoft.com/office/powerpoint/2010/main" val="755243155"/>
+      </p:ext>
+    </p:extLst>
+  </p:cSld>
+  <p:clrMapOvr>
+    <a:masterClrMapping/>
+  </p:clrMapOvr>
+  <p:timing>
+    <p:tnLst>
+      <p:par>
+        <p:cTn xmlns:p14="http://schemas.microsoft.com/office/powerpoint/2010/main" id="1" dur="indefinite" restart="never" nodeType="tmRoot"/>
+      </p:par>
+    </p:tnLst>
+  </p:timing>
+</p:sld>
+</file>
+
+<file path=ppt/slides/slide9.xml><?xml version="1.0" encoding="utf-8"?>
+<p:sld xmlns:a="http://schemas.openxmlformats.org/drawingml/2006/main" xmlns:r="http://schemas.openxmlformats.org/officeDocument/2006/relationships" xmlns:p="http://schemas.openxmlformats.org/presentationml/2006/main">
+  <p:cSld>
+    <p:spTree>
+      <p:nvGrpSpPr>
+        <p:cNvPr id="1" name=""/>
+        <p:cNvGrpSpPr/>
+        <p:nvPr/>
+      </p:nvGrpSpPr>
+      <p:grpSpPr>
+        <a:xfrm>
+          <a:off x="0" y="0"/>
+          <a:ext cx="0" cy="0"/>
+          <a:chOff x="0" y="0"/>
+          <a:chExt cx="0" cy="0"/>
+        </a:xfrm>
+      </p:grpSpPr>
+      <p:sp>
+        <p:nvSpPr>
+          <p:cNvPr id="4" name="Titel 3"/>
+          <p:cNvSpPr>
+            <a:spLocks noGrp="1"/>
+          </p:cNvSpPr>
+          <p:nvPr>
+            <p:ph type="title"/>
+          </p:nvPr>
+        </p:nvSpPr>
+        <p:spPr/>
+        <p:txBody>
+          <a:bodyPr/>
+          <a:lstStyle/>
+          <a:p>
+            <a:r>
+              <a:rPr lang="de-DE" smtClean="0"/>
+              <a:t>2. Einführung in die Sprache</a:t>
+            </a:r>
+            <a:endParaRPr lang="de-DE"/>
+          </a:p>
+        </p:txBody>
+      </p:sp>
+      <p:pic>
+        <p:nvPicPr>
+          <p:cNvPr id="6" name="Bild 5" descr="gopher-tagging.jpg"/>
+          <p:cNvPicPr>
+            <a:picLocks noChangeAspect="1"/>
+          </p:cNvPicPr>
+          <p:nvPr/>
+        </p:nvPicPr>
+        <p:blipFill>
+          <a:blip r:embed="rId2">
+            <a:alphaModFix amt="50000"/>
+            <a:extLst>
+              <a:ext uri="{28A0092B-C50C-407E-A947-70E740481C1C}">
+                <a14:useLocalDpi xmlns:a14="http://schemas.microsoft.com/office/drawing/2010/main" val="0"/>
+              </a:ext>
+            </a:extLst>
+          </a:blip>
+          <a:stretch>
+            <a:fillRect/>
+          </a:stretch>
+        </p:blipFill>
+        <p:spPr>
+          <a:xfrm>
+            <a:off x="0" y="1020762"/>
+            <a:ext cx="9144000" cy="4748213"/>
+          </a:xfrm>
+          <a:prstGeom prst="rect">
+            <a:avLst/>
+          </a:prstGeom>
+        </p:spPr>
+      </p:pic>
+    </p:spTree>
+    <p:extLst>
+      <p:ext uri="{BB962C8B-B14F-4D97-AF65-F5344CB8AC3E}">
+        <p14:creationId xmlns:p14="http://schemas.microsoft.com/office/powerpoint/2010/main" val="231368875"/>
       </p:ext>
     </p:extLst>
   </p:cSld>

--- a/intro-to-go.pptx
+++ b/intro-to-go.pptx
@@ -9,29 +9,35 @@
     <p:sldId id="257" r:id="rId3"/>
     <p:sldId id="262" r:id="rId4"/>
     <p:sldId id="258" r:id="rId5"/>
-    <p:sldId id="290" r:id="rId6"/>
-    <p:sldId id="270" r:id="rId7"/>
-    <p:sldId id="271" r:id="rId8"/>
-    <p:sldId id="272" r:id="rId9"/>
-    <p:sldId id="268" r:id="rId10"/>
-    <p:sldId id="259" r:id="rId11"/>
-    <p:sldId id="274" r:id="rId12"/>
-    <p:sldId id="273" r:id="rId13"/>
-    <p:sldId id="287" r:id="rId14"/>
-    <p:sldId id="264" r:id="rId15"/>
-    <p:sldId id="285" r:id="rId16"/>
-    <p:sldId id="288" r:id="rId17"/>
-    <p:sldId id="260" r:id="rId18"/>
-    <p:sldId id="279" r:id="rId19"/>
-    <p:sldId id="282" r:id="rId20"/>
-    <p:sldId id="284" r:id="rId21"/>
-    <p:sldId id="289" r:id="rId22"/>
-    <p:sldId id="265" r:id="rId23"/>
-    <p:sldId id="277" r:id="rId24"/>
-    <p:sldId id="275" r:id="rId25"/>
-    <p:sldId id="276" r:id="rId26"/>
-    <p:sldId id="267" r:id="rId27"/>
-    <p:sldId id="281" r:id="rId28"/>
+    <p:sldId id="299" r:id="rId6"/>
+    <p:sldId id="291" r:id="rId7"/>
+    <p:sldId id="270" r:id="rId8"/>
+    <p:sldId id="271" r:id="rId9"/>
+    <p:sldId id="272" r:id="rId10"/>
+    <p:sldId id="268" r:id="rId11"/>
+    <p:sldId id="259" r:id="rId12"/>
+    <p:sldId id="274" r:id="rId13"/>
+    <p:sldId id="273" r:id="rId14"/>
+    <p:sldId id="300" r:id="rId15"/>
+    <p:sldId id="287" r:id="rId16"/>
+    <p:sldId id="264" r:id="rId17"/>
+    <p:sldId id="292" r:id="rId18"/>
+    <p:sldId id="293" r:id="rId19"/>
+    <p:sldId id="294" r:id="rId20"/>
+    <p:sldId id="297" r:id="rId21"/>
+    <p:sldId id="298" r:id="rId22"/>
+    <p:sldId id="295" r:id="rId23"/>
+    <p:sldId id="296" r:id="rId24"/>
+    <p:sldId id="285" r:id="rId25"/>
+    <p:sldId id="288" r:id="rId26"/>
+    <p:sldId id="265" r:id="rId27"/>
+    <p:sldId id="277" r:id="rId28"/>
+    <p:sldId id="301" r:id="rId29"/>
+    <p:sldId id="302" r:id="rId30"/>
+    <p:sldId id="275" r:id="rId31"/>
+    <p:sldId id="276" r:id="rId32"/>
+    <p:sldId id="267" r:id="rId33"/>
+    <p:sldId id="281" r:id="rId34"/>
   </p:sldIdLst>
   <p:sldSz cx="9144000" cy="6858000" type="screen4x3"/>
   <p:notesSz cx="6858000" cy="9144000"/>
@@ -314,7 +320,7 @@
           <a:p>
             <a:fld id="{A5DA2461-075C-0F47-89CA-E08348EB1FB2}" type="datetimeFigureOut">
               <a:rPr lang="de-DE" smtClean="0"/>
-              <a:t>06/05/15</a:t>
+              <a:t>04/06/15</a:t>
             </a:fld>
             <a:endParaRPr lang="en-GB"/>
           </a:p>
@@ -484,7 +490,7 @@
           <a:p>
             <a:fld id="{A5DA2461-075C-0F47-89CA-E08348EB1FB2}" type="datetimeFigureOut">
               <a:rPr lang="de-DE" smtClean="0"/>
-              <a:t>06/05/15</a:t>
+              <a:t>04/06/15</a:t>
             </a:fld>
             <a:endParaRPr lang="en-GB"/>
           </a:p>
@@ -664,7 +670,7 @@
           <a:p>
             <a:fld id="{A5DA2461-075C-0F47-89CA-E08348EB1FB2}" type="datetimeFigureOut">
               <a:rPr lang="de-DE" smtClean="0"/>
-              <a:t>06/05/15</a:t>
+              <a:t>04/06/15</a:t>
             </a:fld>
             <a:endParaRPr lang="en-GB"/>
           </a:p>
@@ -851,7 +857,7 @@
           <a:p>
             <a:fld id="{A5DA2461-075C-0F47-89CA-E08348EB1FB2}" type="datetimeFigureOut">
               <a:rPr lang="de-DE" smtClean="0"/>
-              <a:t>06/05/15</a:t>
+              <a:t>04/06/15</a:t>
             </a:fld>
             <a:endParaRPr lang="en-GB" dirty="0"/>
           </a:p>
@@ -1137,7 +1143,7 @@
           <a:p>
             <a:fld id="{A5DA2461-075C-0F47-89CA-E08348EB1FB2}" type="datetimeFigureOut">
               <a:rPr lang="de-DE" smtClean="0"/>
-              <a:t>06/05/15</a:t>
+              <a:t>04/06/15</a:t>
             </a:fld>
             <a:endParaRPr lang="en-GB"/>
           </a:p>
@@ -1425,7 +1431,7 @@
           <a:p>
             <a:fld id="{A5DA2461-075C-0F47-89CA-E08348EB1FB2}" type="datetimeFigureOut">
               <a:rPr lang="de-DE" smtClean="0"/>
-              <a:t>06/05/15</a:t>
+              <a:t>04/06/15</a:t>
             </a:fld>
             <a:endParaRPr lang="en-GB"/>
           </a:p>
@@ -1847,7 +1853,7 @@
           <a:p>
             <a:fld id="{A5DA2461-075C-0F47-89CA-E08348EB1FB2}" type="datetimeFigureOut">
               <a:rPr lang="de-DE" smtClean="0"/>
-              <a:t>06/05/15</a:t>
+              <a:t>04/06/15</a:t>
             </a:fld>
             <a:endParaRPr lang="en-GB"/>
           </a:p>
@@ -1965,7 +1971,7 @@
           <a:p>
             <a:fld id="{A5DA2461-075C-0F47-89CA-E08348EB1FB2}" type="datetimeFigureOut">
               <a:rPr lang="de-DE" smtClean="0"/>
-              <a:t>06/05/15</a:t>
+              <a:t>04/06/15</a:t>
             </a:fld>
             <a:endParaRPr lang="en-GB"/>
           </a:p>
@@ -2060,7 +2066,7 @@
           <a:p>
             <a:fld id="{A5DA2461-075C-0F47-89CA-E08348EB1FB2}" type="datetimeFigureOut">
               <a:rPr lang="de-DE" smtClean="0"/>
-              <a:t>06/05/15</a:t>
+              <a:t>04/06/15</a:t>
             </a:fld>
             <a:endParaRPr lang="en-GB"/>
           </a:p>
@@ -2337,7 +2343,7 @@
           <a:p>
             <a:fld id="{A5DA2461-075C-0F47-89CA-E08348EB1FB2}" type="datetimeFigureOut">
               <a:rPr lang="de-DE" smtClean="0"/>
-              <a:t>06/05/15</a:t>
+              <a:t>04/06/15</a:t>
             </a:fld>
             <a:endParaRPr lang="en-GB"/>
           </a:p>
@@ -2590,7 +2596,7 @@
           <a:p>
             <a:fld id="{A5DA2461-075C-0F47-89CA-E08348EB1FB2}" type="datetimeFigureOut">
               <a:rPr lang="de-DE" smtClean="0"/>
-              <a:t>06/05/15</a:t>
+              <a:t>04/06/15</a:t>
             </a:fld>
             <a:endParaRPr lang="en-GB"/>
           </a:p>
@@ -2803,7 +2809,7 @@
           <a:p>
             <a:fld id="{A5DA2461-075C-0F47-89CA-E08348EB1FB2}" type="datetimeFigureOut">
               <a:rPr lang="de-DE" smtClean="0"/>
-              <a:t>06/05/15</a:t>
+              <a:t>04/06/15</a:t>
             </a:fld>
             <a:endParaRPr lang="en-GB"/>
           </a:p>
@@ -3225,8 +3231,13 @@
             </a:br>
             <a:r>
               <a:rPr lang="de-DE" dirty="0" smtClean="0"/>
-              <a:t>am 07.05.2015</a:t>
-            </a:r>
+              <a:t>am </a:t>
+            </a:r>
+            <a:r>
+              <a:rPr lang="de-DE" dirty="0" smtClean="0"/>
+              <a:t>04.06.2015</a:t>
+            </a:r>
+            <a:endParaRPr lang="de-DE" dirty="0" smtClean="0"/>
           </a:p>
           <a:p>
             <a:r>
@@ -3304,9 +3315,40 @@
           <a:chExt cx="0" cy="0"/>
         </a:xfrm>
       </p:grpSpPr>
-      <p:sp>
-        <p:nvSpPr>
-          <p:cNvPr id="2" name="Titel 1"/>
+      <p:pic>
+        <p:nvPicPr>
+          <p:cNvPr id="6" name="Bild 5" descr="gopher-tagging.jpg"/>
+          <p:cNvPicPr>
+            <a:picLocks noChangeAspect="1"/>
+          </p:cNvPicPr>
+          <p:nvPr/>
+        </p:nvPicPr>
+        <p:blipFill>
+          <a:blip r:embed="rId2">
+            <a:alphaModFix amt="50000"/>
+            <a:extLst>
+              <a:ext uri="{28A0092B-C50C-407E-A947-70E740481C1C}">
+                <a14:useLocalDpi xmlns:a14="http://schemas.microsoft.com/office/drawing/2010/main" val="0"/>
+              </a:ext>
+            </a:extLst>
+          </a:blip>
+          <a:stretch>
+            <a:fillRect/>
+          </a:stretch>
+        </p:blipFill>
+        <p:spPr>
+          <a:xfrm>
+            <a:off x="0" y="1020762"/>
+            <a:ext cx="9144000" cy="4748213"/>
+          </a:xfrm>
+          <a:prstGeom prst="rect">
+            <a:avLst/>
+          </a:prstGeom>
+        </p:spPr>
+      </p:pic>
+      <p:sp>
+        <p:nvSpPr>
+          <p:cNvPr id="4" name="Titel 3"/>
           <p:cNvSpPr>
             <a:spLocks noGrp="1"/>
           </p:cNvSpPr>
@@ -3319,463 +3361,47 @@
           <a:bodyPr/>
           <a:lstStyle/>
           <a:p>
-            <a:r>
-              <a:rPr lang="de-DE" dirty="0" smtClean="0"/>
-              <a:t>2. Einführung in die Sprache</a:t>
-            </a:r>
-            <a:endParaRPr lang="de-DE" dirty="0"/>
-          </a:p>
-        </p:txBody>
-      </p:sp>
-      <p:sp>
-        <p:nvSpPr>
-          <p:cNvPr id="3" name="Inhaltsplatzhalter 2"/>
-          <p:cNvSpPr>
-            <a:spLocks noGrp="1"/>
-          </p:cNvSpPr>
-          <p:nvPr>
-            <p:ph sz="half" idx="1"/>
-          </p:nvPr>
-        </p:nvSpPr>
-        <p:spPr/>
-        <p:txBody>
-          <a:bodyPr>
-            <a:normAutofit fontScale="92500" lnSpcReduction="20000"/>
-          </a:bodyPr>
-          <a:lstStyle/>
-          <a:p>
-            <a:r>
-              <a:rPr lang="de-DE" dirty="0" smtClean="0"/>
-              <a:t>Properties</a:t>
-            </a:r>
-          </a:p>
-          <a:p>
-            <a:pPr lvl="1"/>
-            <a:r>
-              <a:rPr lang="de-DE" dirty="0" err="1" smtClean="0"/>
-              <a:t>statically-typed</a:t>
-            </a:r>
-            <a:endParaRPr lang="de-DE" dirty="0" smtClean="0"/>
-          </a:p>
-          <a:p>
-            <a:pPr lvl="1"/>
-            <a:r>
-              <a:rPr lang="de-DE" dirty="0" err="1" smtClean="0"/>
-              <a:t>garbage-collected</a:t>
-            </a:r>
-            <a:endParaRPr lang="de-DE" dirty="0"/>
-          </a:p>
-          <a:p>
-            <a:pPr lvl="1"/>
-            <a:r>
-              <a:rPr lang="de-DE" dirty="0" err="1" smtClean="0"/>
-              <a:t>structs</a:t>
-            </a:r>
-            <a:endParaRPr lang="de-DE" dirty="0" smtClean="0"/>
-          </a:p>
-          <a:p>
-            <a:pPr lvl="1"/>
-            <a:r>
-              <a:rPr lang="de-DE" dirty="0" smtClean="0"/>
-              <a:t>variable </a:t>
-            </a:r>
-            <a:r>
-              <a:rPr lang="de-DE" dirty="0" err="1" smtClean="0"/>
-              <a:t>length</a:t>
-            </a:r>
-            <a:r>
-              <a:rPr lang="de-DE" dirty="0" smtClean="0"/>
-              <a:t> </a:t>
-            </a:r>
-            <a:r>
-              <a:rPr lang="de-DE" dirty="0" err="1" smtClean="0"/>
-              <a:t>arrays</a:t>
-            </a:r>
-            <a:r>
-              <a:rPr lang="de-DE" dirty="0" smtClean="0"/>
-              <a:t> ("</a:t>
-            </a:r>
-            <a:r>
-              <a:rPr lang="de-DE" dirty="0" err="1" smtClean="0"/>
-              <a:t>slices</a:t>
-            </a:r>
-            <a:r>
-              <a:rPr lang="de-DE" dirty="0" smtClean="0"/>
-              <a:t>“)</a:t>
-            </a:r>
-          </a:p>
-          <a:p>
-            <a:pPr lvl="1"/>
-            <a:r>
-              <a:rPr lang="de-DE" dirty="0" err="1" smtClean="0"/>
-              <a:t>key-value</a:t>
-            </a:r>
-            <a:r>
-              <a:rPr lang="de-DE" dirty="0" smtClean="0"/>
-              <a:t> </a:t>
-            </a:r>
-            <a:r>
-              <a:rPr lang="de-DE" dirty="0" err="1" smtClean="0"/>
-              <a:t>maps</a:t>
-            </a:r>
-            <a:endParaRPr lang="de-DE" dirty="0" smtClean="0"/>
-          </a:p>
-          <a:p>
-            <a:pPr lvl="1"/>
-            <a:r>
-              <a:rPr lang="de-DE" dirty="0" err="1" smtClean="0"/>
-              <a:t>awesome</a:t>
-            </a:r>
-            <a:r>
-              <a:rPr lang="de-DE" dirty="0" smtClean="0"/>
-              <a:t> </a:t>
-            </a:r>
-            <a:r>
-              <a:rPr lang="de-DE" dirty="0" err="1" smtClean="0"/>
-              <a:t>concurrency</a:t>
-            </a:r>
-            <a:r>
-              <a:rPr lang="de-DE" dirty="0" smtClean="0"/>
-              <a:t> </a:t>
-            </a:r>
-            <a:r>
-              <a:rPr lang="de-DE" dirty="0" err="1" smtClean="0"/>
-              <a:t>features</a:t>
-            </a:r>
-            <a:endParaRPr lang="de-DE" dirty="0" smtClean="0"/>
-          </a:p>
-          <a:p>
-            <a:pPr lvl="1"/>
-            <a:r>
-              <a:rPr lang="de-DE" dirty="0" smtClean="0"/>
-              <a:t>type </a:t>
-            </a:r>
-            <a:r>
-              <a:rPr lang="de-DE" dirty="0" err="1" smtClean="0"/>
-              <a:t>inference</a:t>
-            </a:r>
-            <a:endParaRPr lang="de-DE" dirty="0" smtClean="0"/>
-          </a:p>
-          <a:p>
-            <a:pPr lvl="1"/>
-            <a:r>
-              <a:rPr lang="de-DE" dirty="0" err="1" smtClean="0"/>
-              <a:t>methods</a:t>
-            </a:r>
-            <a:r>
-              <a:rPr lang="de-DE" dirty="0" smtClean="0"/>
-              <a:t> on </a:t>
-            </a:r>
-            <a:r>
-              <a:rPr lang="de-DE" dirty="0" err="1" smtClean="0"/>
-              <a:t>types</a:t>
-            </a:r>
-            <a:r>
-              <a:rPr lang="de-DE" dirty="0"/>
-              <a:t/>
-            </a:r>
-            <a:br>
-              <a:rPr lang="de-DE" dirty="0"/>
-            </a:br>
-            <a:r>
-              <a:rPr lang="de-DE" dirty="0" smtClean="0"/>
-              <a:t>(</a:t>
-            </a:r>
-            <a:r>
-              <a:rPr lang="de-DE" dirty="0" err="1" smtClean="0"/>
-              <a:t>no</a:t>
-            </a:r>
-            <a:r>
-              <a:rPr lang="de-DE" dirty="0" smtClean="0"/>
-              <a:t> </a:t>
-            </a:r>
-            <a:r>
-              <a:rPr lang="de-DE" dirty="0" err="1" smtClean="0"/>
-              <a:t>classes</a:t>
-            </a:r>
-            <a:r>
-              <a:rPr lang="de-DE" dirty="0" smtClean="0"/>
-              <a:t>!)</a:t>
-            </a:r>
-          </a:p>
-          <a:p>
-            <a:pPr lvl="1"/>
-            <a:r>
-              <a:rPr lang="de-DE" dirty="0" err="1" smtClean="0"/>
-              <a:t>pointers</a:t>
-            </a:r>
-            <a:endParaRPr lang="de-DE" dirty="0" smtClean="0"/>
-          </a:p>
-          <a:p>
-            <a:endParaRPr lang="de-DE" dirty="0" smtClean="0"/>
-          </a:p>
-        </p:txBody>
-      </p:sp>
-      <p:sp>
-        <p:nvSpPr>
-          <p:cNvPr id="4" name="Inhaltsplatzhalter 3"/>
-          <p:cNvSpPr>
-            <a:spLocks noGrp="1"/>
-          </p:cNvSpPr>
-          <p:nvPr>
-            <p:ph sz="half" idx="2"/>
-          </p:nvPr>
-        </p:nvSpPr>
-        <p:spPr/>
-        <p:txBody>
-          <a:bodyPr>
-            <a:normAutofit fontScale="92500" lnSpcReduction="20000"/>
-          </a:bodyPr>
-          <a:lstStyle/>
-          <a:p>
-            <a:r>
-              <a:rPr lang="de-DE" dirty="0" smtClean="0"/>
-              <a:t>Simple </a:t>
-            </a:r>
-            <a:r>
-              <a:rPr lang="de-DE" dirty="0" err="1" smtClean="0"/>
-              <a:t>language</a:t>
-            </a:r>
-            <a:r>
-              <a:rPr lang="de-DE" dirty="0" smtClean="0"/>
-              <a:t> </a:t>
-            </a:r>
-            <a:r>
-              <a:rPr lang="de-DE" dirty="0" err="1" smtClean="0"/>
-              <a:t>Specification</a:t>
-            </a:r>
-            <a:endParaRPr lang="de-DE" dirty="0" smtClean="0"/>
-          </a:p>
-          <a:p>
-            <a:pPr lvl="1"/>
-            <a:r>
-              <a:rPr lang="de-DE" dirty="0" err="1" smtClean="0"/>
-              <a:t>no</a:t>
-            </a:r>
-            <a:r>
-              <a:rPr lang="de-DE" dirty="0" smtClean="0"/>
-              <a:t> type </a:t>
-            </a:r>
-            <a:r>
-              <a:rPr lang="de-DE" dirty="0" err="1" smtClean="0"/>
-              <a:t>inheritance</a:t>
-            </a:r>
-            <a:endParaRPr lang="de-DE" dirty="0" smtClean="0"/>
-          </a:p>
-          <a:p>
-            <a:pPr lvl="1"/>
-            <a:r>
-              <a:rPr lang="de-DE" dirty="0" err="1" smtClean="0"/>
-              <a:t>no</a:t>
-            </a:r>
-            <a:r>
-              <a:rPr lang="de-DE" dirty="0" smtClean="0"/>
-              <a:t> </a:t>
-            </a:r>
-            <a:r>
-              <a:rPr lang="de-DE" dirty="0" err="1" smtClean="0"/>
-              <a:t>method</a:t>
-            </a:r>
-            <a:r>
-              <a:rPr lang="de-DE" dirty="0" smtClean="0"/>
-              <a:t> </a:t>
-            </a:r>
-            <a:r>
-              <a:rPr lang="de-DE" dirty="0" err="1" smtClean="0"/>
-              <a:t>or</a:t>
-            </a:r>
-            <a:r>
-              <a:rPr lang="de-DE" dirty="0" smtClean="0"/>
-              <a:t> </a:t>
-            </a:r>
-            <a:r>
-              <a:rPr lang="de-DE" dirty="0" err="1" smtClean="0"/>
-              <a:t>operator</a:t>
-            </a:r>
-            <a:r>
-              <a:rPr lang="de-DE" dirty="0" smtClean="0"/>
-              <a:t> </a:t>
-            </a:r>
-            <a:r>
-              <a:rPr lang="de-DE" dirty="0" err="1" smtClean="0"/>
-              <a:t>overloading</a:t>
-            </a:r>
-            <a:endParaRPr lang="de-DE" dirty="0" smtClean="0"/>
-          </a:p>
-          <a:p>
-            <a:pPr lvl="1"/>
-            <a:r>
-              <a:rPr lang="de-DE" dirty="0" err="1" smtClean="0"/>
-              <a:t>no</a:t>
-            </a:r>
-            <a:r>
-              <a:rPr lang="de-DE" dirty="0" smtClean="0"/>
-              <a:t> </a:t>
-            </a:r>
-            <a:r>
-              <a:rPr lang="de-DE" dirty="0" err="1" smtClean="0"/>
-              <a:t>circular</a:t>
-            </a:r>
-            <a:r>
-              <a:rPr lang="de-DE" dirty="0" smtClean="0"/>
-              <a:t> </a:t>
-            </a:r>
-            <a:r>
-              <a:rPr lang="de-DE" dirty="0" err="1" smtClean="0"/>
-              <a:t>dependencies</a:t>
-            </a:r>
-            <a:r>
-              <a:rPr lang="de-DE" dirty="0" smtClean="0"/>
-              <a:t> </a:t>
-            </a:r>
-            <a:r>
-              <a:rPr lang="de-DE" dirty="0" err="1" smtClean="0"/>
-              <a:t>among</a:t>
-            </a:r>
-            <a:r>
-              <a:rPr lang="de-DE" dirty="0" smtClean="0"/>
-              <a:t> </a:t>
-            </a:r>
-            <a:r>
-              <a:rPr lang="de-DE" dirty="0" err="1" smtClean="0"/>
-              <a:t>packages</a:t>
-            </a:r>
-            <a:endParaRPr lang="de-DE" dirty="0" smtClean="0"/>
-          </a:p>
-          <a:p>
-            <a:pPr lvl="1"/>
-            <a:r>
-              <a:rPr lang="de-DE" dirty="0" err="1" smtClean="0"/>
-              <a:t>no</a:t>
-            </a:r>
-            <a:r>
-              <a:rPr lang="de-DE" dirty="0" smtClean="0"/>
-              <a:t> </a:t>
-            </a:r>
-            <a:r>
-              <a:rPr lang="de-DE" dirty="0" err="1" smtClean="0"/>
-              <a:t>pointer</a:t>
-            </a:r>
-            <a:r>
-              <a:rPr lang="de-DE" dirty="0" smtClean="0"/>
-              <a:t> </a:t>
-            </a:r>
-            <a:r>
-              <a:rPr lang="de-DE" dirty="0" err="1" smtClean="0"/>
-              <a:t>arithmetic</a:t>
-            </a:r>
-            <a:endParaRPr lang="de-DE" dirty="0" smtClean="0"/>
-          </a:p>
-          <a:p>
-            <a:pPr lvl="1"/>
-            <a:r>
-              <a:rPr lang="de-DE" dirty="0" err="1" smtClean="0"/>
-              <a:t>no</a:t>
-            </a:r>
-            <a:r>
-              <a:rPr lang="de-DE" dirty="0" smtClean="0"/>
-              <a:t> </a:t>
-            </a:r>
-            <a:r>
-              <a:rPr lang="de-DE" dirty="0" err="1" smtClean="0"/>
-              <a:t>assertions</a:t>
-            </a:r>
-            <a:endParaRPr lang="de-DE" dirty="0" smtClean="0"/>
-          </a:p>
-          <a:p>
-            <a:pPr lvl="1"/>
-            <a:r>
-              <a:rPr lang="de-DE" dirty="0" err="1" smtClean="0"/>
-              <a:t>no</a:t>
-            </a:r>
-            <a:r>
-              <a:rPr lang="de-DE" dirty="0" smtClean="0"/>
-              <a:t> </a:t>
-            </a:r>
-            <a:r>
-              <a:rPr lang="de-DE" dirty="0" err="1" smtClean="0"/>
-              <a:t>generic</a:t>
-            </a:r>
-            <a:r>
-              <a:rPr lang="de-DE" dirty="0" smtClean="0"/>
-              <a:t> </a:t>
-            </a:r>
-            <a:r>
-              <a:rPr lang="de-DE" dirty="0" err="1" smtClean="0"/>
-              <a:t>programming</a:t>
-            </a:r>
-            <a:endParaRPr lang="de-DE" dirty="0" smtClean="0"/>
-          </a:p>
-          <a:p>
-            <a:pPr lvl="1"/>
-            <a:r>
-              <a:rPr lang="de-DE" dirty="0" err="1" smtClean="0"/>
-              <a:t>no</a:t>
-            </a:r>
-            <a:r>
-              <a:rPr lang="de-DE" dirty="0" smtClean="0"/>
-              <a:t> </a:t>
-            </a:r>
-            <a:r>
-              <a:rPr lang="de-DE" dirty="0" err="1" smtClean="0"/>
-              <a:t>implicit</a:t>
-            </a:r>
-            <a:r>
-              <a:rPr lang="de-DE" dirty="0" smtClean="0"/>
-              <a:t> type </a:t>
-            </a:r>
-            <a:r>
-              <a:rPr lang="de-DE" dirty="0" err="1" smtClean="0"/>
-              <a:t>conversions</a:t>
-            </a:r>
-            <a:endParaRPr lang="de-DE" dirty="0" smtClean="0"/>
-          </a:p>
-          <a:p>
-            <a:pPr lvl="1"/>
-            <a:r>
-              <a:rPr lang="de-DE" dirty="0" err="1" smtClean="0"/>
-              <a:t>no</a:t>
-            </a:r>
-            <a:r>
-              <a:rPr lang="de-DE" dirty="0" smtClean="0"/>
-              <a:t> </a:t>
-            </a:r>
-            <a:r>
-              <a:rPr lang="de-DE" dirty="0" err="1" smtClean="0"/>
-              <a:t>public</a:t>
-            </a:r>
-            <a:r>
-              <a:rPr lang="de-DE" dirty="0" smtClean="0"/>
-              <a:t> / </a:t>
-            </a:r>
-            <a:r>
-              <a:rPr lang="de-DE" dirty="0" err="1" smtClean="0"/>
-              <a:t>protected</a:t>
-            </a:r>
-            <a:r>
-              <a:rPr lang="de-DE" dirty="0" smtClean="0"/>
-              <a:t> /</a:t>
+            <a:pPr marL="514350" indent="-514350"/>
+            <a:r>
+              <a:rPr lang="de-DE" dirty="0" smtClean="0"/>
+              <a:t>2. </a:t>
+            </a:r>
+            <a:r>
+              <a:rPr lang="de-DE" dirty="0" err="1"/>
+              <a:t>Introduction</a:t>
             </a:r>
             <a:r>
               <a:rPr lang="de-DE" dirty="0"/>
               <a:t> </a:t>
             </a:r>
             <a:r>
-              <a:rPr lang="de-DE" dirty="0" smtClean="0"/>
-              <a:t>private </a:t>
-            </a:r>
-            <a:r>
-              <a:rPr lang="de-DE" i="1" dirty="0" err="1" smtClean="0"/>
-              <a:t>keywords</a:t>
-            </a:r>
-            <a:endParaRPr lang="en-GB" i="1" dirty="0"/>
+              <a:rPr lang="de-DE" dirty="0" err="1"/>
+              <a:t>into</a:t>
+            </a:r>
+            <a:r>
+              <a:rPr lang="de-DE" dirty="0"/>
+              <a:t> </a:t>
+            </a:r>
+            <a:r>
+              <a:rPr lang="de-DE" dirty="0" err="1"/>
+              <a:t>the</a:t>
+            </a:r>
+            <a:r>
+              <a:rPr lang="de-DE" dirty="0"/>
+              <a:t> </a:t>
+            </a:r>
+            <a:r>
+              <a:rPr lang="de-DE" dirty="0" err="1"/>
+              <a:t>language</a:t>
+            </a:r>
+            <a:endParaRPr lang="de-DE" dirty="0"/>
           </a:p>
         </p:txBody>
       </p:sp>
     </p:spTree>
     <p:extLst>
       <p:ext uri="{BB962C8B-B14F-4D97-AF65-F5344CB8AC3E}">
-        <p14:creationId xmlns:p14="http://schemas.microsoft.com/office/powerpoint/2010/main" val="3150543901"/>
+        <p14:creationId xmlns:p14="http://schemas.microsoft.com/office/powerpoint/2010/main" val="231368875"/>
       </p:ext>
     </p:extLst>
   </p:cSld>
@@ -3824,11 +3450,40 @@
           <a:bodyPr/>
           <a:lstStyle/>
           <a:p>
-            <a:r>
-              <a:rPr lang="de-DE" dirty="0" smtClean="0"/>
-              <a:t>2. Einführung in die Sprache</a:t>
-            </a:r>
-            <a:endParaRPr lang="en-GB" dirty="0"/>
+            <a:pPr marL="514350" indent="-514350"/>
+            <a:r>
+              <a:rPr lang="de-DE" dirty="0" smtClean="0"/>
+              <a:t>2. </a:t>
+            </a:r>
+            <a:r>
+              <a:rPr lang="de-DE" dirty="0" err="1"/>
+              <a:t>Introduction</a:t>
+            </a:r>
+            <a:r>
+              <a:rPr lang="de-DE" dirty="0"/>
+              <a:t> </a:t>
+            </a:r>
+            <a:r>
+              <a:rPr lang="de-DE" dirty="0" err="1"/>
+              <a:t>into</a:t>
+            </a:r>
+            <a:r>
+              <a:rPr lang="de-DE" dirty="0"/>
+              <a:t> </a:t>
+            </a:r>
+            <a:r>
+              <a:rPr lang="de-DE" dirty="0" err="1"/>
+              <a:t>the</a:t>
+            </a:r>
+            <a:r>
+              <a:rPr lang="de-DE" dirty="0"/>
+              <a:t> </a:t>
+            </a:r>
+            <a:r>
+              <a:rPr lang="de-DE" dirty="0" err="1"/>
+              <a:t>language</a:t>
+            </a:r>
+            <a:endParaRPr lang="de-DE" dirty="0"/>
           </a:p>
         </p:txBody>
       </p:sp>
@@ -3839,100 +3494,448 @@
             <a:spLocks noGrp="1"/>
           </p:cNvSpPr>
           <p:nvPr>
-            <p:ph idx="1"/>
+            <p:ph sz="half" idx="1"/>
           </p:nvPr>
         </p:nvSpPr>
         <p:spPr/>
         <p:txBody>
-          <a:bodyPr/>
-          <a:lstStyle/>
-          <a:p>
-            <a:r>
-              <a:rPr lang="en-GB" dirty="0" err="1" smtClean="0"/>
-              <a:t>Variablen</a:t>
-            </a:r>
-            <a:r>
-              <a:rPr lang="en-GB" dirty="0" smtClean="0"/>
-              <a:t> und </a:t>
-            </a:r>
-            <a:r>
-              <a:rPr lang="en-GB" dirty="0" err="1" smtClean="0"/>
-              <a:t>Typen</a:t>
-            </a:r>
-            <a:endParaRPr lang="en-GB" dirty="0"/>
+          <a:bodyPr>
+            <a:normAutofit fontScale="92500" lnSpcReduction="20000"/>
+          </a:bodyPr>
+          <a:lstStyle/>
+          <a:p>
+            <a:r>
+              <a:rPr lang="de-DE" dirty="0" smtClean="0"/>
+              <a:t>Properties</a:t>
+            </a:r>
           </a:p>
           <a:p>
             <a:pPr lvl="1"/>
             <a:r>
-              <a:rPr lang="en-GB" dirty="0" smtClean="0"/>
-              <a:t>intro1: Hello, World</a:t>
-            </a:r>
+              <a:rPr lang="de-DE" dirty="0" err="1" smtClean="0"/>
+              <a:t>statically-typed</a:t>
+            </a:r>
+            <a:endParaRPr lang="de-DE" dirty="0" smtClean="0"/>
           </a:p>
           <a:p>
             <a:pPr lvl="1"/>
             <a:r>
-              <a:rPr lang="en-GB" dirty="0" smtClean="0"/>
-              <a:t>intro2: </a:t>
-            </a:r>
-            <a:r>
-              <a:rPr lang="en-GB" dirty="0" err="1" smtClean="0"/>
-              <a:t>Variablen</a:t>
-            </a:r>
-            <a:r>
-              <a:rPr lang="en-GB" dirty="0" smtClean="0"/>
-              <a:t> und primitive </a:t>
-            </a:r>
-            <a:r>
-              <a:rPr lang="en-GB" dirty="0" err="1" smtClean="0"/>
-              <a:t>Typen</a:t>
-            </a:r>
-            <a:endParaRPr lang="en-GB" dirty="0"/>
+              <a:rPr lang="de-DE" dirty="0" err="1" smtClean="0"/>
+              <a:t>garbage-collected</a:t>
+            </a:r>
+            <a:endParaRPr lang="de-DE" dirty="0"/>
           </a:p>
           <a:p>
             <a:pPr lvl="1"/>
-            <a:endParaRPr lang="en-GB" dirty="0" smtClean="0"/>
-          </a:p>
-          <a:p>
-            <a:r>
-              <a:rPr lang="en-GB" dirty="0" err="1" smtClean="0"/>
-              <a:t>Flußkontrolle</a:t>
-            </a:r>
-            <a:endParaRPr lang="en-GB" dirty="0"/>
+            <a:r>
+              <a:rPr lang="de-DE" dirty="0" err="1" smtClean="0"/>
+              <a:t>structs</a:t>
+            </a:r>
+            <a:endParaRPr lang="de-DE" dirty="0" smtClean="0"/>
           </a:p>
           <a:p>
             <a:pPr lvl="1"/>
             <a:r>
-              <a:rPr lang="en-GB" dirty="0" smtClean="0"/>
-              <a:t>flow1: for, switch</a:t>
+              <a:rPr lang="de-DE" dirty="0" smtClean="0"/>
+              <a:t>variable </a:t>
+            </a:r>
+            <a:r>
+              <a:rPr lang="de-DE" dirty="0" err="1" smtClean="0"/>
+              <a:t>length</a:t>
+            </a:r>
+            <a:r>
+              <a:rPr lang="de-DE" dirty="0" smtClean="0"/>
+              <a:t> </a:t>
+            </a:r>
+            <a:r>
+              <a:rPr lang="de-DE" dirty="0" err="1" smtClean="0"/>
+              <a:t>arrays</a:t>
+            </a:r>
+            <a:r>
+              <a:rPr lang="de-DE" dirty="0" smtClean="0"/>
+              <a:t> ("</a:t>
+            </a:r>
+            <a:r>
+              <a:rPr lang="de-DE" dirty="0" err="1" smtClean="0"/>
+              <a:t>slices</a:t>
+            </a:r>
+            <a:r>
+              <a:rPr lang="de-DE" dirty="0" smtClean="0"/>
+              <a:t>“)</a:t>
             </a:r>
           </a:p>
           <a:p>
             <a:pPr lvl="1"/>
             <a:r>
-              <a:rPr lang="en-GB" dirty="0" smtClean="0"/>
-              <a:t>flow2: defer</a:t>
-            </a:r>
+              <a:rPr lang="de-DE" dirty="0" err="1" smtClean="0"/>
+              <a:t>key-value</a:t>
+            </a:r>
+            <a:r>
+              <a:rPr lang="de-DE" dirty="0" smtClean="0"/>
+              <a:t> </a:t>
+            </a:r>
+            <a:r>
+              <a:rPr lang="de-DE" dirty="0" err="1" smtClean="0"/>
+              <a:t>maps</a:t>
+            </a:r>
+            <a:endParaRPr lang="de-DE" dirty="0" smtClean="0"/>
           </a:p>
           <a:p>
             <a:pPr lvl="1"/>
             <a:r>
-              <a:rPr lang="en-GB" dirty="0" smtClean="0"/>
-              <a:t>flow3: panic</a:t>
-            </a:r>
+              <a:rPr lang="de-DE" dirty="0" err="1" smtClean="0"/>
+              <a:t>awesome</a:t>
+            </a:r>
+            <a:r>
+              <a:rPr lang="de-DE" dirty="0" smtClean="0"/>
+              <a:t> </a:t>
+            </a:r>
+            <a:r>
+              <a:rPr lang="de-DE" dirty="0" err="1" smtClean="0"/>
+              <a:t>concurrency</a:t>
+            </a:r>
+            <a:r>
+              <a:rPr lang="de-DE" dirty="0" smtClean="0"/>
+              <a:t> </a:t>
+            </a:r>
+            <a:r>
+              <a:rPr lang="de-DE" dirty="0" err="1" smtClean="0"/>
+              <a:t>features</a:t>
+            </a:r>
+            <a:endParaRPr lang="de-DE" dirty="0" smtClean="0"/>
           </a:p>
           <a:p>
             <a:pPr lvl="1"/>
             <a:r>
-              <a:rPr lang="en-GB" dirty="0" smtClean="0"/>
-              <a:t>flow4: recover</a:t>
-            </a:r>
+              <a:rPr lang="de-DE" dirty="0" smtClean="0"/>
+              <a:t>type </a:t>
+            </a:r>
+            <a:r>
+              <a:rPr lang="de-DE" dirty="0" err="1" smtClean="0"/>
+              <a:t>inference</a:t>
+            </a:r>
+            <a:endParaRPr lang="de-DE" dirty="0" smtClean="0"/>
+          </a:p>
+          <a:p>
+            <a:pPr lvl="1"/>
+            <a:r>
+              <a:rPr lang="de-DE" dirty="0" err="1" smtClean="0"/>
+              <a:t>methods</a:t>
+            </a:r>
+            <a:r>
+              <a:rPr lang="de-DE" dirty="0" smtClean="0"/>
+              <a:t> on </a:t>
+            </a:r>
+            <a:r>
+              <a:rPr lang="de-DE" dirty="0" err="1" smtClean="0"/>
+              <a:t>types</a:t>
+            </a:r>
+            <a:r>
+              <a:rPr lang="de-DE" dirty="0"/>
+              <a:t/>
+            </a:r>
+            <a:br>
+              <a:rPr lang="de-DE" dirty="0"/>
+            </a:br>
+            <a:r>
+              <a:rPr lang="de-DE" dirty="0" smtClean="0"/>
+              <a:t>(</a:t>
+            </a:r>
+            <a:r>
+              <a:rPr lang="de-DE" dirty="0" err="1" smtClean="0"/>
+              <a:t>no</a:t>
+            </a:r>
+            <a:r>
+              <a:rPr lang="de-DE" dirty="0" smtClean="0"/>
+              <a:t> </a:t>
+            </a:r>
+            <a:r>
+              <a:rPr lang="de-DE" dirty="0" err="1" smtClean="0"/>
+              <a:t>classes</a:t>
+            </a:r>
+            <a:r>
+              <a:rPr lang="de-DE" dirty="0" smtClean="0"/>
+              <a:t>!)</a:t>
+            </a:r>
+          </a:p>
+          <a:p>
+            <a:pPr lvl="1"/>
+            <a:r>
+              <a:rPr lang="de-DE" dirty="0" err="1" smtClean="0"/>
+              <a:t>pointers</a:t>
+            </a:r>
+            <a:endParaRPr lang="de-DE" dirty="0" smtClean="0"/>
+          </a:p>
+          <a:p>
+            <a:endParaRPr lang="de-DE" dirty="0" smtClean="0"/>
+          </a:p>
+        </p:txBody>
+      </p:sp>
+      <p:sp>
+        <p:nvSpPr>
+          <p:cNvPr id="4" name="Inhaltsplatzhalter 3"/>
+          <p:cNvSpPr>
+            <a:spLocks noGrp="1"/>
+          </p:cNvSpPr>
+          <p:nvPr>
+            <p:ph sz="half" idx="2"/>
+          </p:nvPr>
+        </p:nvSpPr>
+        <p:spPr/>
+        <p:txBody>
+          <a:bodyPr>
+            <a:normAutofit fontScale="92500" lnSpcReduction="20000"/>
+          </a:bodyPr>
+          <a:lstStyle/>
+          <a:p>
+            <a:r>
+              <a:rPr lang="de-DE" dirty="0" smtClean="0"/>
+              <a:t>Simple </a:t>
+            </a:r>
+            <a:r>
+              <a:rPr lang="de-DE" dirty="0" err="1" smtClean="0"/>
+              <a:t>language</a:t>
+            </a:r>
+            <a:r>
+              <a:rPr lang="de-DE" dirty="0" smtClean="0"/>
+              <a:t> </a:t>
+            </a:r>
+            <a:r>
+              <a:rPr lang="de-DE" dirty="0" err="1" smtClean="0"/>
+              <a:t>Specification</a:t>
+            </a:r>
+            <a:endParaRPr lang="de-DE" dirty="0" smtClean="0"/>
+          </a:p>
+          <a:p>
+            <a:pPr lvl="1"/>
+            <a:r>
+              <a:rPr lang="de-DE" dirty="0" err="1" smtClean="0"/>
+              <a:t>no</a:t>
+            </a:r>
+            <a:r>
+              <a:rPr lang="de-DE" dirty="0" smtClean="0"/>
+              <a:t> type </a:t>
+            </a:r>
+            <a:r>
+              <a:rPr lang="de-DE" dirty="0" err="1" smtClean="0"/>
+              <a:t>inheritance</a:t>
+            </a:r>
+            <a:endParaRPr lang="de-DE" dirty="0" smtClean="0"/>
+          </a:p>
+          <a:p>
+            <a:pPr lvl="1"/>
+            <a:r>
+              <a:rPr lang="de-DE" dirty="0" err="1" smtClean="0"/>
+              <a:t>no</a:t>
+            </a:r>
+            <a:r>
+              <a:rPr lang="de-DE" dirty="0" smtClean="0"/>
+              <a:t> </a:t>
+            </a:r>
+            <a:r>
+              <a:rPr lang="de-DE" dirty="0" err="1" smtClean="0"/>
+              <a:t>method</a:t>
+            </a:r>
+            <a:r>
+              <a:rPr lang="de-DE" dirty="0" smtClean="0"/>
+              <a:t> </a:t>
+            </a:r>
+            <a:r>
+              <a:rPr lang="de-DE" dirty="0" err="1" smtClean="0"/>
+              <a:t>or</a:t>
+            </a:r>
+            <a:r>
+              <a:rPr lang="de-DE" dirty="0" smtClean="0"/>
+              <a:t> </a:t>
+            </a:r>
+            <a:r>
+              <a:rPr lang="de-DE" dirty="0" err="1" smtClean="0"/>
+              <a:t>operator</a:t>
+            </a:r>
+            <a:r>
+              <a:rPr lang="de-DE" dirty="0" smtClean="0"/>
+              <a:t> </a:t>
+            </a:r>
+            <a:r>
+              <a:rPr lang="de-DE" dirty="0" err="1" smtClean="0"/>
+              <a:t>overloading</a:t>
+            </a:r>
+            <a:endParaRPr lang="de-DE" dirty="0" smtClean="0"/>
+          </a:p>
+          <a:p>
+            <a:pPr lvl="1"/>
+            <a:r>
+              <a:rPr lang="de-DE" dirty="0" err="1" smtClean="0"/>
+              <a:t>no</a:t>
+            </a:r>
+            <a:r>
+              <a:rPr lang="de-DE" dirty="0" smtClean="0"/>
+              <a:t> </a:t>
+            </a:r>
+            <a:r>
+              <a:rPr lang="de-DE" dirty="0" err="1" smtClean="0"/>
+              <a:t>circular</a:t>
+            </a:r>
+            <a:r>
+              <a:rPr lang="de-DE" dirty="0" smtClean="0"/>
+              <a:t> </a:t>
+            </a:r>
+            <a:r>
+              <a:rPr lang="de-DE" dirty="0" err="1" smtClean="0"/>
+              <a:t>dependencies</a:t>
+            </a:r>
+            <a:r>
+              <a:rPr lang="de-DE" dirty="0" smtClean="0"/>
+              <a:t> </a:t>
+            </a:r>
+            <a:r>
+              <a:rPr lang="de-DE" dirty="0" err="1" smtClean="0"/>
+              <a:t>among</a:t>
+            </a:r>
+            <a:r>
+              <a:rPr lang="de-DE" dirty="0" smtClean="0"/>
+              <a:t> </a:t>
+            </a:r>
+            <a:r>
+              <a:rPr lang="de-DE" dirty="0" err="1" smtClean="0"/>
+              <a:t>packages</a:t>
+            </a:r>
+            <a:endParaRPr lang="de-DE" dirty="0" smtClean="0"/>
+          </a:p>
+          <a:p>
+            <a:pPr lvl="1"/>
+            <a:r>
+              <a:rPr lang="de-DE" dirty="0" err="1" smtClean="0"/>
+              <a:t>no</a:t>
+            </a:r>
+            <a:r>
+              <a:rPr lang="de-DE" dirty="0" smtClean="0"/>
+              <a:t> </a:t>
+            </a:r>
+            <a:r>
+              <a:rPr lang="de-DE" dirty="0" err="1" smtClean="0"/>
+              <a:t>pointer</a:t>
+            </a:r>
+            <a:r>
+              <a:rPr lang="de-DE" dirty="0" smtClean="0"/>
+              <a:t> </a:t>
+            </a:r>
+            <a:r>
+              <a:rPr lang="de-DE" dirty="0" err="1" smtClean="0"/>
+              <a:t>arithmetic</a:t>
+            </a:r>
+            <a:endParaRPr lang="de-DE" dirty="0" smtClean="0"/>
+          </a:p>
+          <a:p>
+            <a:pPr lvl="1"/>
+            <a:r>
+              <a:rPr lang="de-DE" dirty="0" err="1" smtClean="0"/>
+              <a:t>no</a:t>
+            </a:r>
+            <a:r>
+              <a:rPr lang="de-DE" dirty="0" smtClean="0"/>
+              <a:t> </a:t>
+            </a:r>
+            <a:r>
+              <a:rPr lang="de-DE" dirty="0" err="1" smtClean="0"/>
+              <a:t>assertions</a:t>
+            </a:r>
+            <a:endParaRPr lang="de-DE" dirty="0" smtClean="0"/>
+          </a:p>
+          <a:p>
+            <a:pPr lvl="1"/>
+            <a:r>
+              <a:rPr lang="de-DE" dirty="0" err="1" smtClean="0"/>
+              <a:t>no</a:t>
+            </a:r>
+            <a:r>
+              <a:rPr lang="de-DE" dirty="0" smtClean="0"/>
+              <a:t> </a:t>
+            </a:r>
+            <a:r>
+              <a:rPr lang="de-DE" dirty="0" err="1" smtClean="0"/>
+              <a:t>generic</a:t>
+            </a:r>
+            <a:r>
+              <a:rPr lang="de-DE" dirty="0" smtClean="0"/>
+              <a:t> </a:t>
+            </a:r>
+            <a:r>
+              <a:rPr lang="de-DE" dirty="0" err="1" smtClean="0"/>
+              <a:t>programming</a:t>
+            </a:r>
+            <a:endParaRPr lang="de-DE" dirty="0" smtClean="0"/>
+          </a:p>
+          <a:p>
+            <a:pPr lvl="1"/>
+            <a:r>
+              <a:rPr lang="de-DE" dirty="0" err="1" smtClean="0"/>
+              <a:t>no</a:t>
+            </a:r>
+            <a:r>
+              <a:rPr lang="de-DE" dirty="0" smtClean="0"/>
+              <a:t> </a:t>
+            </a:r>
+            <a:r>
+              <a:rPr lang="de-DE" dirty="0" err="1" smtClean="0"/>
+              <a:t>implicit</a:t>
+            </a:r>
+            <a:r>
+              <a:rPr lang="de-DE" dirty="0" smtClean="0"/>
+              <a:t> type </a:t>
+            </a:r>
+            <a:r>
+              <a:rPr lang="de-DE" dirty="0" err="1" smtClean="0"/>
+              <a:t>conversions</a:t>
+            </a:r>
+            <a:endParaRPr lang="de-DE" dirty="0" smtClean="0"/>
+          </a:p>
+          <a:p>
+            <a:pPr lvl="1"/>
+            <a:r>
+              <a:rPr lang="de-DE" dirty="0" err="1" smtClean="0"/>
+              <a:t>no</a:t>
+            </a:r>
+            <a:r>
+              <a:rPr lang="de-DE" dirty="0" smtClean="0"/>
+              <a:t> </a:t>
+            </a:r>
+            <a:r>
+              <a:rPr lang="de-DE" dirty="0" err="1" smtClean="0"/>
+              <a:t>public</a:t>
+            </a:r>
+            <a:r>
+              <a:rPr lang="de-DE" dirty="0" smtClean="0"/>
+              <a:t> / </a:t>
+            </a:r>
+            <a:r>
+              <a:rPr lang="de-DE" dirty="0" err="1" smtClean="0"/>
+              <a:t>protected</a:t>
+            </a:r>
+            <a:r>
+              <a:rPr lang="de-DE" dirty="0" smtClean="0"/>
+              <a:t> /</a:t>
+            </a:r>
+            <a:r>
+              <a:rPr lang="de-DE" dirty="0"/>
+              <a:t> </a:t>
+            </a:r>
+            <a:r>
+              <a:rPr lang="de-DE" dirty="0" smtClean="0"/>
+              <a:t>private </a:t>
+            </a:r>
+            <a:r>
+              <a:rPr lang="de-DE" i="1" dirty="0" err="1" smtClean="0"/>
+              <a:t>keywords</a:t>
+            </a:r>
+            <a:endParaRPr lang="en-GB" i="1" dirty="0"/>
           </a:p>
         </p:txBody>
       </p:sp>
     </p:spTree>
     <p:extLst>
       <p:ext uri="{BB962C8B-B14F-4D97-AF65-F5344CB8AC3E}">
-        <p14:creationId xmlns:p14="http://schemas.microsoft.com/office/powerpoint/2010/main" val="1409207099"/>
+        <p14:creationId xmlns:p14="http://schemas.microsoft.com/office/powerpoint/2010/main" val="3150543901"/>
       </p:ext>
     </p:extLst>
   </p:cSld>
@@ -3981,11 +3984,40 @@
           <a:bodyPr/>
           <a:lstStyle/>
           <a:p>
-            <a:r>
-              <a:rPr lang="de-DE" dirty="0" smtClean="0"/>
-              <a:t>2. Einführung in die Sprache</a:t>
-            </a:r>
-            <a:endParaRPr lang="en-GB" dirty="0"/>
+            <a:pPr marL="514350" indent="-514350"/>
+            <a:r>
+              <a:rPr lang="de-DE" dirty="0" smtClean="0"/>
+              <a:t>2. </a:t>
+            </a:r>
+            <a:r>
+              <a:rPr lang="de-DE" dirty="0" err="1"/>
+              <a:t>Introduction</a:t>
+            </a:r>
+            <a:r>
+              <a:rPr lang="de-DE" dirty="0"/>
+              <a:t> </a:t>
+            </a:r>
+            <a:r>
+              <a:rPr lang="de-DE" dirty="0" err="1"/>
+              <a:t>into</a:t>
+            </a:r>
+            <a:r>
+              <a:rPr lang="de-DE" dirty="0"/>
+              <a:t> </a:t>
+            </a:r>
+            <a:r>
+              <a:rPr lang="de-DE" dirty="0" err="1"/>
+              <a:t>the</a:t>
+            </a:r>
+            <a:r>
+              <a:rPr lang="de-DE" dirty="0"/>
+              <a:t> </a:t>
+            </a:r>
+            <a:r>
+              <a:rPr lang="de-DE" dirty="0" err="1"/>
+              <a:t>language</a:t>
+            </a:r>
+            <a:endParaRPr lang="de-DE" dirty="0"/>
           </a:p>
         </p:txBody>
       </p:sp>
@@ -4001,107 +4033,107 @@
         </p:nvSpPr>
         <p:spPr/>
         <p:txBody>
-          <a:bodyPr>
-            <a:normAutofit fontScale="92500" lnSpcReduction="20000"/>
-          </a:bodyPr>
+          <a:bodyPr/>
           <a:lstStyle/>
           <a:p>
             <a:r>
               <a:rPr lang="en-GB" dirty="0" err="1" smtClean="0"/>
-              <a:t>Funktionen</a:t>
-            </a:r>
-            <a:endParaRPr lang="en-GB" dirty="0"/>
-          </a:p>
-          <a:p>
-            <a:pPr lvl="1"/>
+              <a:t>Variablen</a:t>
+            </a:r>
             <a:r>
               <a:rPr lang="en-GB" dirty="0" smtClean="0"/>
-              <a:t>func1: </a:t>
-            </a:r>
-            <a:r>
-              <a:rPr lang="en-GB" dirty="0" err="1" smtClean="0"/>
-              <a:t>Deklarationstypen</a:t>
-            </a:r>
-            <a:endParaRPr lang="en-GB" dirty="0" smtClean="0"/>
-          </a:p>
-          <a:p>
-            <a:pPr lvl="1"/>
-            <a:r>
-              <a:rPr lang="en-GB" dirty="0" smtClean="0"/>
-              <a:t>func2: Functions as values</a:t>
-            </a:r>
-          </a:p>
-          <a:p>
-            <a:pPr lvl="1"/>
-            <a:r>
-              <a:rPr lang="en-GB" dirty="0" smtClean="0"/>
-              <a:t>func3: Closures</a:t>
-            </a:r>
-          </a:p>
-          <a:p>
-            <a:pPr lvl="1"/>
-            <a:endParaRPr lang="en-GB" dirty="0"/>
-          </a:p>
-          <a:p>
+              <a:t> und </a:t>
+            </a:r>
             <a:r>
               <a:rPr lang="en-GB" dirty="0" err="1" smtClean="0"/>
               <a:t>Typen</a:t>
             </a:r>
+            <a:endParaRPr lang="en-GB" dirty="0"/>
+          </a:p>
+          <a:p>
+            <a:pPr lvl="1"/>
+            <a:r>
+              <a:rPr lang="en-GB" dirty="0" smtClean="0"/>
+              <a:t>intro1: Hello, World</a:t>
+            </a:r>
+          </a:p>
+          <a:p>
+            <a:pPr lvl="1"/>
+            <a:r>
+              <a:rPr lang="en-GB" dirty="0" smtClean="0"/>
+              <a:t>intro2: </a:t>
+            </a:r>
+            <a:r>
+              <a:rPr lang="en-GB" dirty="0" err="1" smtClean="0"/>
+              <a:t>Variablen</a:t>
+            </a:r>
+            <a:r>
+              <a:rPr lang="en-GB" dirty="0" smtClean="0"/>
+              <a:t> und primitive </a:t>
+            </a:r>
+            <a:r>
+              <a:rPr lang="en-GB" dirty="0" err="1" smtClean="0"/>
+              <a:t>Typen</a:t>
+            </a:r>
+            <a:endParaRPr lang="en-GB" dirty="0"/>
+          </a:p>
+          <a:p>
+            <a:pPr lvl="1"/>
             <a:endParaRPr lang="en-GB" dirty="0" smtClean="0"/>
           </a:p>
           <a:p>
+            <a:r>
+              <a:rPr lang="en-GB" dirty="0" err="1" smtClean="0"/>
+              <a:t>Flußkontrolle</a:t>
+            </a:r>
+            <a:endParaRPr lang="en-GB" dirty="0"/>
+          </a:p>
+          <a:p>
             <a:pPr lvl="1"/>
             <a:r>
               <a:rPr lang="en-GB" dirty="0" smtClean="0"/>
-              <a:t>types1: </a:t>
-            </a:r>
-            <a:r>
-              <a:rPr lang="en-GB" dirty="0" err="1" smtClean="0"/>
-              <a:t>structs</a:t>
+              <a:t>flow1: for, switch</a:t>
+            </a:r>
+          </a:p>
+          <a:p>
+            <a:pPr lvl="1"/>
+            <a:r>
+              <a:rPr lang="en-GB" dirty="0" smtClean="0"/>
+              <a:t>flow2: defer</a:t>
+            </a:r>
+          </a:p>
+          <a:p>
+            <a:pPr lvl="1"/>
+            <a:r>
+              <a:rPr lang="en-GB" dirty="0" smtClean="0"/>
+              <a:t>flow3: panic</a:t>
+            </a:r>
+          </a:p>
+          <a:p>
+            <a:pPr lvl="1"/>
+            <a:r>
+              <a:rPr lang="en-GB" dirty="0" smtClean="0"/>
+              <a:t>flow4: </a:t>
+            </a:r>
+            <a:r>
+              <a:rPr lang="en-GB" dirty="0" smtClean="0"/>
+              <a:t>recover</a:t>
+            </a:r>
+          </a:p>
+          <a:p>
+            <a:pPr lvl="1"/>
+            <a:r>
+              <a:rPr lang="en-GB" dirty="0" smtClean="0"/>
+              <a:t>flow5: error</a:t>
             </a:r>
             <a:endParaRPr lang="en-GB" dirty="0" smtClean="0"/>
-          </a:p>
-          <a:p>
-            <a:pPr lvl="1"/>
-            <a:r>
-              <a:rPr lang="en-GB" dirty="0" smtClean="0"/>
-              <a:t>types2: slices</a:t>
-            </a:r>
-          </a:p>
-          <a:p>
-            <a:pPr lvl="1"/>
-            <a:r>
-              <a:rPr lang="en-GB" dirty="0" smtClean="0"/>
-              <a:t>types3: maps</a:t>
-            </a:r>
-          </a:p>
-          <a:p>
-            <a:pPr lvl="1"/>
-            <a:r>
-              <a:rPr lang="en-GB" dirty="0" smtClean="0"/>
-              <a:t>types4: methods for custom types</a:t>
-            </a:r>
-          </a:p>
-          <a:p>
-            <a:pPr lvl="1"/>
-            <a:r>
-              <a:rPr lang="en-GB" dirty="0" smtClean="0"/>
-              <a:t>types5: methods for existing types</a:t>
-            </a:r>
-          </a:p>
-          <a:p>
-            <a:pPr lvl="1"/>
-            <a:r>
-              <a:rPr lang="en-GB" dirty="0" smtClean="0"/>
-              <a:t>types6: interfaces</a:t>
-            </a:r>
           </a:p>
         </p:txBody>
       </p:sp>
     </p:spTree>
     <p:extLst>
       <p:ext uri="{BB962C8B-B14F-4D97-AF65-F5344CB8AC3E}">
-        <p14:creationId xmlns:p14="http://schemas.microsoft.com/office/powerpoint/2010/main" val="2903212428"/>
+        <p14:creationId xmlns:p14="http://schemas.microsoft.com/office/powerpoint/2010/main" val="1409207099"/>
       </p:ext>
     </p:extLst>
   </p:cSld>
@@ -4150,9 +4182,382 @@
           <a:bodyPr/>
           <a:lstStyle/>
           <a:p>
-            <a:r>
-              <a:rPr lang="de-DE" dirty="0" smtClean="0"/>
-              <a:t>2. Einführung in die Sprache</a:t>
+            <a:pPr marL="514350" indent="-514350"/>
+            <a:r>
+              <a:rPr lang="de-DE" dirty="0" smtClean="0"/>
+              <a:t>2. </a:t>
+            </a:r>
+            <a:r>
+              <a:rPr lang="de-DE" dirty="0" err="1"/>
+              <a:t>Introduction</a:t>
+            </a:r>
+            <a:r>
+              <a:rPr lang="de-DE" dirty="0"/>
+              <a:t> </a:t>
+            </a:r>
+            <a:r>
+              <a:rPr lang="de-DE" dirty="0" err="1"/>
+              <a:t>into</a:t>
+            </a:r>
+            <a:r>
+              <a:rPr lang="de-DE" dirty="0"/>
+              <a:t> </a:t>
+            </a:r>
+            <a:r>
+              <a:rPr lang="de-DE" dirty="0" err="1"/>
+              <a:t>the</a:t>
+            </a:r>
+            <a:r>
+              <a:rPr lang="de-DE" dirty="0"/>
+              <a:t> </a:t>
+            </a:r>
+            <a:r>
+              <a:rPr lang="de-DE" dirty="0" err="1"/>
+              <a:t>language</a:t>
+            </a:r>
+            <a:endParaRPr lang="de-DE" dirty="0"/>
+          </a:p>
+        </p:txBody>
+      </p:sp>
+      <p:sp>
+        <p:nvSpPr>
+          <p:cNvPr id="3" name="Inhaltsplatzhalter 2"/>
+          <p:cNvSpPr>
+            <a:spLocks noGrp="1"/>
+          </p:cNvSpPr>
+          <p:nvPr>
+            <p:ph idx="1"/>
+          </p:nvPr>
+        </p:nvSpPr>
+        <p:spPr/>
+        <p:txBody>
+          <a:bodyPr>
+            <a:normAutofit fontScale="92500" lnSpcReduction="20000"/>
+          </a:bodyPr>
+          <a:lstStyle/>
+          <a:p>
+            <a:r>
+              <a:rPr lang="en-GB" dirty="0" err="1" smtClean="0"/>
+              <a:t>Funktionen</a:t>
+            </a:r>
+            <a:endParaRPr lang="en-GB" dirty="0"/>
+          </a:p>
+          <a:p>
+            <a:pPr lvl="1"/>
+            <a:r>
+              <a:rPr lang="en-GB" dirty="0" smtClean="0"/>
+              <a:t>func1: </a:t>
+            </a:r>
+            <a:r>
+              <a:rPr lang="en-GB" dirty="0" err="1" smtClean="0"/>
+              <a:t>Deklarationstypen</a:t>
+            </a:r>
+            <a:endParaRPr lang="en-GB" dirty="0" smtClean="0"/>
+          </a:p>
+          <a:p>
+            <a:pPr lvl="1"/>
+            <a:r>
+              <a:rPr lang="en-GB" dirty="0" smtClean="0"/>
+              <a:t>func2: Functions as values</a:t>
+            </a:r>
+          </a:p>
+          <a:p>
+            <a:pPr lvl="1"/>
+            <a:r>
+              <a:rPr lang="en-GB" dirty="0" smtClean="0"/>
+              <a:t>func3: Closures</a:t>
+            </a:r>
+          </a:p>
+          <a:p>
+            <a:pPr lvl="1"/>
+            <a:endParaRPr lang="en-GB" dirty="0"/>
+          </a:p>
+          <a:p>
+            <a:r>
+              <a:rPr lang="en-GB" dirty="0" err="1" smtClean="0"/>
+              <a:t>Typen</a:t>
+            </a:r>
+            <a:endParaRPr lang="en-GB" dirty="0" smtClean="0"/>
+          </a:p>
+          <a:p>
+            <a:pPr lvl="1"/>
+            <a:r>
+              <a:rPr lang="en-GB" dirty="0" smtClean="0"/>
+              <a:t>types1: </a:t>
+            </a:r>
+            <a:r>
+              <a:rPr lang="en-GB" dirty="0" err="1" smtClean="0"/>
+              <a:t>structs</a:t>
+            </a:r>
+            <a:endParaRPr lang="en-GB" dirty="0" smtClean="0"/>
+          </a:p>
+          <a:p>
+            <a:pPr lvl="1"/>
+            <a:r>
+              <a:rPr lang="en-GB" dirty="0" smtClean="0"/>
+              <a:t>types2: slices</a:t>
+            </a:r>
+          </a:p>
+          <a:p>
+            <a:pPr lvl="1"/>
+            <a:r>
+              <a:rPr lang="en-GB" dirty="0" smtClean="0"/>
+              <a:t>types3: maps</a:t>
+            </a:r>
+          </a:p>
+          <a:p>
+            <a:pPr lvl="1"/>
+            <a:r>
+              <a:rPr lang="en-GB" dirty="0" smtClean="0"/>
+              <a:t>types4: methods for custom types</a:t>
+            </a:r>
+          </a:p>
+          <a:p>
+            <a:pPr lvl="1"/>
+            <a:r>
+              <a:rPr lang="en-GB" dirty="0" smtClean="0"/>
+              <a:t>types5: methods for existing types</a:t>
+            </a:r>
+          </a:p>
+          <a:p>
+            <a:pPr lvl="1"/>
+            <a:r>
+              <a:rPr lang="en-GB" dirty="0" smtClean="0"/>
+              <a:t>types6: interfaces</a:t>
+            </a:r>
+          </a:p>
+        </p:txBody>
+      </p:sp>
+    </p:spTree>
+    <p:extLst>
+      <p:ext uri="{BB962C8B-B14F-4D97-AF65-F5344CB8AC3E}">
+        <p14:creationId xmlns:p14="http://schemas.microsoft.com/office/powerpoint/2010/main" val="2903212428"/>
+      </p:ext>
+    </p:extLst>
+  </p:cSld>
+  <p:clrMapOvr>
+    <a:masterClrMapping/>
+  </p:clrMapOvr>
+  <p:timing>
+    <p:tnLst>
+      <p:par>
+        <p:cTn xmlns:p14="http://schemas.microsoft.com/office/powerpoint/2010/main" id="1" dur="indefinite" restart="never" nodeType="tmRoot"/>
+      </p:par>
+    </p:tnLst>
+  </p:timing>
+</p:sld>
+</file>
+
+<file path=ppt/slides/slide14.xml><?xml version="1.0" encoding="utf-8"?>
+<p:sld xmlns:a="http://schemas.openxmlformats.org/drawingml/2006/main" xmlns:r="http://schemas.openxmlformats.org/officeDocument/2006/relationships" xmlns:p="http://schemas.openxmlformats.org/presentationml/2006/main">
+  <p:cSld>
+    <p:spTree>
+      <p:nvGrpSpPr>
+        <p:cNvPr id="1" name=""/>
+        <p:cNvGrpSpPr/>
+        <p:nvPr/>
+      </p:nvGrpSpPr>
+      <p:grpSpPr>
+        <a:xfrm>
+          <a:off x="0" y="0"/>
+          <a:ext cx="0" cy="0"/>
+          <a:chOff x="0" y="0"/>
+          <a:chExt cx="0" cy="0"/>
+        </a:xfrm>
+      </p:grpSpPr>
+      <p:sp>
+        <p:nvSpPr>
+          <p:cNvPr id="2" name="Titel 1"/>
+          <p:cNvSpPr>
+            <a:spLocks noGrp="1"/>
+          </p:cNvSpPr>
+          <p:nvPr>
+            <p:ph type="title"/>
+          </p:nvPr>
+        </p:nvSpPr>
+        <p:spPr/>
+        <p:txBody>
+          <a:bodyPr/>
+          <a:lstStyle/>
+          <a:p>
+            <a:r>
+              <a:rPr lang="en-GB" sz="3600" dirty="0" smtClean="0"/>
+              <a:t>(Static) Duck Typing / Structural Typing</a:t>
+            </a:r>
+            <a:endParaRPr lang="en-GB" sz="3600" dirty="0"/>
+          </a:p>
+        </p:txBody>
+      </p:sp>
+      <p:sp>
+        <p:nvSpPr>
+          <p:cNvPr id="3" name="Inhaltsplatzhalter 2"/>
+          <p:cNvSpPr>
+            <a:spLocks noGrp="1"/>
+          </p:cNvSpPr>
+          <p:nvPr>
+            <p:ph idx="1"/>
+          </p:nvPr>
+        </p:nvSpPr>
+        <p:spPr/>
+        <p:txBody>
+          <a:bodyPr/>
+          <a:lstStyle/>
+          <a:p>
+            <a:pPr marL="0" indent="0">
+              <a:buNone/>
+            </a:pPr>
+            <a:r>
+              <a:rPr lang="en-GB" dirty="0" smtClean="0"/>
+              <a:t>“When </a:t>
+            </a:r>
+            <a:r>
+              <a:rPr lang="en-GB" dirty="0"/>
+              <a:t>I see a bird that walks like a duck and swims like a duck and quacks like a duck, I call that bird a </a:t>
+            </a:r>
+            <a:r>
+              <a:rPr lang="en-GB" dirty="0" smtClean="0"/>
+              <a:t>duck”</a:t>
+            </a:r>
+            <a:endParaRPr lang="en-GB" dirty="0"/>
+          </a:p>
+        </p:txBody>
+      </p:sp>
+      <p:pic>
+        <p:nvPicPr>
+          <p:cNvPr id="4" name="Bild 3" descr="duck_typing.jpg"/>
+          <p:cNvPicPr>
+            <a:picLocks noChangeAspect="1"/>
+          </p:cNvPicPr>
+          <p:nvPr/>
+        </p:nvPicPr>
+        <p:blipFill>
+          <a:blip r:embed="rId2">
+            <a:extLst>
+              <a:ext uri="{28A0092B-C50C-407E-A947-70E740481C1C}">
+                <a14:useLocalDpi xmlns:a14="http://schemas.microsoft.com/office/drawing/2010/main" val="0"/>
+              </a:ext>
+            </a:extLst>
+          </a:blip>
+          <a:stretch>
+            <a:fillRect/>
+          </a:stretch>
+        </p:blipFill>
+        <p:spPr>
+          <a:xfrm>
+            <a:off x="3939975" y="3083272"/>
+            <a:ext cx="3768650" cy="2442085"/>
+          </a:xfrm>
+          <a:prstGeom prst="rect">
+            <a:avLst/>
+          </a:prstGeom>
+        </p:spPr>
+      </p:pic>
+      <p:pic>
+        <p:nvPicPr>
+          <p:cNvPr id="5" name="Bild 4" descr="imgres.jpg"/>
+          <p:cNvPicPr>
+            <a:picLocks noChangeAspect="1"/>
+          </p:cNvPicPr>
+          <p:nvPr/>
+        </p:nvPicPr>
+        <p:blipFill>
+          <a:blip r:embed="rId3">
+            <a:extLst>
+              <a:ext uri="{28A0092B-C50C-407E-A947-70E740481C1C}">
+                <a14:useLocalDpi xmlns:a14="http://schemas.microsoft.com/office/drawing/2010/main" val="0"/>
+              </a:ext>
+            </a:extLst>
+          </a:blip>
+          <a:stretch>
+            <a:fillRect/>
+          </a:stretch>
+        </p:blipFill>
+        <p:spPr>
+          <a:xfrm>
+            <a:off x="1221852" y="3083272"/>
+            <a:ext cx="2298700" cy="2438400"/>
+          </a:xfrm>
+          <a:prstGeom prst="rect">
+            <a:avLst/>
+          </a:prstGeom>
+        </p:spPr>
+      </p:pic>
+    </p:spTree>
+    <p:extLst>
+      <p:ext uri="{BB962C8B-B14F-4D97-AF65-F5344CB8AC3E}">
+        <p14:creationId xmlns:p14="http://schemas.microsoft.com/office/powerpoint/2010/main" val="1100067405"/>
+      </p:ext>
+    </p:extLst>
+  </p:cSld>
+  <p:clrMapOvr>
+    <a:masterClrMapping/>
+  </p:clrMapOvr>
+</p:sld>
+</file>
+
+<file path=ppt/slides/slide15.xml><?xml version="1.0" encoding="utf-8"?>
+<p:sld xmlns:a="http://schemas.openxmlformats.org/drawingml/2006/main" xmlns:r="http://schemas.openxmlformats.org/officeDocument/2006/relationships" xmlns:p="http://schemas.openxmlformats.org/presentationml/2006/main">
+  <p:cSld>
+    <p:spTree>
+      <p:nvGrpSpPr>
+        <p:cNvPr id="1" name=""/>
+        <p:cNvGrpSpPr/>
+        <p:nvPr/>
+      </p:nvGrpSpPr>
+      <p:grpSpPr>
+        <a:xfrm>
+          <a:off x="0" y="0"/>
+          <a:ext cx="0" cy="0"/>
+          <a:chOff x="0" y="0"/>
+          <a:chExt cx="0" cy="0"/>
+        </a:xfrm>
+      </p:grpSpPr>
+      <p:sp>
+        <p:nvSpPr>
+          <p:cNvPr id="2" name="Titel 1"/>
+          <p:cNvSpPr>
+            <a:spLocks noGrp="1"/>
+          </p:cNvSpPr>
+          <p:nvPr>
+            <p:ph type="title"/>
+          </p:nvPr>
+        </p:nvSpPr>
+        <p:spPr/>
+        <p:txBody>
+          <a:bodyPr/>
+          <a:lstStyle/>
+          <a:p>
+            <a:r>
+              <a:rPr lang="de-DE" dirty="0" smtClean="0"/>
+              <a:t>2. </a:t>
+            </a:r>
+            <a:r>
+              <a:rPr lang="de-DE" dirty="0" err="1"/>
+              <a:t>Introduction</a:t>
+            </a:r>
+            <a:r>
+              <a:rPr lang="de-DE" dirty="0"/>
+              <a:t> </a:t>
+            </a:r>
+            <a:r>
+              <a:rPr lang="de-DE" dirty="0" err="1"/>
+              <a:t>into</a:t>
+            </a:r>
+            <a:r>
+              <a:rPr lang="de-DE" dirty="0"/>
+              <a:t> </a:t>
+            </a:r>
+            <a:r>
+              <a:rPr lang="de-DE" dirty="0" err="1"/>
+              <a:t>the</a:t>
+            </a:r>
+            <a:r>
+              <a:rPr lang="de-DE" dirty="0"/>
+              <a:t> </a:t>
+            </a:r>
+            <a:r>
+              <a:rPr lang="de-DE" dirty="0" err="1" smtClean="0"/>
+              <a:t>language</a:t>
             </a:r>
             <a:endParaRPr lang="de-DE" dirty="0"/>
           </a:p>
@@ -4228,7 +4633,7 @@
 </p:sld>
 </file>
 
-<file path=ppt/slides/slide14.xml><?xml version="1.0" encoding="utf-8"?>
+<file path=ppt/slides/slide16.xml><?xml version="1.0" encoding="utf-8"?>
 <p:sld xmlns:a="http://schemas.openxmlformats.org/drawingml/2006/main" xmlns:r="http://schemas.openxmlformats.org/officeDocument/2006/relationships" xmlns:p="http://schemas.openxmlformats.org/presentationml/2006/main">
   <p:cSld>
     <p:spTree>
@@ -4405,345 +4810,6 @@
 </p:sld>
 </file>
 
-<file path=ppt/slides/slide15.xml><?xml version="1.0" encoding="utf-8"?>
-<p:sld xmlns:a="http://schemas.openxmlformats.org/drawingml/2006/main" xmlns:r="http://schemas.openxmlformats.org/officeDocument/2006/relationships" xmlns:p="http://schemas.openxmlformats.org/presentationml/2006/main">
-  <p:cSld>
-    <p:spTree>
-      <p:nvGrpSpPr>
-        <p:cNvPr id="1" name=""/>
-        <p:cNvGrpSpPr/>
-        <p:nvPr/>
-      </p:nvGrpSpPr>
-      <p:grpSpPr>
-        <a:xfrm>
-          <a:off x="0" y="0"/>
-          <a:ext cx="0" cy="0"/>
-          <a:chOff x="0" y="0"/>
-          <a:chExt cx="0" cy="0"/>
-        </a:xfrm>
-      </p:grpSpPr>
-      <p:sp>
-        <p:nvSpPr>
-          <p:cNvPr id="2" name="Titel 1"/>
-          <p:cNvSpPr>
-            <a:spLocks noGrp="1"/>
-          </p:cNvSpPr>
-          <p:nvPr>
-            <p:ph type="title"/>
-          </p:nvPr>
-        </p:nvSpPr>
-        <p:spPr/>
-        <p:txBody>
-          <a:bodyPr/>
-          <a:lstStyle/>
-          <a:p>
-            <a:r>
-              <a:rPr lang="en-GB" dirty="0" smtClean="0"/>
-              <a:t>3. </a:t>
-            </a:r>
-            <a:r>
-              <a:rPr lang="en-GB" dirty="0" err="1" smtClean="0"/>
-              <a:t>Goroutines</a:t>
-            </a:r>
-            <a:r>
-              <a:rPr lang="en-GB" dirty="0" smtClean="0"/>
-              <a:t> and Channels</a:t>
-            </a:r>
-            <a:endParaRPr lang="en-GB" dirty="0"/>
-          </a:p>
-        </p:txBody>
-      </p:sp>
-      <p:sp>
-        <p:nvSpPr>
-          <p:cNvPr id="3" name="Inhaltsplatzhalter 2"/>
-          <p:cNvSpPr>
-            <a:spLocks noGrp="1"/>
-          </p:cNvSpPr>
-          <p:nvPr>
-            <p:ph idx="1"/>
-          </p:nvPr>
-        </p:nvSpPr>
-        <p:spPr/>
-        <p:txBody>
-          <a:bodyPr>
-            <a:normAutofit fontScale="92500" lnSpcReduction="10000"/>
-          </a:bodyPr>
-          <a:lstStyle/>
-          <a:p>
-            <a:r>
-              <a:rPr lang="de-DE" dirty="0" err="1" smtClean="0"/>
-              <a:t>Concurrency</a:t>
-            </a:r>
-            <a:r>
-              <a:rPr lang="de-DE" dirty="0" smtClean="0"/>
-              <a:t> primitives in Go</a:t>
-            </a:r>
-          </a:p>
-          <a:p>
-            <a:pPr lvl="1"/>
-            <a:r>
-              <a:rPr lang="de-DE" dirty="0" err="1" smtClean="0"/>
-              <a:t>Concurrent</a:t>
-            </a:r>
-            <a:r>
-              <a:rPr lang="de-DE" dirty="0" smtClean="0"/>
-              <a:t> </a:t>
-            </a:r>
-            <a:r>
-              <a:rPr lang="de-DE" dirty="0" err="1" smtClean="0"/>
-              <a:t>execution</a:t>
-            </a:r>
-            <a:r>
-              <a:rPr lang="de-DE" dirty="0" smtClean="0"/>
-              <a:t> (</a:t>
-            </a:r>
-            <a:r>
-              <a:rPr lang="de-DE" dirty="0" err="1" smtClean="0"/>
-              <a:t>goroutines</a:t>
-            </a:r>
-            <a:r>
-              <a:rPr lang="de-DE" dirty="0" smtClean="0"/>
-              <a:t>)</a:t>
-            </a:r>
-          </a:p>
-          <a:p>
-            <a:pPr lvl="1"/>
-            <a:r>
-              <a:rPr lang="de-DE" dirty="0" smtClean="0"/>
-              <a:t>Synchronisation </a:t>
-            </a:r>
-            <a:r>
-              <a:rPr lang="de-DE" dirty="0" err="1" smtClean="0"/>
-              <a:t>and</a:t>
-            </a:r>
-            <a:r>
-              <a:rPr lang="de-DE" dirty="0" smtClean="0"/>
-              <a:t> </a:t>
-            </a:r>
-            <a:r>
-              <a:rPr lang="de-DE" dirty="0" err="1" smtClean="0"/>
-              <a:t>messages</a:t>
-            </a:r>
-            <a:r>
-              <a:rPr lang="de-DE" dirty="0" smtClean="0"/>
-              <a:t> (</a:t>
-            </a:r>
-            <a:r>
-              <a:rPr lang="de-DE" dirty="0" err="1" smtClean="0"/>
-              <a:t>channels</a:t>
-            </a:r>
-            <a:r>
-              <a:rPr lang="de-DE" dirty="0" smtClean="0"/>
-              <a:t>)</a:t>
-            </a:r>
-          </a:p>
-          <a:p>
-            <a:pPr lvl="1"/>
-            <a:r>
-              <a:rPr lang="de-DE" dirty="0" smtClean="0"/>
-              <a:t>Multi-</a:t>
-            </a:r>
-            <a:r>
-              <a:rPr lang="de-DE" dirty="0" err="1" smtClean="0"/>
-              <a:t>way</a:t>
-            </a:r>
-            <a:r>
-              <a:rPr lang="de-DE" dirty="0" smtClean="0"/>
-              <a:t> </a:t>
-            </a:r>
-            <a:r>
-              <a:rPr lang="de-DE" dirty="0" err="1" smtClean="0"/>
-              <a:t>concurrent</a:t>
-            </a:r>
-            <a:r>
-              <a:rPr lang="de-DE" dirty="0" smtClean="0"/>
-              <a:t> </a:t>
-            </a:r>
-            <a:r>
-              <a:rPr lang="de-DE" dirty="0" err="1" smtClean="0"/>
-              <a:t>control</a:t>
-            </a:r>
-            <a:r>
-              <a:rPr lang="de-DE" dirty="0" smtClean="0"/>
-              <a:t> (</a:t>
-            </a:r>
-            <a:r>
-              <a:rPr lang="de-DE" dirty="0" err="1" smtClean="0"/>
-              <a:t>select</a:t>
-            </a:r>
-            <a:r>
-              <a:rPr lang="de-DE" dirty="0" smtClean="0"/>
-              <a:t>)</a:t>
-            </a:r>
-            <a:endParaRPr lang="de-DE" dirty="0" smtClean="0">
-              <a:hlinkClick r:id="rId2"/>
-            </a:endParaRPr>
-          </a:p>
-          <a:p>
-            <a:endParaRPr lang="en-GB" dirty="0" smtClean="0"/>
-          </a:p>
-          <a:p>
-            <a:r>
-              <a:rPr lang="en-GB" dirty="0" smtClean="0"/>
-              <a:t>Code</a:t>
-            </a:r>
-          </a:p>
-          <a:p>
-            <a:pPr lvl="1"/>
-            <a:r>
-              <a:rPr lang="en-GB" dirty="0" smtClean="0"/>
-              <a:t>goroutines1: synchronous channel communication</a:t>
-            </a:r>
-          </a:p>
-          <a:p>
-            <a:pPr lvl="1"/>
-            <a:r>
-              <a:rPr lang="en-GB" dirty="0" smtClean="0"/>
-              <a:t>goroutines2: sync. + flag channel</a:t>
-            </a:r>
-          </a:p>
-          <a:p>
-            <a:pPr lvl="1"/>
-            <a:r>
-              <a:rPr lang="en-GB" dirty="0" smtClean="0"/>
-              <a:t>goroutines3: buffered channels</a:t>
-            </a:r>
-          </a:p>
-          <a:p>
-            <a:pPr lvl="1"/>
-            <a:r>
-              <a:rPr lang="en-GB" dirty="0" smtClean="0"/>
-              <a:t>goroutines4: timeout concurrent operations</a:t>
-            </a:r>
-          </a:p>
-          <a:p>
-            <a:pPr lvl="1"/>
-            <a:r>
-              <a:rPr lang="en-GB" dirty="0" smtClean="0"/>
-              <a:t>goroutines5: query replicated service</a:t>
-            </a:r>
-            <a:endParaRPr lang="en-GB" dirty="0"/>
-          </a:p>
-        </p:txBody>
-      </p:sp>
-    </p:spTree>
-    <p:extLst>
-      <p:ext uri="{BB962C8B-B14F-4D97-AF65-F5344CB8AC3E}">
-        <p14:creationId xmlns:p14="http://schemas.microsoft.com/office/powerpoint/2010/main" val="1290651671"/>
-      </p:ext>
-    </p:extLst>
-  </p:cSld>
-  <p:clrMapOvr>
-    <a:masterClrMapping/>
-  </p:clrMapOvr>
-</p:sld>
-</file>
-
-<file path=ppt/slides/slide16.xml><?xml version="1.0" encoding="utf-8"?>
-<p:sld xmlns:a="http://schemas.openxmlformats.org/drawingml/2006/main" xmlns:r="http://schemas.openxmlformats.org/officeDocument/2006/relationships" xmlns:p="http://schemas.openxmlformats.org/presentationml/2006/main">
-  <p:cSld>
-    <p:spTree>
-      <p:nvGrpSpPr>
-        <p:cNvPr id="1" name=""/>
-        <p:cNvGrpSpPr/>
-        <p:nvPr/>
-      </p:nvGrpSpPr>
-      <p:grpSpPr>
-        <a:xfrm>
-          <a:off x="0" y="0"/>
-          <a:ext cx="0" cy="0"/>
-          <a:chOff x="0" y="0"/>
-          <a:chExt cx="0" cy="0"/>
-        </a:xfrm>
-      </p:grpSpPr>
-      <p:sp>
-        <p:nvSpPr>
-          <p:cNvPr id="2" name="Titel 1"/>
-          <p:cNvSpPr>
-            <a:spLocks noGrp="1"/>
-          </p:cNvSpPr>
-          <p:nvPr>
-            <p:ph type="title"/>
-          </p:nvPr>
-        </p:nvSpPr>
-        <p:spPr/>
-        <p:txBody>
-          <a:bodyPr/>
-          <a:lstStyle/>
-          <a:p>
-            <a:r>
-              <a:rPr lang="en-GB" dirty="0" smtClean="0"/>
-              <a:t>3. </a:t>
-            </a:r>
-            <a:r>
-              <a:rPr lang="en-GB" dirty="0" err="1" smtClean="0"/>
-              <a:t>Goroutines</a:t>
-            </a:r>
-            <a:r>
-              <a:rPr lang="en-GB" dirty="0" smtClean="0"/>
-              <a:t> and Channels</a:t>
-            </a:r>
-            <a:endParaRPr lang="en-GB" dirty="0"/>
-          </a:p>
-        </p:txBody>
-      </p:sp>
-      <p:sp>
-        <p:nvSpPr>
-          <p:cNvPr id="3" name="Inhaltsplatzhalter 2"/>
-          <p:cNvSpPr>
-            <a:spLocks noGrp="1"/>
-          </p:cNvSpPr>
-          <p:nvPr>
-            <p:ph idx="1"/>
-          </p:nvPr>
-        </p:nvSpPr>
-        <p:spPr/>
-        <p:txBody>
-          <a:bodyPr/>
-          <a:lstStyle/>
-          <a:p>
-            <a:r>
-              <a:rPr lang="en-GB" dirty="0" smtClean="0"/>
-              <a:t>Most APIs are blocking, sequential code</a:t>
-            </a:r>
-            <a:endParaRPr lang="en-GB" dirty="0"/>
-          </a:p>
-          <a:p>
-            <a:r>
-              <a:rPr lang="en-GB" dirty="0" smtClean="0"/>
-              <a:t>The </a:t>
-            </a:r>
-            <a:r>
-              <a:rPr lang="en-GB" i="1" dirty="0" smtClean="0"/>
-              <a:t>go</a:t>
-            </a:r>
-            <a:r>
-              <a:rPr lang="en-GB" dirty="0" smtClean="0"/>
-              <a:t> keyword makes it easy to execute concurrently</a:t>
-            </a:r>
-          </a:p>
-          <a:p>
-            <a:r>
-              <a:rPr lang="en-GB" dirty="0" smtClean="0"/>
-              <a:t>Synchronisation is the harder part</a:t>
-            </a:r>
-            <a:endParaRPr lang="en-GB" dirty="0"/>
-          </a:p>
-        </p:txBody>
-      </p:sp>
-    </p:spTree>
-    <p:extLst>
-      <p:ext uri="{BB962C8B-B14F-4D97-AF65-F5344CB8AC3E}">
-        <p14:creationId xmlns:p14="http://schemas.microsoft.com/office/powerpoint/2010/main" val="533033733"/>
-      </p:ext>
-    </p:extLst>
-  </p:cSld>
-  <p:clrMapOvr>
-    <a:masterClrMapping/>
-  </p:clrMapOvr>
-</p:sld>
-</file>
-
 <file path=ppt/slides/slide17.xml><?xml version="1.0" encoding="utf-8"?>
 <p:sld xmlns:a="http://schemas.openxmlformats.org/drawingml/2006/main" xmlns:r="http://schemas.openxmlformats.org/officeDocument/2006/relationships" xmlns:p="http://schemas.openxmlformats.org/presentationml/2006/main">
   <p:cSld>
@@ -4777,22 +4843,10 @@
           <a:lstStyle/>
           <a:p>
             <a:r>
-              <a:rPr lang="de-DE" dirty="0" smtClean="0"/>
-              <a:t>3. </a:t>
-            </a:r>
-            <a:r>
-              <a:rPr lang="de-DE" dirty="0" err="1" smtClean="0"/>
-              <a:t>Concurrency</a:t>
-            </a:r>
-            <a:r>
-              <a:rPr lang="de-DE" dirty="0" smtClean="0"/>
-              <a:t> vs. </a:t>
-            </a:r>
-            <a:r>
-              <a:rPr lang="de-DE" dirty="0" err="1" smtClean="0"/>
-              <a:t>Parallelism</a:t>
-            </a:r>
-            <a:endParaRPr lang="de-DE" dirty="0"/>
+              <a:rPr lang="en-US" smtClean="0"/>
+              <a:t>3. Concurrency vs. Parallelism</a:t>
+            </a:r>
+            <a:endParaRPr lang="en-US"/>
           </a:p>
         </p:txBody>
       </p:sp>
@@ -4814,102 +4868,18 @@
           <a:lstStyle/>
           <a:p>
             <a:r>
-              <a:rPr lang="de-DE" dirty="0" err="1" smtClean="0"/>
-              <a:t>Concurrency</a:t>
-            </a:r>
-            <a:r>
-              <a:rPr lang="de-DE" dirty="0" smtClean="0"/>
-              <a:t>: „</a:t>
-            </a:r>
-            <a:r>
-              <a:rPr lang="de-DE" dirty="0" err="1" smtClean="0"/>
-              <a:t>Programming</a:t>
-            </a:r>
-            <a:r>
-              <a:rPr lang="de-DE" dirty="0" smtClean="0"/>
-              <a:t> </a:t>
-            </a:r>
-            <a:r>
-              <a:rPr lang="de-DE" dirty="0" err="1" smtClean="0"/>
-              <a:t>as</a:t>
-            </a:r>
-            <a:r>
-              <a:rPr lang="de-DE" dirty="0" smtClean="0"/>
-              <a:t> </a:t>
-            </a:r>
-            <a:r>
-              <a:rPr lang="de-DE" dirty="0" err="1" smtClean="0"/>
-              <a:t>the</a:t>
-            </a:r>
-            <a:r>
-              <a:rPr lang="de-DE" dirty="0" smtClean="0"/>
-              <a:t> </a:t>
-            </a:r>
-            <a:r>
-              <a:rPr lang="de-DE" dirty="0" err="1" smtClean="0"/>
-              <a:t>composition</a:t>
-            </a:r>
-            <a:r>
-              <a:rPr lang="de-DE" dirty="0" smtClean="0"/>
-              <a:t> </a:t>
-            </a:r>
-            <a:r>
-              <a:rPr lang="de-DE" dirty="0" err="1" smtClean="0"/>
-              <a:t>of</a:t>
-            </a:r>
-            <a:r>
-              <a:rPr lang="de-DE" dirty="0" smtClean="0"/>
-              <a:t> </a:t>
-            </a:r>
-            <a:r>
-              <a:rPr lang="de-DE" dirty="0" err="1" smtClean="0"/>
-              <a:t>independently</a:t>
-            </a:r>
-            <a:r>
-              <a:rPr lang="de-DE" dirty="0" smtClean="0"/>
-              <a:t> </a:t>
-            </a:r>
-            <a:r>
-              <a:rPr lang="de-DE" dirty="0" err="1" smtClean="0"/>
-              <a:t>executing</a:t>
-            </a:r>
-            <a:r>
-              <a:rPr lang="de-DE" dirty="0" smtClean="0"/>
-              <a:t> </a:t>
-            </a:r>
-            <a:r>
-              <a:rPr lang="de-DE" dirty="0" err="1" smtClean="0"/>
-              <a:t>processes</a:t>
-            </a:r>
-            <a:r>
-              <a:rPr lang="de-DE" dirty="0" smtClean="0"/>
-              <a:t>“</a:t>
-            </a:r>
-            <a:r>
-              <a:rPr lang="de-DE" sz="1900" dirty="0" smtClean="0">
+              <a:rPr lang="en-US" dirty="0" smtClean="0"/>
+              <a:t>Concurrency: „Programming as the composition of independently executing processes“</a:t>
+            </a:r>
+            <a:r>
+              <a:rPr lang="en-US" sz="1900" dirty="0" smtClean="0">
                 <a:solidFill>
                   <a:srgbClr val="BFBFBF"/>
                 </a:solidFill>
               </a:rPr>
-              <a:t> (!= OS </a:t>
-            </a:r>
-            <a:r>
-              <a:rPr lang="de-DE" sz="1900" dirty="0" err="1" smtClean="0">
-                <a:solidFill>
-                  <a:srgbClr val="BFBFBF"/>
-                </a:solidFill>
-              </a:rPr>
-              <a:t>process</a:t>
-            </a:r>
-            <a:r>
-              <a:rPr lang="de-DE" sz="1900" dirty="0" smtClean="0">
-                <a:solidFill>
-                  <a:srgbClr val="BFBFBF"/>
-                </a:solidFill>
-              </a:rPr>
-              <a:t>)</a:t>
-            </a:r>
-            <a:endParaRPr lang="de-DE" dirty="0" smtClean="0">
+              <a:t> (!= OS process)</a:t>
+            </a:r>
+            <a:endParaRPr lang="en-US" dirty="0" smtClean="0">
               <a:solidFill>
                 <a:srgbClr val="BFBFBF"/>
               </a:solidFill>
@@ -4917,276 +4887,32 @@
           </a:p>
           <a:p>
             <a:pPr lvl="1"/>
-            <a:endParaRPr lang="de-DE" dirty="0" smtClean="0"/>
-          </a:p>
-          <a:p>
-            <a:r>
-              <a:rPr lang="de-DE" dirty="0" err="1" smtClean="0"/>
-              <a:t>Parallelism</a:t>
-            </a:r>
-            <a:r>
-              <a:rPr lang="de-DE" dirty="0" smtClean="0"/>
-              <a:t>: „</a:t>
-            </a:r>
-            <a:r>
-              <a:rPr lang="de-DE" dirty="0" err="1" smtClean="0"/>
-              <a:t>Programming</a:t>
-            </a:r>
-            <a:r>
-              <a:rPr lang="de-DE" dirty="0" smtClean="0"/>
-              <a:t> </a:t>
-            </a:r>
-            <a:r>
-              <a:rPr lang="de-DE" dirty="0" err="1" smtClean="0"/>
-              <a:t>as</a:t>
-            </a:r>
-            <a:r>
-              <a:rPr lang="de-DE" dirty="0" smtClean="0"/>
-              <a:t> </a:t>
-            </a:r>
-            <a:r>
-              <a:rPr lang="de-DE" dirty="0" err="1" smtClean="0"/>
-              <a:t>simultaneous</a:t>
-            </a:r>
-            <a:r>
-              <a:rPr lang="de-DE" dirty="0" smtClean="0"/>
-              <a:t> </a:t>
-            </a:r>
-            <a:r>
-              <a:rPr lang="de-DE" dirty="0" err="1" smtClean="0"/>
-              <a:t>execution</a:t>
-            </a:r>
-            <a:r>
-              <a:rPr lang="de-DE" dirty="0" smtClean="0"/>
-              <a:t> </a:t>
-            </a:r>
-            <a:r>
-              <a:rPr lang="de-DE" dirty="0" err="1" smtClean="0"/>
-              <a:t>of</a:t>
-            </a:r>
-            <a:r>
-              <a:rPr lang="de-DE" dirty="0" smtClean="0"/>
-              <a:t> (</a:t>
-            </a:r>
-            <a:r>
-              <a:rPr lang="de-DE" dirty="0" err="1" smtClean="0"/>
-              <a:t>possibly</a:t>
-            </a:r>
-            <a:r>
-              <a:rPr lang="de-DE" dirty="0" smtClean="0"/>
-              <a:t>) </a:t>
-            </a:r>
-            <a:r>
-              <a:rPr lang="de-DE" dirty="0" err="1" smtClean="0"/>
-              <a:t>related</a:t>
-            </a:r>
-            <a:r>
-              <a:rPr lang="de-DE" dirty="0" smtClean="0"/>
-              <a:t> </a:t>
-            </a:r>
-            <a:r>
-              <a:rPr lang="de-DE" dirty="0" err="1" smtClean="0"/>
-              <a:t>computations</a:t>
-            </a:r>
-            <a:r>
-              <a:rPr lang="de-DE" dirty="0" smtClean="0"/>
-              <a:t>“</a:t>
+            <a:endParaRPr lang="en-US" dirty="0" smtClean="0"/>
+          </a:p>
+          <a:p>
+            <a:r>
+              <a:rPr lang="en-US" dirty="0" smtClean="0"/>
+              <a:t>Parallelism: „Programming as simultaneous execution of (possibly) related computations“</a:t>
             </a:r>
             <a:br>
-              <a:rPr lang="de-DE" dirty="0" smtClean="0"/>
+              <a:rPr lang="en-US" dirty="0" smtClean="0"/>
             </a:br>
-            <a:endParaRPr lang="de-DE" dirty="0" smtClean="0"/>
-          </a:p>
-          <a:p>
-            <a:r>
-              <a:rPr lang="de-DE" dirty="0" smtClean="0"/>
-              <a:t>„</a:t>
-            </a:r>
-            <a:r>
-              <a:rPr lang="de-DE" dirty="0" err="1" smtClean="0"/>
-              <a:t>Concurrency</a:t>
-            </a:r>
-            <a:r>
-              <a:rPr lang="de-DE" dirty="0" smtClean="0"/>
-              <a:t> </a:t>
-            </a:r>
-            <a:r>
-              <a:rPr lang="de-DE" dirty="0" err="1" smtClean="0"/>
-              <a:t>provides</a:t>
-            </a:r>
-            <a:r>
-              <a:rPr lang="de-DE" dirty="0" smtClean="0"/>
-              <a:t> a </a:t>
-            </a:r>
-            <a:r>
-              <a:rPr lang="de-DE" dirty="0" err="1" smtClean="0"/>
-              <a:t>way</a:t>
-            </a:r>
-            <a:r>
-              <a:rPr lang="de-DE" dirty="0" smtClean="0"/>
-              <a:t> </a:t>
-            </a:r>
-            <a:r>
-              <a:rPr lang="de-DE" dirty="0" err="1" smtClean="0"/>
-              <a:t>to</a:t>
-            </a:r>
-            <a:r>
-              <a:rPr lang="de-DE" dirty="0" smtClean="0"/>
-              <a:t> </a:t>
-            </a:r>
-            <a:r>
-              <a:rPr lang="de-DE" dirty="0" err="1" smtClean="0"/>
-              <a:t>structure</a:t>
-            </a:r>
-            <a:r>
-              <a:rPr lang="de-DE" dirty="0" smtClean="0"/>
-              <a:t> a </a:t>
-            </a:r>
-            <a:r>
-              <a:rPr lang="de-DE" dirty="0" err="1" smtClean="0"/>
-              <a:t>solution</a:t>
-            </a:r>
-            <a:r>
-              <a:rPr lang="de-DE" dirty="0" smtClean="0"/>
-              <a:t> </a:t>
-            </a:r>
-            <a:r>
-              <a:rPr lang="de-DE" dirty="0" err="1" smtClean="0"/>
-              <a:t>to</a:t>
-            </a:r>
-            <a:r>
-              <a:rPr lang="de-DE" dirty="0" smtClean="0"/>
-              <a:t> </a:t>
-            </a:r>
-            <a:r>
-              <a:rPr lang="de-DE" dirty="0" err="1" smtClean="0"/>
-              <a:t>solve</a:t>
-            </a:r>
-            <a:r>
-              <a:rPr lang="de-DE" dirty="0" smtClean="0"/>
-              <a:t> a </a:t>
-            </a:r>
-            <a:r>
-              <a:rPr lang="de-DE" dirty="0" err="1" smtClean="0"/>
-              <a:t>problem</a:t>
-            </a:r>
-            <a:r>
-              <a:rPr lang="de-DE" dirty="0" smtClean="0"/>
-              <a:t> </a:t>
-            </a:r>
-            <a:r>
-              <a:rPr lang="de-DE" dirty="0" err="1" smtClean="0"/>
-              <a:t>that</a:t>
-            </a:r>
-            <a:r>
-              <a:rPr lang="de-DE" dirty="0" smtClean="0"/>
-              <a:t> </a:t>
-            </a:r>
-            <a:r>
-              <a:rPr lang="de-DE" dirty="0" err="1" smtClean="0"/>
-              <a:t>may</a:t>
-            </a:r>
-            <a:r>
-              <a:rPr lang="de-DE" dirty="0" smtClean="0"/>
-              <a:t> (but not </a:t>
-            </a:r>
-            <a:r>
-              <a:rPr lang="de-DE" dirty="0" err="1" smtClean="0"/>
-              <a:t>necessarily</a:t>
-            </a:r>
-            <a:r>
-              <a:rPr lang="de-DE" dirty="0" smtClean="0"/>
-              <a:t>) </a:t>
-            </a:r>
-            <a:r>
-              <a:rPr lang="de-DE" dirty="0" err="1" smtClean="0"/>
-              <a:t>be</a:t>
-            </a:r>
-            <a:r>
-              <a:rPr lang="de-DE" dirty="0" smtClean="0"/>
-              <a:t> </a:t>
-            </a:r>
-            <a:r>
-              <a:rPr lang="de-DE" dirty="0" err="1" smtClean="0"/>
-              <a:t>parallelizable</a:t>
-            </a:r>
-            <a:r>
-              <a:rPr lang="de-DE" dirty="0" smtClean="0"/>
-              <a:t>“</a:t>
-            </a:r>
-          </a:p>
-          <a:p>
-            <a:r>
-              <a:rPr lang="de-DE" dirty="0" smtClean="0"/>
-              <a:t>„</a:t>
-            </a:r>
-            <a:r>
-              <a:rPr lang="de-DE" dirty="0" err="1" smtClean="0"/>
-              <a:t>Concurrency</a:t>
-            </a:r>
-            <a:r>
-              <a:rPr lang="de-DE" dirty="0" smtClean="0"/>
-              <a:t> </a:t>
-            </a:r>
-            <a:r>
-              <a:rPr lang="de-DE" dirty="0" err="1" smtClean="0"/>
-              <a:t>is</a:t>
-            </a:r>
-            <a:r>
-              <a:rPr lang="de-DE" dirty="0" smtClean="0"/>
-              <a:t> </a:t>
-            </a:r>
-            <a:r>
-              <a:rPr lang="de-DE" dirty="0" err="1" smtClean="0"/>
-              <a:t>about</a:t>
-            </a:r>
-            <a:r>
-              <a:rPr lang="de-DE" dirty="0" smtClean="0"/>
-              <a:t> </a:t>
-            </a:r>
-            <a:r>
-              <a:rPr lang="de-DE" dirty="0" err="1" smtClean="0"/>
-              <a:t>structure</a:t>
-            </a:r>
-            <a:r>
-              <a:rPr lang="de-DE" dirty="0" smtClean="0"/>
-              <a:t>, </a:t>
-            </a:r>
-            <a:r>
-              <a:rPr lang="de-DE" dirty="0" err="1" smtClean="0"/>
-              <a:t>parallelism</a:t>
-            </a:r>
-            <a:r>
-              <a:rPr lang="de-DE" dirty="0" smtClean="0"/>
-              <a:t> </a:t>
-            </a:r>
-            <a:r>
-              <a:rPr lang="de-DE" dirty="0" err="1" smtClean="0"/>
-              <a:t>is</a:t>
-            </a:r>
-            <a:r>
-              <a:rPr lang="de-DE" dirty="0" smtClean="0"/>
-              <a:t> </a:t>
-            </a:r>
-            <a:r>
-              <a:rPr lang="de-DE" dirty="0" err="1" smtClean="0"/>
-              <a:t>about</a:t>
-            </a:r>
-            <a:r>
-              <a:rPr lang="de-DE" dirty="0" smtClean="0"/>
-              <a:t> </a:t>
-            </a:r>
-            <a:r>
-              <a:rPr lang="de-DE" dirty="0" err="1" smtClean="0"/>
-              <a:t>execution</a:t>
-            </a:r>
-            <a:r>
-              <a:rPr lang="de-DE" dirty="0" smtClean="0"/>
-              <a:t>“</a:t>
-            </a:r>
-          </a:p>
-          <a:p>
-            <a:endParaRPr lang="de-DE" dirty="0" smtClean="0"/>
+            <a:endParaRPr lang="en-US" dirty="0" smtClean="0"/>
+          </a:p>
+          <a:p>
+            <a:r>
+              <a:rPr lang="en-US" dirty="0" smtClean="0"/>
+              <a:t>„Concurrency provides a way to structure a solution to solve a problem that may (but not necessarily) be parallelizable“</a:t>
+            </a:r>
+          </a:p>
+          <a:p>
+            <a:r>
+              <a:rPr lang="en-US" dirty="0" smtClean="0"/>
+              <a:t>„Concurrency is about structure, parallelism is about execution“</a:t>
+            </a:r>
+          </a:p>
+          <a:p>
+            <a:endParaRPr lang="en-US" dirty="0" smtClean="0"/>
           </a:p>
           <a:p>
             <a:pPr marL="342900" lvl="1" indent="-342900">
@@ -5194,22 +4920,22 @@
               <a:buChar char="•"/>
             </a:pPr>
             <a:r>
-              <a:rPr lang="de-DE" dirty="0" smtClean="0">
+              <a:rPr lang="en-US" dirty="0" smtClean="0">
                 <a:hlinkClick r:id="rId2"/>
               </a:rPr>
-              <a:t>https://talks.golang.org/2012/waza.slide#8</a:t>
-            </a:r>
-            <a:endParaRPr lang="de-DE" dirty="0" smtClean="0"/>
-          </a:p>
-          <a:p>
-            <a:endParaRPr lang="de-DE" dirty="0"/>
+              <a:t>Source: https://talks.golang.org/2012/waza.slide#8</a:t>
+            </a:r>
+            <a:endParaRPr lang="en-US" dirty="0" smtClean="0"/>
+          </a:p>
+          <a:p>
+            <a:endParaRPr lang="en-US" dirty="0"/>
           </a:p>
         </p:txBody>
       </p:sp>
     </p:spTree>
     <p:extLst>
       <p:ext uri="{BB962C8B-B14F-4D97-AF65-F5344CB8AC3E}">
-        <p14:creationId xmlns:p14="http://schemas.microsoft.com/office/powerpoint/2010/main" val="1859137257"/>
+        <p14:creationId xmlns:p14="http://schemas.microsoft.com/office/powerpoint/2010/main" val="1410706500"/>
       </p:ext>
     </p:extLst>
   </p:cSld>
@@ -5308,12 +5034,23 @@
           </a:p>
           <a:p>
             <a:r>
+              <a:rPr lang="en-GB" dirty="0" smtClean="0"/>
+              <a:t>Go approach based on C.A.R. </a:t>
+            </a:r>
+            <a:r>
               <a:rPr lang="en-GB" dirty="0" err="1" smtClean="0"/>
-              <a:t>Basiert</a:t>
+              <a:t>Hoares</a:t>
             </a:r>
             <a:r>
               <a:rPr lang="en-GB" dirty="0" smtClean="0"/>
-              <a:t> auf “Communication Sequential Processes” (CSP, 1978) von C.A.R Hoare</a:t>
+              <a:t> “Communicating Sequential Processes”</a:t>
+            </a:r>
+            <a:br>
+              <a:rPr lang="en-GB" dirty="0" smtClean="0"/>
+            </a:br>
+            <a:r>
+              <a:rPr lang="en-GB" dirty="0" smtClean="0"/>
+              <a:t>(CSP, 1978)</a:t>
             </a:r>
             <a:endParaRPr lang="en-GB" dirty="0"/>
           </a:p>
@@ -5322,7 +5059,7 @@
     </p:spTree>
     <p:extLst>
       <p:ext uri="{BB962C8B-B14F-4D97-AF65-F5344CB8AC3E}">
-        <p14:creationId xmlns:p14="http://schemas.microsoft.com/office/powerpoint/2010/main" val="2140307500"/>
+        <p14:creationId xmlns:p14="http://schemas.microsoft.com/office/powerpoint/2010/main" val="787910817"/>
       </p:ext>
     </p:extLst>
   </p:cSld>
@@ -5520,10 +5257,43 @@
           </a:p>
         </p:txBody>
       </p:sp>
+      <p:cxnSp>
+        <p:nvCxnSpPr>
+          <p:cNvPr id="4" name="Gerade Verbindung mit Pfeil 3"/>
+          <p:cNvCxnSpPr/>
+          <p:nvPr/>
+        </p:nvCxnSpPr>
+        <p:spPr>
+          <a:xfrm>
+            <a:off x="4604718" y="3218740"/>
+            <a:ext cx="0" cy="736820"/>
+          </a:xfrm>
+          <a:prstGeom prst="straightConnector1">
+            <a:avLst/>
+          </a:prstGeom>
+          <a:ln>
+            <a:tailEnd type="arrow"/>
+          </a:ln>
+        </p:spPr>
+        <p:style>
+          <a:lnRef idx="2">
+            <a:schemeClr val="accent1"/>
+          </a:lnRef>
+          <a:fillRef idx="0">
+            <a:schemeClr val="accent1"/>
+          </a:fillRef>
+          <a:effectRef idx="1">
+            <a:schemeClr val="accent1"/>
+          </a:effectRef>
+          <a:fontRef idx="minor">
+            <a:schemeClr val="tx1"/>
+          </a:fontRef>
+        </p:style>
+      </p:cxnSp>
     </p:spTree>
     <p:extLst>
       <p:ext uri="{BB962C8B-B14F-4D97-AF65-F5344CB8AC3E}">
-        <p14:creationId xmlns:p14="http://schemas.microsoft.com/office/powerpoint/2010/main" val="1632136870"/>
+        <p14:creationId xmlns:p14="http://schemas.microsoft.com/office/powerpoint/2010/main" val="3575109720"/>
       </p:ext>
     </p:extLst>
   </p:cSld>
@@ -5603,9 +5373,34 @@
               <a:buAutoNum type="arabicPeriod"/>
             </a:pPr>
             <a:r>
-              <a:rPr lang="de-DE" dirty="0" smtClean="0"/>
-              <a:t>Einführung in die Sprache</a:t>
-            </a:r>
+              <a:rPr lang="de-DE" dirty="0" err="1" smtClean="0"/>
+              <a:t>Introduction</a:t>
+            </a:r>
+            <a:r>
+              <a:rPr lang="de-DE" dirty="0" smtClean="0"/>
+              <a:t> </a:t>
+            </a:r>
+            <a:r>
+              <a:rPr lang="de-DE" dirty="0" err="1" smtClean="0"/>
+              <a:t>into</a:t>
+            </a:r>
+            <a:r>
+              <a:rPr lang="de-DE" dirty="0" smtClean="0"/>
+              <a:t> </a:t>
+            </a:r>
+            <a:r>
+              <a:rPr lang="de-DE" dirty="0" err="1" smtClean="0"/>
+              <a:t>the</a:t>
+            </a:r>
+            <a:r>
+              <a:rPr lang="de-DE" dirty="0" smtClean="0"/>
+              <a:t> </a:t>
+            </a:r>
+            <a:r>
+              <a:rPr lang="de-DE" dirty="0" err="1" smtClean="0"/>
+              <a:t>language</a:t>
+            </a:r>
+            <a:endParaRPr lang="de-DE" dirty="0" smtClean="0"/>
           </a:p>
           <a:p>
             <a:pPr marL="514350" indent="-514350">
@@ -5618,11 +5413,7 @@
             </a:r>
             <a:r>
               <a:rPr lang="en-GB" dirty="0" smtClean="0"/>
-              <a:t> </a:t>
-            </a:r>
-            <a:r>
-              <a:rPr lang="en-GB" dirty="0" smtClean="0"/>
-              <a:t>and Channels</a:t>
+              <a:t> and Channels</a:t>
             </a:r>
             <a:endParaRPr lang="de-DE" dirty="0" smtClean="0"/>
           </a:p>
@@ -5641,7 +5432,15 @@
             </a:r>
             <a:r>
               <a:rPr lang="de-DE" dirty="0" smtClean="0"/>
-              <a:t> und Benchmarking</a:t>
+              <a:t> </a:t>
+            </a:r>
+            <a:r>
+              <a:rPr lang="de-DE" dirty="0" err="1" smtClean="0"/>
+              <a:t>and</a:t>
+            </a:r>
+            <a:r>
+              <a:rPr lang="de-DE" dirty="0" smtClean="0"/>
+              <a:t> Benchmarking</a:t>
             </a:r>
           </a:p>
           <a:p>
@@ -5651,7 +5450,7 @@
             </a:pPr>
             <a:r>
               <a:rPr lang="de-DE" dirty="0" smtClean="0"/>
-              <a:t>Web-Entwicklung</a:t>
+              <a:t>Web Development</a:t>
             </a:r>
           </a:p>
           <a:p>
@@ -5660,8 +5459,20 @@
               <a:buAutoNum type="arabicPeriod"/>
             </a:pPr>
             <a:r>
-              <a:rPr lang="de-DE" dirty="0" smtClean="0"/>
-              <a:t>Ausblick</a:t>
+              <a:rPr lang="de-DE" dirty="0" err="1" smtClean="0"/>
+              <a:t>What‘s</a:t>
+            </a:r>
+            <a:r>
+              <a:rPr lang="de-DE" dirty="0" smtClean="0"/>
+              <a:t> </a:t>
+            </a:r>
+            <a:r>
+              <a:rPr lang="de-DE" dirty="0" err="1" smtClean="0"/>
+              <a:t>next</a:t>
+            </a:r>
+            <a:r>
+              <a:rPr lang="de-DE" dirty="0" smtClean="0"/>
+              <a:t>?</a:t>
             </a:r>
           </a:p>
           <a:p>
@@ -5722,6 +5533,351 @@
           <a:lstStyle/>
           <a:p>
             <a:r>
+              <a:rPr lang="en-GB" dirty="0" smtClean="0"/>
+              <a:t>3. </a:t>
+            </a:r>
+            <a:r>
+              <a:rPr lang="en-GB" dirty="0" err="1" smtClean="0"/>
+              <a:t>Goroutines</a:t>
+            </a:r>
+            <a:r>
+              <a:rPr lang="en-GB" dirty="0" smtClean="0"/>
+              <a:t> and Channels</a:t>
+            </a:r>
+            <a:endParaRPr lang="en-GB" dirty="0"/>
+          </a:p>
+        </p:txBody>
+      </p:sp>
+      <p:pic>
+        <p:nvPicPr>
+          <p:cNvPr id="5" name="Bild 4" descr="Screen Shot 2015-05-06 at 07.53.20.png"/>
+          <p:cNvPicPr>
+            <a:picLocks noChangeAspect="1"/>
+          </p:cNvPicPr>
+          <p:nvPr/>
+        </p:nvPicPr>
+        <p:blipFill>
+          <a:blip r:embed="rId2">
+            <a:extLst>
+              <a:ext uri="{28A0092B-C50C-407E-A947-70E740481C1C}">
+                <a14:useLocalDpi xmlns:a14="http://schemas.microsoft.com/office/drawing/2010/main" val="0"/>
+              </a:ext>
+            </a:extLst>
+          </a:blip>
+          <a:stretch>
+            <a:fillRect/>
+          </a:stretch>
+        </p:blipFill>
+        <p:spPr>
+          <a:xfrm>
+            <a:off x="674669" y="1490994"/>
+            <a:ext cx="8105952" cy="1533282"/>
+          </a:xfrm>
+          <a:prstGeom prst="rect">
+            <a:avLst/>
+          </a:prstGeom>
+          <a:ln>
+            <a:noFill/>
+          </a:ln>
+          <a:effectLst>
+            <a:outerShdw blurRad="292100" dist="139700" dir="2700000" algn="tl" rotWithShape="0">
+              <a:srgbClr val="333333">
+                <a:alpha val="65000"/>
+              </a:srgbClr>
+            </a:outerShdw>
+          </a:effectLst>
+        </p:spPr>
+      </p:pic>
+      <p:sp>
+        <p:nvSpPr>
+          <p:cNvPr id="7" name="Textfeld 6"/>
+          <p:cNvSpPr txBox="1"/>
+          <p:nvPr/>
+        </p:nvSpPr>
+        <p:spPr>
+          <a:xfrm>
+            <a:off x="3512682" y="4838145"/>
+            <a:ext cx="5267939" cy="369332"/>
+          </a:xfrm>
+          <a:prstGeom prst="rect">
+            <a:avLst/>
+          </a:prstGeom>
+          <a:noFill/>
+        </p:spPr>
+        <p:txBody>
+          <a:bodyPr wrap="none" rtlCol="0">
+            <a:spAutoFit/>
+          </a:bodyPr>
+          <a:lstStyle/>
+          <a:p>
+            <a:r>
+              <a:rPr lang="en-GB" dirty="0" smtClean="0"/>
+              <a:t>Faster, but scale-out necessary (additional resources)</a:t>
+            </a:r>
+            <a:endParaRPr lang="en-GB" dirty="0"/>
+          </a:p>
+        </p:txBody>
+      </p:sp>
+      <p:pic>
+        <p:nvPicPr>
+          <p:cNvPr id="9" name="Bild 8" descr="Screen Shot 2015-05-06 at 07.53.20.png"/>
+          <p:cNvPicPr>
+            <a:picLocks noChangeAspect="1"/>
+          </p:cNvPicPr>
+          <p:nvPr/>
+        </p:nvPicPr>
+        <p:blipFill>
+          <a:blip r:embed="rId2">
+            <a:extLst>
+              <a:ext uri="{28A0092B-C50C-407E-A947-70E740481C1C}">
+                <a14:useLocalDpi xmlns:a14="http://schemas.microsoft.com/office/drawing/2010/main" val="0"/>
+              </a:ext>
+            </a:extLst>
+          </a:blip>
+          <a:stretch>
+            <a:fillRect/>
+          </a:stretch>
+        </p:blipFill>
+        <p:spPr>
+          <a:xfrm>
+            <a:off x="674669" y="3177769"/>
+            <a:ext cx="8105952" cy="1533282"/>
+          </a:xfrm>
+          <a:prstGeom prst="rect">
+            <a:avLst/>
+          </a:prstGeom>
+          <a:ln>
+            <a:noFill/>
+          </a:ln>
+          <a:effectLst>
+            <a:outerShdw blurRad="292100" dist="139700" dir="2700000" algn="tl" rotWithShape="0">
+              <a:srgbClr val="333333">
+                <a:alpha val="65000"/>
+              </a:srgbClr>
+            </a:outerShdw>
+          </a:effectLst>
+        </p:spPr>
+      </p:pic>
+    </p:spTree>
+    <p:extLst>
+      <p:ext uri="{BB962C8B-B14F-4D97-AF65-F5344CB8AC3E}">
+        <p14:creationId xmlns:p14="http://schemas.microsoft.com/office/powerpoint/2010/main" val="3445794560"/>
+      </p:ext>
+    </p:extLst>
+  </p:cSld>
+  <p:clrMapOvr>
+    <a:masterClrMapping/>
+  </p:clrMapOvr>
+</p:sld>
+</file>
+
+<file path=ppt/slides/slide21.xml><?xml version="1.0" encoding="utf-8"?>
+<p:sld xmlns:a="http://schemas.openxmlformats.org/drawingml/2006/main" xmlns:r="http://schemas.openxmlformats.org/officeDocument/2006/relationships" xmlns:p="http://schemas.openxmlformats.org/presentationml/2006/main">
+  <p:cSld>
+    <p:spTree>
+      <p:nvGrpSpPr>
+        <p:cNvPr id="1" name=""/>
+        <p:cNvGrpSpPr/>
+        <p:nvPr/>
+      </p:nvGrpSpPr>
+      <p:grpSpPr>
+        <a:xfrm>
+          <a:off x="0" y="0"/>
+          <a:ext cx="0" cy="0"/>
+          <a:chOff x="0" y="0"/>
+          <a:chExt cx="0" cy="0"/>
+        </a:xfrm>
+      </p:grpSpPr>
+      <p:sp>
+        <p:nvSpPr>
+          <p:cNvPr id="2" name="Titel 1"/>
+          <p:cNvSpPr>
+            <a:spLocks noGrp="1"/>
+          </p:cNvSpPr>
+          <p:nvPr>
+            <p:ph type="title"/>
+          </p:nvPr>
+        </p:nvSpPr>
+        <p:spPr/>
+        <p:txBody>
+          <a:bodyPr/>
+          <a:lstStyle/>
+          <a:p>
+            <a:r>
+              <a:rPr lang="en-GB" dirty="0" smtClean="0"/>
+              <a:t>3. </a:t>
+            </a:r>
+            <a:r>
+              <a:rPr lang="en-GB" dirty="0" err="1" smtClean="0"/>
+              <a:t>Goroutines</a:t>
+            </a:r>
+            <a:r>
+              <a:rPr lang="en-GB" dirty="0" smtClean="0"/>
+              <a:t> and Channels</a:t>
+            </a:r>
+            <a:endParaRPr lang="en-GB" dirty="0"/>
+          </a:p>
+        </p:txBody>
+      </p:sp>
+      <p:pic>
+        <p:nvPicPr>
+          <p:cNvPr id="6" name="Bild 5" descr="Screen Shot 2015-05-06 at 07.54.09.png"/>
+          <p:cNvPicPr>
+            <a:picLocks noChangeAspect="1"/>
+          </p:cNvPicPr>
+          <p:nvPr/>
+        </p:nvPicPr>
+        <p:blipFill>
+          <a:blip r:embed="rId2">
+            <a:extLst>
+              <a:ext uri="{28A0092B-C50C-407E-A947-70E740481C1C}">
+                <a14:useLocalDpi xmlns:a14="http://schemas.microsoft.com/office/drawing/2010/main" val="0"/>
+              </a:ext>
+            </a:extLst>
+          </a:blip>
+          <a:stretch>
+            <a:fillRect/>
+          </a:stretch>
+        </p:blipFill>
+        <p:spPr>
+          <a:xfrm>
+            <a:off x="551742" y="1034884"/>
+            <a:ext cx="8105952" cy="2029076"/>
+          </a:xfrm>
+          <a:prstGeom prst="rect">
+            <a:avLst/>
+          </a:prstGeom>
+          <a:ln>
+            <a:noFill/>
+          </a:ln>
+          <a:effectLst>
+            <a:outerShdw blurRad="292100" dist="139700" dir="2700000" algn="tl" rotWithShape="0">
+              <a:srgbClr val="333333">
+                <a:alpha val="65000"/>
+              </a:srgbClr>
+            </a:outerShdw>
+          </a:effectLst>
+        </p:spPr>
+      </p:pic>
+      <p:cxnSp>
+        <p:nvCxnSpPr>
+          <p:cNvPr id="4" name="Gerade Verbindung mit Pfeil 3"/>
+          <p:cNvCxnSpPr/>
+          <p:nvPr/>
+        </p:nvCxnSpPr>
+        <p:spPr>
+          <a:xfrm>
+            <a:off x="4604718" y="3218740"/>
+            <a:ext cx="0" cy="736820"/>
+          </a:xfrm>
+          <a:prstGeom prst="straightConnector1">
+            <a:avLst/>
+          </a:prstGeom>
+          <a:ln>
+            <a:tailEnd type="arrow"/>
+          </a:ln>
+        </p:spPr>
+        <p:style>
+          <a:lnRef idx="2">
+            <a:schemeClr val="accent1"/>
+          </a:lnRef>
+          <a:fillRef idx="0">
+            <a:schemeClr val="accent1"/>
+          </a:fillRef>
+          <a:effectRef idx="1">
+            <a:schemeClr val="accent1"/>
+          </a:effectRef>
+          <a:fontRef idx="minor">
+            <a:schemeClr val="tx1"/>
+          </a:fontRef>
+        </p:style>
+      </p:cxnSp>
+      <p:pic>
+        <p:nvPicPr>
+          <p:cNvPr id="3" name="Bild 2" descr="Screen Shot 2015-05-07 at 18.06.36.png"/>
+          <p:cNvPicPr>
+            <a:picLocks noChangeAspect="1"/>
+          </p:cNvPicPr>
+          <p:nvPr/>
+        </p:nvPicPr>
+        <p:blipFill>
+          <a:blip r:embed="rId3">
+            <a:extLst>
+              <a:ext uri="{28A0092B-C50C-407E-A947-70E740481C1C}">
+                <a14:useLocalDpi xmlns:a14="http://schemas.microsoft.com/office/drawing/2010/main" val="0"/>
+              </a:ext>
+            </a:extLst>
+          </a:blip>
+          <a:stretch>
+            <a:fillRect/>
+          </a:stretch>
+        </p:blipFill>
+        <p:spPr>
+          <a:xfrm>
+            <a:off x="550350" y="4081595"/>
+            <a:ext cx="8107343" cy="1446285"/>
+          </a:xfrm>
+          <a:prstGeom prst="rect">
+            <a:avLst/>
+          </a:prstGeom>
+          <a:ln>
+            <a:noFill/>
+          </a:ln>
+          <a:effectLst>
+            <a:outerShdw blurRad="292100" dist="139700" dir="2700000" algn="tl" rotWithShape="0">
+              <a:srgbClr val="333333">
+                <a:alpha val="65000"/>
+              </a:srgbClr>
+            </a:outerShdw>
+          </a:effectLst>
+        </p:spPr>
+      </p:pic>
+    </p:spTree>
+    <p:extLst>
+      <p:ext uri="{BB962C8B-B14F-4D97-AF65-F5344CB8AC3E}">
+        <p14:creationId xmlns:p14="http://schemas.microsoft.com/office/powerpoint/2010/main" val="385753161"/>
+      </p:ext>
+    </p:extLst>
+  </p:cSld>
+  <p:clrMapOvr>
+    <a:masterClrMapping/>
+  </p:clrMapOvr>
+</p:sld>
+</file>
+
+<file path=ppt/slides/slide22.xml><?xml version="1.0" encoding="utf-8"?>
+<p:sld xmlns:a="http://schemas.openxmlformats.org/drawingml/2006/main" xmlns:r="http://schemas.openxmlformats.org/officeDocument/2006/relationships" xmlns:p="http://schemas.openxmlformats.org/presentationml/2006/main">
+  <p:cSld>
+    <p:spTree>
+      <p:nvGrpSpPr>
+        <p:cNvPr id="1" name=""/>
+        <p:cNvGrpSpPr/>
+        <p:nvPr/>
+      </p:nvGrpSpPr>
+      <p:grpSpPr>
+        <a:xfrm>
+          <a:off x="0" y="0"/>
+          <a:ext cx="0" cy="0"/>
+          <a:chOff x="0" y="0"/>
+          <a:chExt cx="0" cy="0"/>
+        </a:xfrm>
+      </p:grpSpPr>
+      <p:sp>
+        <p:nvSpPr>
+          <p:cNvPr id="2" name="Titel 1"/>
+          <p:cNvSpPr>
+            <a:spLocks noGrp="1"/>
+          </p:cNvSpPr>
+          <p:nvPr>
+            <p:ph type="title"/>
+          </p:nvPr>
+        </p:nvSpPr>
+        <p:spPr/>
+        <p:txBody>
+          <a:bodyPr/>
+          <a:lstStyle/>
+          <a:p>
+            <a:r>
               <a:rPr lang="de-DE" dirty="0" smtClean="0"/>
               <a:t>3. </a:t>
             </a:r>
@@ -5763,41 +5919,40 @@
         </p:spPr>
         <p:txBody>
           <a:bodyPr>
-            <a:normAutofit fontScale="85000" lnSpcReduction="20000"/>
+            <a:normAutofit fontScale="92500" lnSpcReduction="20000"/>
           </a:bodyPr>
           <a:lstStyle/>
           <a:p>
             <a:r>
-              <a:rPr lang="de-DE" dirty="0" smtClean="0"/>
-              <a:t>(Im Idealfall) Fast 4 mal so schnell wie das ursprüngliche Design</a:t>
+              <a:rPr lang="en-GB" dirty="0" smtClean="0"/>
+              <a:t>(Ideally) 4 times as “fast“ as the original design</a:t>
             </a:r>
           </a:p>
           <a:p>
             <a:pPr lvl="1"/>
             <a:r>
-              <a:rPr lang="de-DE" dirty="0" smtClean="0"/>
-              <a:t>obwohl mehr Arbeit erledigt wird (!)</a:t>
-            </a:r>
-          </a:p>
-          <a:p>
-            <a:r>
-              <a:rPr lang="de-DE" dirty="0" smtClean="0"/>
-              <a:t>4 unabhängige Prozeduren mit unterschiedlichen Aufgaben + 4 Synchronisationspunkte</a:t>
-            </a:r>
-          </a:p>
-          <a:p>
-            <a:r>
-              <a:rPr lang="de-DE" dirty="0" smtClean="0"/>
-              <a:t>Ausführung nicht zwangsweise parallel aber valides “</a:t>
-            </a:r>
-            <a:r>
-              <a:rPr lang="de-DE" dirty="0" err="1" smtClean="0"/>
-              <a:t>concurrent</a:t>
-            </a:r>
-            <a:r>
-              <a:rPr lang="de-DE" dirty="0" smtClean="0"/>
-              <a:t> design”</a:t>
-            </a:r>
+              <a:rPr lang="en-GB" dirty="0" smtClean="0"/>
+              <a:t>Even though we do more work (!)</a:t>
+            </a:r>
+          </a:p>
+          <a:p>
+            <a:r>
+              <a:rPr lang="en-GB" dirty="0" smtClean="0"/>
+              <a:t>4 independent procedures with different jobs</a:t>
+            </a:r>
+          </a:p>
+          <a:p>
+            <a:r>
+              <a:rPr lang="en-GB" dirty="0" smtClean="0"/>
+              <a:t>4 different synchronisation points</a:t>
+            </a:r>
+          </a:p>
+          <a:p>
+            <a:r>
+              <a:rPr lang="en-GB" dirty="0" smtClean="0"/>
+              <a:t>Execution not necessarily parallel, but valid “concurrent design”</a:t>
+            </a:r>
+            <a:endParaRPr lang="en-GB" dirty="0"/>
           </a:p>
         </p:txBody>
       </p:sp>
@@ -5844,7 +5999,7 @@
     </p:spTree>
     <p:extLst>
       <p:ext uri="{BB962C8B-B14F-4D97-AF65-F5344CB8AC3E}">
-        <p14:creationId xmlns:p14="http://schemas.microsoft.com/office/powerpoint/2010/main" val="1360334693"/>
+        <p14:creationId xmlns:p14="http://schemas.microsoft.com/office/powerpoint/2010/main" val="1755806647"/>
       </p:ext>
     </p:extLst>
   </p:cSld>
@@ -5854,7 +6009,7 @@
 </p:sld>
 </file>
 
-<file path=ppt/slides/slide21.xml><?xml version="1.0" encoding="utf-8"?>
+<file path=ppt/slides/slide23.xml><?xml version="1.0" encoding="utf-8"?>
 <p:sld xmlns:a="http://schemas.openxmlformats.org/drawingml/2006/main" xmlns:r="http://schemas.openxmlformats.org/officeDocument/2006/relationships" xmlns:p="http://schemas.openxmlformats.org/presentationml/2006/main">
   <p:cSld>
     <p:spTree>
@@ -6242,670 +6397,7 @@
     </p:spTree>
     <p:extLst>
       <p:ext uri="{BB962C8B-B14F-4D97-AF65-F5344CB8AC3E}">
-        <p14:creationId xmlns:p14="http://schemas.microsoft.com/office/powerpoint/2010/main" val="2539573068"/>
-      </p:ext>
-    </p:extLst>
-  </p:cSld>
-  <p:clrMapOvr>
-    <a:masterClrMapping/>
-  </p:clrMapOvr>
-</p:sld>
-</file>
-
-<file path=ppt/slides/slide22.xml><?xml version="1.0" encoding="utf-8"?>
-<p:sld xmlns:a="http://schemas.openxmlformats.org/drawingml/2006/main" xmlns:r="http://schemas.openxmlformats.org/officeDocument/2006/relationships" xmlns:p="http://schemas.openxmlformats.org/presentationml/2006/main">
-  <p:cSld>
-    <p:spTree>
-      <p:nvGrpSpPr>
-        <p:cNvPr id="1" name=""/>
-        <p:cNvGrpSpPr/>
-        <p:nvPr/>
-      </p:nvGrpSpPr>
-      <p:grpSpPr>
-        <a:xfrm>
-          <a:off x="0" y="0"/>
-          <a:ext cx="0" cy="0"/>
-          <a:chOff x="0" y="0"/>
-          <a:chExt cx="0" cy="0"/>
-        </a:xfrm>
-      </p:grpSpPr>
-      <p:sp>
-        <p:nvSpPr>
-          <p:cNvPr id="4" name="Titel 3"/>
-          <p:cNvSpPr>
-            <a:spLocks noGrp="1"/>
-          </p:cNvSpPr>
-          <p:nvPr>
-            <p:ph type="title"/>
-          </p:nvPr>
-        </p:nvSpPr>
-        <p:spPr/>
-        <p:txBody>
-          <a:bodyPr/>
-          <a:lstStyle/>
-          <a:p>
-            <a:r>
-              <a:rPr lang="en-GB" dirty="0" smtClean="0"/>
-              <a:t>4. </a:t>
-            </a:r>
-            <a:r>
-              <a:rPr lang="en-GB" dirty="0" smtClean="0"/>
-              <a:t>Unit Testing und Benchmarking</a:t>
-            </a:r>
-            <a:endParaRPr lang="en-GB" dirty="0"/>
-          </a:p>
-        </p:txBody>
-      </p:sp>
-    </p:spTree>
-    <p:extLst>
-      <p:ext uri="{BB962C8B-B14F-4D97-AF65-F5344CB8AC3E}">
-        <p14:creationId xmlns:p14="http://schemas.microsoft.com/office/powerpoint/2010/main" val="1244928070"/>
-      </p:ext>
-    </p:extLst>
-  </p:cSld>
-  <p:clrMapOvr>
-    <a:masterClrMapping/>
-  </p:clrMapOvr>
-  <p:timing>
-    <p:tnLst>
-      <p:par>
-        <p:cTn xmlns:p14="http://schemas.microsoft.com/office/powerpoint/2010/main" id="1" dur="indefinite" restart="never" nodeType="tmRoot"/>
-      </p:par>
-    </p:tnLst>
-  </p:timing>
-</p:sld>
-</file>
-
-<file path=ppt/slides/slide23.xml><?xml version="1.0" encoding="utf-8"?>
-<p:sld xmlns:a="http://schemas.openxmlformats.org/drawingml/2006/main" xmlns:r="http://schemas.openxmlformats.org/officeDocument/2006/relationships" xmlns:p="http://schemas.openxmlformats.org/presentationml/2006/main">
-  <p:cSld>
-    <p:spTree>
-      <p:nvGrpSpPr>
-        <p:cNvPr id="1" name=""/>
-        <p:cNvGrpSpPr/>
-        <p:nvPr/>
-      </p:nvGrpSpPr>
-      <p:grpSpPr>
-        <a:xfrm>
-          <a:off x="0" y="0"/>
-          <a:ext cx="0" cy="0"/>
-          <a:chOff x="0" y="0"/>
-          <a:chExt cx="0" cy="0"/>
-        </a:xfrm>
-      </p:grpSpPr>
-      <p:sp>
-        <p:nvSpPr>
-          <p:cNvPr id="4" name="Titel 3"/>
-          <p:cNvSpPr>
-            <a:spLocks noGrp="1"/>
-          </p:cNvSpPr>
-          <p:nvPr>
-            <p:ph type="title"/>
-          </p:nvPr>
-        </p:nvSpPr>
-        <p:spPr/>
-        <p:txBody>
-          <a:bodyPr/>
-          <a:lstStyle/>
-          <a:p>
-            <a:r>
-              <a:rPr lang="en-GB" dirty="0" smtClean="0"/>
-              <a:t>4. </a:t>
-            </a:r>
-            <a:r>
-              <a:rPr lang="en-GB" dirty="0" smtClean="0"/>
-              <a:t>Unit Testing</a:t>
-            </a:r>
-            <a:endParaRPr lang="en-GB" dirty="0"/>
-          </a:p>
-        </p:txBody>
-      </p:sp>
-      <p:sp>
-        <p:nvSpPr>
-          <p:cNvPr id="5" name="Inhaltsplatzhalter 4"/>
-          <p:cNvSpPr>
-            <a:spLocks noGrp="1"/>
-          </p:cNvSpPr>
-          <p:nvPr>
-            <p:ph idx="1"/>
-          </p:nvPr>
-        </p:nvSpPr>
-        <p:spPr/>
-        <p:txBody>
-          <a:bodyPr>
-            <a:normAutofit fontScale="62500" lnSpcReduction="20000"/>
-          </a:bodyPr>
-          <a:lstStyle/>
-          <a:p>
-            <a:r>
-              <a:rPr lang="en-GB" dirty="0"/>
-              <a:t>Unit </a:t>
-            </a:r>
-            <a:r>
-              <a:rPr lang="en-GB" dirty="0" smtClean="0"/>
-              <a:t>Testing</a:t>
-            </a:r>
-          </a:p>
-          <a:p>
-            <a:pPr lvl="1"/>
-            <a:r>
-              <a:rPr lang="pl-PL" dirty="0" smtClean="0"/>
-              <a:t>Run </a:t>
-            </a:r>
-            <a:r>
-              <a:rPr lang="pl-PL" dirty="0" err="1" smtClean="0"/>
-              <a:t>tests</a:t>
-            </a:r>
-            <a:r>
-              <a:rPr lang="pl-PL" dirty="0" smtClean="0"/>
-              <a:t>:				go </a:t>
-            </a:r>
-            <a:r>
-              <a:rPr lang="pl-PL" dirty="0"/>
-              <a:t>test</a:t>
-            </a:r>
-          </a:p>
-          <a:p>
-            <a:endParaRPr lang="pl-PL" dirty="0"/>
-          </a:p>
-          <a:p>
-            <a:r>
-              <a:rPr lang="pl-PL" dirty="0" err="1"/>
-              <a:t>Code</a:t>
-            </a:r>
-            <a:r>
-              <a:rPr lang="pl-PL" dirty="0"/>
-              <a:t> </a:t>
-            </a:r>
-            <a:r>
-              <a:rPr lang="pl-PL" dirty="0" err="1" smtClean="0"/>
-              <a:t>Coverage</a:t>
-            </a:r>
-            <a:endParaRPr lang="pl-PL" dirty="0" smtClean="0"/>
-          </a:p>
-          <a:p>
-            <a:pPr lvl="1"/>
-            <a:r>
-              <a:rPr lang="pl-PL" dirty="0" err="1" smtClean="0"/>
-              <a:t>Install</a:t>
-            </a:r>
-            <a:r>
-              <a:rPr lang="pl-PL" dirty="0" smtClean="0"/>
-              <a:t> </a:t>
-            </a:r>
-            <a:r>
-              <a:rPr lang="pl-PL" dirty="0" err="1"/>
-              <a:t>cover</a:t>
-            </a:r>
-            <a:r>
-              <a:rPr lang="pl-PL" dirty="0"/>
-              <a:t> </a:t>
-            </a:r>
-            <a:r>
-              <a:rPr lang="pl-PL" dirty="0" err="1" smtClean="0"/>
-              <a:t>tool</a:t>
-            </a:r>
-            <a:r>
-              <a:rPr lang="pl-PL" dirty="0" smtClean="0"/>
-              <a:t>:		go </a:t>
-            </a:r>
-            <a:r>
-              <a:rPr lang="pl-PL" dirty="0" err="1"/>
-              <a:t>get</a:t>
-            </a:r>
-            <a:r>
-              <a:rPr lang="pl-PL" dirty="0"/>
-              <a:t> </a:t>
-            </a:r>
-            <a:r>
-              <a:rPr lang="pl-PL" dirty="0" err="1"/>
-              <a:t>golang.org</a:t>
-            </a:r>
-            <a:r>
-              <a:rPr lang="pl-PL" dirty="0"/>
-              <a:t>/x/</a:t>
-            </a:r>
-            <a:r>
-              <a:rPr lang="pl-PL" dirty="0" err="1"/>
-              <a:t>tools</a:t>
-            </a:r>
-            <a:r>
-              <a:rPr lang="pl-PL" dirty="0"/>
-              <a:t>/</a:t>
-            </a:r>
-            <a:r>
-              <a:rPr lang="pl-PL" dirty="0" err="1"/>
-              <a:t>cmd</a:t>
-            </a:r>
-            <a:r>
-              <a:rPr lang="pl-PL" dirty="0"/>
-              <a:t>/</a:t>
-            </a:r>
-            <a:r>
-              <a:rPr lang="pl-PL" dirty="0" err="1" smtClean="0"/>
-              <a:t>cover</a:t>
-            </a:r>
-            <a:endParaRPr lang="pl-PL" dirty="0" smtClean="0"/>
-          </a:p>
-          <a:p>
-            <a:pPr lvl="1"/>
-            <a:r>
-              <a:rPr lang="pl-PL" dirty="0" smtClean="0"/>
-              <a:t>Run </a:t>
-            </a:r>
-            <a:r>
-              <a:rPr lang="pl-PL" dirty="0" err="1"/>
-              <a:t>coverate</a:t>
-            </a:r>
-            <a:r>
-              <a:rPr lang="pl-PL" dirty="0"/>
-              <a:t> </a:t>
-            </a:r>
-            <a:r>
-              <a:rPr lang="pl-PL" dirty="0" smtClean="0"/>
-              <a:t>test:		go </a:t>
-            </a:r>
-            <a:r>
-              <a:rPr lang="pl-PL" dirty="0"/>
-              <a:t>test </a:t>
-            </a:r>
-            <a:r>
-              <a:rPr lang="pl-PL" dirty="0" smtClean="0"/>
-              <a:t>–</a:t>
-            </a:r>
-            <a:r>
-              <a:rPr lang="pl-PL" dirty="0" err="1" smtClean="0"/>
-              <a:t>cover</a:t>
-            </a:r>
-            <a:endParaRPr lang="pl-PL" dirty="0" smtClean="0"/>
-          </a:p>
-          <a:p>
-            <a:pPr lvl="1"/>
-            <a:r>
-              <a:rPr lang="pl-PL" dirty="0" err="1" smtClean="0"/>
-              <a:t>Generate</a:t>
-            </a:r>
-            <a:r>
-              <a:rPr lang="pl-PL" dirty="0" smtClean="0"/>
-              <a:t> </a:t>
-            </a:r>
-            <a:r>
-              <a:rPr lang="pl-PL" dirty="0" err="1" smtClean="0"/>
-              <a:t>outfile</a:t>
-            </a:r>
-            <a:r>
-              <a:rPr lang="pl-PL" dirty="0" smtClean="0"/>
-              <a:t>:		go </a:t>
-            </a:r>
-            <a:r>
-              <a:rPr lang="pl-PL" dirty="0"/>
-              <a:t>test -</a:t>
-            </a:r>
-            <a:r>
-              <a:rPr lang="pl-PL" dirty="0" err="1"/>
-              <a:t>coverprofile</a:t>
-            </a:r>
-            <a:r>
-              <a:rPr lang="pl-PL" dirty="0"/>
-              <a:t>=</a:t>
-            </a:r>
-            <a:r>
-              <a:rPr lang="pl-PL" dirty="0" err="1" smtClean="0"/>
-              <a:t>coverage.out</a:t>
-            </a:r>
-            <a:endParaRPr lang="pl-PL" dirty="0" smtClean="0"/>
-          </a:p>
-          <a:p>
-            <a:pPr lvl="1"/>
-            <a:r>
-              <a:rPr lang="pl-PL" dirty="0" err="1" smtClean="0"/>
-              <a:t>Function</a:t>
-            </a:r>
-            <a:r>
-              <a:rPr lang="pl-PL" dirty="0" smtClean="0"/>
-              <a:t> </a:t>
-            </a:r>
-            <a:r>
-              <a:rPr lang="pl-PL" dirty="0" err="1" smtClean="0"/>
-              <a:t>breakdown</a:t>
-            </a:r>
-            <a:r>
-              <a:rPr lang="pl-PL" dirty="0" smtClean="0"/>
-              <a:t>:		go </a:t>
-            </a:r>
-            <a:r>
-              <a:rPr lang="pl-PL" dirty="0" err="1"/>
-              <a:t>tool</a:t>
-            </a:r>
-            <a:r>
-              <a:rPr lang="pl-PL" dirty="0"/>
-              <a:t> </a:t>
-            </a:r>
-            <a:r>
-              <a:rPr lang="pl-PL" dirty="0" err="1"/>
-              <a:t>cover</a:t>
-            </a:r>
-            <a:r>
-              <a:rPr lang="pl-PL" dirty="0"/>
-              <a:t> -</a:t>
-            </a:r>
-            <a:r>
-              <a:rPr lang="pl-PL" dirty="0" err="1"/>
-              <a:t>func</a:t>
-            </a:r>
-            <a:r>
-              <a:rPr lang="pl-PL" dirty="0"/>
-              <a:t>=</a:t>
-            </a:r>
-            <a:r>
-              <a:rPr lang="pl-PL" dirty="0" err="1" smtClean="0"/>
-              <a:t>coverage.out</a:t>
-            </a:r>
-            <a:endParaRPr lang="pl-PL" dirty="0" smtClean="0"/>
-          </a:p>
-          <a:p>
-            <a:pPr lvl="1"/>
-            <a:r>
-              <a:rPr lang="pl-PL" dirty="0" smtClean="0"/>
-              <a:t>HTML </a:t>
-            </a:r>
-            <a:r>
-              <a:rPr lang="pl-PL" dirty="0" err="1" smtClean="0"/>
-              <a:t>view</a:t>
-            </a:r>
-            <a:r>
-              <a:rPr lang="pl-PL" dirty="0" smtClean="0"/>
-              <a:t>:			go </a:t>
-            </a:r>
-            <a:r>
-              <a:rPr lang="pl-PL" dirty="0" err="1"/>
-              <a:t>tool</a:t>
-            </a:r>
-            <a:r>
-              <a:rPr lang="pl-PL" dirty="0"/>
-              <a:t> </a:t>
-            </a:r>
-            <a:r>
-              <a:rPr lang="pl-PL" dirty="0" err="1"/>
-              <a:t>cover</a:t>
-            </a:r>
-            <a:r>
-              <a:rPr lang="pl-PL" dirty="0"/>
-              <a:t> -</a:t>
-            </a:r>
-            <a:r>
-              <a:rPr lang="pl-PL" dirty="0" err="1"/>
-              <a:t>html</a:t>
-            </a:r>
-            <a:r>
-              <a:rPr lang="pl-PL" dirty="0"/>
-              <a:t>=</a:t>
-            </a:r>
-            <a:r>
-              <a:rPr lang="pl-PL" dirty="0" err="1" smtClean="0"/>
-              <a:t>coverage.out</a:t>
-            </a:r>
-            <a:endParaRPr lang="pl-PL" dirty="0" smtClean="0"/>
-          </a:p>
-          <a:p>
-            <a:pPr lvl="1"/>
-            <a:r>
-              <a:rPr lang="pl-PL" dirty="0" err="1" smtClean="0"/>
-              <a:t>Counting</a:t>
-            </a:r>
-            <a:r>
-              <a:rPr lang="pl-PL" dirty="0" smtClean="0"/>
-              <a:t> </a:t>
-            </a:r>
-            <a:r>
-              <a:rPr lang="pl-PL" dirty="0" err="1"/>
-              <a:t>mode</a:t>
-            </a:r>
-            <a:r>
-              <a:rPr lang="pl-PL" dirty="0"/>
-              <a:t> (</a:t>
-            </a:r>
-            <a:r>
-              <a:rPr lang="pl-PL" dirty="0" err="1"/>
-              <a:t>outfile</a:t>
-            </a:r>
-            <a:r>
-              <a:rPr lang="pl-PL" dirty="0"/>
-              <a:t>): </a:t>
-            </a:r>
-            <a:r>
-              <a:rPr lang="pl-PL" dirty="0" smtClean="0"/>
-              <a:t>	go </a:t>
-            </a:r>
-            <a:r>
-              <a:rPr lang="pl-PL" dirty="0"/>
-              <a:t>test -</a:t>
-            </a:r>
-            <a:r>
-              <a:rPr lang="pl-PL" dirty="0" err="1"/>
-              <a:t>covermode</a:t>
-            </a:r>
-            <a:r>
-              <a:rPr lang="pl-PL" dirty="0"/>
-              <a:t>=</a:t>
-            </a:r>
-            <a:r>
-              <a:rPr lang="pl-PL" dirty="0" err="1"/>
-              <a:t>count</a:t>
-            </a:r>
-            <a:r>
-              <a:rPr lang="pl-PL" dirty="0"/>
-              <a:t> -</a:t>
-            </a:r>
-            <a:r>
-              <a:rPr lang="pl-PL" dirty="0" err="1"/>
-              <a:t>coverprofile</a:t>
-            </a:r>
-            <a:r>
-              <a:rPr lang="pl-PL" dirty="0"/>
-              <a:t>=</a:t>
-            </a:r>
-            <a:r>
-              <a:rPr lang="pl-PL" dirty="0" err="1" smtClean="0"/>
-              <a:t>count.out</a:t>
-            </a:r>
-            <a:endParaRPr lang="pl-PL" dirty="0" smtClean="0"/>
-          </a:p>
-          <a:p>
-            <a:pPr lvl="1"/>
-            <a:r>
-              <a:rPr lang="pl-PL" dirty="0" err="1" smtClean="0"/>
-              <a:t>Print</a:t>
-            </a:r>
-            <a:r>
-              <a:rPr lang="pl-PL" dirty="0" smtClean="0"/>
-              <a:t> </a:t>
-            </a:r>
-            <a:r>
-              <a:rPr lang="pl-PL" dirty="0" err="1"/>
-              <a:t>counting</a:t>
-            </a:r>
-            <a:r>
-              <a:rPr lang="pl-PL" dirty="0"/>
-              <a:t> </a:t>
-            </a:r>
-            <a:r>
-              <a:rPr lang="pl-PL" dirty="0" err="1" smtClean="0"/>
-              <a:t>results</a:t>
-            </a:r>
-            <a:r>
-              <a:rPr lang="pl-PL" dirty="0" smtClean="0"/>
-              <a:t>:	go </a:t>
-            </a:r>
-            <a:r>
-              <a:rPr lang="pl-PL" dirty="0" err="1"/>
-              <a:t>tool</a:t>
-            </a:r>
-            <a:r>
-              <a:rPr lang="pl-PL" dirty="0"/>
-              <a:t> </a:t>
-            </a:r>
-            <a:r>
-              <a:rPr lang="pl-PL" dirty="0" err="1"/>
-              <a:t>cover</a:t>
-            </a:r>
-            <a:r>
-              <a:rPr lang="pl-PL" dirty="0"/>
-              <a:t> -</a:t>
-            </a:r>
-            <a:r>
-              <a:rPr lang="pl-PL" dirty="0" err="1"/>
-              <a:t>func</a:t>
-            </a:r>
-            <a:r>
-              <a:rPr lang="pl-PL" dirty="0"/>
-              <a:t>=</a:t>
-            </a:r>
-            <a:r>
-              <a:rPr lang="pl-PL" dirty="0" err="1" smtClean="0"/>
-              <a:t>count.out</a:t>
-            </a:r>
-            <a:endParaRPr lang="pl-PL" dirty="0" smtClean="0"/>
-          </a:p>
-          <a:p>
-            <a:pPr lvl="1"/>
-            <a:r>
-              <a:rPr lang="pl-PL" dirty="0" smtClean="0"/>
-              <a:t>HTML </a:t>
-            </a:r>
-            <a:r>
-              <a:rPr lang="pl-PL" dirty="0" err="1"/>
-              <a:t>counting</a:t>
-            </a:r>
-            <a:r>
-              <a:rPr lang="pl-PL" dirty="0"/>
-              <a:t> </a:t>
-            </a:r>
-            <a:r>
-              <a:rPr lang="pl-PL" dirty="0" err="1" smtClean="0"/>
-              <a:t>view</a:t>
-            </a:r>
-            <a:r>
-              <a:rPr lang="pl-PL" dirty="0" smtClean="0"/>
-              <a:t>:		go </a:t>
-            </a:r>
-            <a:r>
-              <a:rPr lang="pl-PL" dirty="0" err="1"/>
-              <a:t>tool</a:t>
-            </a:r>
-            <a:r>
-              <a:rPr lang="pl-PL" dirty="0"/>
-              <a:t> </a:t>
-            </a:r>
-            <a:r>
-              <a:rPr lang="pl-PL" dirty="0" err="1"/>
-              <a:t>cover</a:t>
-            </a:r>
-            <a:r>
-              <a:rPr lang="pl-PL" dirty="0"/>
-              <a:t> -</a:t>
-            </a:r>
-            <a:r>
-              <a:rPr lang="pl-PL" dirty="0" err="1"/>
-              <a:t>html</a:t>
-            </a:r>
-            <a:r>
-              <a:rPr lang="pl-PL" dirty="0"/>
-              <a:t>=</a:t>
-            </a:r>
-            <a:r>
-              <a:rPr lang="pl-PL" dirty="0" err="1"/>
-              <a:t>count.out</a:t>
-            </a:r>
-            <a:endParaRPr lang="pl-PL" dirty="0"/>
-          </a:p>
-          <a:p>
-            <a:endParaRPr lang="pl-PL" dirty="0"/>
-          </a:p>
-          <a:p>
-            <a:r>
-              <a:rPr lang="pl-PL" dirty="0" err="1" smtClean="0"/>
-              <a:t>Benchmarking</a:t>
-            </a:r>
-            <a:endParaRPr lang="pl-PL" dirty="0" smtClean="0"/>
-          </a:p>
-          <a:p>
-            <a:pPr lvl="1"/>
-            <a:r>
-              <a:rPr lang="pl-PL" dirty="0" smtClean="0"/>
-              <a:t>Run benchmark:			go </a:t>
-            </a:r>
-            <a:r>
-              <a:rPr lang="pl-PL" dirty="0"/>
-              <a:t>test -</a:t>
-            </a:r>
-            <a:r>
-              <a:rPr lang="pl-PL" dirty="0" err="1"/>
-              <a:t>bench</a:t>
-            </a:r>
-            <a:r>
-              <a:rPr lang="pl-PL" dirty="0"/>
-              <a:t> </a:t>
-            </a:r>
-            <a:r>
-              <a:rPr lang="pl-PL" dirty="0" smtClean="0"/>
-              <a:t>.</a:t>
-            </a:r>
-          </a:p>
-          <a:p>
-            <a:pPr lvl="1"/>
-            <a:r>
-              <a:rPr lang="pl-PL" dirty="0" err="1" smtClean="0"/>
-              <a:t>Print</a:t>
-            </a:r>
-            <a:r>
-              <a:rPr lang="pl-PL" dirty="0" smtClean="0"/>
-              <a:t> </a:t>
-            </a:r>
-            <a:r>
-              <a:rPr lang="pl-PL" dirty="0" err="1"/>
-              <a:t>mem</a:t>
-            </a:r>
-            <a:r>
-              <a:rPr lang="pl-PL" dirty="0"/>
-              <a:t> </a:t>
-            </a:r>
-            <a:r>
-              <a:rPr lang="pl-PL" dirty="0" err="1" smtClean="0"/>
-              <a:t>stats</a:t>
-            </a:r>
-            <a:r>
-              <a:rPr lang="pl-PL" dirty="0" smtClean="0"/>
-              <a:t>:			go </a:t>
-            </a:r>
-            <a:r>
-              <a:rPr lang="pl-PL" dirty="0"/>
-              <a:t>test -</a:t>
-            </a:r>
-            <a:r>
-              <a:rPr lang="pl-PL" dirty="0" err="1"/>
-              <a:t>bench</a:t>
-            </a:r>
-            <a:r>
-              <a:rPr lang="pl-PL" dirty="0"/>
-              <a:t> . -</a:t>
-            </a:r>
-            <a:r>
-              <a:rPr lang="pl-PL" dirty="0" err="1"/>
-              <a:t>benchmem</a:t>
-            </a:r>
-            <a:endParaRPr lang="en-GB" dirty="0" smtClean="0">
-              <a:solidFill>
-                <a:srgbClr val="000000"/>
-              </a:solidFill>
-            </a:endParaRPr>
-          </a:p>
-        </p:txBody>
-      </p:sp>
-    </p:spTree>
-    <p:extLst>
-      <p:ext uri="{BB962C8B-B14F-4D97-AF65-F5344CB8AC3E}">
-        <p14:creationId xmlns:p14="http://schemas.microsoft.com/office/powerpoint/2010/main" val="3302269564"/>
+        <p14:creationId xmlns:p14="http://schemas.microsoft.com/office/powerpoint/2010/main" val="705080102"/>
       </p:ext>
     </p:extLst>
   </p:cSld>
@@ -6934,7 +6426,7 @@
       </p:grpSpPr>
       <p:sp>
         <p:nvSpPr>
-          <p:cNvPr id="4" name="Titel 3"/>
+          <p:cNvPr id="2" name="Titel 1"/>
           <p:cNvSpPr>
             <a:spLocks noGrp="1"/>
           </p:cNvSpPr>
@@ -6949,15 +6441,188 @@
           <a:p>
             <a:r>
               <a:rPr lang="en-GB" dirty="0" smtClean="0"/>
-              <a:t>5. </a:t>
+              <a:t>3. </a:t>
+            </a:r>
+            <a:r>
+              <a:rPr lang="en-GB" dirty="0" err="1" smtClean="0"/>
+              <a:t>Goroutines</a:t>
             </a:r>
             <a:r>
               <a:rPr lang="en-GB" dirty="0" smtClean="0"/>
-              <a:t>Web-</a:t>
-            </a:r>
-            <a:r>
-              <a:rPr lang="en-GB" dirty="0" err="1" smtClean="0"/>
-              <a:t>Entwicklung</a:t>
+              <a:t> and Channels</a:t>
+            </a:r>
+            <a:endParaRPr lang="en-GB" dirty="0"/>
+          </a:p>
+        </p:txBody>
+      </p:sp>
+      <p:sp>
+        <p:nvSpPr>
+          <p:cNvPr id="3" name="Inhaltsplatzhalter 2"/>
+          <p:cNvSpPr>
+            <a:spLocks noGrp="1"/>
+          </p:cNvSpPr>
+          <p:nvPr>
+            <p:ph idx="1"/>
+          </p:nvPr>
+        </p:nvSpPr>
+        <p:spPr/>
+        <p:txBody>
+          <a:bodyPr>
+            <a:normAutofit fontScale="92500" lnSpcReduction="10000"/>
+          </a:bodyPr>
+          <a:lstStyle/>
+          <a:p>
+            <a:r>
+              <a:rPr lang="de-DE" dirty="0" err="1" smtClean="0"/>
+              <a:t>Concurrency</a:t>
+            </a:r>
+            <a:r>
+              <a:rPr lang="de-DE" dirty="0" smtClean="0"/>
+              <a:t> primitives in Go</a:t>
+            </a:r>
+          </a:p>
+          <a:p>
+            <a:pPr lvl="1"/>
+            <a:r>
+              <a:rPr lang="de-DE" dirty="0" err="1" smtClean="0"/>
+              <a:t>Concurrent</a:t>
+            </a:r>
+            <a:r>
+              <a:rPr lang="de-DE" dirty="0" smtClean="0"/>
+              <a:t> </a:t>
+            </a:r>
+            <a:r>
+              <a:rPr lang="de-DE" dirty="0" err="1" smtClean="0"/>
+              <a:t>execution</a:t>
+            </a:r>
+            <a:r>
+              <a:rPr lang="de-DE" dirty="0" smtClean="0"/>
+              <a:t> (</a:t>
+            </a:r>
+            <a:r>
+              <a:rPr lang="de-DE" dirty="0" err="1" smtClean="0"/>
+              <a:t>goroutines</a:t>
+            </a:r>
+            <a:r>
+              <a:rPr lang="de-DE" dirty="0" smtClean="0"/>
+              <a:t>)</a:t>
+            </a:r>
+          </a:p>
+          <a:p>
+            <a:pPr lvl="1"/>
+            <a:r>
+              <a:rPr lang="de-DE" dirty="0" smtClean="0"/>
+              <a:t>Synchronisation </a:t>
+            </a:r>
+            <a:r>
+              <a:rPr lang="de-DE" dirty="0" err="1" smtClean="0"/>
+              <a:t>and</a:t>
+            </a:r>
+            <a:r>
+              <a:rPr lang="de-DE" dirty="0" smtClean="0"/>
+              <a:t> </a:t>
+            </a:r>
+            <a:r>
+              <a:rPr lang="de-DE" dirty="0" err="1" smtClean="0"/>
+              <a:t>messages</a:t>
+            </a:r>
+            <a:r>
+              <a:rPr lang="de-DE" dirty="0" smtClean="0"/>
+              <a:t> (</a:t>
+            </a:r>
+            <a:r>
+              <a:rPr lang="de-DE" dirty="0" err="1" smtClean="0"/>
+              <a:t>channels</a:t>
+            </a:r>
+            <a:r>
+              <a:rPr lang="de-DE" dirty="0" smtClean="0"/>
+              <a:t>)</a:t>
+            </a:r>
+          </a:p>
+          <a:p>
+            <a:pPr lvl="1"/>
+            <a:r>
+              <a:rPr lang="de-DE" dirty="0" smtClean="0"/>
+              <a:t>Multi-</a:t>
+            </a:r>
+            <a:r>
+              <a:rPr lang="de-DE" dirty="0" err="1" smtClean="0"/>
+              <a:t>way</a:t>
+            </a:r>
+            <a:r>
+              <a:rPr lang="de-DE" dirty="0" smtClean="0"/>
+              <a:t> </a:t>
+            </a:r>
+            <a:r>
+              <a:rPr lang="de-DE" dirty="0" err="1" smtClean="0"/>
+              <a:t>concurrent</a:t>
+            </a:r>
+            <a:r>
+              <a:rPr lang="de-DE" dirty="0" smtClean="0"/>
+              <a:t> </a:t>
+            </a:r>
+            <a:r>
+              <a:rPr lang="de-DE" dirty="0" err="1" smtClean="0"/>
+              <a:t>control</a:t>
+            </a:r>
+            <a:r>
+              <a:rPr lang="de-DE" dirty="0" smtClean="0"/>
+              <a:t> (</a:t>
+            </a:r>
+            <a:r>
+              <a:rPr lang="de-DE" dirty="0" err="1" smtClean="0"/>
+              <a:t>select</a:t>
+            </a:r>
+            <a:r>
+              <a:rPr lang="de-DE" dirty="0" smtClean="0"/>
+              <a:t>)</a:t>
+            </a:r>
+            <a:endParaRPr lang="de-DE" dirty="0" smtClean="0">
+              <a:hlinkClick r:id="rId2"/>
+            </a:endParaRPr>
+          </a:p>
+          <a:p>
+            <a:endParaRPr lang="en-GB" dirty="0" smtClean="0"/>
+          </a:p>
+          <a:p>
+            <a:r>
+              <a:rPr lang="en-GB" dirty="0" smtClean="0"/>
+              <a:t>Code</a:t>
+            </a:r>
+          </a:p>
+          <a:p>
+            <a:pPr lvl="1"/>
+            <a:r>
+              <a:rPr lang="en-GB" dirty="0" smtClean="0"/>
+              <a:t>goroutines1: synchronous channel communication</a:t>
+            </a:r>
+          </a:p>
+          <a:p>
+            <a:pPr lvl="1"/>
+            <a:r>
+              <a:rPr lang="en-GB" dirty="0" smtClean="0"/>
+              <a:t>goroutines2: sync. + flag channel</a:t>
+            </a:r>
+          </a:p>
+          <a:p>
+            <a:pPr lvl="1"/>
+            <a:r>
+              <a:rPr lang="en-GB" dirty="0" smtClean="0"/>
+              <a:t>goroutines3: buffered channels</a:t>
+            </a:r>
+          </a:p>
+          <a:p>
+            <a:pPr lvl="1"/>
+            <a:r>
+              <a:rPr lang="en-GB" dirty="0" smtClean="0"/>
+              <a:t>goroutines4: timeout concurrent operations</a:t>
+            </a:r>
+          </a:p>
+          <a:p>
+            <a:pPr lvl="1"/>
+            <a:r>
+              <a:rPr lang="en-GB" dirty="0" smtClean="0"/>
+              <a:t>goroutines5: query replicated service</a:t>
             </a:r>
             <a:endParaRPr lang="en-GB" dirty="0"/>
           </a:p>
@@ -6966,20 +6631,13 @@
     </p:spTree>
     <p:extLst>
       <p:ext uri="{BB962C8B-B14F-4D97-AF65-F5344CB8AC3E}">
-        <p14:creationId xmlns:p14="http://schemas.microsoft.com/office/powerpoint/2010/main" val="2301045571"/>
+        <p14:creationId xmlns:p14="http://schemas.microsoft.com/office/powerpoint/2010/main" val="1290651671"/>
       </p:ext>
     </p:extLst>
   </p:cSld>
   <p:clrMapOvr>
     <a:masterClrMapping/>
   </p:clrMapOvr>
-  <p:timing>
-    <p:tnLst>
-      <p:par>
-        <p:cTn xmlns:p14="http://schemas.microsoft.com/office/powerpoint/2010/main" id="1" dur="indefinite" restart="never" nodeType="tmRoot"/>
-      </p:par>
-    </p:tnLst>
-  </p:timing>
 </p:sld>
 </file>
 
@@ -7002,7 +6660,7 @@
       </p:grpSpPr>
       <p:sp>
         <p:nvSpPr>
-          <p:cNvPr id="4" name="Titel 3"/>
+          <p:cNvPr id="2" name="Titel 1"/>
           <p:cNvSpPr>
             <a:spLocks noGrp="1"/>
           </p:cNvSpPr>
@@ -7017,15 +6675,15 @@
           <a:p>
             <a:r>
               <a:rPr lang="en-GB" dirty="0" smtClean="0"/>
-              <a:t>5. </a:t>
+              <a:t>3. </a:t>
+            </a:r>
+            <a:r>
+              <a:rPr lang="en-GB" dirty="0" err="1" smtClean="0"/>
+              <a:t>Goroutines</a:t>
             </a:r>
             <a:r>
               <a:rPr lang="en-GB" dirty="0" smtClean="0"/>
-              <a:t>Web-</a:t>
-            </a:r>
-            <a:r>
-              <a:rPr lang="en-GB" dirty="0" err="1" smtClean="0"/>
-              <a:t>Entwicklung</a:t>
+              <a:t> and Channels</a:t>
             </a:r>
             <a:endParaRPr lang="en-GB" dirty="0"/>
           </a:p>
@@ -7033,7 +6691,7 @@
       </p:sp>
       <p:sp>
         <p:nvSpPr>
-          <p:cNvPr id="5" name="Inhaltsplatzhalter 4"/>
+          <p:cNvPr id="3" name="Inhaltsplatzhalter 2"/>
           <p:cNvSpPr>
             <a:spLocks noGrp="1"/>
           </p:cNvSpPr>
@@ -7048,52 +6706,37 @@
           <a:p>
             <a:r>
               <a:rPr lang="en-GB" dirty="0" smtClean="0"/>
-              <a:t>web1: Hello World Web-</a:t>
-            </a:r>
+              <a:t>Most APIs are blocking, sequential code</a:t>
+            </a:r>
+            <a:endParaRPr lang="en-GB" dirty="0"/>
+          </a:p>
+          <a:p>
             <a:r>
               <a:rPr lang="en-GB" dirty="0" smtClean="0"/>
-              <a:t>Server</a:t>
-            </a:r>
-          </a:p>
-          <a:p>
+              <a:t>The </a:t>
+            </a:r>
+            <a:r>
+              <a:rPr lang="en-GB" i="1" dirty="0" smtClean="0"/>
+              <a:t>go</a:t>
+            </a:r>
             <a:r>
               <a:rPr lang="en-GB" dirty="0" smtClean="0"/>
-              <a:t>web2: </a:t>
-            </a:r>
-            <a:r>
-              <a:rPr lang="en-GB" dirty="0" err="1" smtClean="0"/>
-              <a:t>Einfacher</a:t>
-            </a:r>
+              <a:t> keyword makes it easy to execute concurrently</a:t>
+            </a:r>
+          </a:p>
+          <a:p>
             <a:r>
               <a:rPr lang="en-GB" dirty="0" smtClean="0"/>
-              <a:t> File-Server</a:t>
-            </a:r>
-          </a:p>
-          <a:p>
-            <a:r>
-              <a:rPr lang="en-GB" dirty="0" smtClean="0"/>
-              <a:t>web3: Templates </a:t>
-            </a:r>
-            <a:r>
-              <a:rPr lang="en-GB" dirty="0" err="1" smtClean="0"/>
-              <a:t>mit</a:t>
-            </a:r>
-            <a:r>
-              <a:rPr lang="en-GB" dirty="0" smtClean="0"/>
-              <a:t> html/</a:t>
-            </a:r>
-            <a:r>
-              <a:rPr lang="en-GB" dirty="0" smtClean="0"/>
-              <a:t>template</a:t>
-            </a:r>
-            <a:endParaRPr lang="en-GB" dirty="0" smtClean="0"/>
+              <a:t>Synchronisation is the harder part</a:t>
+            </a:r>
+            <a:endParaRPr lang="en-GB" dirty="0"/>
           </a:p>
         </p:txBody>
       </p:sp>
     </p:spTree>
     <p:extLst>
       <p:ext uri="{BB962C8B-B14F-4D97-AF65-F5344CB8AC3E}">
-        <p14:creationId xmlns:p14="http://schemas.microsoft.com/office/powerpoint/2010/main" val="1945672616"/>
+        <p14:creationId xmlns:p14="http://schemas.microsoft.com/office/powerpoint/2010/main" val="533033733"/>
       </p:ext>
     </p:extLst>
   </p:cSld>
@@ -7137,11 +6780,15 @@
           <a:p>
             <a:r>
               <a:rPr lang="en-GB" dirty="0" smtClean="0"/>
-              <a:t>6. </a:t>
-            </a:r>
-            <a:r>
-              <a:rPr lang="en-GB" dirty="0" err="1" smtClean="0"/>
-              <a:t>Ausblick</a:t>
+              <a:t>4. Unit Testing </a:t>
+            </a:r>
+            <a:r>
+              <a:rPr lang="en-GB" dirty="0" smtClean="0"/>
+              <a:t>And </a:t>
+            </a:r>
+            <a:r>
+              <a:rPr lang="en-GB" dirty="0" smtClean="0"/>
+              <a:t>Benchmarking</a:t>
             </a:r>
             <a:endParaRPr lang="en-GB" dirty="0"/>
           </a:p>
@@ -7150,7 +6797,7 @@
     </p:spTree>
     <p:extLst>
       <p:ext uri="{BB962C8B-B14F-4D97-AF65-F5344CB8AC3E}">
-        <p14:creationId xmlns:p14="http://schemas.microsoft.com/office/powerpoint/2010/main" val="272318565"/>
+        <p14:creationId xmlns:p14="http://schemas.microsoft.com/office/powerpoint/2010/main" val="1244928070"/>
       </p:ext>
     </p:extLst>
   </p:cSld>
@@ -7201,11 +6848,7 @@
           <a:p>
             <a:r>
               <a:rPr lang="en-GB" dirty="0" smtClean="0"/>
-              <a:t>6. </a:t>
-            </a:r>
-            <a:r>
-              <a:rPr lang="en-GB" dirty="0" err="1" smtClean="0"/>
-              <a:t>Ausblick</a:t>
+              <a:t>4. Unit Testing</a:t>
             </a:r>
             <a:endParaRPr lang="en-GB" dirty="0"/>
           </a:p>
@@ -7223,72 +6866,527 @@
         </p:nvSpPr>
         <p:spPr/>
         <p:txBody>
-          <a:bodyPr/>
-          <a:lstStyle/>
-          <a:p>
-            <a:r>
-              <a:rPr lang="en-GB" dirty="0" smtClean="0">
-                <a:solidFill>
-                  <a:srgbClr val="000000"/>
-                </a:solidFill>
-              </a:rPr>
-              <a:t>Concurrency Patterns</a:t>
-            </a:r>
-          </a:p>
-          <a:p>
-            <a:r>
-              <a:rPr lang="en-GB" dirty="0" smtClean="0">
-                <a:solidFill>
-                  <a:srgbClr val="000000"/>
-                </a:solidFill>
-              </a:rPr>
-              <a:t>Functional Programming (map/transform/…)</a:t>
-            </a:r>
-          </a:p>
-          <a:p>
-            <a:r>
-              <a:rPr lang="en-GB" dirty="0" smtClean="0">
-                <a:solidFill>
-                  <a:srgbClr val="000000"/>
-                </a:solidFill>
-              </a:rPr>
-              <a:t>Debugging and Profiling</a:t>
-            </a:r>
-          </a:p>
-          <a:p>
-            <a:r>
-              <a:rPr lang="en-GB" dirty="0" smtClean="0">
-                <a:solidFill>
-                  <a:srgbClr val="000000"/>
-                </a:solidFill>
-              </a:rPr>
-              <a:t>Dependency Management</a:t>
-            </a:r>
-          </a:p>
-          <a:p>
-            <a:r>
-              <a:rPr lang="en-GB" dirty="0" err="1" smtClean="0">
-                <a:solidFill>
-                  <a:srgbClr val="000000"/>
-                </a:solidFill>
-              </a:rPr>
-              <a:t>Mehr</a:t>
-            </a:r>
-            <a:r>
-              <a:rPr lang="en-GB" dirty="0" smtClean="0">
-                <a:solidFill>
-                  <a:srgbClr val="000000"/>
-                </a:solidFill>
-              </a:rPr>
-              <a:t> Web-</a:t>
-            </a:r>
-            <a:r>
-              <a:rPr lang="en-GB" dirty="0" err="1" smtClean="0">
-                <a:solidFill>
-                  <a:srgbClr val="000000"/>
-                </a:solidFill>
-              </a:rPr>
-              <a:t>Entwicklung</a:t>
+          <a:bodyPr>
+            <a:normAutofit fontScale="62500" lnSpcReduction="20000"/>
+          </a:bodyPr>
+          <a:lstStyle/>
+          <a:p>
+            <a:r>
+              <a:rPr lang="en-GB" dirty="0"/>
+              <a:t>Unit </a:t>
+            </a:r>
+            <a:r>
+              <a:rPr lang="en-GB" dirty="0" smtClean="0"/>
+              <a:t>Testing</a:t>
+            </a:r>
+          </a:p>
+          <a:p>
+            <a:pPr lvl="1"/>
+            <a:r>
+              <a:rPr lang="pl-PL" dirty="0" smtClean="0"/>
+              <a:t>Run </a:t>
+            </a:r>
+            <a:r>
+              <a:rPr lang="pl-PL" dirty="0" err="1" smtClean="0"/>
+              <a:t>tests</a:t>
+            </a:r>
+            <a:r>
+              <a:rPr lang="pl-PL" dirty="0" smtClean="0"/>
+              <a:t>:				go </a:t>
+            </a:r>
+            <a:r>
+              <a:rPr lang="pl-PL" dirty="0"/>
+              <a:t>test</a:t>
+            </a:r>
+          </a:p>
+          <a:p>
+            <a:endParaRPr lang="pl-PL" dirty="0"/>
+          </a:p>
+          <a:p>
+            <a:r>
+              <a:rPr lang="pl-PL" dirty="0" err="1"/>
+              <a:t>Code</a:t>
+            </a:r>
+            <a:r>
+              <a:rPr lang="pl-PL" dirty="0"/>
+              <a:t> </a:t>
+            </a:r>
+            <a:r>
+              <a:rPr lang="pl-PL" dirty="0" err="1" smtClean="0"/>
+              <a:t>Coverage</a:t>
+            </a:r>
+            <a:endParaRPr lang="pl-PL" dirty="0" smtClean="0"/>
+          </a:p>
+          <a:p>
+            <a:pPr lvl="1"/>
+            <a:r>
+              <a:rPr lang="pl-PL" dirty="0" err="1" smtClean="0"/>
+              <a:t>Install</a:t>
+            </a:r>
+            <a:r>
+              <a:rPr lang="pl-PL" dirty="0" smtClean="0"/>
+              <a:t> </a:t>
+            </a:r>
+            <a:r>
+              <a:rPr lang="pl-PL" dirty="0" err="1"/>
+              <a:t>cover</a:t>
+            </a:r>
+            <a:r>
+              <a:rPr lang="pl-PL" dirty="0"/>
+              <a:t> </a:t>
+            </a:r>
+            <a:r>
+              <a:rPr lang="pl-PL" dirty="0" err="1" smtClean="0"/>
+              <a:t>tool</a:t>
+            </a:r>
+            <a:r>
+              <a:rPr lang="pl-PL" dirty="0" smtClean="0"/>
+              <a:t>:		go </a:t>
+            </a:r>
+            <a:r>
+              <a:rPr lang="pl-PL" dirty="0" err="1"/>
+              <a:t>get</a:t>
+            </a:r>
+            <a:r>
+              <a:rPr lang="pl-PL" dirty="0"/>
+              <a:t> </a:t>
+            </a:r>
+            <a:r>
+              <a:rPr lang="pl-PL" dirty="0" err="1"/>
+              <a:t>golang.org</a:t>
+            </a:r>
+            <a:r>
+              <a:rPr lang="pl-PL" dirty="0"/>
+              <a:t>/x/</a:t>
+            </a:r>
+            <a:r>
+              <a:rPr lang="pl-PL" dirty="0" err="1"/>
+              <a:t>tools</a:t>
+            </a:r>
+            <a:r>
+              <a:rPr lang="pl-PL" dirty="0"/>
+              <a:t>/</a:t>
+            </a:r>
+            <a:r>
+              <a:rPr lang="pl-PL" dirty="0" err="1"/>
+              <a:t>cmd</a:t>
+            </a:r>
+            <a:r>
+              <a:rPr lang="pl-PL" dirty="0"/>
+              <a:t>/</a:t>
+            </a:r>
+            <a:r>
+              <a:rPr lang="pl-PL" dirty="0" err="1" smtClean="0"/>
+              <a:t>cover</a:t>
+            </a:r>
+            <a:endParaRPr lang="pl-PL" dirty="0" smtClean="0"/>
+          </a:p>
+          <a:p>
+            <a:pPr lvl="1"/>
+            <a:r>
+              <a:rPr lang="pl-PL" dirty="0" smtClean="0"/>
+              <a:t>Run </a:t>
+            </a:r>
+            <a:r>
+              <a:rPr lang="pl-PL" dirty="0" err="1"/>
+              <a:t>coverate</a:t>
+            </a:r>
+            <a:r>
+              <a:rPr lang="pl-PL" dirty="0"/>
+              <a:t> </a:t>
+            </a:r>
+            <a:r>
+              <a:rPr lang="pl-PL" dirty="0" smtClean="0"/>
+              <a:t>test:		go </a:t>
+            </a:r>
+            <a:r>
+              <a:rPr lang="pl-PL" dirty="0"/>
+              <a:t>test </a:t>
+            </a:r>
+            <a:r>
+              <a:rPr lang="pl-PL" dirty="0" smtClean="0"/>
+              <a:t>–</a:t>
+            </a:r>
+            <a:r>
+              <a:rPr lang="pl-PL" dirty="0" err="1" smtClean="0"/>
+              <a:t>cover</a:t>
+            </a:r>
+            <a:endParaRPr lang="pl-PL" dirty="0" smtClean="0"/>
+          </a:p>
+          <a:p>
+            <a:pPr lvl="1"/>
+            <a:r>
+              <a:rPr lang="pl-PL" dirty="0" err="1" smtClean="0"/>
+              <a:t>Generate</a:t>
+            </a:r>
+            <a:r>
+              <a:rPr lang="pl-PL" dirty="0" smtClean="0"/>
+              <a:t> </a:t>
+            </a:r>
+            <a:r>
+              <a:rPr lang="pl-PL" dirty="0" err="1" smtClean="0"/>
+              <a:t>outfile</a:t>
+            </a:r>
+            <a:r>
+              <a:rPr lang="pl-PL" dirty="0" smtClean="0"/>
+              <a:t>:		go </a:t>
+            </a:r>
+            <a:r>
+              <a:rPr lang="pl-PL" dirty="0"/>
+              <a:t>test -</a:t>
+            </a:r>
+            <a:r>
+              <a:rPr lang="pl-PL" dirty="0" err="1"/>
+              <a:t>coverprofile</a:t>
+            </a:r>
+            <a:r>
+              <a:rPr lang="pl-PL" dirty="0"/>
+              <a:t>=</a:t>
+            </a:r>
+            <a:r>
+              <a:rPr lang="pl-PL" dirty="0" err="1" smtClean="0"/>
+              <a:t>coverage.out</a:t>
+            </a:r>
+            <a:endParaRPr lang="pl-PL" dirty="0" smtClean="0"/>
+          </a:p>
+          <a:p>
+            <a:pPr lvl="1"/>
+            <a:r>
+              <a:rPr lang="pl-PL" dirty="0" err="1" smtClean="0"/>
+              <a:t>Function</a:t>
+            </a:r>
+            <a:r>
+              <a:rPr lang="pl-PL" dirty="0" smtClean="0"/>
+              <a:t> </a:t>
+            </a:r>
+            <a:r>
+              <a:rPr lang="pl-PL" dirty="0" err="1" smtClean="0"/>
+              <a:t>breakdown</a:t>
+            </a:r>
+            <a:r>
+              <a:rPr lang="pl-PL" dirty="0" smtClean="0"/>
+              <a:t>:		go </a:t>
+            </a:r>
+            <a:r>
+              <a:rPr lang="pl-PL" dirty="0" err="1"/>
+              <a:t>tool</a:t>
+            </a:r>
+            <a:r>
+              <a:rPr lang="pl-PL" dirty="0"/>
+              <a:t> </a:t>
+            </a:r>
+            <a:r>
+              <a:rPr lang="pl-PL" dirty="0" err="1"/>
+              <a:t>cover</a:t>
+            </a:r>
+            <a:r>
+              <a:rPr lang="pl-PL" dirty="0"/>
+              <a:t> -</a:t>
+            </a:r>
+            <a:r>
+              <a:rPr lang="pl-PL" dirty="0" err="1"/>
+              <a:t>func</a:t>
+            </a:r>
+            <a:r>
+              <a:rPr lang="pl-PL" dirty="0"/>
+              <a:t>=</a:t>
+            </a:r>
+            <a:r>
+              <a:rPr lang="pl-PL" dirty="0" err="1" smtClean="0"/>
+              <a:t>coverage.out</a:t>
+            </a:r>
+            <a:endParaRPr lang="pl-PL" dirty="0" smtClean="0"/>
+          </a:p>
+          <a:p>
+            <a:pPr lvl="1"/>
+            <a:r>
+              <a:rPr lang="pl-PL" dirty="0" smtClean="0"/>
+              <a:t>HTML </a:t>
+            </a:r>
+            <a:r>
+              <a:rPr lang="pl-PL" dirty="0" err="1" smtClean="0"/>
+              <a:t>view</a:t>
+            </a:r>
+            <a:r>
+              <a:rPr lang="pl-PL" dirty="0" smtClean="0"/>
+              <a:t>:			go </a:t>
+            </a:r>
+            <a:r>
+              <a:rPr lang="pl-PL" dirty="0" err="1"/>
+              <a:t>tool</a:t>
+            </a:r>
+            <a:r>
+              <a:rPr lang="pl-PL" dirty="0"/>
+              <a:t> </a:t>
+            </a:r>
+            <a:r>
+              <a:rPr lang="pl-PL" dirty="0" err="1"/>
+              <a:t>cover</a:t>
+            </a:r>
+            <a:r>
+              <a:rPr lang="pl-PL" dirty="0"/>
+              <a:t> -</a:t>
+            </a:r>
+            <a:r>
+              <a:rPr lang="pl-PL" dirty="0" err="1"/>
+              <a:t>html</a:t>
+            </a:r>
+            <a:r>
+              <a:rPr lang="pl-PL" dirty="0"/>
+              <a:t>=</a:t>
+            </a:r>
+            <a:r>
+              <a:rPr lang="pl-PL" dirty="0" err="1" smtClean="0"/>
+              <a:t>coverage.out</a:t>
+            </a:r>
+            <a:endParaRPr lang="pl-PL" dirty="0" smtClean="0"/>
+          </a:p>
+          <a:p>
+            <a:pPr lvl="1"/>
+            <a:r>
+              <a:rPr lang="pl-PL" dirty="0" err="1" smtClean="0"/>
+              <a:t>Counting</a:t>
+            </a:r>
+            <a:r>
+              <a:rPr lang="pl-PL" dirty="0" smtClean="0"/>
+              <a:t> </a:t>
+            </a:r>
+            <a:r>
+              <a:rPr lang="pl-PL" dirty="0" err="1"/>
+              <a:t>mode</a:t>
+            </a:r>
+            <a:r>
+              <a:rPr lang="pl-PL" dirty="0"/>
+              <a:t> (</a:t>
+            </a:r>
+            <a:r>
+              <a:rPr lang="pl-PL" dirty="0" err="1"/>
+              <a:t>outfile</a:t>
+            </a:r>
+            <a:r>
+              <a:rPr lang="pl-PL" dirty="0"/>
+              <a:t>): </a:t>
+            </a:r>
+            <a:r>
+              <a:rPr lang="pl-PL" dirty="0" smtClean="0"/>
+              <a:t>	go </a:t>
+            </a:r>
+            <a:r>
+              <a:rPr lang="pl-PL" dirty="0"/>
+              <a:t>test -</a:t>
+            </a:r>
+            <a:r>
+              <a:rPr lang="pl-PL" dirty="0" err="1"/>
+              <a:t>covermode</a:t>
+            </a:r>
+            <a:r>
+              <a:rPr lang="pl-PL" dirty="0"/>
+              <a:t>=</a:t>
+            </a:r>
+            <a:r>
+              <a:rPr lang="pl-PL" dirty="0" err="1"/>
+              <a:t>count</a:t>
+            </a:r>
+            <a:r>
+              <a:rPr lang="pl-PL" dirty="0"/>
+              <a:t> -</a:t>
+            </a:r>
+            <a:r>
+              <a:rPr lang="pl-PL" dirty="0" err="1"/>
+              <a:t>coverprofile</a:t>
+            </a:r>
+            <a:r>
+              <a:rPr lang="pl-PL" dirty="0"/>
+              <a:t>=</a:t>
+            </a:r>
+            <a:r>
+              <a:rPr lang="pl-PL" dirty="0" err="1" smtClean="0"/>
+              <a:t>count.out</a:t>
+            </a:r>
+            <a:endParaRPr lang="pl-PL" dirty="0" smtClean="0"/>
+          </a:p>
+          <a:p>
+            <a:pPr lvl="1"/>
+            <a:r>
+              <a:rPr lang="pl-PL" dirty="0" err="1" smtClean="0"/>
+              <a:t>Print</a:t>
+            </a:r>
+            <a:r>
+              <a:rPr lang="pl-PL" dirty="0" smtClean="0"/>
+              <a:t> </a:t>
+            </a:r>
+            <a:r>
+              <a:rPr lang="pl-PL" dirty="0" err="1"/>
+              <a:t>counting</a:t>
+            </a:r>
+            <a:r>
+              <a:rPr lang="pl-PL" dirty="0"/>
+              <a:t> </a:t>
+            </a:r>
+            <a:r>
+              <a:rPr lang="pl-PL" dirty="0" err="1" smtClean="0"/>
+              <a:t>results</a:t>
+            </a:r>
+            <a:r>
+              <a:rPr lang="pl-PL" dirty="0" smtClean="0"/>
+              <a:t>:	go </a:t>
+            </a:r>
+            <a:r>
+              <a:rPr lang="pl-PL" dirty="0" err="1"/>
+              <a:t>tool</a:t>
+            </a:r>
+            <a:r>
+              <a:rPr lang="pl-PL" dirty="0"/>
+              <a:t> </a:t>
+            </a:r>
+            <a:r>
+              <a:rPr lang="pl-PL" dirty="0" err="1"/>
+              <a:t>cover</a:t>
+            </a:r>
+            <a:r>
+              <a:rPr lang="pl-PL" dirty="0"/>
+              <a:t> -</a:t>
+            </a:r>
+            <a:r>
+              <a:rPr lang="pl-PL" dirty="0" err="1"/>
+              <a:t>func</a:t>
+            </a:r>
+            <a:r>
+              <a:rPr lang="pl-PL" dirty="0"/>
+              <a:t>=</a:t>
+            </a:r>
+            <a:r>
+              <a:rPr lang="pl-PL" dirty="0" err="1" smtClean="0"/>
+              <a:t>count.out</a:t>
+            </a:r>
+            <a:endParaRPr lang="pl-PL" dirty="0" smtClean="0"/>
+          </a:p>
+          <a:p>
+            <a:pPr lvl="1"/>
+            <a:r>
+              <a:rPr lang="pl-PL" dirty="0" smtClean="0"/>
+              <a:t>HTML </a:t>
+            </a:r>
+            <a:r>
+              <a:rPr lang="pl-PL" dirty="0" err="1"/>
+              <a:t>counting</a:t>
+            </a:r>
+            <a:r>
+              <a:rPr lang="pl-PL" dirty="0"/>
+              <a:t> </a:t>
+            </a:r>
+            <a:r>
+              <a:rPr lang="pl-PL" dirty="0" err="1" smtClean="0"/>
+              <a:t>view</a:t>
+            </a:r>
+            <a:r>
+              <a:rPr lang="pl-PL" dirty="0" smtClean="0"/>
+              <a:t>:		go </a:t>
+            </a:r>
+            <a:r>
+              <a:rPr lang="pl-PL" dirty="0" err="1"/>
+              <a:t>tool</a:t>
+            </a:r>
+            <a:r>
+              <a:rPr lang="pl-PL" dirty="0"/>
+              <a:t> </a:t>
+            </a:r>
+            <a:r>
+              <a:rPr lang="pl-PL" dirty="0" err="1"/>
+              <a:t>cover</a:t>
+            </a:r>
+            <a:r>
+              <a:rPr lang="pl-PL" dirty="0"/>
+              <a:t> -</a:t>
+            </a:r>
+            <a:r>
+              <a:rPr lang="pl-PL" dirty="0" err="1"/>
+              <a:t>html</a:t>
+            </a:r>
+            <a:r>
+              <a:rPr lang="pl-PL" dirty="0"/>
+              <a:t>=</a:t>
+            </a:r>
+            <a:r>
+              <a:rPr lang="pl-PL" dirty="0" err="1"/>
+              <a:t>count.out</a:t>
+            </a:r>
+            <a:endParaRPr lang="pl-PL" dirty="0"/>
+          </a:p>
+          <a:p>
+            <a:endParaRPr lang="pl-PL" dirty="0"/>
+          </a:p>
+          <a:p>
+            <a:r>
+              <a:rPr lang="pl-PL" dirty="0" err="1" smtClean="0"/>
+              <a:t>Benchmarking</a:t>
+            </a:r>
+            <a:endParaRPr lang="pl-PL" dirty="0" smtClean="0"/>
+          </a:p>
+          <a:p>
+            <a:pPr lvl="1"/>
+            <a:r>
+              <a:rPr lang="pl-PL" dirty="0" smtClean="0"/>
+              <a:t>Run benchmark:			go </a:t>
+            </a:r>
+            <a:r>
+              <a:rPr lang="pl-PL" dirty="0"/>
+              <a:t>test -</a:t>
+            </a:r>
+            <a:r>
+              <a:rPr lang="pl-PL" dirty="0" err="1"/>
+              <a:t>bench</a:t>
+            </a:r>
+            <a:r>
+              <a:rPr lang="pl-PL" dirty="0"/>
+              <a:t> </a:t>
+            </a:r>
+            <a:r>
+              <a:rPr lang="pl-PL" dirty="0" smtClean="0"/>
+              <a:t>.</a:t>
+            </a:r>
+          </a:p>
+          <a:p>
+            <a:pPr lvl="1"/>
+            <a:r>
+              <a:rPr lang="pl-PL" dirty="0" err="1" smtClean="0"/>
+              <a:t>Print</a:t>
+            </a:r>
+            <a:r>
+              <a:rPr lang="pl-PL" dirty="0" smtClean="0"/>
+              <a:t> </a:t>
+            </a:r>
+            <a:r>
+              <a:rPr lang="pl-PL" dirty="0" err="1"/>
+              <a:t>mem</a:t>
+            </a:r>
+            <a:r>
+              <a:rPr lang="pl-PL" dirty="0"/>
+              <a:t> </a:t>
+            </a:r>
+            <a:r>
+              <a:rPr lang="pl-PL" dirty="0" err="1" smtClean="0"/>
+              <a:t>stats</a:t>
+            </a:r>
+            <a:r>
+              <a:rPr lang="pl-PL" dirty="0" smtClean="0"/>
+              <a:t>:			go </a:t>
+            </a:r>
+            <a:r>
+              <a:rPr lang="pl-PL" dirty="0"/>
+              <a:t>test -</a:t>
+            </a:r>
+            <a:r>
+              <a:rPr lang="pl-PL" dirty="0" err="1"/>
+              <a:t>bench</a:t>
+            </a:r>
+            <a:r>
+              <a:rPr lang="pl-PL" dirty="0"/>
+              <a:t> . -</a:t>
+            </a:r>
+            <a:r>
+              <a:rPr lang="pl-PL" dirty="0" err="1"/>
+              <a:t>benchmem</a:t>
             </a:r>
             <a:endParaRPr lang="en-GB" dirty="0" smtClean="0">
               <a:solidFill>
@@ -7296,90 +7394,176 @@
               </a:solidFill>
             </a:endParaRPr>
           </a:p>
-          <a:p>
-            <a:r>
-              <a:rPr lang="en-GB" dirty="0" err="1" smtClean="0">
-                <a:solidFill>
-                  <a:srgbClr val="000000"/>
-                </a:solidFill>
-              </a:rPr>
-              <a:t>Populäre</a:t>
-            </a:r>
-            <a:r>
-              <a:rPr lang="en-GB" dirty="0" smtClean="0">
-                <a:solidFill>
-                  <a:srgbClr val="000000"/>
-                </a:solidFill>
-              </a:rPr>
-              <a:t> Go-</a:t>
-            </a:r>
-            <a:r>
-              <a:rPr lang="en-GB" dirty="0" err="1" smtClean="0">
-                <a:solidFill>
-                  <a:srgbClr val="000000"/>
-                </a:solidFill>
-              </a:rPr>
-              <a:t>Projekte</a:t>
-            </a:r>
-            <a:r>
-              <a:rPr lang="en-GB" dirty="0" smtClean="0">
-                <a:solidFill>
-                  <a:srgbClr val="000000"/>
-                </a:solidFill>
-              </a:rPr>
-              <a:t> und -</a:t>
-            </a:r>
-            <a:r>
-              <a:rPr lang="en-GB" dirty="0" err="1" smtClean="0">
-                <a:solidFill>
-                  <a:srgbClr val="000000"/>
-                </a:solidFill>
-              </a:rPr>
-              <a:t>Bibliotheken</a:t>
-            </a:r>
-            <a:endParaRPr lang="en-GB" dirty="0" smtClean="0">
-              <a:solidFill>
-                <a:srgbClr val="000000"/>
-              </a:solidFill>
-            </a:endParaRPr>
-          </a:p>
-          <a:p>
-            <a:r>
-              <a:rPr lang="en-GB" dirty="0" smtClean="0">
-                <a:solidFill>
-                  <a:srgbClr val="000000"/>
-                </a:solidFill>
-              </a:rPr>
-              <a:t>Deployment (e.g., </a:t>
-            </a:r>
-            <a:r>
-              <a:rPr lang="en-GB" dirty="0" err="1" smtClean="0">
-                <a:solidFill>
-                  <a:srgbClr val="000000"/>
-                </a:solidFill>
-              </a:rPr>
-              <a:t>Docker</a:t>
-            </a:r>
-            <a:r>
-              <a:rPr lang="en-GB" dirty="0" smtClean="0">
-                <a:solidFill>
-                  <a:srgbClr val="000000"/>
-                </a:solidFill>
-              </a:rPr>
-              <a:t> + Go)</a:t>
-            </a:r>
-            <a:endParaRPr lang="en-GB" dirty="0">
-              <a:solidFill>
-                <a:srgbClr val="000000"/>
-              </a:solidFill>
-            </a:endParaRPr>
-          </a:p>
         </p:txBody>
       </p:sp>
     </p:spTree>
     <p:extLst>
       <p:ext uri="{BB962C8B-B14F-4D97-AF65-F5344CB8AC3E}">
-        <p14:creationId xmlns:p14="http://schemas.microsoft.com/office/powerpoint/2010/main" val="2819738931"/>
+        <p14:creationId xmlns:p14="http://schemas.microsoft.com/office/powerpoint/2010/main" val="3302269564"/>
+      </p:ext>
+    </p:extLst>
+  </p:cSld>
+  <p:clrMapOvr>
+    <a:masterClrMapping/>
+  </p:clrMapOvr>
+</p:sld>
+</file>
+
+<file path=ppt/slides/slide28.xml><?xml version="1.0" encoding="utf-8"?>
+<p:sld xmlns:a="http://schemas.openxmlformats.org/drawingml/2006/main" xmlns:r="http://schemas.openxmlformats.org/officeDocument/2006/relationships" xmlns:p="http://schemas.openxmlformats.org/presentationml/2006/main">
+  <p:cSld>
+    <p:spTree>
+      <p:nvGrpSpPr>
+        <p:cNvPr id="1" name=""/>
+        <p:cNvGrpSpPr/>
+        <p:nvPr/>
+      </p:nvGrpSpPr>
+      <p:grpSpPr>
+        <a:xfrm>
+          <a:off x="0" y="0"/>
+          <a:ext cx="0" cy="0"/>
+          <a:chOff x="0" y="0"/>
+          <a:chExt cx="0" cy="0"/>
+        </a:xfrm>
+      </p:grpSpPr>
+      <p:sp>
+        <p:nvSpPr>
+          <p:cNvPr id="2" name="Titel 1"/>
+          <p:cNvSpPr>
+            <a:spLocks noGrp="1"/>
+          </p:cNvSpPr>
+          <p:nvPr>
+            <p:ph type="title"/>
+          </p:nvPr>
+        </p:nvSpPr>
+        <p:spPr/>
+        <p:txBody>
+          <a:bodyPr/>
+          <a:lstStyle/>
+          <a:p>
+            <a:r>
+              <a:rPr lang="en-GB" dirty="0"/>
+              <a:t>4. Unit Testing</a:t>
+            </a:r>
+          </a:p>
+        </p:txBody>
+      </p:sp>
+      <p:pic>
+        <p:nvPicPr>
+          <p:cNvPr id="4" name="Bild 3" descr="set.png"/>
+          <p:cNvPicPr>
+            <a:picLocks noChangeAspect="1"/>
+          </p:cNvPicPr>
+          <p:nvPr/>
+        </p:nvPicPr>
+        <p:blipFill>
+          <a:blip r:embed="rId2">
+            <a:extLst>
+              <a:ext uri="{28A0092B-C50C-407E-A947-70E740481C1C}">
+                <a14:useLocalDpi xmlns:a14="http://schemas.microsoft.com/office/drawing/2010/main" val="0"/>
+              </a:ext>
+            </a:extLst>
+          </a:blip>
+          <a:stretch>
+            <a:fillRect/>
+          </a:stretch>
+        </p:blipFill>
+        <p:spPr>
+          <a:xfrm>
+            <a:off x="319107" y="1369970"/>
+            <a:ext cx="8496300" cy="5092700"/>
+          </a:xfrm>
+          <a:prstGeom prst="rect">
+            <a:avLst/>
+          </a:prstGeom>
+        </p:spPr>
+      </p:pic>
+    </p:spTree>
+    <p:extLst>
+      <p:ext uri="{BB962C8B-B14F-4D97-AF65-F5344CB8AC3E}">
+        <p14:creationId xmlns:p14="http://schemas.microsoft.com/office/powerpoint/2010/main" val="3789082104"/>
+      </p:ext>
+    </p:extLst>
+  </p:cSld>
+  <p:clrMapOvr>
+    <a:masterClrMapping/>
+  </p:clrMapOvr>
+</p:sld>
+</file>
+
+<file path=ppt/slides/slide29.xml><?xml version="1.0" encoding="utf-8"?>
+<p:sld xmlns:a="http://schemas.openxmlformats.org/drawingml/2006/main" xmlns:r="http://schemas.openxmlformats.org/officeDocument/2006/relationships" xmlns:p="http://schemas.openxmlformats.org/presentationml/2006/main">
+  <p:cSld>
+    <p:spTree>
+      <p:nvGrpSpPr>
+        <p:cNvPr id="1" name=""/>
+        <p:cNvGrpSpPr/>
+        <p:nvPr/>
+      </p:nvGrpSpPr>
+      <p:grpSpPr>
+        <a:xfrm>
+          <a:off x="0" y="0"/>
+          <a:ext cx="0" cy="0"/>
+          <a:chOff x="0" y="0"/>
+          <a:chExt cx="0" cy="0"/>
+        </a:xfrm>
+      </p:grpSpPr>
+      <p:sp>
+        <p:nvSpPr>
+          <p:cNvPr id="2" name="Titel 1"/>
+          <p:cNvSpPr>
+            <a:spLocks noGrp="1"/>
+          </p:cNvSpPr>
+          <p:nvPr>
+            <p:ph type="title"/>
+          </p:nvPr>
+        </p:nvSpPr>
+        <p:spPr/>
+        <p:txBody>
+          <a:bodyPr/>
+          <a:lstStyle/>
+          <a:p>
+            <a:r>
+              <a:rPr lang="en-GB" dirty="0"/>
+              <a:t>4. Unit Testing</a:t>
+            </a:r>
+          </a:p>
+        </p:txBody>
+      </p:sp>
+      <p:pic>
+        <p:nvPicPr>
+          <p:cNvPr id="4" name="Bild 3" descr="count.png"/>
+          <p:cNvPicPr>
+            <a:picLocks noChangeAspect="1"/>
+          </p:cNvPicPr>
+          <p:nvPr/>
+        </p:nvPicPr>
+        <p:blipFill>
+          <a:blip r:embed="rId2">
+            <a:extLst>
+              <a:ext uri="{28A0092B-C50C-407E-A947-70E740481C1C}">
+                <a14:useLocalDpi xmlns:a14="http://schemas.microsoft.com/office/drawing/2010/main" val="0"/>
+              </a:ext>
+            </a:extLst>
+          </a:blip>
+          <a:stretch>
+            <a:fillRect/>
+          </a:stretch>
+        </p:blipFill>
+        <p:spPr>
+          <a:xfrm>
+            <a:off x="226786" y="1189330"/>
+            <a:ext cx="8760688" cy="3403227"/>
+          </a:xfrm>
+          <a:prstGeom prst="rect">
+            <a:avLst/>
+          </a:prstGeom>
+        </p:spPr>
+      </p:pic>
+    </p:spTree>
+    <p:extLst>
+      <p:ext uri="{BB962C8B-B14F-4D97-AF65-F5344CB8AC3E}">
+        <p14:creationId xmlns:p14="http://schemas.microsoft.com/office/powerpoint/2010/main" val="361966156"/>
       </p:ext>
     </p:extLst>
   </p:cSld>
@@ -7449,6 +7633,439 @@
 </p:sld>
 </file>
 
+<file path=ppt/slides/slide30.xml><?xml version="1.0" encoding="utf-8"?>
+<p:sld xmlns:a="http://schemas.openxmlformats.org/drawingml/2006/main" xmlns:r="http://schemas.openxmlformats.org/officeDocument/2006/relationships" xmlns:p="http://schemas.openxmlformats.org/presentationml/2006/main">
+  <p:cSld>
+    <p:spTree>
+      <p:nvGrpSpPr>
+        <p:cNvPr id="1" name=""/>
+        <p:cNvGrpSpPr/>
+        <p:nvPr/>
+      </p:nvGrpSpPr>
+      <p:grpSpPr>
+        <a:xfrm>
+          <a:off x="0" y="0"/>
+          <a:ext cx="0" cy="0"/>
+          <a:chOff x="0" y="0"/>
+          <a:chExt cx="0" cy="0"/>
+        </a:xfrm>
+      </p:grpSpPr>
+      <p:sp>
+        <p:nvSpPr>
+          <p:cNvPr id="4" name="Titel 3"/>
+          <p:cNvSpPr>
+            <a:spLocks noGrp="1"/>
+          </p:cNvSpPr>
+          <p:nvPr>
+            <p:ph type="title"/>
+          </p:nvPr>
+        </p:nvSpPr>
+        <p:spPr/>
+        <p:txBody>
+          <a:bodyPr/>
+          <a:lstStyle/>
+          <a:p>
+            <a:r>
+              <a:rPr lang="en-GB" dirty="0" smtClean="0"/>
+              <a:t>5. Web Development</a:t>
+            </a:r>
+            <a:endParaRPr lang="en-GB" dirty="0"/>
+          </a:p>
+        </p:txBody>
+      </p:sp>
+    </p:spTree>
+    <p:extLst>
+      <p:ext uri="{BB962C8B-B14F-4D97-AF65-F5344CB8AC3E}">
+        <p14:creationId xmlns:p14="http://schemas.microsoft.com/office/powerpoint/2010/main" val="2301045571"/>
+      </p:ext>
+    </p:extLst>
+  </p:cSld>
+  <p:clrMapOvr>
+    <a:masterClrMapping/>
+  </p:clrMapOvr>
+  <p:timing>
+    <p:tnLst>
+      <p:par>
+        <p:cTn xmlns:p14="http://schemas.microsoft.com/office/powerpoint/2010/main" id="1" dur="indefinite" restart="never" nodeType="tmRoot"/>
+      </p:par>
+    </p:tnLst>
+  </p:timing>
+</p:sld>
+</file>
+
+<file path=ppt/slides/slide31.xml><?xml version="1.0" encoding="utf-8"?>
+<p:sld xmlns:a="http://schemas.openxmlformats.org/drawingml/2006/main" xmlns:r="http://schemas.openxmlformats.org/officeDocument/2006/relationships" xmlns:p="http://schemas.openxmlformats.org/presentationml/2006/main">
+  <p:cSld>
+    <p:spTree>
+      <p:nvGrpSpPr>
+        <p:cNvPr id="1" name=""/>
+        <p:cNvGrpSpPr/>
+        <p:nvPr/>
+      </p:nvGrpSpPr>
+      <p:grpSpPr>
+        <a:xfrm>
+          <a:off x="0" y="0"/>
+          <a:ext cx="0" cy="0"/>
+          <a:chOff x="0" y="0"/>
+          <a:chExt cx="0" cy="0"/>
+        </a:xfrm>
+      </p:grpSpPr>
+      <p:sp>
+        <p:nvSpPr>
+          <p:cNvPr id="4" name="Titel 3"/>
+          <p:cNvSpPr>
+            <a:spLocks noGrp="1"/>
+          </p:cNvSpPr>
+          <p:nvPr>
+            <p:ph type="title"/>
+          </p:nvPr>
+        </p:nvSpPr>
+        <p:spPr/>
+        <p:txBody>
+          <a:bodyPr/>
+          <a:lstStyle/>
+          <a:p>
+            <a:r>
+              <a:rPr lang="en-GB" dirty="0" smtClean="0"/>
+              <a:t>5. Web Development</a:t>
+            </a:r>
+            <a:endParaRPr lang="en-GB" dirty="0"/>
+          </a:p>
+        </p:txBody>
+      </p:sp>
+      <p:sp>
+        <p:nvSpPr>
+          <p:cNvPr id="5" name="Inhaltsplatzhalter 4"/>
+          <p:cNvSpPr>
+            <a:spLocks noGrp="1"/>
+          </p:cNvSpPr>
+          <p:nvPr>
+            <p:ph idx="1"/>
+          </p:nvPr>
+        </p:nvSpPr>
+        <p:spPr/>
+        <p:txBody>
+          <a:bodyPr/>
+          <a:lstStyle/>
+          <a:p>
+            <a:r>
+              <a:rPr lang="en-GB" dirty="0" smtClean="0"/>
+              <a:t>web1: </a:t>
+            </a:r>
+            <a:r>
+              <a:rPr lang="en-GB" dirty="0" smtClean="0"/>
+              <a:t>Hello World Web server</a:t>
+            </a:r>
+            <a:endParaRPr lang="en-GB" dirty="0" smtClean="0"/>
+          </a:p>
+          <a:p>
+            <a:r>
+              <a:rPr lang="en-GB" dirty="0" smtClean="0"/>
+              <a:t>web2: </a:t>
+            </a:r>
+            <a:r>
+              <a:rPr lang="en-GB" dirty="0" smtClean="0"/>
+              <a:t>Simple </a:t>
+            </a:r>
+            <a:r>
+              <a:rPr lang="en-GB" dirty="0" smtClean="0"/>
+              <a:t>fi</a:t>
+            </a:r>
+            <a:r>
+              <a:rPr lang="en-GB" dirty="0" smtClean="0"/>
+              <a:t>le server</a:t>
+            </a:r>
+            <a:endParaRPr lang="en-GB" dirty="0" smtClean="0"/>
+          </a:p>
+          <a:p>
+            <a:r>
+              <a:rPr lang="en-GB" dirty="0" smtClean="0"/>
+              <a:t>web3: Templates </a:t>
+            </a:r>
+            <a:r>
+              <a:rPr lang="en-GB" dirty="0" smtClean="0"/>
+              <a:t>using html</a:t>
+            </a:r>
+            <a:r>
+              <a:rPr lang="en-GB" dirty="0" smtClean="0"/>
+              <a:t>/</a:t>
+            </a:r>
+            <a:r>
+              <a:rPr lang="en-GB" dirty="0" smtClean="0"/>
+              <a:t>template package</a:t>
+            </a:r>
+            <a:endParaRPr lang="en-GB" dirty="0" smtClean="0"/>
+          </a:p>
+        </p:txBody>
+      </p:sp>
+    </p:spTree>
+    <p:extLst>
+      <p:ext uri="{BB962C8B-B14F-4D97-AF65-F5344CB8AC3E}">
+        <p14:creationId xmlns:p14="http://schemas.microsoft.com/office/powerpoint/2010/main" val="1945672616"/>
+      </p:ext>
+    </p:extLst>
+  </p:cSld>
+  <p:clrMapOvr>
+    <a:masterClrMapping/>
+  </p:clrMapOvr>
+</p:sld>
+</file>
+
+<file path=ppt/slides/slide32.xml><?xml version="1.0" encoding="utf-8"?>
+<p:sld xmlns:a="http://schemas.openxmlformats.org/drawingml/2006/main" xmlns:r="http://schemas.openxmlformats.org/officeDocument/2006/relationships" xmlns:p="http://schemas.openxmlformats.org/presentationml/2006/main">
+  <p:cSld>
+    <p:spTree>
+      <p:nvGrpSpPr>
+        <p:cNvPr id="1" name=""/>
+        <p:cNvGrpSpPr/>
+        <p:nvPr/>
+      </p:nvGrpSpPr>
+      <p:grpSpPr>
+        <a:xfrm>
+          <a:off x="0" y="0"/>
+          <a:ext cx="0" cy="0"/>
+          <a:chOff x="0" y="0"/>
+          <a:chExt cx="0" cy="0"/>
+        </a:xfrm>
+      </p:grpSpPr>
+      <p:sp>
+        <p:nvSpPr>
+          <p:cNvPr id="4" name="Titel 3"/>
+          <p:cNvSpPr>
+            <a:spLocks noGrp="1"/>
+          </p:cNvSpPr>
+          <p:nvPr>
+            <p:ph type="title"/>
+          </p:nvPr>
+        </p:nvSpPr>
+        <p:spPr/>
+        <p:txBody>
+          <a:bodyPr/>
+          <a:lstStyle/>
+          <a:p>
+            <a:r>
+              <a:rPr lang="en-GB" dirty="0" smtClean="0"/>
+              <a:t>6. What’s Next?</a:t>
+            </a:r>
+            <a:endParaRPr lang="en-GB" dirty="0"/>
+          </a:p>
+        </p:txBody>
+      </p:sp>
+    </p:spTree>
+    <p:extLst>
+      <p:ext uri="{BB962C8B-B14F-4D97-AF65-F5344CB8AC3E}">
+        <p14:creationId xmlns:p14="http://schemas.microsoft.com/office/powerpoint/2010/main" val="272318565"/>
+      </p:ext>
+    </p:extLst>
+  </p:cSld>
+  <p:clrMapOvr>
+    <a:masterClrMapping/>
+  </p:clrMapOvr>
+  <p:timing>
+    <p:tnLst>
+      <p:par>
+        <p:cTn xmlns:p14="http://schemas.microsoft.com/office/powerpoint/2010/main" id="1" dur="indefinite" restart="never" nodeType="tmRoot"/>
+      </p:par>
+    </p:tnLst>
+  </p:timing>
+</p:sld>
+</file>
+
+<file path=ppt/slides/slide33.xml><?xml version="1.0" encoding="utf-8"?>
+<p:sld xmlns:a="http://schemas.openxmlformats.org/drawingml/2006/main" xmlns:r="http://schemas.openxmlformats.org/officeDocument/2006/relationships" xmlns:p="http://schemas.openxmlformats.org/presentationml/2006/main">
+  <p:cSld>
+    <p:spTree>
+      <p:nvGrpSpPr>
+        <p:cNvPr id="1" name=""/>
+        <p:cNvGrpSpPr/>
+        <p:nvPr/>
+      </p:nvGrpSpPr>
+      <p:grpSpPr>
+        <a:xfrm>
+          <a:off x="0" y="0"/>
+          <a:ext cx="0" cy="0"/>
+          <a:chOff x="0" y="0"/>
+          <a:chExt cx="0" cy="0"/>
+        </a:xfrm>
+      </p:grpSpPr>
+      <p:sp>
+        <p:nvSpPr>
+          <p:cNvPr id="4" name="Titel 3"/>
+          <p:cNvSpPr>
+            <a:spLocks noGrp="1"/>
+          </p:cNvSpPr>
+          <p:nvPr>
+            <p:ph type="title"/>
+          </p:nvPr>
+        </p:nvSpPr>
+        <p:spPr/>
+        <p:txBody>
+          <a:bodyPr/>
+          <a:lstStyle/>
+          <a:p>
+            <a:r>
+              <a:rPr lang="en-GB" dirty="0" smtClean="0"/>
+              <a:t>6. What’s next?</a:t>
+            </a:r>
+            <a:endParaRPr lang="en-GB" dirty="0"/>
+          </a:p>
+        </p:txBody>
+      </p:sp>
+      <p:sp>
+        <p:nvSpPr>
+          <p:cNvPr id="5" name="Inhaltsplatzhalter 4"/>
+          <p:cNvSpPr>
+            <a:spLocks noGrp="1"/>
+          </p:cNvSpPr>
+          <p:nvPr>
+            <p:ph idx="1"/>
+          </p:nvPr>
+        </p:nvSpPr>
+        <p:spPr/>
+        <p:txBody>
+          <a:bodyPr>
+            <a:normAutofit/>
+          </a:bodyPr>
+          <a:lstStyle/>
+          <a:p>
+            <a:r>
+              <a:rPr lang="en-GB" dirty="0" smtClean="0">
+                <a:solidFill>
+                  <a:srgbClr val="000000"/>
+                </a:solidFill>
+              </a:rPr>
+              <a:t>Concurrency Patterns</a:t>
+            </a:r>
+          </a:p>
+          <a:p>
+            <a:r>
+              <a:rPr lang="en-GB" dirty="0" smtClean="0">
+                <a:solidFill>
+                  <a:srgbClr val="000000"/>
+                </a:solidFill>
+              </a:rPr>
+              <a:t>Functional Programming (map/transform/…)</a:t>
+            </a:r>
+          </a:p>
+          <a:p>
+            <a:r>
+              <a:rPr lang="en-GB" dirty="0" err="1" smtClean="0">
+                <a:solidFill>
+                  <a:srgbClr val="000000"/>
+                </a:solidFill>
+              </a:rPr>
+              <a:t>Hackathon</a:t>
+            </a:r>
+            <a:r>
+              <a:rPr lang="en-GB" dirty="0" smtClean="0">
+                <a:solidFill>
+                  <a:srgbClr val="000000"/>
+                </a:solidFill>
+              </a:rPr>
+              <a:t>?</a:t>
+            </a:r>
+          </a:p>
+          <a:p>
+            <a:r>
+              <a:rPr lang="en-GB" dirty="0" err="1" smtClean="0">
+                <a:solidFill>
+                  <a:srgbClr val="000000"/>
+                </a:solidFill>
+              </a:rPr>
+              <a:t>Refactorings</a:t>
+            </a:r>
+            <a:endParaRPr lang="en-GB" dirty="0" smtClean="0">
+              <a:solidFill>
+                <a:srgbClr val="000000"/>
+              </a:solidFill>
+            </a:endParaRPr>
+          </a:p>
+          <a:p>
+            <a:r>
+              <a:rPr lang="en-GB" dirty="0" smtClean="0">
+                <a:solidFill>
+                  <a:srgbClr val="000000"/>
+                </a:solidFill>
+              </a:rPr>
+              <a:t>Debugging and Profiling</a:t>
+            </a:r>
+          </a:p>
+          <a:p>
+            <a:r>
+              <a:rPr lang="en-GB" dirty="0" smtClean="0">
+                <a:solidFill>
+                  <a:srgbClr val="000000"/>
+                </a:solidFill>
+              </a:rPr>
+              <a:t>Dependency Management</a:t>
+            </a:r>
+          </a:p>
+          <a:p>
+            <a:r>
+              <a:rPr lang="en-GB" dirty="0" smtClean="0">
+                <a:solidFill>
+                  <a:srgbClr val="000000"/>
+                </a:solidFill>
+              </a:rPr>
+              <a:t>More Web Development</a:t>
+            </a:r>
+          </a:p>
+          <a:p>
+            <a:r>
+              <a:rPr lang="en-GB" dirty="0" smtClean="0">
+                <a:solidFill>
+                  <a:srgbClr val="000000"/>
+                </a:solidFill>
+              </a:rPr>
+              <a:t>Popular Go-Projects and -Libraries</a:t>
+            </a:r>
+          </a:p>
+          <a:p>
+            <a:r>
+              <a:rPr lang="en-GB" dirty="0" smtClean="0">
+                <a:solidFill>
+                  <a:srgbClr val="000000"/>
+                </a:solidFill>
+              </a:rPr>
+              <a:t>Deployment (e.g., </a:t>
+            </a:r>
+            <a:r>
+              <a:rPr lang="en-GB" dirty="0" err="1" smtClean="0">
+                <a:solidFill>
+                  <a:srgbClr val="000000"/>
+                </a:solidFill>
+              </a:rPr>
+              <a:t>Docker</a:t>
+            </a:r>
+            <a:r>
+              <a:rPr lang="en-GB" dirty="0" smtClean="0">
+                <a:solidFill>
+                  <a:srgbClr val="000000"/>
+                </a:solidFill>
+              </a:rPr>
+              <a:t> + Go)</a:t>
+            </a:r>
+            <a:endParaRPr lang="en-GB" dirty="0">
+              <a:solidFill>
+                <a:srgbClr val="000000"/>
+              </a:solidFill>
+            </a:endParaRPr>
+          </a:p>
+        </p:txBody>
+      </p:sp>
+    </p:spTree>
+    <p:extLst>
+      <p:ext uri="{BB962C8B-B14F-4D97-AF65-F5344CB8AC3E}">
+        <p14:creationId xmlns:p14="http://schemas.microsoft.com/office/powerpoint/2010/main" val="2819738931"/>
+      </p:ext>
+    </p:extLst>
+  </p:cSld>
+  <p:clrMapOvr>
+    <a:masterClrMapping/>
+  </p:clrMapOvr>
+</p:sld>
+</file>
+
 <file path=ppt/slides/slide4.xml><?xml version="1.0" encoding="utf-8"?>
 <p:sld xmlns:a="http://schemas.openxmlformats.org/drawingml/2006/main" xmlns:r="http://schemas.openxmlformats.org/officeDocument/2006/relationships" xmlns:p="http://schemas.openxmlformats.org/presentationml/2006/main">
   <p:cSld>
@@ -7483,7 +8100,23 @@
           <a:p>
             <a:r>
               <a:rPr lang="de-DE" dirty="0" smtClean="0"/>
-              <a:t>Wer hat’s erfunden?</a:t>
+              <a:t>Who </a:t>
+            </a:r>
+            <a:r>
+              <a:rPr lang="de-DE" dirty="0" err="1" smtClean="0"/>
+              <a:t>made</a:t>
+            </a:r>
+            <a:r>
+              <a:rPr lang="de-DE" dirty="0" smtClean="0"/>
+              <a:t> </a:t>
+            </a:r>
+            <a:r>
+              <a:rPr lang="de-DE" dirty="0" err="1" smtClean="0"/>
+              <a:t>it</a:t>
+            </a:r>
+            <a:r>
+              <a:rPr lang="de-DE" dirty="0" smtClean="0"/>
+              <a:t>?</a:t>
             </a:r>
             <a:endParaRPr lang="de-DE" dirty="0"/>
           </a:p>
@@ -7553,7 +8186,7 @@
             </a:br>
             <a:r>
               <a:rPr lang="en-GB" dirty="0" smtClean="0"/>
-              <a:t>(First window system for Unix 1981, UTF-8, …)</a:t>
+              <a:t>(First window system for Unix 1981, Plan9, UTF-8, …)</a:t>
             </a:r>
           </a:p>
           <a:p>
@@ -7580,7 +8213,7 @@
             </a:br>
             <a:r>
               <a:rPr lang="en-GB" dirty="0" smtClean="0"/>
-              <a:t>(Unix…)</a:t>
+              <a:t>(Unix, B, UTF-8, …)</a:t>
             </a:r>
             <a:endParaRPr lang="en-GB" dirty="0"/>
           </a:p>
@@ -7704,7 +8337,7 @@
         </p:spPr>
         <p:txBody>
           <a:bodyPr>
-            <a:normAutofit fontScale="77500" lnSpcReduction="20000"/>
+            <a:normAutofit/>
           </a:bodyPr>
           <a:lstStyle/>
           <a:p>
@@ -7714,17 +8347,15 @@
                   <a:srgbClr val="000000"/>
                 </a:solidFill>
               </a:rPr>
-              <a:t>Fast (theoretically between C++ / Java, easy to program concurrently)</a:t>
-            </a:r>
-          </a:p>
-          <a:p>
+              <a:t>Fast </a:t>
+            </a:r>
             <a:r>
               <a:rPr lang="en-GB" dirty="0" smtClean="0">
                 <a:solidFill>
                   <a:srgbClr val="000000"/>
                 </a:solidFill>
               </a:rPr>
-              <a:t>Compiles </a:t>
+              <a:t>(</a:t>
             </a:r>
             <a:r>
               <a:rPr lang="en-GB" dirty="0" smtClean="0">
@@ -7732,7 +8363,7 @@
                   <a:srgbClr val="000000"/>
                 </a:solidFill>
               </a:rPr>
-              <a:t>incredibly </a:t>
+              <a:t>theoretically between C++ / </a:t>
             </a:r>
             <a:r>
               <a:rPr lang="en-GB" dirty="0" smtClean="0">
@@ -7740,7 +8371,86 @@
                   <a:srgbClr val="000000"/>
                 </a:solidFill>
               </a:rPr>
-              <a:t>fast</a:t>
+              <a:t>Java)</a:t>
+            </a:r>
+            <a:endParaRPr lang="en-GB" dirty="0">
+              <a:solidFill>
+                <a:srgbClr val="000000"/>
+              </a:solidFill>
+            </a:endParaRPr>
+          </a:p>
+          <a:p>
+            <a:r>
+              <a:rPr lang="en-GB" dirty="0">
+                <a:solidFill>
+                  <a:srgbClr val="000000"/>
+                </a:solidFill>
+              </a:rPr>
+              <a:t>Compiles incredibly fast</a:t>
+            </a:r>
+            <a:br>
+              <a:rPr lang="en-GB" dirty="0">
+                <a:solidFill>
+                  <a:srgbClr val="000000"/>
+                </a:solidFill>
+              </a:rPr>
+            </a:br>
+            <a:r>
+              <a:rPr lang="en-GB" dirty="0">
+                <a:solidFill>
+                  <a:srgbClr val="000000"/>
+                </a:solidFill>
+              </a:rPr>
+              <a:t>(no time to wander off in thoughts</a:t>
+            </a:r>
+            <a:r>
+              <a:rPr lang="en-GB" dirty="0" smtClean="0">
+                <a:solidFill>
+                  <a:srgbClr val="000000"/>
+                </a:solidFill>
+              </a:rPr>
+              <a:t>)</a:t>
+            </a:r>
+          </a:p>
+          <a:p>
+            <a:r>
+              <a:rPr lang="en-GB" dirty="0" smtClean="0">
+                <a:solidFill>
+                  <a:srgbClr val="000000"/>
+                </a:solidFill>
+              </a:rPr>
+              <a:t>Easy </a:t>
+            </a:r>
+            <a:r>
+              <a:rPr lang="en-GB" dirty="0" smtClean="0">
+                <a:solidFill>
+                  <a:srgbClr val="000000"/>
+                </a:solidFill>
+              </a:rPr>
+              <a:t>to program </a:t>
+            </a:r>
+            <a:r>
+              <a:rPr lang="en-GB" dirty="0" smtClean="0">
+                <a:solidFill>
+                  <a:srgbClr val="000000"/>
+                </a:solidFill>
+              </a:rPr>
+              <a:t>concurrently (multi-core)</a:t>
+            </a:r>
+            <a:endParaRPr lang="en-GB" dirty="0" smtClean="0">
+              <a:solidFill>
+                <a:srgbClr val="000000"/>
+              </a:solidFill>
+            </a:endParaRPr>
+          </a:p>
+          <a:p>
+            <a:r>
+              <a:rPr lang="en-GB" dirty="0" smtClean="0">
+                <a:solidFill>
+                  <a:srgbClr val="000000"/>
+                </a:solidFill>
+              </a:rPr>
+              <a:t>Native compiles, self-containing binaries</a:t>
             </a:r>
             <a:br>
               <a:rPr lang="en-GB" dirty="0" smtClean="0">
@@ -7755,25 +8465,17 @@
                   <a:srgbClr val="000000"/>
                 </a:solidFill>
               </a:rPr>
-              <a:t>(</a:t>
-            </a:r>
+              <a:t>-&gt; no runtime installation required</a:t>
+            </a:r>
+          </a:p>
+          <a:p>
             <a:r>
               <a:rPr lang="en-GB" dirty="0" smtClean="0">
                 <a:solidFill>
                   <a:srgbClr val="000000"/>
                 </a:solidFill>
               </a:rPr>
-              <a:t>no time to wander off in thoughts)</a:t>
-            </a:r>
-          </a:p>
-          <a:p>
-            <a:r>
-              <a:rPr lang="en-GB" dirty="0" smtClean="0">
-                <a:solidFill>
-                  <a:srgbClr val="000000"/>
-                </a:solidFill>
-              </a:rPr>
-              <a:t>Native compiles, self-containing binaries</a:t>
+              <a:t>Compiler-Errors for (almost) everything</a:t>
             </a:r>
             <a:br>
               <a:rPr lang="en-GB" dirty="0" smtClean="0">
@@ -7788,7 +8490,7 @@
                   <a:srgbClr val="000000"/>
                 </a:solidFill>
               </a:rPr>
-              <a:t>-&gt; no runtime installation required</a:t>
+              <a:t>(even unused imports, variables)</a:t>
             </a:r>
           </a:p>
           <a:p>
@@ -7798,139 +8500,25 @@
                   <a:srgbClr val="000000"/>
                 </a:solidFill>
               </a:rPr>
-              <a:t>Compiler-Errors for (almost) everything</a:t>
-            </a:r>
-            <a:br>
+              <a:t>Great runtime error messages (e.g. deadlocks</a:t>
+            </a:r>
+            <a:r>
               <a:rPr lang="en-GB" dirty="0" smtClean="0">
                 <a:solidFill>
                   <a:srgbClr val="000000"/>
                 </a:solidFill>
               </a:rPr>
-            </a:br>
+              <a:t>)</a:t>
+            </a:r>
+          </a:p>
+          <a:p>
             <a:r>
               <a:rPr lang="en-GB" dirty="0" smtClean="0">
                 <a:solidFill>
                   <a:srgbClr val="000000"/>
                 </a:solidFill>
               </a:rPr>
-              <a:t>(even unused imports, variables)</a:t>
-            </a:r>
-          </a:p>
-          <a:p>
-            <a:r>
-              <a:rPr lang="en-GB" dirty="0" smtClean="0">
-                <a:solidFill>
-                  <a:srgbClr val="000000"/>
-                </a:solidFill>
-              </a:rPr>
-              <a:t>Great runtime error messages (e.g. deadlocks)</a:t>
-            </a:r>
-          </a:p>
-          <a:p>
-            <a:r>
-              <a:rPr lang="en-GB" i="1" dirty="0" smtClean="0">
-                <a:solidFill>
-                  <a:srgbClr val="000000"/>
-                </a:solidFill>
-              </a:rPr>
-              <a:t>go</a:t>
-            </a:r>
-            <a:r>
-              <a:rPr lang="en-GB" dirty="0" smtClean="0">
-                <a:solidFill>
-                  <a:srgbClr val="000000"/>
-                </a:solidFill>
-              </a:rPr>
-              <a:t> command(s)</a:t>
-            </a:r>
-          </a:p>
-          <a:p>
-            <a:pPr lvl="1"/>
-            <a:r>
-              <a:rPr lang="en-GB" dirty="0" smtClean="0">
-                <a:solidFill>
-                  <a:srgbClr val="000000"/>
-                </a:solidFill>
-              </a:rPr>
-              <a:t>installs, builds, tests, benchmarks Go programs using nothing more than source as build specification (!)</a:t>
-            </a:r>
-          </a:p>
-          <a:p>
-            <a:pPr lvl="1"/>
-            <a:r>
-              <a:rPr lang="en-GB" dirty="0" err="1" smtClean="0">
-                <a:solidFill>
-                  <a:srgbClr val="000000"/>
-                </a:solidFill>
-              </a:rPr>
-              <a:t>gofmt</a:t>
-            </a:r>
-            <a:r>
-              <a:rPr lang="en-GB" dirty="0" smtClean="0">
-                <a:solidFill>
-                  <a:srgbClr val="000000"/>
-                </a:solidFill>
-              </a:rPr>
-              <a:t>, automatic standardized code formatting</a:t>
-            </a:r>
-          </a:p>
-          <a:p>
-            <a:pPr lvl="1"/>
-            <a:r>
-              <a:rPr lang="en-GB" dirty="0" err="1" smtClean="0">
-                <a:solidFill>
-                  <a:srgbClr val="000000"/>
-                </a:solidFill>
-              </a:rPr>
-              <a:t>godoc</a:t>
-            </a:r>
-            <a:r>
-              <a:rPr lang="en-GB" dirty="0" smtClean="0">
-                <a:solidFill>
-                  <a:srgbClr val="000000"/>
-                </a:solidFill>
-              </a:rPr>
-              <a:t>, </a:t>
-            </a:r>
-            <a:r>
-              <a:rPr lang="en-GB" dirty="0" err="1" smtClean="0">
-                <a:solidFill>
-                  <a:srgbClr val="000000"/>
-                </a:solidFill>
-              </a:rPr>
-              <a:t>analog</a:t>
-            </a:r>
-            <a:r>
-              <a:rPr lang="en-GB" dirty="0" smtClean="0">
-                <a:solidFill>
-                  <a:srgbClr val="000000"/>
-                </a:solidFill>
-              </a:rPr>
-              <a:t> </a:t>
-            </a:r>
-            <a:r>
-              <a:rPr lang="en-GB" dirty="0" err="1" smtClean="0">
-                <a:solidFill>
-                  <a:srgbClr val="000000"/>
-                </a:solidFill>
-              </a:rPr>
-              <a:t>zu</a:t>
-            </a:r>
-            <a:r>
-              <a:rPr lang="en-GB" dirty="0" smtClean="0">
-                <a:solidFill>
-                  <a:srgbClr val="000000"/>
-                </a:solidFill>
-              </a:rPr>
-              <a:t> </a:t>
-            </a:r>
-            <a:r>
-              <a:rPr lang="en-GB" dirty="0" err="1" smtClean="0">
-                <a:solidFill>
-                  <a:srgbClr val="000000"/>
-                </a:solidFill>
-              </a:rPr>
-              <a:t>JavaDoc</a:t>
+              <a:t>Garbage-collected</a:t>
             </a:r>
             <a:endParaRPr lang="en-GB" dirty="0" smtClean="0">
               <a:solidFill>
@@ -7938,47 +8526,12 @@
               </a:solidFill>
             </a:endParaRPr>
           </a:p>
-          <a:p>
-            <a:pPr lvl="1"/>
-            <a:r>
-              <a:rPr lang="en-GB" dirty="0" err="1" smtClean="0">
-                <a:solidFill>
-                  <a:srgbClr val="000000"/>
-                </a:solidFill>
-              </a:rPr>
-              <a:t>gofix</a:t>
-            </a:r>
-            <a:r>
-              <a:rPr lang="en-GB" dirty="0" smtClean="0">
-                <a:solidFill>
-                  <a:srgbClr val="000000"/>
-                </a:solidFill>
-              </a:rPr>
-              <a:t>, automates the rewriting of code to use new language features or updated libraries</a:t>
-            </a:r>
-          </a:p>
-          <a:p>
-            <a:pPr lvl="1"/>
-            <a:r>
-              <a:rPr lang="en-GB" dirty="0" smtClean="0">
-                <a:solidFill>
-                  <a:srgbClr val="000000"/>
-                </a:solidFill>
-              </a:rPr>
-              <a:t>Go get, built-in package manager (git, mercurial)</a:t>
-            </a:r>
-            <a:endParaRPr lang="en-GB" dirty="0">
-              <a:solidFill>
-                <a:srgbClr val="000000"/>
-              </a:solidFill>
-            </a:endParaRPr>
-          </a:p>
         </p:txBody>
       </p:sp>
     </p:spTree>
     <p:extLst>
       <p:ext uri="{BB962C8B-B14F-4D97-AF65-F5344CB8AC3E}">
-        <p14:creationId xmlns:p14="http://schemas.microsoft.com/office/powerpoint/2010/main" val="3203456330"/>
+        <p14:creationId xmlns:p14="http://schemas.microsoft.com/office/powerpoint/2010/main" val="2645341257"/>
       </p:ext>
     </p:extLst>
   </p:cSld>
@@ -8014,6 +8567,297 @@
       </p:grpSpPr>
       <p:sp>
         <p:nvSpPr>
+          <p:cNvPr id="2" name="Titel 1"/>
+          <p:cNvSpPr>
+            <a:spLocks noGrp="1"/>
+          </p:cNvSpPr>
+          <p:nvPr>
+            <p:ph type="title"/>
+          </p:nvPr>
+        </p:nvSpPr>
+        <p:spPr/>
+        <p:txBody>
+          <a:bodyPr/>
+          <a:lstStyle/>
+          <a:p>
+            <a:r>
+              <a:rPr lang="en-GB" dirty="0" smtClean="0"/>
+              <a:t>Nice properties of Go</a:t>
+            </a:r>
+            <a:endParaRPr lang="en-GB" dirty="0"/>
+          </a:p>
+        </p:txBody>
+      </p:sp>
+      <p:sp>
+        <p:nvSpPr>
+          <p:cNvPr id="3" name="Inhaltsplatzhalter 2"/>
+          <p:cNvSpPr>
+            <a:spLocks noGrp="1"/>
+          </p:cNvSpPr>
+          <p:nvPr>
+            <p:ph idx="1"/>
+          </p:nvPr>
+        </p:nvSpPr>
+        <p:spPr>
+          <a:xfrm>
+            <a:off x="226786" y="988786"/>
+            <a:ext cx="8763000" cy="5767522"/>
+          </a:xfrm>
+        </p:spPr>
+        <p:txBody>
+          <a:bodyPr>
+            <a:normAutofit fontScale="92500" lnSpcReduction="10000"/>
+          </a:bodyPr>
+          <a:lstStyle/>
+          <a:p>
+            <a:r>
+              <a:rPr lang="en-GB" dirty="0" smtClean="0">
+                <a:solidFill>
+                  <a:srgbClr val="000000"/>
+                </a:solidFill>
+              </a:rPr>
+              <a:t>Very </a:t>
+            </a:r>
+            <a:r>
+              <a:rPr lang="en-GB" dirty="0" smtClean="0">
+                <a:solidFill>
+                  <a:srgbClr val="000000"/>
+                </a:solidFill>
+              </a:rPr>
+              <a:t>simple type system &amp; syntax</a:t>
+            </a:r>
+            <a:br>
+              <a:rPr lang="en-GB" dirty="0" smtClean="0">
+                <a:solidFill>
+                  <a:srgbClr val="000000"/>
+                </a:solidFill>
+              </a:rPr>
+            </a:br>
+            <a:r>
+              <a:rPr lang="en-GB" dirty="0" smtClean="0">
+                <a:solidFill>
+                  <a:srgbClr val="000000"/>
+                </a:solidFill>
+              </a:rPr>
+              <a:t>(</a:t>
+            </a:r>
+            <a:r>
+              <a:rPr lang="en-GB" dirty="0" smtClean="0">
+                <a:solidFill>
+                  <a:srgbClr val="000000"/>
+                </a:solidFill>
+              </a:rPr>
+              <a:t>lang. spec. 46 pages, including examples)</a:t>
+            </a:r>
+          </a:p>
+          <a:p>
+            <a:r>
+              <a:rPr lang="en-GB" dirty="0" smtClean="0">
+                <a:solidFill>
+                  <a:srgbClr val="000000"/>
+                </a:solidFill>
+              </a:rPr>
+              <a:t>Very rich but simple standard library</a:t>
+            </a:r>
+          </a:p>
+          <a:p>
+            <a:r>
+              <a:rPr lang="en-GB" dirty="0" smtClean="0">
+                <a:solidFill>
+                  <a:srgbClr val="000000"/>
+                </a:solidFill>
+              </a:rPr>
+              <a:t>Not 1000 ways to do one thing</a:t>
+            </a:r>
+          </a:p>
+          <a:p>
+            <a:r>
+              <a:rPr lang="en-GB" i="1" dirty="0" smtClean="0">
+                <a:solidFill>
+                  <a:srgbClr val="000000"/>
+                </a:solidFill>
+              </a:rPr>
+              <a:t>go</a:t>
+            </a:r>
+            <a:r>
+              <a:rPr lang="en-GB" dirty="0" smtClean="0">
+                <a:solidFill>
+                  <a:srgbClr val="000000"/>
+                </a:solidFill>
+              </a:rPr>
+              <a:t> command(s)</a:t>
+            </a:r>
+          </a:p>
+          <a:p>
+            <a:pPr lvl="1"/>
+            <a:r>
+              <a:rPr lang="en-GB" dirty="0" smtClean="0">
+                <a:solidFill>
+                  <a:srgbClr val="000000"/>
+                </a:solidFill>
+              </a:rPr>
+              <a:t>go installs, builds, tests, benchmarks Go programs using nothing more than source as build specification (!)</a:t>
+            </a:r>
+          </a:p>
+          <a:p>
+            <a:pPr lvl="1"/>
+            <a:r>
+              <a:rPr lang="en-GB" dirty="0" err="1" smtClean="0">
+                <a:solidFill>
+                  <a:srgbClr val="000000"/>
+                </a:solidFill>
+              </a:rPr>
+              <a:t>gofmt</a:t>
+            </a:r>
+            <a:r>
+              <a:rPr lang="en-GB" dirty="0" smtClean="0">
+                <a:solidFill>
+                  <a:srgbClr val="000000"/>
+                </a:solidFill>
+              </a:rPr>
+              <a:t>, automatic standardized code formatting</a:t>
+            </a:r>
+          </a:p>
+          <a:p>
+            <a:pPr lvl="1"/>
+            <a:r>
+              <a:rPr lang="en-GB" dirty="0" err="1" smtClean="0">
+                <a:solidFill>
+                  <a:srgbClr val="000000"/>
+                </a:solidFill>
+              </a:rPr>
+              <a:t>godoc</a:t>
+            </a:r>
+            <a:r>
+              <a:rPr lang="en-GB" dirty="0" smtClean="0">
+                <a:solidFill>
+                  <a:srgbClr val="000000"/>
+                </a:solidFill>
+              </a:rPr>
+              <a:t>, </a:t>
+            </a:r>
+            <a:r>
+              <a:rPr lang="en-GB" dirty="0" err="1" smtClean="0">
+                <a:solidFill>
+                  <a:srgbClr val="000000"/>
+                </a:solidFill>
+              </a:rPr>
+              <a:t>analog</a:t>
+            </a:r>
+            <a:r>
+              <a:rPr lang="en-GB" dirty="0" smtClean="0">
+                <a:solidFill>
+                  <a:srgbClr val="000000"/>
+                </a:solidFill>
+              </a:rPr>
+              <a:t> </a:t>
+            </a:r>
+            <a:r>
+              <a:rPr lang="en-GB" dirty="0" err="1" smtClean="0">
+                <a:solidFill>
+                  <a:srgbClr val="000000"/>
+                </a:solidFill>
+              </a:rPr>
+              <a:t>zu</a:t>
+            </a:r>
+            <a:r>
+              <a:rPr lang="en-GB" dirty="0" smtClean="0">
+                <a:solidFill>
+                  <a:srgbClr val="000000"/>
+                </a:solidFill>
+              </a:rPr>
+              <a:t> </a:t>
+            </a:r>
+            <a:r>
+              <a:rPr lang="en-GB" dirty="0" err="1" smtClean="0">
+                <a:solidFill>
+                  <a:srgbClr val="000000"/>
+                </a:solidFill>
+              </a:rPr>
+              <a:t>JavaDoc</a:t>
+            </a:r>
+            <a:endParaRPr lang="en-GB" dirty="0" smtClean="0">
+              <a:solidFill>
+                <a:srgbClr val="000000"/>
+              </a:solidFill>
+            </a:endParaRPr>
+          </a:p>
+          <a:p>
+            <a:pPr lvl="1"/>
+            <a:r>
+              <a:rPr lang="en-GB" dirty="0" err="1" smtClean="0">
+                <a:solidFill>
+                  <a:srgbClr val="000000"/>
+                </a:solidFill>
+              </a:rPr>
+              <a:t>gofix</a:t>
+            </a:r>
+            <a:r>
+              <a:rPr lang="en-GB" dirty="0" smtClean="0">
+                <a:solidFill>
+                  <a:srgbClr val="000000"/>
+                </a:solidFill>
+              </a:rPr>
+              <a:t>, automates the rewriting of code to use new language features or updated libraries</a:t>
+            </a:r>
+          </a:p>
+          <a:p>
+            <a:pPr lvl="1"/>
+            <a:r>
+              <a:rPr lang="en-GB" dirty="0" smtClean="0">
+                <a:solidFill>
+                  <a:srgbClr val="000000"/>
+                </a:solidFill>
+              </a:rPr>
+              <a:t>go get, built-in package manager (git, mercurial)</a:t>
+            </a:r>
+            <a:endParaRPr lang="en-GB" dirty="0">
+              <a:solidFill>
+                <a:srgbClr val="000000"/>
+              </a:solidFill>
+            </a:endParaRPr>
+          </a:p>
+        </p:txBody>
+      </p:sp>
+    </p:spTree>
+    <p:extLst>
+      <p:ext uri="{BB962C8B-B14F-4D97-AF65-F5344CB8AC3E}">
+        <p14:creationId xmlns:p14="http://schemas.microsoft.com/office/powerpoint/2010/main" val="3981506511"/>
+      </p:ext>
+    </p:extLst>
+  </p:cSld>
+  <p:clrMapOvr>
+    <a:masterClrMapping/>
+  </p:clrMapOvr>
+  <p:timing>
+    <p:tnLst>
+      <p:par>
+        <p:cTn xmlns:p14="http://schemas.microsoft.com/office/powerpoint/2010/main" id="1" dur="indefinite" restart="never" nodeType="tmRoot"/>
+      </p:par>
+    </p:tnLst>
+  </p:timing>
+</p:sld>
+</file>
+
+<file path=ppt/slides/slide7.xml><?xml version="1.0" encoding="utf-8"?>
+<p:sld xmlns:a="http://schemas.openxmlformats.org/drawingml/2006/main" xmlns:r="http://schemas.openxmlformats.org/officeDocument/2006/relationships" xmlns:p="http://schemas.openxmlformats.org/presentationml/2006/main">
+  <p:cSld>
+    <p:spTree>
+      <p:nvGrpSpPr>
+        <p:cNvPr id="1" name=""/>
+        <p:cNvGrpSpPr/>
+        <p:nvPr/>
+      </p:nvGrpSpPr>
+      <p:grpSpPr>
+        <a:xfrm>
+          <a:off x="0" y="0"/>
+          <a:ext cx="0" cy="0"/>
+          <a:chOff x="0" y="0"/>
+          <a:chExt cx="0" cy="0"/>
+        </a:xfrm>
+      </p:grpSpPr>
+      <p:sp>
+        <p:nvSpPr>
           <p:cNvPr id="4" name="Titel 3"/>
           <p:cNvSpPr>
             <a:spLocks noGrp="1"/>
@@ -8028,10 +8872,38 @@
           <a:lstStyle/>
           <a:p>
             <a:r>
-              <a:rPr lang="de-DE" smtClean="0"/>
-              <a:t>Hat es eine Zukunft?</a:t>
-            </a:r>
-            <a:endParaRPr lang="de-DE"/>
+              <a:rPr lang="de-DE" dirty="0" err="1" smtClean="0"/>
+              <a:t>Does</a:t>
+            </a:r>
+            <a:r>
+              <a:rPr lang="de-DE" dirty="0" smtClean="0"/>
+              <a:t> </a:t>
+            </a:r>
+            <a:r>
+              <a:rPr lang="de-DE" dirty="0" err="1" smtClean="0"/>
+              <a:t>it</a:t>
+            </a:r>
+            <a:r>
+              <a:rPr lang="de-DE" dirty="0" smtClean="0"/>
+              <a:t> </a:t>
+            </a:r>
+            <a:r>
+              <a:rPr lang="de-DE" dirty="0" err="1" smtClean="0"/>
+              <a:t>have</a:t>
+            </a:r>
+            <a:r>
+              <a:rPr lang="de-DE" dirty="0" smtClean="0"/>
+              <a:t> a </a:t>
+            </a:r>
+            <a:r>
+              <a:rPr lang="de-DE" dirty="0" err="1" smtClean="0"/>
+              <a:t>future</a:t>
+            </a:r>
+            <a:r>
+              <a:rPr lang="de-DE" dirty="0" smtClean="0"/>
+              <a:t>?</a:t>
+            </a:r>
+            <a:endParaRPr lang="de-DE" dirty="0"/>
           </a:p>
         </p:txBody>
       </p:sp>
@@ -8148,7 +9020,7 @@
 </p:sld>
 </file>
 
-<file path=ppt/slides/slide7.xml><?xml version="1.0" encoding="utf-8"?>
+<file path=ppt/slides/slide8.xml><?xml version="1.0" encoding="utf-8"?>
 <p:sld xmlns:a="http://schemas.openxmlformats.org/drawingml/2006/main" xmlns:r="http://schemas.openxmlformats.org/officeDocument/2006/relationships" xmlns:p="http://schemas.openxmlformats.org/presentationml/2006/main">
   <p:cSld>
     <p:spTree>
@@ -8181,8 +9053,36 @@
           <a:lstStyle/>
           <a:p>
             <a:r>
-              <a:rPr lang="de-DE" dirty="0" smtClean="0"/>
-              <a:t>Hat es eine Zukunft? </a:t>
+              <a:rPr lang="de-DE" dirty="0" err="1"/>
+              <a:t>Does</a:t>
+            </a:r>
+            <a:r>
+              <a:rPr lang="de-DE" dirty="0"/>
+              <a:t> </a:t>
+            </a:r>
+            <a:r>
+              <a:rPr lang="de-DE" dirty="0" err="1"/>
+              <a:t>it</a:t>
+            </a:r>
+            <a:r>
+              <a:rPr lang="de-DE" dirty="0"/>
+              <a:t> </a:t>
+            </a:r>
+            <a:r>
+              <a:rPr lang="de-DE" dirty="0" err="1"/>
+              <a:t>have</a:t>
+            </a:r>
+            <a:r>
+              <a:rPr lang="de-DE" dirty="0"/>
+              <a:t> a </a:t>
+            </a:r>
+            <a:r>
+              <a:rPr lang="de-DE" dirty="0" err="1"/>
+              <a:t>future</a:t>
+            </a:r>
+            <a:r>
+              <a:rPr lang="de-DE" dirty="0" smtClean="0"/>
+              <a:t>? </a:t>
             </a:r>
             <a:r>
               <a:rPr lang="de-DE" dirty="0" smtClean="0">
@@ -8321,159 +9221,6 @@
 </p:sld>
 </file>
 
-<file path=ppt/slides/slide8.xml><?xml version="1.0" encoding="utf-8"?>
-<p:sld xmlns:a="http://schemas.openxmlformats.org/drawingml/2006/main" xmlns:r="http://schemas.openxmlformats.org/officeDocument/2006/relationships" xmlns:p="http://schemas.openxmlformats.org/presentationml/2006/main">
-  <p:cSld>
-    <p:spTree>
-      <p:nvGrpSpPr>
-        <p:cNvPr id="1" name=""/>
-        <p:cNvGrpSpPr/>
-        <p:nvPr/>
-      </p:nvGrpSpPr>
-      <p:grpSpPr>
-        <a:xfrm>
-          <a:off x="0" y="0"/>
-          <a:ext cx="0" cy="0"/>
-          <a:chOff x="0" y="0"/>
-          <a:chExt cx="0" cy="0"/>
-        </a:xfrm>
-      </p:grpSpPr>
-      <p:sp>
-        <p:nvSpPr>
-          <p:cNvPr id="4" name="Titel 3"/>
-          <p:cNvSpPr>
-            <a:spLocks noGrp="1"/>
-          </p:cNvSpPr>
-          <p:nvPr>
-            <p:ph type="title"/>
-          </p:nvPr>
-        </p:nvSpPr>
-        <p:spPr/>
-        <p:txBody>
-          <a:bodyPr/>
-          <a:lstStyle/>
-          <a:p>
-            <a:r>
-              <a:rPr lang="de-DE" smtClean="0"/>
-              <a:t>Hat es eine Zukunft?</a:t>
-            </a:r>
-            <a:endParaRPr lang="de-DE"/>
-          </a:p>
-        </p:txBody>
-      </p:sp>
-      <p:pic>
-        <p:nvPicPr>
-          <p:cNvPr id="6" name="Bild 5" descr="Screen Shot 2015-05-05 at 18.41.40.png"/>
-          <p:cNvPicPr>
-            <a:picLocks noChangeAspect="1"/>
-          </p:cNvPicPr>
-          <p:nvPr/>
-        </p:nvPicPr>
-        <p:blipFill>
-          <a:blip r:embed="rId2">
-            <a:extLst>
-              <a:ext uri="{28A0092B-C50C-407E-A947-70E740481C1C}">
-                <a14:useLocalDpi xmlns:a14="http://schemas.microsoft.com/office/drawing/2010/main" val="0"/>
-              </a:ext>
-            </a:extLst>
-          </a:blip>
-          <a:stretch>
-            <a:fillRect/>
-          </a:stretch>
-        </p:blipFill>
-        <p:spPr>
-          <a:xfrm>
-            <a:off x="221727" y="1093066"/>
-            <a:ext cx="8768059" cy="4910973"/>
-          </a:xfrm>
-          <a:prstGeom prst="rect">
-            <a:avLst/>
-          </a:prstGeom>
-          <a:ln>
-            <a:noFill/>
-          </a:ln>
-          <a:effectLst>
-            <a:outerShdw blurRad="292100" dist="139700" dir="2700000" algn="tl" rotWithShape="0">
-              <a:srgbClr val="333333">
-                <a:alpha val="65000"/>
-              </a:srgbClr>
-            </a:outerShdw>
-          </a:effectLst>
-        </p:spPr>
-      </p:pic>
-      <p:sp>
-        <p:nvSpPr>
-          <p:cNvPr id="9" name="Textfeld 8"/>
-          <p:cNvSpPr txBox="1"/>
-          <p:nvPr/>
-        </p:nvSpPr>
-        <p:spPr>
-          <a:xfrm>
-            <a:off x="6907165" y="6025399"/>
-            <a:ext cx="2082621" cy="307777"/>
-          </a:xfrm>
-          <a:prstGeom prst="rect">
-            <a:avLst/>
-          </a:prstGeom>
-          <a:noFill/>
-        </p:spPr>
-        <p:txBody>
-          <a:bodyPr wrap="none" rtlCol="0">
-            <a:spAutoFit/>
-          </a:bodyPr>
-          <a:lstStyle/>
-          <a:p>
-            <a:r>
-              <a:rPr lang="de-DE" sz="1400" smtClean="0">
-                <a:solidFill>
-                  <a:schemeClr val="bg1">
-                    <a:lumMod val="75000"/>
-                  </a:schemeClr>
-                </a:solidFill>
-              </a:rPr>
-              <a:t>Quelle: </a:t>
-            </a:r>
-            <a:r>
-              <a:rPr lang="de-DE" sz="1400" smtClean="0">
-                <a:solidFill>
-                  <a:schemeClr val="bg1">
-                    <a:lumMod val="75000"/>
-                  </a:schemeClr>
-                </a:solidFill>
-                <a:hlinkClick r:id="rId3"/>
-              </a:rPr>
-              <a:t>http://githut.info/</a:t>
-            </a:r>
-            <a:endParaRPr lang="de-DE" sz="1400">
-              <a:solidFill>
-                <a:schemeClr val="bg1">
-                  <a:lumMod val="75000"/>
-                </a:schemeClr>
-              </a:solidFill>
-            </a:endParaRPr>
-          </a:p>
-        </p:txBody>
-      </p:sp>
-    </p:spTree>
-    <p:extLst>
-      <p:ext uri="{BB962C8B-B14F-4D97-AF65-F5344CB8AC3E}">
-        <p14:creationId xmlns:p14="http://schemas.microsoft.com/office/powerpoint/2010/main" val="755243155"/>
-      </p:ext>
-    </p:extLst>
-  </p:cSld>
-  <p:clrMapOvr>
-    <a:masterClrMapping/>
-  </p:clrMapOvr>
-  <p:timing>
-    <p:tnLst>
-      <p:par>
-        <p:cTn xmlns:p14="http://schemas.microsoft.com/office/powerpoint/2010/main" id="1" dur="indefinite" restart="never" nodeType="tmRoot"/>
-      </p:par>
-    </p:tnLst>
-  </p:timing>
-</p:sld>
-</file>
-
 <file path=ppt/slides/slide9.xml><?xml version="1.0" encoding="utf-8"?>
 <p:sld xmlns:a="http://schemas.openxmlformats.org/drawingml/2006/main" xmlns:r="http://schemas.openxmlformats.org/officeDocument/2006/relationships" xmlns:p="http://schemas.openxmlformats.org/presentationml/2006/main">
   <p:cSld>
@@ -8507,24 +9254,103 @@
           <a:lstStyle/>
           <a:p>
             <a:r>
-              <a:rPr lang="de-DE" smtClean="0"/>
-              <a:t>2. Einführung in die Sprache</a:t>
-            </a:r>
-            <a:endParaRPr lang="de-DE"/>
+              <a:rPr lang="de-DE" dirty="0" err="1"/>
+              <a:t>Does</a:t>
+            </a:r>
+            <a:r>
+              <a:rPr lang="de-DE" dirty="0"/>
+              <a:t> </a:t>
+            </a:r>
+            <a:r>
+              <a:rPr lang="de-DE" dirty="0" err="1"/>
+              <a:t>it</a:t>
+            </a:r>
+            <a:r>
+              <a:rPr lang="de-DE" dirty="0"/>
+              <a:t> </a:t>
+            </a:r>
+            <a:r>
+              <a:rPr lang="de-DE" dirty="0" err="1"/>
+              <a:t>have</a:t>
+            </a:r>
+            <a:r>
+              <a:rPr lang="de-DE" dirty="0"/>
+              <a:t> a </a:t>
+            </a:r>
+            <a:r>
+              <a:rPr lang="de-DE" dirty="0" err="1"/>
+              <a:t>future</a:t>
+            </a:r>
+            <a:r>
+              <a:rPr lang="de-DE" dirty="0"/>
+              <a:t>?</a:t>
+            </a:r>
+          </a:p>
+        </p:txBody>
+      </p:sp>
+      <p:sp>
+        <p:nvSpPr>
+          <p:cNvPr id="9" name="Textfeld 8"/>
+          <p:cNvSpPr txBox="1"/>
+          <p:nvPr/>
+        </p:nvSpPr>
+        <p:spPr>
+          <a:xfrm>
+            <a:off x="6787519" y="5884779"/>
+            <a:ext cx="2082621" cy="307777"/>
+          </a:xfrm>
+          <a:prstGeom prst="rect">
+            <a:avLst/>
+          </a:prstGeom>
+          <a:noFill/>
+        </p:spPr>
+        <p:txBody>
+          <a:bodyPr wrap="none" rtlCol="0">
+            <a:spAutoFit/>
+          </a:bodyPr>
+          <a:lstStyle/>
+          <a:p>
+            <a:r>
+              <a:rPr lang="de-DE" sz="1400" dirty="0" smtClean="0">
+                <a:solidFill>
+                  <a:schemeClr val="bg1">
+                    <a:lumMod val="75000"/>
+                  </a:schemeClr>
+                </a:solidFill>
+              </a:rPr>
+              <a:t>Quelle: </a:t>
+            </a:r>
+            <a:r>
+              <a:rPr lang="de-DE" sz="1400" dirty="0" smtClean="0">
+                <a:solidFill>
+                  <a:schemeClr val="bg1">
+                    <a:lumMod val="75000"/>
+                  </a:schemeClr>
+                </a:solidFill>
+                <a:hlinkClick r:id="rId2"/>
+              </a:rPr>
+              <a:t>http://githut.info/</a:t>
+            </a:r>
+            <a:endParaRPr lang="de-DE" sz="1400" dirty="0">
+              <a:solidFill>
+                <a:schemeClr val="bg1">
+                  <a:lumMod val="75000"/>
+                </a:schemeClr>
+              </a:solidFill>
+            </a:endParaRPr>
           </a:p>
         </p:txBody>
       </p:sp>
       <p:pic>
         <p:nvPicPr>
-          <p:cNvPr id="6" name="Bild 5" descr="gopher-tagging.jpg"/>
+          <p:cNvPr id="2" name="Bild 1" descr="Screen Shot 2015-05-07 at 18.15.48.png"/>
           <p:cNvPicPr>
             <a:picLocks noChangeAspect="1"/>
           </p:cNvPicPr>
           <p:nvPr/>
         </p:nvPicPr>
         <p:blipFill>
-          <a:blip r:embed="rId2">
-            <a:alphaModFix amt="50000"/>
+          <a:blip r:embed="rId3">
             <a:extLst>
               <a:ext uri="{28A0092B-C50C-407E-A947-70E740481C1C}">
                 <a14:useLocalDpi xmlns:a14="http://schemas.microsoft.com/office/drawing/2010/main" val="0"/>
@@ -8537,18 +9363,28 @@
         </p:blipFill>
         <p:spPr>
           <a:xfrm>
-            <a:off x="0" y="1020762"/>
-            <a:ext cx="9144000" cy="4748213"/>
+            <a:off x="226786" y="1336061"/>
+            <a:ext cx="8643354" cy="4534218"/>
           </a:xfrm>
           <a:prstGeom prst="rect">
             <a:avLst/>
           </a:prstGeom>
+          <a:ln>
+            <a:noFill/>
+          </a:ln>
+          <a:effectLst>
+            <a:outerShdw blurRad="292100" dist="139700" dir="2700000" algn="tl" rotWithShape="0">
+              <a:srgbClr val="333333">
+                <a:alpha val="65000"/>
+              </a:srgbClr>
+            </a:outerShdw>
+          </a:effectLst>
         </p:spPr>
       </p:pic>
     </p:spTree>
     <p:extLst>
       <p:ext uri="{BB962C8B-B14F-4D97-AF65-F5344CB8AC3E}">
-        <p14:creationId xmlns:p14="http://schemas.microsoft.com/office/powerpoint/2010/main" val="231368875"/>
+        <p14:creationId xmlns:p14="http://schemas.microsoft.com/office/powerpoint/2010/main" val="755243155"/>
       </p:ext>
     </p:extLst>
   </p:cSld>

--- a/intro-to-go.pptx
+++ b/intro-to-go.pptx
@@ -3200,10 +3200,18 @@
           <a:lstStyle/>
           <a:p>
             <a:r>
+              <a:rPr lang="de-DE" dirty="0" smtClean="0"/>
+              <a:t>Little Intro </a:t>
+            </a:r>
+            <a:r>
+              <a:rPr lang="de-DE" dirty="0" err="1" smtClean="0"/>
+              <a:t>to</a:t>
+            </a:r>
+            <a:r>
               <a:rPr lang="de-DE" smtClean="0"/>
-              <a:t>Kleine Einführung in Go</a:t>
-            </a:r>
-            <a:endParaRPr lang="de-DE"/>
+              <a:t> Go</a:t>
+            </a:r>
+            <a:endParaRPr lang="de-DE" dirty="0"/>
           </a:p>
         </p:txBody>
       </p:sp>
@@ -3231,13 +3239,8 @@
             </a:br>
             <a:r>
               <a:rPr lang="de-DE" dirty="0" smtClean="0"/>
-              <a:t>am </a:t>
-            </a:r>
-            <a:r>
-              <a:rPr lang="de-DE" dirty="0" smtClean="0"/>
-              <a:t>04.06.2015</a:t>
-            </a:r>
-            <a:endParaRPr lang="de-DE" dirty="0" smtClean="0"/>
+              <a:t>am 04.06.2015</a:t>
+            </a:r>
           </a:p>
           <a:p>
             <a:r>
@@ -4113,11 +4116,7 @@
             <a:pPr lvl="1"/>
             <a:r>
               <a:rPr lang="en-GB" dirty="0" smtClean="0"/>
-              <a:t>flow4: </a:t>
-            </a:r>
-            <a:r>
-              <a:rPr lang="en-GB" dirty="0" smtClean="0"/>
-              <a:t>recover</a:t>
+              <a:t>flow4: recover</a:t>
             </a:r>
           </a:p>
           <a:p>
@@ -4126,7 +4125,6 @@
               <a:rPr lang="en-GB" dirty="0" smtClean="0"/>
               <a:t>flow5: error</a:t>
             </a:r>
-            <a:endParaRPr lang="en-GB" dirty="0" smtClean="0"/>
           </a:p>
         </p:txBody>
       </p:sp>
@@ -6780,15 +6778,7 @@
           <a:p>
             <a:r>
               <a:rPr lang="en-GB" dirty="0" smtClean="0"/>
-              <a:t>4. Unit Testing </a:t>
-            </a:r>
-            <a:r>
-              <a:rPr lang="en-GB" dirty="0" smtClean="0"/>
-              <a:t>And </a:t>
-            </a:r>
-            <a:r>
-              <a:rPr lang="en-GB" dirty="0" smtClean="0"/>
-              <a:t>Benchmarking</a:t>
+              <a:t>4. Unit Testing And Benchmarking</a:t>
             </a:r>
             <a:endParaRPr lang="en-GB" dirty="0"/>
           </a:p>
@@ -7750,51 +7740,20 @@
           <a:p>
             <a:r>
               <a:rPr lang="en-GB" dirty="0" smtClean="0"/>
-              <a:t>web1: </a:t>
-            </a:r>
+              <a:t>web1: Hello World Web server</a:t>
+            </a:r>
+          </a:p>
+          <a:p>
             <a:r>
               <a:rPr lang="en-GB" dirty="0" smtClean="0"/>
-              <a:t>Hello World Web server</a:t>
-            </a:r>
-            <a:endParaRPr lang="en-GB" dirty="0" smtClean="0"/>
+              <a:t>web2: Simple file server</a:t>
+            </a:r>
           </a:p>
           <a:p>
             <a:r>
               <a:rPr lang="en-GB" dirty="0" smtClean="0"/>
-              <a:t>web2: </a:t>
-            </a:r>
-            <a:r>
-              <a:rPr lang="en-GB" dirty="0" smtClean="0"/>
-              <a:t>Simple </a:t>
-            </a:r>
-            <a:r>
-              <a:rPr lang="en-GB" dirty="0" smtClean="0"/>
-              <a:t>fi</a:t>
-            </a:r>
-            <a:r>
-              <a:rPr lang="en-GB" dirty="0" smtClean="0"/>
-              <a:t>le server</a:t>
-            </a:r>
-            <a:endParaRPr lang="en-GB" dirty="0" smtClean="0"/>
-          </a:p>
-          <a:p>
-            <a:r>
-              <a:rPr lang="en-GB" dirty="0" smtClean="0"/>
-              <a:t>web3: Templates </a:t>
-            </a:r>
-            <a:r>
-              <a:rPr lang="en-GB" dirty="0" smtClean="0"/>
-              <a:t>using html</a:t>
-            </a:r>
-            <a:r>
-              <a:rPr lang="en-GB" dirty="0" smtClean="0"/>
-              <a:t>/</a:t>
-            </a:r>
-            <a:r>
-              <a:rPr lang="en-GB" dirty="0" smtClean="0"/>
-              <a:t>template package</a:t>
-            </a:r>
-            <a:endParaRPr lang="en-GB" dirty="0" smtClean="0"/>
+              <a:t>web3: Templates using html/template package</a:t>
+            </a:r>
           </a:p>
         </p:txBody>
       </p:sp>
@@ -8347,31 +8306,7 @@
                   <a:srgbClr val="000000"/>
                 </a:solidFill>
               </a:rPr>
-              <a:t>Fast </a:t>
-            </a:r>
-            <a:r>
-              <a:rPr lang="en-GB" dirty="0" smtClean="0">
-                <a:solidFill>
-                  <a:srgbClr val="000000"/>
-                </a:solidFill>
-              </a:rPr>
-              <a:t>(</a:t>
-            </a:r>
-            <a:r>
-              <a:rPr lang="en-GB" dirty="0" smtClean="0">
-                <a:solidFill>
-                  <a:srgbClr val="000000"/>
-                </a:solidFill>
-              </a:rPr>
-              <a:t>theoretically between C++ / </a:t>
-            </a:r>
-            <a:r>
-              <a:rPr lang="en-GB" dirty="0" smtClean="0">
-                <a:solidFill>
-                  <a:srgbClr val="000000"/>
-                </a:solidFill>
-              </a:rPr>
-              <a:t>Java)</a:t>
+              <a:t>Fast (theoretically between C++ / Java)</a:t>
             </a:r>
             <a:endParaRPr lang="en-GB" dirty="0">
               <a:solidFill>
@@ -8419,29 +8354,8 @@
                   <a:srgbClr val="000000"/>
                 </a:solidFill>
               </a:rPr>
-              <a:t>Easy </a:t>
-            </a:r>
-            <a:r>
-              <a:rPr lang="en-GB" dirty="0" smtClean="0">
-                <a:solidFill>
-                  <a:srgbClr val="000000"/>
-                </a:solidFill>
-              </a:rPr>
-              <a:t>to program </a:t>
-            </a:r>
-            <a:r>
-              <a:rPr lang="en-GB" dirty="0" smtClean="0">
-                <a:solidFill>
-                  <a:srgbClr val="000000"/>
-                </a:solidFill>
-              </a:rPr>
-              <a:t>concurrently (multi-core)</a:t>
-            </a:r>
-            <a:endParaRPr lang="en-GB" dirty="0" smtClean="0">
-              <a:solidFill>
-                <a:srgbClr val="000000"/>
-              </a:solidFill>
-            </a:endParaRPr>
+              <a:t>Easy to program concurrently (multi-core)</a:t>
+            </a:r>
           </a:p>
           <a:p>
             <a:r>
@@ -8500,15 +8414,7 @@
                   <a:srgbClr val="000000"/>
                 </a:solidFill>
               </a:rPr>
-              <a:t>Great runtime error messages (e.g. deadlocks</a:t>
-            </a:r>
-            <a:r>
-              <a:rPr lang="en-GB" dirty="0" smtClean="0">
-                <a:solidFill>
-                  <a:srgbClr val="000000"/>
-                </a:solidFill>
-              </a:rPr>
-              <a:t>)</a:t>
+              <a:t>Great runtime error messages (e.g. deadlocks)</a:t>
             </a:r>
           </a:p>
           <a:p>
@@ -8520,11 +8426,6 @@
               </a:rPr>
               <a:t>Garbage-collected</a:t>
             </a:r>
-            <a:endParaRPr lang="en-GB" dirty="0" smtClean="0">
-              <a:solidFill>
-                <a:srgbClr val="000000"/>
-              </a:solidFill>
-            </a:endParaRPr>
           </a:p>
         </p:txBody>
       </p:sp>
@@ -8616,15 +8517,7 @@
                   <a:srgbClr val="000000"/>
                 </a:solidFill>
               </a:rPr>
-              <a:t>Very </a:t>
-            </a:r>
-            <a:r>
-              <a:rPr lang="en-GB" dirty="0" smtClean="0">
-                <a:solidFill>
-                  <a:srgbClr val="000000"/>
-                </a:solidFill>
-              </a:rPr>
-              <a:t>simple type system &amp; syntax</a:t>
+              <a:t>Very simple type system &amp; syntax</a:t>
             </a:r>
             <a:br>
               <a:rPr lang="en-GB" dirty="0" smtClean="0">
@@ -8639,15 +8532,7 @@
                   <a:srgbClr val="000000"/>
                 </a:solidFill>
               </a:rPr>
-              <a:t>(</a:t>
-            </a:r>
-            <a:r>
-              <a:rPr lang="en-GB" dirty="0" smtClean="0">
-                <a:solidFill>
-                  <a:srgbClr val="000000"/>
-                </a:solidFill>
-              </a:rPr>
-              <a:t>lang. spec. 46 pages, including examples)</a:t>
+              <a:t>(lang. spec. 46 pages, including examples)</a:t>
             </a:r>
           </a:p>
           <a:p>

--- a/intro-to-go.pptx
+++ b/intro-to-go.pptx
@@ -320,7 +320,7 @@
           <a:p>
             <a:fld id="{A5DA2461-075C-0F47-89CA-E08348EB1FB2}" type="datetimeFigureOut">
               <a:rPr lang="de-DE" smtClean="0"/>
-              <a:t>04/06/15</a:t>
+              <a:t>11/06/15</a:t>
             </a:fld>
             <a:endParaRPr lang="en-GB"/>
           </a:p>
@@ -490,7 +490,7 @@
           <a:p>
             <a:fld id="{A5DA2461-075C-0F47-89CA-E08348EB1FB2}" type="datetimeFigureOut">
               <a:rPr lang="de-DE" smtClean="0"/>
-              <a:t>04/06/15</a:t>
+              <a:t>11/06/15</a:t>
             </a:fld>
             <a:endParaRPr lang="en-GB"/>
           </a:p>
@@ -670,7 +670,7 @@
           <a:p>
             <a:fld id="{A5DA2461-075C-0F47-89CA-E08348EB1FB2}" type="datetimeFigureOut">
               <a:rPr lang="de-DE" smtClean="0"/>
-              <a:t>04/06/15</a:t>
+              <a:t>11/06/15</a:t>
             </a:fld>
             <a:endParaRPr lang="en-GB"/>
           </a:p>
@@ -857,7 +857,7 @@
           <a:p>
             <a:fld id="{A5DA2461-075C-0F47-89CA-E08348EB1FB2}" type="datetimeFigureOut">
               <a:rPr lang="de-DE" smtClean="0"/>
-              <a:t>04/06/15</a:t>
+              <a:t>11/06/15</a:t>
             </a:fld>
             <a:endParaRPr lang="en-GB" dirty="0"/>
           </a:p>
@@ -1143,7 +1143,7 @@
           <a:p>
             <a:fld id="{A5DA2461-075C-0F47-89CA-E08348EB1FB2}" type="datetimeFigureOut">
               <a:rPr lang="de-DE" smtClean="0"/>
-              <a:t>04/06/15</a:t>
+              <a:t>11/06/15</a:t>
             </a:fld>
             <a:endParaRPr lang="en-GB"/>
           </a:p>
@@ -1431,7 +1431,7 @@
           <a:p>
             <a:fld id="{A5DA2461-075C-0F47-89CA-E08348EB1FB2}" type="datetimeFigureOut">
               <a:rPr lang="de-DE" smtClean="0"/>
-              <a:t>04/06/15</a:t>
+              <a:t>11/06/15</a:t>
             </a:fld>
             <a:endParaRPr lang="en-GB"/>
           </a:p>
@@ -1853,7 +1853,7 @@
           <a:p>
             <a:fld id="{A5DA2461-075C-0F47-89CA-E08348EB1FB2}" type="datetimeFigureOut">
               <a:rPr lang="de-DE" smtClean="0"/>
-              <a:t>04/06/15</a:t>
+              <a:t>11/06/15</a:t>
             </a:fld>
             <a:endParaRPr lang="en-GB"/>
           </a:p>
@@ -1971,7 +1971,7 @@
           <a:p>
             <a:fld id="{A5DA2461-075C-0F47-89CA-E08348EB1FB2}" type="datetimeFigureOut">
               <a:rPr lang="de-DE" smtClean="0"/>
-              <a:t>04/06/15</a:t>
+              <a:t>11/06/15</a:t>
             </a:fld>
             <a:endParaRPr lang="en-GB"/>
           </a:p>
@@ -2066,7 +2066,7 @@
           <a:p>
             <a:fld id="{A5DA2461-075C-0F47-89CA-E08348EB1FB2}" type="datetimeFigureOut">
               <a:rPr lang="de-DE" smtClean="0"/>
-              <a:t>04/06/15</a:t>
+              <a:t>11/06/15</a:t>
             </a:fld>
             <a:endParaRPr lang="en-GB"/>
           </a:p>
@@ -2343,7 +2343,7 @@
           <a:p>
             <a:fld id="{A5DA2461-075C-0F47-89CA-E08348EB1FB2}" type="datetimeFigureOut">
               <a:rPr lang="de-DE" smtClean="0"/>
-              <a:t>04/06/15</a:t>
+              <a:t>11/06/15</a:t>
             </a:fld>
             <a:endParaRPr lang="en-GB"/>
           </a:p>
@@ -2596,7 +2596,7 @@
           <a:p>
             <a:fld id="{A5DA2461-075C-0F47-89CA-E08348EB1FB2}" type="datetimeFigureOut">
               <a:rPr lang="de-DE" smtClean="0"/>
-              <a:t>04/06/15</a:t>
+              <a:t>11/06/15</a:t>
             </a:fld>
             <a:endParaRPr lang="en-GB"/>
           </a:p>
@@ -2809,7 +2809,7 @@
           <a:p>
             <a:fld id="{A5DA2461-075C-0F47-89CA-E08348EB1FB2}" type="datetimeFigureOut">
               <a:rPr lang="de-DE" smtClean="0"/>
-              <a:t>04/06/15</a:t>
+              <a:t>11/06/15</a:t>
             </a:fld>
             <a:endParaRPr lang="en-GB"/>
           </a:p>
@@ -3208,7 +3208,7 @@
               <a:t>to</a:t>
             </a:r>
             <a:r>
-              <a:rPr lang="de-DE" smtClean="0"/>
+              <a:rPr lang="de-DE" dirty="0" smtClean="0"/>
               <a:t> Go</a:t>
             </a:r>
             <a:endParaRPr lang="de-DE" dirty="0"/>
@@ -3232,15 +3232,20 @@
           <a:p>
             <a:r>
               <a:rPr lang="de-DE" dirty="0" smtClean="0"/>
-              <a:t>Softwerkskammer Lübeck,</a:t>
+              <a:t>ITM,</a:t>
+            </a:r>
+            <a:r>
+              <a:rPr lang="de-DE" dirty="0" smtClean="0"/>
+              <a:t/>
             </a:r>
             <a:br>
               <a:rPr lang="de-DE" dirty="0" smtClean="0"/>
             </a:br>
             <a:r>
               <a:rPr lang="de-DE" dirty="0" smtClean="0"/>
-              <a:t>am 04.06.2015</a:t>
-            </a:r>
+              <a:t>am 11.06.2015</a:t>
+            </a:r>
+            <a:endParaRPr lang="de-DE" dirty="0" smtClean="0"/>
           </a:p>
           <a:p>
             <a:r>
@@ -4490,6 +4495,13 @@
   <p:clrMapOvr>
     <a:masterClrMapping/>
   </p:clrMapOvr>
+  <p:timing>
+    <p:tnLst>
+      <p:par>
+        <p:cTn xmlns:p14="http://schemas.microsoft.com/office/powerpoint/2010/main" id="1" dur="indefinite" restart="never" nodeType="tmRoot"/>
+      </p:par>
+    </p:tnLst>
+  </p:timing>
 </p:sld>
 </file>
 
@@ -5064,6 +5076,13 @@
   <p:clrMapOvr>
     <a:masterClrMapping/>
   </p:clrMapOvr>
+  <p:timing>
+    <p:tnLst>
+      <p:par>
+        <p:cTn xmlns:p14="http://schemas.microsoft.com/office/powerpoint/2010/main" id="1" dur="indefinite" restart="never" nodeType="tmRoot"/>
+      </p:par>
+    </p:tnLst>
+  </p:timing>
 </p:sld>
 </file>
 
